--- a/PPT/rt-thread 02.pptx
+++ b/PPT/rt-thread 02.pptx
@@ -5,23 +5,40 @@
     <p:sldMasterId id="2147483660" r:id="rId1"/>
   </p:sldMasterIdLst>
   <p:notesMasterIdLst>
-    <p:notesMasterId r:id="rId13"/>
+    <p:notesMasterId r:id="rId30"/>
   </p:notesMasterIdLst>
   <p:handoutMasterIdLst>
-    <p:handoutMasterId r:id="rId14"/>
+    <p:handoutMasterId r:id="rId31"/>
   </p:handoutMasterIdLst>
   <p:sldIdLst>
     <p:sldId id="256" r:id="rId2"/>
     <p:sldId id="295" r:id="rId3"/>
-    <p:sldId id="296" r:id="rId4"/>
-    <p:sldId id="297" r:id="rId5"/>
-    <p:sldId id="298" r:id="rId6"/>
-    <p:sldId id="299" r:id="rId7"/>
-    <p:sldId id="300" r:id="rId8"/>
-    <p:sldId id="301" r:id="rId9"/>
-    <p:sldId id="302" r:id="rId10"/>
-    <p:sldId id="303" r:id="rId11"/>
-    <p:sldId id="304" r:id="rId12"/>
+    <p:sldId id="305" r:id="rId4"/>
+    <p:sldId id="306" r:id="rId5"/>
+    <p:sldId id="314" r:id="rId6"/>
+    <p:sldId id="315" r:id="rId7"/>
+    <p:sldId id="316" r:id="rId8"/>
+    <p:sldId id="318" r:id="rId9"/>
+    <p:sldId id="319" r:id="rId10"/>
+    <p:sldId id="321" r:id="rId11"/>
+    <p:sldId id="322" r:id="rId12"/>
+    <p:sldId id="327" r:id="rId13"/>
+    <p:sldId id="328" r:id="rId14"/>
+    <p:sldId id="323" r:id="rId15"/>
+    <p:sldId id="324" r:id="rId16"/>
+    <p:sldId id="325" r:id="rId17"/>
+    <p:sldId id="329" r:id="rId18"/>
+    <p:sldId id="330" r:id="rId19"/>
+    <p:sldId id="307" r:id="rId20"/>
+    <p:sldId id="296" r:id="rId21"/>
+    <p:sldId id="297" r:id="rId22"/>
+    <p:sldId id="298" r:id="rId23"/>
+    <p:sldId id="299" r:id="rId24"/>
+    <p:sldId id="300" r:id="rId25"/>
+    <p:sldId id="301" r:id="rId26"/>
+    <p:sldId id="302" r:id="rId27"/>
+    <p:sldId id="303" r:id="rId28"/>
+    <p:sldId id="304" r:id="rId29"/>
   </p:sldIdLst>
   <p:sldSz cx="9144000" cy="6858000" type="screen4x3"/>
   <p:notesSz cx="6858000" cy="9144000"/>
@@ -205,7 +222,7 @@
           <a:p>
             <a:fld id="{8B6B50D4-DC46-4FA5-9704-2840A656EC7A}" type="datetimeFigureOut">
               <a:rPr lang="zh-CN" altLang="en-US" smtClean="0"/>
-              <a:t>2019/2/13</a:t>
+              <a:t>2019/2/17</a:t>
             </a:fld>
             <a:endParaRPr lang="zh-CN" altLang="en-US"/>
           </a:p>
@@ -371,7 +388,7 @@
           <a:p>
             <a:fld id="{FB19586E-944B-48E1-81D9-06C4EFA15864}" type="datetimeFigureOut">
               <a:rPr lang="zh-CN" altLang="en-US" smtClean="0"/>
-              <a:t>2019/2/13</a:t>
+              <a:t>2019/2/17</a:t>
             </a:fld>
             <a:endParaRPr lang="zh-CN" altLang="en-US"/>
           </a:p>
@@ -2513,7 +2530,7 @@
           <a:p>
             <a:fld id="{F8CA1488-D7B7-42B6-8503-8A90F8AD1DF0}" type="datetime1">
               <a:rPr lang="zh-CN" altLang="en-US" smtClean="0"/>
-              <a:t>2019/2/13</a:t>
+              <a:t>2019/2/17</a:t>
             </a:fld>
             <a:endParaRPr lang="zh-CN" altLang="en-US"/>
           </a:p>
@@ -2702,7 +2719,7 @@
           <a:p>
             <a:fld id="{5F7243A5-32FB-4A51-AC80-21698845C31E}" type="datetime1">
               <a:rPr lang="zh-CN" altLang="en-US" smtClean="0"/>
-              <a:t>2019/2/13</a:t>
+              <a:t>2019/2/17</a:t>
             </a:fld>
             <a:endParaRPr lang="zh-CN" altLang="en-US"/>
           </a:p>
@@ -2861,7 +2878,7 @@
           <a:p>
             <a:fld id="{C5E7343D-3CFE-434C-9C7A-936DF2B0A8BE}" type="datetime1">
               <a:rPr lang="zh-CN" altLang="en-US" smtClean="0"/>
-              <a:t>2019/2/13</a:t>
+              <a:t>2019/2/17</a:t>
             </a:fld>
             <a:endParaRPr lang="zh-CN" altLang="en-US"/>
           </a:p>
@@ -4695,7 +4712,7 @@
           <a:p>
             <a:fld id="{3C8F402B-BC23-4035-88EA-F4FDA627CB55}" type="datetime1">
               <a:rPr lang="zh-CN" altLang="en-US" smtClean="0"/>
-              <a:t>2019/2/13</a:t>
+              <a:t>2019/2/17</a:t>
             </a:fld>
             <a:endParaRPr lang="zh-CN" altLang="en-US"/>
           </a:p>
@@ -6573,7 +6590,7 @@
           <a:p>
             <a:fld id="{C1F82A06-2548-44D3-A19E-982ED1AAA96F}" type="datetime1">
               <a:rPr lang="zh-CN" altLang="en-US" smtClean="0"/>
-              <a:t>2019/2/13</a:t>
+              <a:t>2019/2/17</a:t>
             </a:fld>
             <a:endParaRPr lang="zh-CN" altLang="en-US"/>
           </a:p>
@@ -6694,7 +6711,7 @@
           <a:p>
             <a:fld id="{3523644A-2FAA-4AAE-A514-C40039FFB6DD}" type="datetime1">
               <a:rPr lang="zh-CN" altLang="en-US" smtClean="0"/>
-              <a:t>2019/2/13</a:t>
+              <a:t>2019/2/17</a:t>
             </a:fld>
             <a:endParaRPr lang="zh-CN" altLang="en-US"/>
           </a:p>
@@ -7243,7 +7260,7 @@
           <a:p>
             <a:fld id="{9CEEB67C-6140-43E7-8AF1-6844C2E187B5}" type="datetime1">
               <a:rPr lang="zh-CN" altLang="en-US" smtClean="0"/>
-              <a:t>2019/2/13</a:t>
+              <a:t>2019/2/17</a:t>
             </a:fld>
             <a:endParaRPr lang="zh-CN" altLang="en-US"/>
           </a:p>
@@ -7364,7 +7381,7 @@
           <a:p>
             <a:fld id="{2E4DECCF-2FD0-4F0C-99DD-4FC96FDBAB00}" type="datetime1">
               <a:rPr lang="zh-CN" altLang="en-US" smtClean="0"/>
-              <a:t>2019/2/13</a:t>
+              <a:t>2019/2/17</a:t>
             </a:fld>
             <a:endParaRPr lang="zh-CN" altLang="en-US"/>
           </a:p>
@@ -9083,7 +9100,7 @@
           <a:p>
             <a:fld id="{3186CEFE-9785-4F55-9473-FF42FB85EF1C}" type="datetime1">
               <a:rPr lang="zh-CN" altLang="en-US" smtClean="0"/>
-              <a:t>2019/2/13</a:t>
+              <a:t>2019/2/17</a:t>
             </a:fld>
             <a:endParaRPr lang="zh-CN" altLang="en-US"/>
           </a:p>
@@ -9242,7 +9259,7 @@
           <a:p>
             <a:fld id="{2268FE20-1511-4A02-8C5B-67D3988ECE5D}" type="datetime1">
               <a:rPr lang="zh-CN" altLang="en-US" smtClean="0"/>
-              <a:t>2019/2/13</a:t>
+              <a:t>2019/2/17</a:t>
             </a:fld>
             <a:endParaRPr lang="zh-CN" altLang="en-US"/>
           </a:p>
@@ -12865,7 +12882,7 @@
           <a:p>
             <a:fld id="{163CA4D3-F700-49F6-9B85-C4F1E684FD0B}" type="datetime1">
               <a:rPr lang="zh-CN" altLang="en-US" smtClean="0"/>
-              <a:t>2019/2/13</a:t>
+              <a:t>2019/2/17</a:t>
             </a:fld>
             <a:endParaRPr lang="zh-CN" altLang="en-US"/>
           </a:p>
@@ -14732,7 +14749,7 @@
           <a:p>
             <a:fld id="{CE3EC6D9-9C2B-421A-9204-0F3984D7E0B6}" type="datetime1">
               <a:rPr lang="zh-CN" altLang="en-US" smtClean="0"/>
-              <a:t>2019/2/13</a:t>
+              <a:t>2019/2/17</a:t>
             </a:fld>
             <a:endParaRPr lang="zh-CN" altLang="en-US"/>
           </a:p>
@@ -15917,7 +15934,7 @@
         </p:nvSpPr>
         <p:spPr>
           <a:xfrm>
-            <a:off x="0" y="6381328"/>
+            <a:off x="0" y="6304235"/>
             <a:ext cx="9144000" cy="365125"/>
           </a:xfrm>
         </p:spPr>
@@ -15971,12 +15988,7 @@
             <p:ph type="sldNum" sz="quarter" idx="12"/>
           </p:nvPr>
         </p:nvSpPr>
-        <p:spPr>
-          <a:xfrm>
-            <a:off x="3995936" y="6381328"/>
-            <a:ext cx="1161826" cy="365125"/>
-          </a:xfrm>
-        </p:spPr>
+        <p:spPr/>
         <p:txBody>
           <a:bodyPr/>
           <a:lstStyle/>
@@ -15985,7 +15997,7 @@
               <a:rPr lang="zh-CN" altLang="en-US" smtClean="0"/>
               <a:t>10</a:t>
             </a:fld>
-            <a:endParaRPr lang="zh-CN" altLang="en-US" dirty="0"/>
+            <a:endParaRPr lang="zh-CN" altLang="en-US"/>
           </a:p>
         </p:txBody>
       </p:sp>
@@ -16001,14 +16013,12 @@
         </p:nvSpPr>
         <p:spPr/>
         <p:txBody>
-          <a:bodyPr>
-            <a:normAutofit/>
-          </a:bodyPr>
+          <a:bodyPr/>
           <a:lstStyle/>
           <a:p>
             <a:r>
               <a:rPr lang="zh-CN" altLang="en-US" dirty="0" smtClean="0"/>
-              <a:t>目前常用的实时操作系统</a:t>
+              <a:t>线程状态</a:t>
             </a:r>
             <a:endParaRPr lang="zh-CN" altLang="en-US" dirty="0"/>
           </a:p>
@@ -16016,7 +16026,7 @@
       </p:sp>
       <p:sp>
         <p:nvSpPr>
-          <p:cNvPr id="2" name="内容占位符 1"/>
+          <p:cNvPr id="6" name="内容占位符 5"/>
           <p:cNvSpPr>
             <a:spLocks noGrp="1"/>
           </p:cNvSpPr>
@@ -16029,145 +16039,153 @@
           <a:bodyPr/>
           <a:lstStyle/>
           <a:p>
+            <a:pPr marL="0" indent="0">
+              <a:buNone/>
+            </a:pPr>
+            <a:r>
+              <a:rPr lang="en-US" altLang="zh-CN" sz="2000" dirty="0"/>
+              <a:t>RT-Thread </a:t>
+            </a:r>
+            <a:r>
+              <a:rPr lang="zh-CN" altLang="en-US" sz="2000" dirty="0"/>
+              <a:t>系统中的每一个线程都</a:t>
+            </a:r>
+            <a:r>
+              <a:rPr lang="zh-CN" altLang="en-US" sz="2000" dirty="0" smtClean="0"/>
+              <a:t>有</a:t>
+            </a:r>
+            <a:r>
+              <a:rPr lang="en-US" altLang="zh-CN" sz="2000" dirty="0" smtClean="0"/>
+              <a:t>5</a:t>
+            </a:r>
+            <a:r>
+              <a:rPr lang="zh-CN" altLang="en-US" sz="2000" dirty="0" smtClean="0"/>
+              <a:t>种</a:t>
+            </a:r>
+            <a:r>
+              <a:rPr lang="zh-CN" altLang="en-US" sz="2000" dirty="0"/>
+              <a:t>运行状态</a:t>
+            </a:r>
+            <a:r>
+              <a:rPr lang="zh-CN" altLang="en-US" sz="2000" dirty="0" smtClean="0"/>
+              <a:t>，</a:t>
+            </a:r>
+            <a:r>
+              <a:rPr lang="en-US" altLang="zh-CN" sz="2000" dirty="0"/>
+              <a:t>RT-Thread </a:t>
+            </a:r>
+            <a:r>
+              <a:rPr lang="zh-CN" altLang="en-US" sz="2000" dirty="0"/>
+              <a:t>提供一系列的操作系统调用接口，使得线程的状态在这五个状态之间来回</a:t>
+            </a:r>
+            <a:r>
+              <a:rPr lang="zh-CN" altLang="en-US" sz="2000" dirty="0" smtClean="0"/>
+              <a:t>切换，从</a:t>
+            </a:r>
+            <a:r>
+              <a:rPr lang="zh-CN" altLang="en-US" sz="2000" dirty="0"/>
+              <a:t>运行态线程</a:t>
+            </a:r>
+            <a:r>
+              <a:rPr lang="zh-CN" altLang="en-US" sz="2000" dirty="0" smtClean="0"/>
+              <a:t>变成挂起态（</a:t>
+            </a:r>
+            <a:r>
+              <a:rPr lang="zh-CN" altLang="en-US" sz="2000" dirty="0"/>
+              <a:t>阻塞</a:t>
+            </a:r>
+            <a:r>
+              <a:rPr lang="zh-CN" altLang="en-US" sz="2000" dirty="0" smtClean="0"/>
+              <a:t>），</a:t>
+            </a:r>
+            <a:r>
+              <a:rPr lang="zh-CN" altLang="en-US" sz="2000" dirty="0"/>
+              <a:t>或者</a:t>
+            </a:r>
+            <a:r>
+              <a:rPr lang="zh-CN" altLang="en-US" sz="2000" dirty="0" smtClean="0"/>
+              <a:t>从挂起态</a:t>
+            </a:r>
+            <a:r>
+              <a:rPr lang="zh-CN" altLang="en-US" sz="2000" dirty="0"/>
+              <a:t>变成就绪</a:t>
+            </a:r>
+            <a:r>
+              <a:rPr lang="zh-CN" altLang="en-US" sz="2000" dirty="0" smtClean="0"/>
+              <a:t>态等等。</a:t>
+            </a:r>
             <a:r>
               <a:rPr lang="zh-CN" altLang="en-US" dirty="0"/>
-              <a:t>常用的 </a:t>
-            </a:r>
-            <a:r>
-              <a:rPr lang="en-US" altLang="zh-CN" dirty="0"/>
-              <a:t>RTOS </a:t>
-            </a:r>
-            <a:r>
-              <a:rPr lang="zh-CN" altLang="en-US" dirty="0"/>
-              <a:t>有国外的 </a:t>
-            </a:r>
-            <a:r>
-              <a:rPr lang="en-US" altLang="zh-CN" dirty="0" err="1"/>
-              <a:t>FreeRTOS</a:t>
-            </a:r>
-            <a:r>
-              <a:rPr lang="zh-CN" altLang="en-US" dirty="0" smtClean="0"/>
-              <a:t>、</a:t>
-            </a:r>
-            <a:r>
-              <a:rPr lang="el-GR" altLang="zh-CN" dirty="0" smtClean="0"/>
-              <a:t>μ</a:t>
-            </a:r>
-            <a:r>
-              <a:rPr lang="en-US" altLang="zh-CN" dirty="0"/>
-              <a:t>C/OS</a:t>
-            </a:r>
-            <a:r>
-              <a:rPr lang="zh-CN" altLang="en-US" dirty="0"/>
-              <a:t>、 </a:t>
-            </a:r>
-            <a:r>
-              <a:rPr lang="en-US" altLang="zh-CN" dirty="0"/>
-              <a:t>RTX </a:t>
-            </a:r>
-            <a:r>
-              <a:rPr lang="zh-CN" altLang="en-US" dirty="0"/>
-              <a:t>和国内的 </a:t>
-            </a:r>
-            <a:r>
-              <a:rPr lang="en-US" altLang="zh-CN" dirty="0"/>
-              <a:t>RT-Thread</a:t>
-            </a:r>
-            <a:r>
-              <a:rPr lang="zh-CN" altLang="en-US" dirty="0"/>
-              <a:t>、 </a:t>
-            </a:r>
-            <a:r>
-              <a:rPr lang="en-US" altLang="zh-CN" dirty="0"/>
-              <a:t>Huawei </a:t>
-            </a:r>
-            <a:r>
-              <a:rPr lang="en-US" altLang="zh-CN" dirty="0" err="1"/>
-              <a:t>LiteOS</a:t>
-            </a:r>
-            <a:r>
-              <a:rPr lang="en-US" altLang="zh-CN" dirty="0"/>
-              <a:t> </a:t>
-            </a:r>
-            <a:r>
-              <a:rPr lang="zh-CN" altLang="en-US" dirty="0"/>
-              <a:t>和 </a:t>
-            </a:r>
-            <a:r>
-              <a:rPr lang="en-US" altLang="zh-CN" dirty="0" err="1"/>
-              <a:t>AliOS</a:t>
-            </a:r>
-            <a:r>
-              <a:rPr lang="en-US" altLang="zh-CN" dirty="0"/>
-              <a:t>-Things </a:t>
-            </a:r>
-            <a:r>
-              <a:rPr lang="zh-CN" altLang="en-US" dirty="0"/>
-              <a:t>等， 其中尤以国外开</a:t>
-            </a:r>
-            <a:r>
-              <a:rPr lang="zh-CN" altLang="en-US" dirty="0" smtClean="0"/>
-              <a:t>源且</a:t>
-            </a:r>
-            <a:r>
-              <a:rPr lang="zh-CN" altLang="en-US" dirty="0"/>
-              <a:t>免费的 </a:t>
-            </a:r>
-            <a:r>
-              <a:rPr lang="en-US" altLang="zh-CN" dirty="0" err="1"/>
-              <a:t>FreeRTOS</a:t>
-            </a:r>
-            <a:r>
-              <a:rPr lang="en-US" altLang="zh-CN" dirty="0"/>
-              <a:t> </a:t>
-            </a:r>
-            <a:r>
-              <a:rPr lang="zh-CN" altLang="en-US" dirty="0"/>
-              <a:t>的市场占有率最高。如今国产的 </a:t>
-            </a:r>
-            <a:r>
-              <a:rPr lang="en-US" altLang="zh-CN" dirty="0"/>
-              <a:t>RT-Thread </a:t>
-            </a:r>
-            <a:r>
-              <a:rPr lang="zh-CN" altLang="en-US" dirty="0"/>
-              <a:t>经过 </a:t>
-            </a:r>
-            <a:r>
-              <a:rPr lang="en-US" altLang="zh-CN" dirty="0"/>
-              <a:t>10 </a:t>
-            </a:r>
-            <a:r>
-              <a:rPr lang="zh-CN" altLang="en-US" dirty="0"/>
-              <a:t>来年的发展，</a:t>
-            </a:r>
-            <a:r>
-              <a:rPr lang="zh-CN" altLang="en-US" dirty="0" smtClean="0"/>
-              <a:t>声势迅猛</a:t>
-            </a:r>
-            <a:r>
-              <a:rPr lang="zh-CN" altLang="en-US" dirty="0"/>
-              <a:t>，在国产 </a:t>
-            </a:r>
-            <a:r>
-              <a:rPr lang="en-US" altLang="zh-CN" dirty="0"/>
-              <a:t>RTOS </a:t>
-            </a:r>
-            <a:r>
-              <a:rPr lang="zh-CN" altLang="en-US" dirty="0"/>
-              <a:t>中占据鳌头。 </a:t>
+              <a:t/>
             </a:r>
             <a:br>
               <a:rPr lang="zh-CN" altLang="en-US" dirty="0"/>
             </a:br>
             <a:endParaRPr lang="zh-CN" altLang="en-US" dirty="0"/>
+          </a:p>
+        </p:txBody>
+      </p:sp>
+      <p:sp>
+        <p:nvSpPr>
+          <p:cNvPr id="2" name="圆角矩形标注 1"/>
+          <p:cNvSpPr/>
+          <p:nvPr/>
+        </p:nvSpPr>
+        <p:spPr>
+          <a:xfrm>
+            <a:off x="611560" y="4797152"/>
+            <a:ext cx="7704856" cy="612648"/>
+          </a:xfrm>
+          <a:prstGeom prst="wedgeRoundRectCallout">
+            <a:avLst>
+              <a:gd name="adj1" fmla="val -21066"/>
+              <a:gd name="adj2" fmla="val 51128"/>
+              <a:gd name="adj3" fmla="val 16667"/>
+            </a:avLst>
+          </a:prstGeom>
+        </p:spPr>
+        <p:style>
+          <a:lnRef idx="2">
+            <a:schemeClr val="accent6"/>
+          </a:lnRef>
+          <a:fillRef idx="1">
+            <a:schemeClr val="lt1"/>
+          </a:fillRef>
+          <a:effectRef idx="0">
+            <a:schemeClr val="accent6"/>
+          </a:effectRef>
+          <a:fontRef idx="minor">
+            <a:schemeClr val="dk1"/>
+          </a:fontRef>
+        </p:style>
+        <p:txBody>
+          <a:bodyPr rtlCol="0" anchor="ctr"/>
+          <a:lstStyle/>
+          <a:p>
+            <a:r>
+              <a:rPr lang="zh-CN" altLang="en-US" sz="1600" b="1" dirty="0" smtClean="0">
+                <a:solidFill>
+                  <a:srgbClr val="FF0000"/>
+                </a:solidFill>
+              </a:rPr>
+              <a:t>注意：</a:t>
+            </a:r>
+            <a:r>
+              <a:rPr lang="en-US" altLang="zh-CN" sz="1600" b="1" dirty="0" smtClean="0"/>
+              <a:t>RT-Thread </a:t>
+            </a:r>
+            <a:r>
+              <a:rPr lang="zh-CN" altLang="en-US" sz="1600" b="1" dirty="0"/>
+              <a:t>中，实际上线程并不存在运行状态，就绪状态和运行状态是等同的。</a:t>
+            </a:r>
+            <a:endParaRPr lang="zh-CN" altLang="en-US" sz="1600" b="1" dirty="0"/>
           </a:p>
         </p:txBody>
       </p:sp>
     </p:spTree>
     <p:extLst>
       <p:ext uri="{BB962C8B-B14F-4D97-AF65-F5344CB8AC3E}">
-        <p14:creationId xmlns:p14="http://schemas.microsoft.com/office/powerpoint/2010/main" val="3028038668"/>
+        <p14:creationId xmlns:p14="http://schemas.microsoft.com/office/powerpoint/2010/main" val="1542718975"/>
       </p:ext>
     </p:extLst>
   </p:cSld>
@@ -16213,7 +16231,7 @@
         </p:nvSpPr>
         <p:spPr>
           <a:xfrm>
-            <a:off x="0" y="6381328"/>
+            <a:off x="0" y="6304235"/>
             <a:ext cx="9144000" cy="365125"/>
           </a:xfrm>
         </p:spPr>
@@ -16267,12 +16285,7 @@
             <p:ph type="sldNum" sz="quarter" idx="12"/>
           </p:nvPr>
         </p:nvSpPr>
-        <p:spPr>
-          <a:xfrm>
-            <a:off x="3995936" y="6381328"/>
-            <a:ext cx="1161826" cy="365125"/>
-          </a:xfrm>
-        </p:spPr>
+        <p:spPr/>
         <p:txBody>
           <a:bodyPr/>
           <a:lstStyle/>
@@ -16281,7 +16294,7 @@
               <a:rPr lang="zh-CN" altLang="en-US" smtClean="0"/>
               <a:t>11</a:t>
             </a:fld>
-            <a:endParaRPr lang="zh-CN" altLang="en-US" dirty="0"/>
+            <a:endParaRPr lang="zh-CN" altLang="en-US"/>
           </a:p>
         </p:txBody>
       </p:sp>
@@ -16297,23 +16310,2484 @@
         </p:nvSpPr>
         <p:spPr/>
         <p:txBody>
+          <a:bodyPr/>
+          <a:lstStyle/>
+          <a:p>
+            <a:r>
+              <a:rPr lang="zh-CN" altLang="en-US" dirty="0" smtClean="0"/>
+              <a:t>线程状态转移</a:t>
+            </a:r>
+            <a:endParaRPr lang="zh-CN" altLang="en-US" dirty="0"/>
+          </a:p>
+        </p:txBody>
+      </p:sp>
+      <p:sp>
+        <p:nvSpPr>
+          <p:cNvPr id="6" name="内容占位符 5"/>
+          <p:cNvSpPr>
+            <a:spLocks noGrp="1"/>
+          </p:cNvSpPr>
+          <p:nvPr>
+            <p:ph idx="1"/>
+          </p:nvPr>
+        </p:nvSpPr>
+        <p:spPr>
+          <a:xfrm>
+            <a:off x="539553" y="2675467"/>
+            <a:ext cx="7848872" cy="3450696"/>
+          </a:xfrm>
+        </p:spPr>
+        <p:txBody>
+          <a:bodyPr>
+            <a:noAutofit/>
+          </a:bodyPr>
+          <a:lstStyle/>
+          <a:p>
+            <a:pPr marL="0" indent="0">
+              <a:buNone/>
+            </a:pPr>
+            <a:r>
+              <a:rPr lang="zh-CN" altLang="en-US" sz="1800" dirty="0">
+                <a:solidFill>
+                  <a:schemeClr val="tx1"/>
+                </a:solidFill>
+              </a:rPr>
+              <a:t>线程通过调用函数 </a:t>
+            </a:r>
+            <a:r>
+              <a:rPr lang="en-US" altLang="zh-CN" sz="1800" dirty="0" err="1">
+                <a:solidFill>
+                  <a:schemeClr val="tx1"/>
+                </a:solidFill>
+              </a:rPr>
+              <a:t>rt_thread_create</a:t>
+            </a:r>
+            <a:r>
+              <a:rPr lang="en-US" altLang="zh-CN" sz="1800" dirty="0">
+                <a:solidFill>
+                  <a:schemeClr val="tx1"/>
+                </a:solidFill>
+              </a:rPr>
+              <a:t>/</a:t>
+            </a:r>
+            <a:r>
+              <a:rPr lang="en-US" altLang="zh-CN" sz="1800" dirty="0" err="1">
+                <a:solidFill>
+                  <a:schemeClr val="tx1"/>
+                </a:solidFill>
+              </a:rPr>
+              <a:t>init</a:t>
+            </a:r>
+            <a:r>
+              <a:rPr lang="en-US" altLang="zh-CN" sz="1800" dirty="0">
+                <a:solidFill>
+                  <a:schemeClr val="tx1"/>
+                </a:solidFill>
+              </a:rPr>
+              <a:t>() </a:t>
+            </a:r>
+            <a:r>
+              <a:rPr lang="zh-CN" altLang="en-US" sz="1800" dirty="0">
+                <a:solidFill>
+                  <a:schemeClr val="tx1"/>
+                </a:solidFill>
+              </a:rPr>
+              <a:t>进入到初始状态（</a:t>
+            </a:r>
+            <a:r>
+              <a:rPr lang="en-US" altLang="zh-CN" sz="1800" dirty="0" smtClean="0">
+                <a:solidFill>
+                  <a:schemeClr val="tx1"/>
+                </a:solidFill>
+              </a:rPr>
+              <a:t>RT_THREAD_INIT</a:t>
+            </a:r>
+            <a:r>
+              <a:rPr lang="zh-CN" altLang="en-US" sz="1800" dirty="0" smtClean="0">
+                <a:solidFill>
+                  <a:schemeClr val="tx1"/>
+                </a:solidFill>
+              </a:rPr>
+              <a:t>）；</a:t>
+            </a:r>
+            <a:r>
+              <a:rPr lang="zh-CN" altLang="en-US" sz="1800" dirty="0">
+                <a:solidFill>
+                  <a:schemeClr val="tx1"/>
+                </a:solidFill>
+              </a:rPr>
+              <a:t>初始状态的线程通过调用函数 </a:t>
+            </a:r>
+            <a:r>
+              <a:rPr lang="en-US" altLang="zh-CN" sz="1800" dirty="0" err="1">
+                <a:solidFill>
+                  <a:schemeClr val="tx1"/>
+                </a:solidFill>
+              </a:rPr>
+              <a:t>rt_thread_startup</a:t>
+            </a:r>
+            <a:r>
+              <a:rPr lang="en-US" altLang="zh-CN" sz="1800" dirty="0">
+                <a:solidFill>
+                  <a:schemeClr val="tx1"/>
+                </a:solidFill>
+              </a:rPr>
+              <a:t>() </a:t>
+            </a:r>
+            <a:r>
+              <a:rPr lang="zh-CN" altLang="en-US" sz="1800" dirty="0">
+                <a:solidFill>
+                  <a:schemeClr val="tx1"/>
+                </a:solidFill>
+              </a:rPr>
+              <a:t>进入到就绪状态（</a:t>
+            </a:r>
+            <a:r>
+              <a:rPr lang="en-US" altLang="zh-CN" sz="1800" dirty="0">
+                <a:solidFill>
+                  <a:schemeClr val="tx1"/>
+                </a:solidFill>
+              </a:rPr>
+              <a:t>RT_THREAD_READY</a:t>
+            </a:r>
+            <a:r>
+              <a:rPr lang="zh-CN" altLang="en-US" sz="1800" dirty="0">
+                <a:solidFill>
+                  <a:schemeClr val="tx1"/>
+                </a:solidFill>
+              </a:rPr>
+              <a:t>）；就绪状态的线程被调度器调度后进入运行状态（</a:t>
+            </a:r>
+            <a:r>
+              <a:rPr lang="en-US" altLang="zh-CN" sz="1800" dirty="0">
+                <a:solidFill>
+                  <a:schemeClr val="tx1"/>
+                </a:solidFill>
+              </a:rPr>
+              <a:t>RT_THREAD_RUNNING</a:t>
+            </a:r>
+            <a:r>
+              <a:rPr lang="zh-CN" altLang="en-US" sz="1800" dirty="0">
+                <a:solidFill>
+                  <a:schemeClr val="tx1"/>
+                </a:solidFill>
+              </a:rPr>
+              <a:t>）；当处于运行状态的线程调用 </a:t>
+            </a:r>
+            <a:r>
+              <a:rPr lang="en-US" altLang="zh-CN" sz="1800" dirty="0" err="1">
+                <a:solidFill>
+                  <a:schemeClr val="tx1"/>
+                </a:solidFill>
+              </a:rPr>
+              <a:t>rt_thread_delay</a:t>
+            </a:r>
+            <a:r>
+              <a:rPr lang="en-US" altLang="zh-CN" sz="1800" dirty="0">
+                <a:solidFill>
+                  <a:schemeClr val="tx1"/>
+                </a:solidFill>
+              </a:rPr>
+              <a:t>()</a:t>
+            </a:r>
+            <a:r>
+              <a:rPr lang="zh-CN" altLang="en-US" sz="1800" dirty="0">
+                <a:solidFill>
+                  <a:schemeClr val="tx1"/>
+                </a:solidFill>
+              </a:rPr>
+              <a:t>，</a:t>
+            </a:r>
+            <a:r>
+              <a:rPr lang="en-US" altLang="zh-CN" sz="1800" dirty="0" err="1">
+                <a:solidFill>
+                  <a:schemeClr val="tx1"/>
+                </a:solidFill>
+              </a:rPr>
+              <a:t>rt_sem_take</a:t>
+            </a:r>
+            <a:r>
+              <a:rPr lang="en-US" altLang="zh-CN" sz="1800" dirty="0">
+                <a:solidFill>
+                  <a:schemeClr val="tx1"/>
+                </a:solidFill>
+              </a:rPr>
+              <a:t>()</a:t>
+            </a:r>
+            <a:r>
+              <a:rPr lang="zh-CN" altLang="en-US" sz="1800" dirty="0">
+                <a:solidFill>
+                  <a:schemeClr val="tx1"/>
+                </a:solidFill>
+              </a:rPr>
+              <a:t>，</a:t>
+            </a:r>
+            <a:r>
+              <a:rPr lang="en-US" altLang="zh-CN" sz="1800" dirty="0" err="1">
+                <a:solidFill>
+                  <a:schemeClr val="tx1"/>
+                </a:solidFill>
+              </a:rPr>
+              <a:t>rt_mutex_take</a:t>
+            </a:r>
+            <a:r>
+              <a:rPr lang="en-US" altLang="zh-CN" sz="1800" dirty="0">
+                <a:solidFill>
+                  <a:schemeClr val="tx1"/>
+                </a:solidFill>
+              </a:rPr>
+              <a:t>()</a:t>
+            </a:r>
+            <a:r>
+              <a:rPr lang="zh-CN" altLang="en-US" sz="1800" dirty="0">
+                <a:solidFill>
+                  <a:schemeClr val="tx1"/>
+                </a:solidFill>
+              </a:rPr>
+              <a:t>，</a:t>
+            </a:r>
+            <a:r>
+              <a:rPr lang="en-US" altLang="zh-CN" sz="1800" dirty="0" err="1">
+                <a:solidFill>
+                  <a:schemeClr val="tx1"/>
+                </a:solidFill>
+              </a:rPr>
+              <a:t>rt_mb_recv</a:t>
+            </a:r>
+            <a:r>
+              <a:rPr lang="en-US" altLang="zh-CN" sz="1800" dirty="0">
+                <a:solidFill>
+                  <a:schemeClr val="tx1"/>
+                </a:solidFill>
+              </a:rPr>
+              <a:t>() </a:t>
+            </a:r>
+            <a:r>
+              <a:rPr lang="zh-CN" altLang="en-US" sz="1800" dirty="0">
+                <a:solidFill>
+                  <a:schemeClr val="tx1"/>
+                </a:solidFill>
+              </a:rPr>
+              <a:t>等函数或者获取不到资源时，将进入到挂起</a:t>
+            </a:r>
+            <a:r>
+              <a:rPr lang="zh-CN" altLang="en-US" sz="1800" dirty="0" smtClean="0">
+                <a:solidFill>
+                  <a:schemeClr val="tx1"/>
+                </a:solidFill>
+              </a:rPr>
+              <a:t>状态（</a:t>
+            </a:r>
+            <a:r>
+              <a:rPr lang="en-US" altLang="zh-CN" sz="1800" dirty="0" smtClean="0">
+                <a:solidFill>
+                  <a:schemeClr val="tx1"/>
+                </a:solidFill>
+              </a:rPr>
+              <a:t>RT_THREAD_SUSPEND</a:t>
+            </a:r>
+            <a:r>
+              <a:rPr lang="zh-CN" altLang="en-US" sz="1800" dirty="0">
+                <a:solidFill>
+                  <a:schemeClr val="tx1"/>
+                </a:solidFill>
+              </a:rPr>
+              <a:t>）；处于挂起状态的线程，如果等待超时依然未能获得资源或由于其他线程释放了资源，那么它将返回到就绪状态。挂起状态的线程，如果调用 </a:t>
+            </a:r>
+            <a:r>
+              <a:rPr lang="en-US" altLang="zh-CN" sz="1800" dirty="0" err="1">
+                <a:solidFill>
+                  <a:schemeClr val="tx1"/>
+                </a:solidFill>
+              </a:rPr>
+              <a:t>rt_thread_delete</a:t>
+            </a:r>
+            <a:r>
+              <a:rPr lang="en-US" altLang="zh-CN" sz="1800" dirty="0">
+                <a:solidFill>
+                  <a:schemeClr val="tx1"/>
+                </a:solidFill>
+              </a:rPr>
+              <a:t>/detach() </a:t>
+            </a:r>
+            <a:r>
+              <a:rPr lang="zh-CN" altLang="en-US" sz="1800" dirty="0">
+                <a:solidFill>
+                  <a:schemeClr val="tx1"/>
+                </a:solidFill>
+              </a:rPr>
+              <a:t>函数，将更改为关闭状态（</a:t>
+            </a:r>
+            <a:r>
+              <a:rPr lang="en-US" altLang="zh-CN" sz="1800" dirty="0">
+                <a:solidFill>
+                  <a:schemeClr val="tx1"/>
+                </a:solidFill>
+              </a:rPr>
+              <a:t>RT_THREAD_CLOSE</a:t>
+            </a:r>
+            <a:r>
+              <a:rPr lang="zh-CN" altLang="en-US" sz="1800" dirty="0">
+                <a:solidFill>
+                  <a:schemeClr val="tx1"/>
+                </a:solidFill>
+              </a:rPr>
+              <a:t>）；而运行状态的线程，如果运行结束，就会在线程的最后部分执行 </a:t>
+            </a:r>
+            <a:r>
+              <a:rPr lang="en-US" altLang="zh-CN" sz="1800" dirty="0" err="1">
+                <a:solidFill>
+                  <a:schemeClr val="tx1"/>
+                </a:solidFill>
+              </a:rPr>
+              <a:t>rt_thread_exit</a:t>
+            </a:r>
+            <a:r>
+              <a:rPr lang="en-US" altLang="zh-CN" sz="1800" dirty="0">
+                <a:solidFill>
+                  <a:schemeClr val="tx1"/>
+                </a:solidFill>
+              </a:rPr>
+              <a:t>() </a:t>
+            </a:r>
+            <a:r>
+              <a:rPr lang="zh-CN" altLang="en-US" sz="1800" dirty="0">
+                <a:solidFill>
+                  <a:schemeClr val="tx1"/>
+                </a:solidFill>
+              </a:rPr>
+              <a:t>函数，将状态更改为关闭状态。</a:t>
+            </a:r>
+            <a:endParaRPr lang="zh-CN" altLang="en-US" sz="1800" dirty="0">
+              <a:solidFill>
+                <a:schemeClr val="tx1"/>
+              </a:solidFill>
+            </a:endParaRPr>
+          </a:p>
+        </p:txBody>
+      </p:sp>
+      <p:pic>
+        <p:nvPicPr>
+          <p:cNvPr id="5122" name="Picture 2" descr="çº¿ç¨ç¶æè½¬æ¢å¾"/>
+          <p:cNvPicPr>
+            <a:picLocks noChangeAspect="1" noChangeArrowheads="1"/>
+          </p:cNvPicPr>
+          <p:nvPr/>
+        </p:nvPicPr>
+        <p:blipFill>
+          <a:blip r:embed="rId2">
+            <a:extLst>
+              <a:ext uri="{28A0092B-C50C-407E-A947-70E740481C1C}">
+                <a14:useLocalDpi xmlns:a14="http://schemas.microsoft.com/office/drawing/2010/main" val="0"/>
+              </a:ext>
+            </a:extLst>
+          </a:blip>
+          <a:srcRect/>
+          <a:stretch>
+            <a:fillRect/>
+          </a:stretch>
+        </p:blipFill>
+        <p:spPr bwMode="auto">
+          <a:xfrm>
+            <a:off x="899592" y="332656"/>
+            <a:ext cx="7244965" cy="2376264"/>
+          </a:xfrm>
+          <a:prstGeom prst="rect">
+            <a:avLst/>
+          </a:prstGeom>
+          <a:noFill/>
+          <a:extLst>
+            <a:ext uri="{909E8E84-426E-40DD-AFC4-6F175D3DCCD1}">
+              <a14:hiddenFill xmlns:a14="http://schemas.microsoft.com/office/drawing/2010/main">
+                <a:solidFill>
+                  <a:srgbClr val="FFFFFF"/>
+                </a:solidFill>
+              </a14:hiddenFill>
+            </a:ext>
+          </a:extLst>
+        </p:spPr>
+      </p:pic>
+    </p:spTree>
+    <p:extLst>
+      <p:ext uri="{BB962C8B-B14F-4D97-AF65-F5344CB8AC3E}">
+        <p14:creationId xmlns:p14="http://schemas.microsoft.com/office/powerpoint/2010/main" val="1542718975"/>
+      </p:ext>
+    </p:extLst>
+  </p:cSld>
+  <p:clrMapOvr>
+    <a:masterClrMapping/>
+  </p:clrMapOvr>
+  <p:timing>
+    <p:tnLst>
+      <p:par>
+        <p:cTn id="1" dur="indefinite" restart="never" nodeType="tmRoot">
+          <p:childTnLst>
+            <p:seq concurrent="1" nextAc="seek">
+              <p:cTn id="2" dur="indefinite" nodeType="mainSeq">
+                <p:childTnLst>
+                  <p:par>
+                    <p:cTn id="3" fill="hold">
+                      <p:stCondLst>
+                        <p:cond delay="indefinite"/>
+                      </p:stCondLst>
+                      <p:childTnLst>
+                        <p:par>
+                          <p:cTn id="4" fill="hold">
+                            <p:stCondLst>
+                              <p:cond delay="0"/>
+                            </p:stCondLst>
+                            <p:childTnLst>
+                              <p:par>
+                                <p:cTn id="5" presetID="2" presetClass="entr" presetSubtype="4" fill="hold" nodeType="clickEffect">
+                                  <p:stCondLst>
+                                    <p:cond delay="0"/>
+                                  </p:stCondLst>
+                                  <p:childTnLst>
+                                    <p:set>
+                                      <p:cBhvr>
+                                        <p:cTn id="6" dur="1" fill="hold">
+                                          <p:stCondLst>
+                                            <p:cond delay="0"/>
+                                          </p:stCondLst>
+                                        </p:cTn>
+                                        <p:tgtEl>
+                                          <p:spTgt spid="5122"/>
+                                        </p:tgtEl>
+                                        <p:attrNameLst>
+                                          <p:attrName>style.visibility</p:attrName>
+                                        </p:attrNameLst>
+                                      </p:cBhvr>
+                                      <p:to>
+                                        <p:strVal val="visible"/>
+                                      </p:to>
+                                    </p:set>
+                                    <p:anim calcmode="lin" valueType="num">
+                                      <p:cBhvr additive="base">
+                                        <p:cTn id="7" dur="1500" fill="hold"/>
+                                        <p:tgtEl>
+                                          <p:spTgt spid="5122"/>
+                                        </p:tgtEl>
+                                        <p:attrNameLst>
+                                          <p:attrName>ppt_x</p:attrName>
+                                        </p:attrNameLst>
+                                      </p:cBhvr>
+                                      <p:tavLst>
+                                        <p:tav tm="0">
+                                          <p:val>
+                                            <p:strVal val="#ppt_x"/>
+                                          </p:val>
+                                        </p:tav>
+                                        <p:tav tm="100000">
+                                          <p:val>
+                                            <p:strVal val="#ppt_x"/>
+                                          </p:val>
+                                        </p:tav>
+                                      </p:tavLst>
+                                    </p:anim>
+                                    <p:anim calcmode="lin" valueType="num">
+                                      <p:cBhvr additive="base">
+                                        <p:cTn id="8" dur="1500" fill="hold"/>
+                                        <p:tgtEl>
+                                          <p:spTgt spid="5122"/>
+                                        </p:tgtEl>
+                                        <p:attrNameLst>
+                                          <p:attrName>ppt_y</p:attrName>
+                                        </p:attrNameLst>
+                                      </p:cBhvr>
+                                      <p:tavLst>
+                                        <p:tav tm="0">
+                                          <p:val>
+                                            <p:strVal val="1+#ppt_h/2"/>
+                                          </p:val>
+                                        </p:tav>
+                                        <p:tav tm="100000">
+                                          <p:val>
+                                            <p:strVal val="#ppt_y"/>
+                                          </p:val>
+                                        </p:tav>
+                                      </p:tavLst>
+                                    </p:anim>
+                                  </p:childTnLst>
+                                </p:cTn>
+                              </p:par>
+                            </p:childTnLst>
+                          </p:cTn>
+                        </p:par>
+                      </p:childTnLst>
+                    </p:cTn>
+                  </p:par>
+                </p:childTnLst>
+              </p:cTn>
+              <p:prevCondLst>
+                <p:cond evt="onPrev" delay="0">
+                  <p:tgtEl>
+                    <p:sldTgt/>
+                  </p:tgtEl>
+                </p:cond>
+              </p:prevCondLst>
+              <p:nextCondLst>
+                <p:cond evt="onNext" delay="0">
+                  <p:tgtEl>
+                    <p:sldTgt/>
+                  </p:tgtEl>
+                </p:cond>
+              </p:nextCondLst>
+            </p:seq>
+          </p:childTnLst>
+        </p:cTn>
+      </p:par>
+    </p:tnLst>
+  </p:timing>
+</p:sld>
+</file>
+
+<file path=ppt/slides/slide12.xml><?xml version="1.0" encoding="utf-8"?>
+<p:sld xmlns:a="http://schemas.openxmlformats.org/drawingml/2006/main" xmlns:r="http://schemas.openxmlformats.org/officeDocument/2006/relationships" xmlns:p="http://schemas.openxmlformats.org/presentationml/2006/main">
+  <p:cSld>
+    <p:spTree>
+      <p:nvGrpSpPr>
+        <p:cNvPr id="1" name=""/>
+        <p:cNvGrpSpPr/>
+        <p:nvPr/>
+      </p:nvGrpSpPr>
+      <p:grpSpPr>
+        <a:xfrm>
+          <a:off x="0" y="0"/>
+          <a:ext cx="0" cy="0"/>
+          <a:chOff x="0" y="0"/>
+          <a:chExt cx="0" cy="0"/>
+        </a:xfrm>
+      </p:grpSpPr>
+      <p:sp>
+        <p:nvSpPr>
+          <p:cNvPr id="3" name="页脚占位符 2"/>
+          <p:cNvSpPr>
+            <a:spLocks noGrp="1"/>
+          </p:cNvSpPr>
+          <p:nvPr>
+            <p:ph type="ftr" sz="quarter" idx="11"/>
+          </p:nvPr>
+        </p:nvSpPr>
+        <p:spPr>
+          <a:xfrm>
+            <a:off x="0" y="6304235"/>
+            <a:ext cx="9144000" cy="365125"/>
+          </a:xfrm>
+        </p:spPr>
+        <p:txBody>
+          <a:bodyPr/>
+          <a:lstStyle/>
+          <a:p>
+            <a:r>
+              <a:rPr lang="en-US" altLang="zh-CN" b="1" dirty="0"/>
+              <a:t>RT-Thread </a:t>
+            </a:r>
+            <a:r>
+              <a:rPr lang="zh-CN" altLang="en-US" b="1" dirty="0"/>
+              <a:t>物联网操作系统</a:t>
+            </a:r>
+            <a:r>
+              <a:rPr lang="en-US" altLang="zh-CN" b="1" dirty="0"/>
+              <a:t>							</a:t>
+            </a:r>
+            <a:r>
+              <a:rPr lang="zh-CN" altLang="en-US" sz="1100" b="1" dirty="0"/>
+              <a:t>学习交流群：</a:t>
+            </a:r>
+            <a:r>
+              <a:rPr lang="en-US" altLang="zh-CN" sz="1100" b="1" dirty="0">
+                <a:solidFill>
+                  <a:srgbClr val="FF0000"/>
+                </a:solidFill>
+                <a:latin typeface="Malgun Gothic" pitchFamily="34" charset="-127"/>
+                <a:ea typeface="Malgun Gothic" pitchFamily="34" charset="-127"/>
+              </a:rPr>
+              <a:t>783234154</a:t>
+            </a:r>
+            <a:endParaRPr lang="zh-CN" altLang="en-US" b="1" dirty="0">
+              <a:solidFill>
+                <a:srgbClr val="FF0000"/>
+              </a:solidFill>
+              <a:latin typeface="Malgun Gothic" pitchFamily="34" charset="-127"/>
+              <a:ea typeface="Malgun Gothic" pitchFamily="34" charset="-127"/>
+            </a:endParaRPr>
+          </a:p>
+        </p:txBody>
+      </p:sp>
+      <p:sp>
+        <p:nvSpPr>
+          <p:cNvPr id="4" name="灯片编号占位符 3"/>
+          <p:cNvSpPr>
+            <a:spLocks noGrp="1"/>
+          </p:cNvSpPr>
+          <p:nvPr>
+            <p:ph type="sldNum" sz="quarter" idx="12"/>
+          </p:nvPr>
+        </p:nvSpPr>
+        <p:spPr/>
+        <p:txBody>
+          <a:bodyPr/>
+          <a:lstStyle/>
+          <a:p>
+            <a:fld id="{0C913308-F349-4B6D-A68A-DD1791B4A57B}" type="slidenum">
+              <a:rPr lang="zh-CN" altLang="en-US" smtClean="0"/>
+              <a:t>12</a:t>
+            </a:fld>
+            <a:endParaRPr lang="zh-CN" altLang="en-US"/>
+          </a:p>
+        </p:txBody>
+      </p:sp>
+      <p:sp>
+        <p:nvSpPr>
+          <p:cNvPr id="5" name="标题 4"/>
+          <p:cNvSpPr>
+            <a:spLocks noGrp="1"/>
+          </p:cNvSpPr>
+          <p:nvPr>
+            <p:ph type="title"/>
+          </p:nvPr>
+        </p:nvSpPr>
+        <p:spPr/>
+        <p:txBody>
+          <a:bodyPr/>
+          <a:lstStyle/>
+          <a:p>
+            <a:r>
+              <a:rPr lang="zh-CN" altLang="en-US" dirty="0" smtClean="0"/>
+              <a:t>线程时间片</a:t>
+            </a:r>
+            <a:endParaRPr lang="zh-CN" altLang="en-US" dirty="0"/>
+          </a:p>
+        </p:txBody>
+      </p:sp>
+      <p:sp>
+        <p:nvSpPr>
+          <p:cNvPr id="6" name="内容占位符 5"/>
+          <p:cNvSpPr>
+            <a:spLocks noGrp="1"/>
+          </p:cNvSpPr>
+          <p:nvPr>
+            <p:ph idx="1"/>
+          </p:nvPr>
+        </p:nvSpPr>
+        <p:spPr/>
+        <p:txBody>
           <a:bodyPr>
             <a:normAutofit/>
           </a:bodyPr>
           <a:lstStyle/>
           <a:p>
+            <a:pPr marL="0" indent="0">
+              <a:buNone/>
+            </a:pPr>
+            <a:endParaRPr lang="en-US" altLang="zh-CN" sz="2000" dirty="0" smtClean="0"/>
+          </a:p>
+          <a:p>
+            <a:pPr marL="0" indent="0">
+              <a:buNone/>
+            </a:pPr>
+            <a:r>
+              <a:rPr lang="zh-CN" altLang="en-US" sz="2000" dirty="0" smtClean="0"/>
+              <a:t>在 </a:t>
+            </a:r>
+            <a:r>
+              <a:rPr lang="en-US" altLang="zh-CN" sz="2000" dirty="0"/>
+              <a:t>RT-Thread </a:t>
+            </a:r>
+            <a:r>
+              <a:rPr lang="zh-CN" altLang="en-US" sz="2000" dirty="0"/>
+              <a:t>中，当同一个优先级下有两个或两个以上线程的时候，线程支持</a:t>
+            </a:r>
+            <a:r>
+              <a:rPr lang="zh-CN" altLang="en-US" sz="2000" dirty="0" smtClean="0"/>
+              <a:t>时间片功能</a:t>
+            </a:r>
+            <a:r>
+              <a:rPr lang="zh-CN" altLang="en-US" sz="2000" dirty="0"/>
+              <a:t>，即我们可以指定线程持续运行一次的时间，单位为 </a:t>
+            </a:r>
+            <a:r>
+              <a:rPr lang="en-US" altLang="zh-CN" sz="2000" dirty="0"/>
+              <a:t>tick</a:t>
+            </a:r>
+            <a:r>
+              <a:rPr lang="zh-CN" altLang="en-US" sz="2000" dirty="0"/>
+              <a:t>。 假如有两个线程分别为</a:t>
+            </a:r>
+            <a:r>
+              <a:rPr lang="zh-CN" altLang="en-US" sz="2000" dirty="0" smtClean="0"/>
+              <a:t>线程 </a:t>
+            </a:r>
+            <a:r>
+              <a:rPr lang="en-US" altLang="zh-CN" sz="2000" dirty="0"/>
+              <a:t>2 </a:t>
+            </a:r>
+            <a:r>
+              <a:rPr lang="zh-CN" altLang="en-US" sz="2000" dirty="0"/>
+              <a:t>和线程 </a:t>
+            </a:r>
+            <a:r>
+              <a:rPr lang="en-US" altLang="zh-CN" sz="2000" dirty="0"/>
+              <a:t>3</a:t>
+            </a:r>
+            <a:r>
+              <a:rPr lang="zh-CN" altLang="en-US" sz="2000" dirty="0"/>
+              <a:t>，他们的优先级都为</a:t>
+            </a:r>
+            <a:r>
+              <a:rPr lang="zh-CN" altLang="en-US" sz="2000" b="1" dirty="0">
+                <a:solidFill>
+                  <a:srgbClr val="FF0000"/>
+                </a:solidFill>
+              </a:rPr>
+              <a:t> </a:t>
+            </a:r>
+            <a:r>
+              <a:rPr lang="en-US" altLang="zh-CN" sz="2000" b="1" dirty="0">
+                <a:solidFill>
+                  <a:srgbClr val="FF0000"/>
+                </a:solidFill>
+              </a:rPr>
+              <a:t>3</a:t>
+            </a:r>
+            <a:r>
+              <a:rPr lang="zh-CN" altLang="en-US" sz="2000" dirty="0"/>
+              <a:t>，线程 </a:t>
+            </a:r>
+            <a:r>
+              <a:rPr lang="en-US" altLang="zh-CN" sz="2000" dirty="0"/>
+              <a:t>2 </a:t>
+            </a:r>
+            <a:r>
+              <a:rPr lang="zh-CN" altLang="en-US" sz="2000" dirty="0"/>
+              <a:t>的时间片为 </a:t>
+            </a:r>
+            <a:r>
+              <a:rPr lang="en-US" altLang="zh-CN" sz="2000" dirty="0" smtClean="0"/>
+              <a:t>2</a:t>
+            </a:r>
+            <a:r>
+              <a:rPr lang="zh-CN" altLang="en-US" sz="2000" dirty="0" smtClean="0"/>
+              <a:t>个</a:t>
+            </a:r>
+            <a:r>
+              <a:rPr lang="en-US" altLang="zh-CN" sz="2000" dirty="0" smtClean="0"/>
+              <a:t>tick</a:t>
+            </a:r>
+            <a:r>
+              <a:rPr lang="zh-CN" altLang="en-US" sz="2000" dirty="0" smtClean="0"/>
+              <a:t>，</a:t>
+            </a:r>
+            <a:r>
+              <a:rPr lang="zh-CN" altLang="en-US" sz="2000" dirty="0"/>
+              <a:t>线程 </a:t>
+            </a:r>
+            <a:r>
+              <a:rPr lang="en-US" altLang="zh-CN" sz="2000" dirty="0"/>
+              <a:t>3 </a:t>
+            </a:r>
+            <a:r>
+              <a:rPr lang="zh-CN" altLang="en-US" sz="2000" dirty="0"/>
+              <a:t>的时间片为 </a:t>
+            </a:r>
+            <a:r>
+              <a:rPr lang="en-US" altLang="zh-CN" sz="2000" dirty="0" smtClean="0"/>
+              <a:t>3</a:t>
+            </a:r>
+            <a:r>
+              <a:rPr lang="zh-CN" altLang="en-US" sz="2000" dirty="0" smtClean="0"/>
+              <a:t>个</a:t>
+            </a:r>
+            <a:r>
+              <a:rPr lang="en-US" altLang="zh-CN" sz="2000" dirty="0" smtClean="0"/>
+              <a:t>tick</a:t>
+            </a:r>
+            <a:r>
+              <a:rPr lang="zh-CN" altLang="en-US" sz="2000" dirty="0" smtClean="0"/>
+              <a:t>。</a:t>
+            </a:r>
+            <a:r>
+              <a:rPr lang="zh-CN" altLang="en-US" sz="2000" dirty="0"/>
+              <a:t>当</a:t>
+            </a:r>
+            <a:r>
+              <a:rPr lang="zh-CN" altLang="en-US" sz="2000" dirty="0" smtClean="0"/>
+              <a:t>执行到</a:t>
+            </a:r>
+            <a:r>
+              <a:rPr lang="zh-CN" altLang="en-US" sz="2000" dirty="0"/>
+              <a:t>优先级为 </a:t>
+            </a:r>
+            <a:r>
+              <a:rPr lang="en-US" altLang="zh-CN" sz="2000" dirty="0"/>
+              <a:t>3 </a:t>
+            </a:r>
+            <a:r>
+              <a:rPr lang="zh-CN" altLang="en-US" sz="2000" dirty="0"/>
+              <a:t>的线程时，会先执行线程 </a:t>
+            </a:r>
+            <a:r>
+              <a:rPr lang="en-US" altLang="zh-CN" sz="2000" dirty="0"/>
+              <a:t>2</a:t>
+            </a:r>
+            <a:r>
+              <a:rPr lang="zh-CN" altLang="en-US" sz="2000" dirty="0"/>
+              <a:t>，直到线程 </a:t>
+            </a:r>
+            <a:r>
+              <a:rPr lang="en-US" altLang="zh-CN" sz="2000" dirty="0"/>
+              <a:t>2 </a:t>
+            </a:r>
+            <a:r>
+              <a:rPr lang="zh-CN" altLang="en-US" sz="2000" dirty="0"/>
+              <a:t>的时间片耗完，然后再执行线程 </a:t>
+            </a:r>
+            <a:r>
+              <a:rPr lang="en-US" altLang="zh-CN" sz="2000" dirty="0" smtClean="0"/>
+              <a:t>3</a:t>
+            </a:r>
+            <a:r>
+              <a:rPr lang="zh-CN" altLang="en-US" sz="2000" dirty="0" smtClean="0"/>
+              <a:t>。简单来说就是两个</a:t>
+            </a:r>
+            <a:r>
+              <a:rPr lang="zh-CN" altLang="en-US" sz="2000" dirty="0" smtClean="0">
+                <a:solidFill>
+                  <a:srgbClr val="FF0000"/>
+                </a:solidFill>
+              </a:rPr>
+              <a:t>相同优先级</a:t>
+            </a:r>
+            <a:r>
+              <a:rPr lang="zh-CN" altLang="en-US" sz="2000" dirty="0" smtClean="0"/>
+              <a:t>的线程根据时间片的大小共享</a:t>
+            </a:r>
+            <a:r>
+              <a:rPr lang="en-US" altLang="zh-CN" sz="2000" dirty="0" smtClean="0"/>
+              <a:t>CPU</a:t>
+            </a:r>
+            <a:r>
+              <a:rPr lang="zh-CN" altLang="en-US" sz="2000" dirty="0" smtClean="0"/>
+              <a:t>。</a:t>
+            </a:r>
+            <a:r>
+              <a:rPr lang="zh-CN" altLang="en-US" sz="2000" dirty="0"/>
+              <a:t/>
+            </a:r>
+            <a:br>
+              <a:rPr lang="zh-CN" altLang="en-US" sz="2000" dirty="0"/>
+            </a:br>
+            <a:endParaRPr lang="zh-CN" altLang="en-US" sz="2000" dirty="0"/>
+          </a:p>
+        </p:txBody>
+      </p:sp>
+      <p:pic>
+        <p:nvPicPr>
+          <p:cNvPr id="3075" name="Picture 3"/>
+          <p:cNvPicPr>
+            <a:picLocks noChangeAspect="1" noChangeArrowheads="1"/>
+          </p:cNvPicPr>
+          <p:nvPr/>
+        </p:nvPicPr>
+        <p:blipFill>
+          <a:blip r:embed="rId2">
+            <a:extLst>
+              <a:ext uri="{28A0092B-C50C-407E-A947-70E740481C1C}">
+                <a14:useLocalDpi xmlns:a14="http://schemas.microsoft.com/office/drawing/2010/main" val="0"/>
+              </a:ext>
+            </a:extLst>
+          </a:blip>
+          <a:srcRect/>
+          <a:stretch>
+            <a:fillRect/>
+          </a:stretch>
+        </p:blipFill>
+        <p:spPr bwMode="auto">
+          <a:xfrm>
+            <a:off x="0" y="1268760"/>
+            <a:ext cx="8928992" cy="1578435"/>
+          </a:xfrm>
+          <a:prstGeom prst="rect">
+            <a:avLst/>
+          </a:prstGeom>
+          <a:noFill/>
+          <a:ln>
+            <a:noFill/>
+          </a:ln>
+          <a:effectLst/>
+          <a:extLst>
+            <a:ext uri="{909E8E84-426E-40DD-AFC4-6F175D3DCCD1}">
+              <a14:hiddenFill xmlns:a14="http://schemas.microsoft.com/office/drawing/2010/main">
+                <a:solidFill>
+                  <a:schemeClr val="accent1"/>
+                </a:solidFill>
+              </a14:hiddenFill>
+            </a:ext>
+            <a:ext uri="{91240B29-F687-4F45-9708-019B960494DF}">
+              <a14:hiddenLine xmlns:a14="http://schemas.microsoft.com/office/drawing/2010/main" w="9525">
+                <a:solidFill>
+                  <a:schemeClr val="tx1"/>
+                </a:solidFill>
+                <a:miter lim="800000"/>
+                <a:headEnd/>
+                <a:tailEnd/>
+              </a14:hiddenLine>
+            </a:ext>
+            <a:ext uri="{AF507438-7753-43E0-B8FC-AC1667EBCBE1}">
+              <a14:hiddenEffects xmlns:a14="http://schemas.microsoft.com/office/drawing/2010/main">
+                <a:effectLst>
+                  <a:outerShdw dist="35921" dir="2700000" algn="ctr" rotWithShape="0">
+                    <a:schemeClr val="bg2"/>
+                  </a:outerShdw>
+                </a:effectLst>
+              </a14:hiddenEffects>
+            </a:ext>
+          </a:extLst>
+        </p:spPr>
+      </p:pic>
+    </p:spTree>
+    <p:extLst>
+      <p:ext uri="{BB962C8B-B14F-4D97-AF65-F5344CB8AC3E}">
+        <p14:creationId xmlns:p14="http://schemas.microsoft.com/office/powerpoint/2010/main" val="3743507863"/>
+      </p:ext>
+    </p:extLst>
+  </p:cSld>
+  <p:clrMapOvr>
+    <a:masterClrMapping/>
+  </p:clrMapOvr>
+  <p:timing>
+    <p:tnLst>
+      <p:par>
+        <p:cTn id="1" dur="indefinite" restart="never" nodeType="tmRoot">
+          <p:childTnLst>
+            <p:seq concurrent="1" nextAc="seek">
+              <p:cTn id="2" dur="indefinite" nodeType="mainSeq">
+                <p:childTnLst>
+                  <p:par>
+                    <p:cTn id="3" fill="hold">
+                      <p:stCondLst>
+                        <p:cond delay="indefinite"/>
+                      </p:stCondLst>
+                      <p:childTnLst>
+                        <p:par>
+                          <p:cTn id="4" fill="hold">
+                            <p:stCondLst>
+                              <p:cond delay="0"/>
+                            </p:stCondLst>
+                            <p:childTnLst>
+                              <p:par>
+                                <p:cTn id="5" presetID="21" presetClass="entr" presetSubtype="1" fill="hold" nodeType="clickEffect">
+                                  <p:stCondLst>
+                                    <p:cond delay="0"/>
+                                  </p:stCondLst>
+                                  <p:childTnLst>
+                                    <p:set>
+                                      <p:cBhvr>
+                                        <p:cTn id="6" dur="1" fill="hold">
+                                          <p:stCondLst>
+                                            <p:cond delay="0"/>
+                                          </p:stCondLst>
+                                        </p:cTn>
+                                        <p:tgtEl>
+                                          <p:spTgt spid="3075"/>
+                                        </p:tgtEl>
+                                        <p:attrNameLst>
+                                          <p:attrName>style.visibility</p:attrName>
+                                        </p:attrNameLst>
+                                      </p:cBhvr>
+                                      <p:to>
+                                        <p:strVal val="visible"/>
+                                      </p:to>
+                                    </p:set>
+                                    <p:animEffect transition="in" filter="wheel(1)">
+                                      <p:cBhvr>
+                                        <p:cTn id="7" dur="2000"/>
+                                        <p:tgtEl>
+                                          <p:spTgt spid="3075"/>
+                                        </p:tgtEl>
+                                      </p:cBhvr>
+                                    </p:animEffect>
+                                  </p:childTnLst>
+                                </p:cTn>
+                              </p:par>
+                            </p:childTnLst>
+                          </p:cTn>
+                        </p:par>
+                      </p:childTnLst>
+                    </p:cTn>
+                  </p:par>
+                </p:childTnLst>
+              </p:cTn>
+              <p:prevCondLst>
+                <p:cond evt="onPrev" delay="0">
+                  <p:tgtEl>
+                    <p:sldTgt/>
+                  </p:tgtEl>
+                </p:cond>
+              </p:prevCondLst>
+              <p:nextCondLst>
+                <p:cond evt="onNext" delay="0">
+                  <p:tgtEl>
+                    <p:sldTgt/>
+                  </p:tgtEl>
+                </p:cond>
+              </p:nextCondLst>
+            </p:seq>
+          </p:childTnLst>
+        </p:cTn>
+      </p:par>
+    </p:tnLst>
+  </p:timing>
+</p:sld>
+</file>
+
+<file path=ppt/slides/slide13.xml><?xml version="1.0" encoding="utf-8"?>
+<p:sld xmlns:a="http://schemas.openxmlformats.org/drawingml/2006/main" xmlns:r="http://schemas.openxmlformats.org/officeDocument/2006/relationships" xmlns:p="http://schemas.openxmlformats.org/presentationml/2006/main">
+  <p:cSld>
+    <p:spTree>
+      <p:nvGrpSpPr>
+        <p:cNvPr id="1" name=""/>
+        <p:cNvGrpSpPr/>
+        <p:nvPr/>
+      </p:nvGrpSpPr>
+      <p:grpSpPr>
+        <a:xfrm>
+          <a:off x="0" y="0"/>
+          <a:ext cx="0" cy="0"/>
+          <a:chOff x="0" y="0"/>
+          <a:chExt cx="0" cy="0"/>
+        </a:xfrm>
+      </p:grpSpPr>
+      <p:sp>
+        <p:nvSpPr>
+          <p:cNvPr id="3" name="页脚占位符 2"/>
+          <p:cNvSpPr>
+            <a:spLocks noGrp="1"/>
+          </p:cNvSpPr>
+          <p:nvPr>
+            <p:ph type="ftr" sz="quarter" idx="11"/>
+          </p:nvPr>
+        </p:nvSpPr>
+        <p:spPr>
+          <a:xfrm>
+            <a:off x="0" y="6304235"/>
+            <a:ext cx="9144000" cy="365125"/>
+          </a:xfrm>
+        </p:spPr>
+        <p:txBody>
+          <a:bodyPr/>
+          <a:lstStyle/>
+          <a:p>
+            <a:r>
+              <a:rPr lang="en-US" altLang="zh-CN" b="1" dirty="0"/>
+              <a:t>RT-Thread </a:t>
+            </a:r>
+            <a:r>
+              <a:rPr lang="zh-CN" altLang="en-US" b="1" dirty="0"/>
+              <a:t>物联网操作系统</a:t>
+            </a:r>
+            <a:r>
+              <a:rPr lang="en-US" altLang="zh-CN" b="1" dirty="0"/>
+              <a:t>							</a:t>
+            </a:r>
+            <a:r>
+              <a:rPr lang="zh-CN" altLang="en-US" sz="1100" b="1" dirty="0"/>
+              <a:t>学习交流群：</a:t>
+            </a:r>
+            <a:r>
+              <a:rPr lang="en-US" altLang="zh-CN" sz="1100" b="1" dirty="0">
+                <a:solidFill>
+                  <a:srgbClr val="FF0000"/>
+                </a:solidFill>
+                <a:latin typeface="Malgun Gothic" pitchFamily="34" charset="-127"/>
+                <a:ea typeface="Malgun Gothic" pitchFamily="34" charset="-127"/>
+              </a:rPr>
+              <a:t>783234154</a:t>
+            </a:r>
+            <a:endParaRPr lang="zh-CN" altLang="en-US" b="1" dirty="0">
+              <a:solidFill>
+                <a:srgbClr val="FF0000"/>
+              </a:solidFill>
+              <a:latin typeface="Malgun Gothic" pitchFamily="34" charset="-127"/>
+              <a:ea typeface="Malgun Gothic" pitchFamily="34" charset="-127"/>
+            </a:endParaRPr>
+          </a:p>
+        </p:txBody>
+      </p:sp>
+      <p:sp>
+        <p:nvSpPr>
+          <p:cNvPr id="4" name="灯片编号占位符 3"/>
+          <p:cNvSpPr>
+            <a:spLocks noGrp="1"/>
+          </p:cNvSpPr>
+          <p:nvPr>
+            <p:ph type="sldNum" sz="quarter" idx="12"/>
+          </p:nvPr>
+        </p:nvSpPr>
+        <p:spPr/>
+        <p:txBody>
+          <a:bodyPr/>
+          <a:lstStyle/>
+          <a:p>
+            <a:fld id="{0C913308-F349-4B6D-A68A-DD1791B4A57B}" type="slidenum">
+              <a:rPr lang="zh-CN" altLang="en-US" smtClean="0"/>
+              <a:t>13</a:t>
+            </a:fld>
+            <a:endParaRPr lang="zh-CN" altLang="en-US"/>
+          </a:p>
+        </p:txBody>
+      </p:sp>
+      <p:sp>
+        <p:nvSpPr>
+          <p:cNvPr id="5" name="标题 4"/>
+          <p:cNvSpPr>
+            <a:spLocks noGrp="1"/>
+          </p:cNvSpPr>
+          <p:nvPr>
+            <p:ph type="title"/>
+          </p:nvPr>
+        </p:nvSpPr>
+        <p:spPr/>
+        <p:txBody>
+          <a:bodyPr/>
+          <a:lstStyle/>
+          <a:p>
             <a:r>
               <a:rPr lang="zh-CN" altLang="en-US" dirty="0" smtClean="0"/>
-              <a:t>简单了解</a:t>
+              <a:t>创建线程</a:t>
+            </a:r>
+            <a:endParaRPr lang="zh-CN" altLang="en-US" dirty="0"/>
+          </a:p>
+        </p:txBody>
+      </p:sp>
+      <p:sp>
+        <p:nvSpPr>
+          <p:cNvPr id="7" name="内容占位符 5"/>
+          <p:cNvSpPr>
+            <a:spLocks noGrp="1"/>
+          </p:cNvSpPr>
+          <p:nvPr>
+            <p:ph idx="1"/>
+          </p:nvPr>
+        </p:nvSpPr>
+        <p:spPr>
+          <a:xfrm>
+            <a:off x="872067" y="2675467"/>
+            <a:ext cx="3699933" cy="3450696"/>
+          </a:xfrm>
+        </p:spPr>
+        <p:txBody>
+          <a:bodyPr>
+            <a:normAutofit fontScale="77500" lnSpcReduction="20000"/>
+          </a:bodyPr>
+          <a:lstStyle/>
+          <a:p>
+            <a:pPr marL="0" indent="0">
+              <a:buNone/>
+            </a:pPr>
+            <a:r>
+              <a:rPr lang="zh-CN" altLang="en-US" dirty="0"/>
+              <a:t>在 </a:t>
             </a:r>
             <a:r>
               <a:rPr lang="en-US" altLang="zh-CN" dirty="0"/>
               <a:t>RT-Thread </a:t>
             </a:r>
+            <a:r>
+              <a:rPr lang="zh-CN" altLang="en-US" dirty="0"/>
+              <a:t>系统中，每一个线程都是独立的，他们的运行环境都单独的保存在</a:t>
+            </a:r>
+            <a:r>
+              <a:rPr lang="zh-CN" altLang="en-US" dirty="0" smtClean="0"/>
+              <a:t>他们的</a:t>
+            </a:r>
+            <a:r>
+              <a:rPr lang="zh-CN" altLang="en-US" dirty="0"/>
+              <a:t>栈空间当中</a:t>
+            </a:r>
+            <a:r>
+              <a:rPr lang="zh-CN" altLang="en-US" dirty="0" smtClean="0"/>
+              <a:t>。我们要为每个线程</a:t>
+            </a:r>
+            <a:r>
+              <a:rPr lang="zh-CN" altLang="en-US" dirty="0"/>
+              <a:t>定义一</a:t>
+            </a:r>
+            <a:r>
+              <a:rPr lang="zh-CN" altLang="en-US" dirty="0" smtClean="0"/>
+              <a:t>个线程栈空间，如果我们使用的</a:t>
+            </a:r>
+            <a:r>
+              <a:rPr lang="zh-CN" altLang="en-US" dirty="0"/>
+              <a:t>是</a:t>
+            </a:r>
+            <a:r>
+              <a:rPr lang="zh-CN" altLang="en-US" sz="2600" b="1" dirty="0" smtClean="0">
+                <a:solidFill>
+                  <a:srgbClr val="FF0000"/>
+                </a:solidFill>
+              </a:rPr>
+              <a:t>静态方法</a:t>
+            </a:r>
+            <a:r>
+              <a:rPr lang="zh-CN" altLang="en-US" dirty="0" smtClean="0"/>
+              <a:t>创建线程，线程栈就是</a:t>
+            </a:r>
+            <a:r>
+              <a:rPr lang="zh-CN" altLang="en-US" dirty="0"/>
+              <a:t>一个独立的</a:t>
+            </a:r>
+            <a:r>
+              <a:rPr lang="zh-CN" altLang="en-US" dirty="0" smtClean="0"/>
+              <a:t>全局变量（数组）。 </a:t>
+            </a:r>
+            <a:r>
+              <a:rPr lang="zh-CN" altLang="en-US" dirty="0"/>
+              <a:t>线程的栈</a:t>
+            </a:r>
+            <a:r>
+              <a:rPr lang="zh-CN" altLang="en-US" dirty="0" smtClean="0"/>
+              <a:t>占用的</a:t>
+            </a:r>
+            <a:r>
+              <a:rPr lang="zh-CN" altLang="en-US" dirty="0"/>
+              <a:t>是 </a:t>
+            </a:r>
+            <a:r>
+              <a:rPr lang="en-US" altLang="zh-CN" dirty="0"/>
+              <a:t>MCU </a:t>
+            </a:r>
+            <a:r>
+              <a:rPr lang="zh-CN" altLang="en-US" dirty="0"/>
+              <a:t>内部的 </a:t>
+            </a:r>
+            <a:r>
+              <a:rPr lang="en-US" altLang="zh-CN" dirty="0"/>
+              <a:t>RAM</a:t>
+            </a:r>
+            <a:r>
+              <a:rPr lang="zh-CN" altLang="en-US" dirty="0"/>
+              <a:t>，当线程越多的时候，需要使用的栈空间就越大，即需要使用</a:t>
+            </a:r>
+            <a:r>
+              <a:rPr lang="zh-CN" altLang="en-US" dirty="0" smtClean="0"/>
+              <a:t>的</a:t>
+            </a:r>
+            <a:r>
+              <a:rPr lang="en-US" altLang="zh-CN" dirty="0" smtClean="0"/>
+              <a:t>RAM </a:t>
+            </a:r>
+            <a:r>
+              <a:rPr lang="zh-CN" altLang="en-US" dirty="0"/>
+              <a:t>空间就越多。一个 </a:t>
+            </a:r>
+            <a:r>
+              <a:rPr lang="en-US" altLang="zh-CN" dirty="0" smtClean="0"/>
+              <a:t>MCU </a:t>
+            </a:r>
+            <a:r>
+              <a:rPr lang="zh-CN" altLang="en-US" dirty="0"/>
+              <a:t>能够支持多少线程，就得看你的 </a:t>
+            </a:r>
+            <a:r>
+              <a:rPr lang="en-US" altLang="zh-CN" dirty="0"/>
+              <a:t>RAM </a:t>
+            </a:r>
+            <a:r>
+              <a:rPr lang="zh-CN" altLang="en-US" dirty="0"/>
+              <a:t>空间有多少。</a:t>
+            </a:r>
+            <a:r>
+              <a:rPr lang="zh-CN" altLang="en-US" dirty="0"/>
+              <a:t> </a:t>
+            </a:r>
+            <a:br>
+              <a:rPr lang="zh-CN" altLang="en-US" dirty="0"/>
+            </a:br>
             <a:endParaRPr lang="zh-CN" altLang="en-US" dirty="0"/>
           </a:p>
         </p:txBody>
       </p:sp>
+      <p:sp>
+        <p:nvSpPr>
+          <p:cNvPr id="8" name="内容占位符 5"/>
+          <p:cNvSpPr txBox="1">
+            <a:spLocks/>
+          </p:cNvSpPr>
+          <p:nvPr/>
+        </p:nvSpPr>
+        <p:spPr>
+          <a:xfrm>
+            <a:off x="4724400" y="2827867"/>
+            <a:ext cx="3699933" cy="3450696"/>
+          </a:xfrm>
+          <a:prstGeom prst="rect">
+            <a:avLst/>
+          </a:prstGeom>
+        </p:spPr>
+        <p:txBody>
+          <a:bodyPr vert="horz" lIns="91440" tIns="45720" rIns="91440" bIns="45720" rtlCol="0">
+            <a:normAutofit/>
+          </a:bodyPr>
+          <a:lstStyle>
+            <a:lvl1pPr marL="274320" indent="-274320" algn="l" defTabSz="914400" rtl="0" eaLnBrk="1" latinLnBrk="0" hangingPunct="1">
+              <a:spcBef>
+                <a:spcPct val="20000"/>
+              </a:spcBef>
+              <a:buClr>
+                <a:schemeClr val="accent1"/>
+              </a:buClr>
+              <a:buSzPct val="100000"/>
+              <a:buFont typeface="Symbol" pitchFamily="18" charset="2"/>
+              <a:buChar char=""/>
+              <a:defRPr sz="2400" kern="1200">
+                <a:solidFill>
+                  <a:schemeClr val="tx2"/>
+                </a:solidFill>
+                <a:latin typeface="+mn-lt"/>
+                <a:ea typeface="+mn-ea"/>
+                <a:cs typeface="+mn-cs"/>
+              </a:defRPr>
+            </a:lvl1pPr>
+            <a:lvl2pPr marL="576263" indent="-274320" algn="l" defTabSz="914400" rtl="0" eaLnBrk="1" latinLnBrk="0" hangingPunct="1">
+              <a:spcBef>
+                <a:spcPct val="20000"/>
+              </a:spcBef>
+              <a:buClr>
+                <a:schemeClr val="accent1"/>
+              </a:buClr>
+              <a:buSzPct val="100000"/>
+              <a:buFont typeface="Symbol" pitchFamily="18" charset="2"/>
+              <a:buChar char=""/>
+              <a:defRPr sz="2200" kern="1200">
+                <a:solidFill>
+                  <a:schemeClr val="tx2"/>
+                </a:solidFill>
+                <a:latin typeface="+mn-lt"/>
+                <a:ea typeface="+mn-ea"/>
+                <a:cs typeface="+mn-cs"/>
+              </a:defRPr>
+            </a:lvl2pPr>
+            <a:lvl3pPr marL="855663" indent="-228600" algn="l" defTabSz="914400" rtl="0" eaLnBrk="1" latinLnBrk="0" hangingPunct="1">
+              <a:spcBef>
+                <a:spcPct val="20000"/>
+              </a:spcBef>
+              <a:buClr>
+                <a:schemeClr val="accent1"/>
+              </a:buClr>
+              <a:buSzPct val="100000"/>
+              <a:buFont typeface="Symbol" pitchFamily="18" charset="2"/>
+              <a:buChar char=""/>
+              <a:defRPr sz="2000" kern="1200">
+                <a:solidFill>
+                  <a:schemeClr val="tx2"/>
+                </a:solidFill>
+                <a:latin typeface="+mn-lt"/>
+                <a:ea typeface="+mn-ea"/>
+                <a:cs typeface="+mn-cs"/>
+              </a:defRPr>
+            </a:lvl3pPr>
+            <a:lvl4pPr marL="1143000" indent="-228600" algn="l" defTabSz="914400" rtl="0" eaLnBrk="1" latinLnBrk="0" hangingPunct="1">
+              <a:spcBef>
+                <a:spcPct val="20000"/>
+              </a:spcBef>
+              <a:buClr>
+                <a:schemeClr val="accent1"/>
+              </a:buClr>
+              <a:buSzPct val="100000"/>
+              <a:buFont typeface="Symbol" pitchFamily="18" charset="2"/>
+              <a:buChar char=""/>
+              <a:defRPr sz="1800" kern="1200">
+                <a:solidFill>
+                  <a:schemeClr val="tx2"/>
+                </a:solidFill>
+                <a:latin typeface="+mn-lt"/>
+                <a:ea typeface="+mn-ea"/>
+                <a:cs typeface="+mn-cs"/>
+              </a:defRPr>
+            </a:lvl4pPr>
+            <a:lvl5pPr marL="1463040" indent="-228600" algn="l" defTabSz="914400" rtl="0" eaLnBrk="1" latinLnBrk="0" hangingPunct="1">
+              <a:spcBef>
+                <a:spcPct val="20000"/>
+              </a:spcBef>
+              <a:buClr>
+                <a:schemeClr val="accent1"/>
+              </a:buClr>
+              <a:buSzPct val="100000"/>
+              <a:buFont typeface="Symbol" pitchFamily="18" charset="2"/>
+              <a:buChar char=""/>
+              <a:defRPr sz="1600" kern="1200">
+                <a:solidFill>
+                  <a:schemeClr val="tx2"/>
+                </a:solidFill>
+                <a:latin typeface="+mn-lt"/>
+                <a:ea typeface="+mn-ea"/>
+                <a:cs typeface="+mn-cs"/>
+              </a:defRPr>
+            </a:lvl5pPr>
+            <a:lvl6pPr marL="1783080" indent="-228600" algn="l" defTabSz="914400" rtl="0" eaLnBrk="1" latinLnBrk="0" hangingPunct="1">
+              <a:spcBef>
+                <a:spcPts val="384"/>
+              </a:spcBef>
+              <a:buClr>
+                <a:schemeClr val="accent1"/>
+              </a:buClr>
+              <a:buFont typeface="Symbol" pitchFamily="18" charset="2"/>
+              <a:buChar char="*"/>
+              <a:defRPr sz="1400" kern="1200">
+                <a:solidFill>
+                  <a:schemeClr val="tx2"/>
+                </a:solidFill>
+                <a:latin typeface="+mn-lt"/>
+                <a:ea typeface="+mn-ea"/>
+                <a:cs typeface="+mn-cs"/>
+              </a:defRPr>
+            </a:lvl6pPr>
+            <a:lvl7pPr marL="2103120" indent="-228600" algn="l" defTabSz="914400" rtl="0" eaLnBrk="1" latinLnBrk="0" hangingPunct="1">
+              <a:spcBef>
+                <a:spcPts val="384"/>
+              </a:spcBef>
+              <a:buClr>
+                <a:schemeClr val="accent1"/>
+              </a:buClr>
+              <a:buFont typeface="Symbol" pitchFamily="18" charset="2"/>
+              <a:buChar char="*"/>
+              <a:defRPr sz="1400" kern="1200">
+                <a:solidFill>
+                  <a:schemeClr val="tx2"/>
+                </a:solidFill>
+                <a:latin typeface="+mn-lt"/>
+                <a:ea typeface="+mn-ea"/>
+                <a:cs typeface="+mn-cs"/>
+              </a:defRPr>
+            </a:lvl7pPr>
+            <a:lvl8pPr marL="2423160" indent="-228600" algn="l" defTabSz="914400" rtl="0" eaLnBrk="1" latinLnBrk="0" hangingPunct="1">
+              <a:spcBef>
+                <a:spcPts val="384"/>
+              </a:spcBef>
+              <a:buClr>
+                <a:schemeClr val="accent1"/>
+              </a:buClr>
+              <a:buFont typeface="Symbol" pitchFamily="18" charset="2"/>
+              <a:buChar char="*"/>
+              <a:defRPr sz="1400" kern="1200">
+                <a:solidFill>
+                  <a:schemeClr val="tx2"/>
+                </a:solidFill>
+                <a:latin typeface="+mn-lt"/>
+                <a:ea typeface="+mn-ea"/>
+                <a:cs typeface="+mn-cs"/>
+              </a:defRPr>
+            </a:lvl8pPr>
+            <a:lvl9pPr marL="2743200" indent="-228600" algn="l" defTabSz="914400" rtl="0" eaLnBrk="1" latinLnBrk="0" hangingPunct="1">
+              <a:spcBef>
+                <a:spcPts val="384"/>
+              </a:spcBef>
+              <a:buClr>
+                <a:schemeClr val="accent1"/>
+              </a:buClr>
+              <a:buFont typeface="Symbol" pitchFamily="18" charset="2"/>
+              <a:buChar char="*"/>
+              <a:defRPr sz="1400" kern="1200">
+                <a:solidFill>
+                  <a:schemeClr val="tx2"/>
+                </a:solidFill>
+                <a:latin typeface="+mn-lt"/>
+                <a:ea typeface="+mn-ea"/>
+                <a:cs typeface="+mn-cs"/>
+              </a:defRPr>
+            </a:lvl9pPr>
+          </a:lstStyle>
+          <a:p>
+            <a:pPr marL="0" indent="0">
+              <a:buNone/>
+            </a:pPr>
+            <a:r>
+              <a:rPr lang="zh-CN" altLang="en-US" sz="1800" dirty="0" smtClean="0"/>
+              <a:t>当使用</a:t>
+            </a:r>
+            <a:r>
+              <a:rPr lang="zh-CN" altLang="en-US" sz="2000" b="1" dirty="0" smtClean="0">
+                <a:solidFill>
+                  <a:srgbClr val="FF0000"/>
+                </a:solidFill>
+              </a:rPr>
+              <a:t>动态方法</a:t>
+            </a:r>
+            <a:r>
+              <a:rPr lang="zh-CN" altLang="en-US" sz="1800" dirty="0" smtClean="0"/>
+              <a:t>创建线程时候，需要</a:t>
+            </a:r>
+            <a:r>
+              <a:rPr lang="zh-CN" altLang="en-US" sz="1800" dirty="0"/>
+              <a:t>预先定义好一个全局的静态的线程</a:t>
+            </a:r>
+            <a:r>
+              <a:rPr lang="zh-CN" altLang="en-US" sz="1800" dirty="0" smtClean="0"/>
+              <a:t>控制</a:t>
+            </a:r>
+            <a:r>
+              <a:rPr lang="zh-CN" altLang="en-US" sz="1800" dirty="0"/>
+              <a:t>块空间</a:t>
+            </a:r>
+            <a:r>
+              <a:rPr lang="zh-CN" altLang="en-US" sz="1800" dirty="0" smtClean="0"/>
+              <a:t>。只需要在创建线程的的时候传入一个指定线程栈大小的参数即可，在创建线程内部会通过内存堆进行分配相应的线程栈。</a:t>
+            </a:r>
+            <a:r>
+              <a:rPr lang="zh-CN" altLang="en-US" dirty="0"/>
+              <a:t/>
+            </a:r>
+            <a:br>
+              <a:rPr lang="zh-CN" altLang="en-US" dirty="0"/>
+            </a:br>
+            <a:endParaRPr lang="zh-CN" altLang="en-US" dirty="0"/>
+          </a:p>
+        </p:txBody>
+      </p:sp>
+    </p:spTree>
+    <p:extLst>
+      <p:ext uri="{BB962C8B-B14F-4D97-AF65-F5344CB8AC3E}">
+        <p14:creationId xmlns:p14="http://schemas.microsoft.com/office/powerpoint/2010/main" val="4145212086"/>
+      </p:ext>
+    </p:extLst>
+  </p:cSld>
+  <p:clrMapOvr>
+    <a:masterClrMapping/>
+  </p:clrMapOvr>
+  <p:timing>
+    <p:tnLst>
+      <p:par>
+        <p:cTn id="1" dur="indefinite" restart="never" nodeType="tmRoot"/>
+      </p:par>
+    </p:tnLst>
+  </p:timing>
+</p:sld>
+</file>
+
+<file path=ppt/slides/slide14.xml><?xml version="1.0" encoding="utf-8"?>
+<p:sld xmlns:a="http://schemas.openxmlformats.org/drawingml/2006/main" xmlns:r="http://schemas.openxmlformats.org/officeDocument/2006/relationships" xmlns:p="http://schemas.openxmlformats.org/presentationml/2006/main">
+  <p:cSld>
+    <p:spTree>
+      <p:nvGrpSpPr>
+        <p:cNvPr id="1" name=""/>
+        <p:cNvGrpSpPr/>
+        <p:nvPr/>
+      </p:nvGrpSpPr>
+      <p:grpSpPr>
+        <a:xfrm>
+          <a:off x="0" y="0"/>
+          <a:ext cx="0" cy="0"/>
+          <a:chOff x="0" y="0"/>
+          <a:chExt cx="0" cy="0"/>
+        </a:xfrm>
+      </p:grpSpPr>
+      <p:sp>
+        <p:nvSpPr>
+          <p:cNvPr id="3" name="页脚占位符 2"/>
+          <p:cNvSpPr>
+            <a:spLocks noGrp="1"/>
+          </p:cNvSpPr>
+          <p:nvPr>
+            <p:ph type="ftr" sz="quarter" idx="11"/>
+          </p:nvPr>
+        </p:nvSpPr>
+        <p:spPr>
+          <a:xfrm>
+            <a:off x="0" y="6304235"/>
+            <a:ext cx="9144000" cy="365125"/>
+          </a:xfrm>
+        </p:spPr>
+        <p:txBody>
+          <a:bodyPr/>
+          <a:lstStyle/>
+          <a:p>
+            <a:r>
+              <a:rPr lang="en-US" altLang="zh-CN" b="1" dirty="0"/>
+              <a:t>RT-Thread </a:t>
+            </a:r>
+            <a:r>
+              <a:rPr lang="zh-CN" altLang="en-US" b="1" dirty="0"/>
+              <a:t>物联网操作系统</a:t>
+            </a:r>
+            <a:r>
+              <a:rPr lang="en-US" altLang="zh-CN" b="1" dirty="0"/>
+              <a:t>							</a:t>
+            </a:r>
+            <a:r>
+              <a:rPr lang="zh-CN" altLang="en-US" sz="1100" b="1" dirty="0"/>
+              <a:t>学习交流群：</a:t>
+            </a:r>
+            <a:r>
+              <a:rPr lang="en-US" altLang="zh-CN" sz="1100" b="1" dirty="0">
+                <a:solidFill>
+                  <a:srgbClr val="FF0000"/>
+                </a:solidFill>
+                <a:latin typeface="Malgun Gothic" pitchFamily="34" charset="-127"/>
+                <a:ea typeface="Malgun Gothic" pitchFamily="34" charset="-127"/>
+              </a:rPr>
+              <a:t>783234154</a:t>
+            </a:r>
+            <a:endParaRPr lang="zh-CN" altLang="en-US" b="1" dirty="0">
+              <a:solidFill>
+                <a:srgbClr val="FF0000"/>
+              </a:solidFill>
+              <a:latin typeface="Malgun Gothic" pitchFamily="34" charset="-127"/>
+              <a:ea typeface="Malgun Gothic" pitchFamily="34" charset="-127"/>
+            </a:endParaRPr>
+          </a:p>
+        </p:txBody>
+      </p:sp>
+      <p:sp>
+        <p:nvSpPr>
+          <p:cNvPr id="4" name="灯片编号占位符 3"/>
+          <p:cNvSpPr>
+            <a:spLocks noGrp="1"/>
+          </p:cNvSpPr>
+          <p:nvPr>
+            <p:ph type="sldNum" sz="quarter" idx="12"/>
+          </p:nvPr>
+        </p:nvSpPr>
+        <p:spPr/>
+        <p:txBody>
+          <a:bodyPr/>
+          <a:lstStyle/>
+          <a:p>
+            <a:fld id="{0C913308-F349-4B6D-A68A-DD1791B4A57B}" type="slidenum">
+              <a:rPr lang="zh-CN" altLang="en-US" smtClean="0"/>
+              <a:t>14</a:t>
+            </a:fld>
+            <a:endParaRPr lang="zh-CN" altLang="en-US"/>
+          </a:p>
+        </p:txBody>
+      </p:sp>
+      <p:sp>
+        <p:nvSpPr>
+          <p:cNvPr id="5" name="标题 4"/>
+          <p:cNvSpPr>
+            <a:spLocks noGrp="1"/>
+          </p:cNvSpPr>
+          <p:nvPr>
+            <p:ph type="title"/>
+          </p:nvPr>
+        </p:nvSpPr>
+        <p:spPr/>
+        <p:txBody>
+          <a:bodyPr/>
+          <a:lstStyle/>
+          <a:p>
+            <a:r>
+              <a:rPr lang="zh-CN" altLang="en-US" dirty="0" smtClean="0"/>
+              <a:t>静态创建线程</a:t>
+            </a:r>
+            <a:endParaRPr lang="zh-CN" altLang="en-US" dirty="0"/>
+          </a:p>
+        </p:txBody>
+      </p:sp>
+      <p:sp>
+        <p:nvSpPr>
+          <p:cNvPr id="6" name="内容占位符 5"/>
+          <p:cNvSpPr>
+            <a:spLocks noGrp="1"/>
+          </p:cNvSpPr>
+          <p:nvPr>
+            <p:ph idx="1"/>
+          </p:nvPr>
+        </p:nvSpPr>
+        <p:spPr/>
+        <p:txBody>
+          <a:bodyPr/>
+          <a:lstStyle/>
+          <a:p>
+            <a:endParaRPr lang="zh-CN" altLang="en-US" dirty="0"/>
+          </a:p>
+        </p:txBody>
+      </p:sp>
+      <p:pic>
+        <p:nvPicPr>
+          <p:cNvPr id="8194" name="Picture 2"/>
+          <p:cNvPicPr>
+            <a:picLocks noChangeAspect="1" noChangeArrowheads="1"/>
+          </p:cNvPicPr>
+          <p:nvPr/>
+        </p:nvPicPr>
+        <p:blipFill>
+          <a:blip r:embed="rId2">
+            <a:extLst>
+              <a:ext uri="{28A0092B-C50C-407E-A947-70E740481C1C}">
+                <a14:useLocalDpi xmlns:a14="http://schemas.microsoft.com/office/drawing/2010/main" val="0"/>
+              </a:ext>
+            </a:extLst>
+          </a:blip>
+          <a:srcRect/>
+          <a:stretch>
+            <a:fillRect/>
+          </a:stretch>
+        </p:blipFill>
+        <p:spPr bwMode="auto">
+          <a:xfrm>
+            <a:off x="971600" y="2492896"/>
+            <a:ext cx="7256463" cy="3095625"/>
+          </a:xfrm>
+          <a:prstGeom prst="rect">
+            <a:avLst/>
+          </a:prstGeom>
+          <a:noFill/>
+          <a:ln>
+            <a:noFill/>
+          </a:ln>
+          <a:effectLst/>
+          <a:extLst>
+            <a:ext uri="{909E8E84-426E-40DD-AFC4-6F175D3DCCD1}">
+              <a14:hiddenFill xmlns:a14="http://schemas.microsoft.com/office/drawing/2010/main">
+                <a:solidFill>
+                  <a:schemeClr val="accent1"/>
+                </a:solidFill>
+              </a14:hiddenFill>
+            </a:ext>
+            <a:ext uri="{91240B29-F687-4F45-9708-019B960494DF}">
+              <a14:hiddenLine xmlns:a14="http://schemas.microsoft.com/office/drawing/2010/main" w="9525">
+                <a:solidFill>
+                  <a:schemeClr val="tx1"/>
+                </a:solidFill>
+                <a:miter lim="800000"/>
+                <a:headEnd/>
+                <a:tailEnd/>
+              </a14:hiddenLine>
+            </a:ext>
+            <a:ext uri="{AF507438-7753-43E0-B8FC-AC1667EBCBE1}">
+              <a14:hiddenEffects xmlns:a14="http://schemas.microsoft.com/office/drawing/2010/main">
+                <a:effectLst>
+                  <a:outerShdw dist="35921" dir="2700000" algn="ctr" rotWithShape="0">
+                    <a:schemeClr val="bg2"/>
+                  </a:outerShdw>
+                </a:effectLst>
+              </a14:hiddenEffects>
+            </a:ext>
+          </a:extLst>
+        </p:spPr>
+      </p:pic>
+    </p:spTree>
+    <p:extLst>
+      <p:ext uri="{BB962C8B-B14F-4D97-AF65-F5344CB8AC3E}">
+        <p14:creationId xmlns:p14="http://schemas.microsoft.com/office/powerpoint/2010/main" val="1542718975"/>
+      </p:ext>
+    </p:extLst>
+  </p:cSld>
+  <p:clrMapOvr>
+    <a:masterClrMapping/>
+  </p:clrMapOvr>
+  <p:timing>
+    <p:tnLst>
+      <p:par>
+        <p:cTn id="1" dur="indefinite" restart="never" nodeType="tmRoot"/>
+      </p:par>
+    </p:tnLst>
+  </p:timing>
+</p:sld>
+</file>
+
+<file path=ppt/slides/slide15.xml><?xml version="1.0" encoding="utf-8"?>
+<p:sld xmlns:a="http://schemas.openxmlformats.org/drawingml/2006/main" xmlns:r="http://schemas.openxmlformats.org/officeDocument/2006/relationships" xmlns:p="http://schemas.openxmlformats.org/presentationml/2006/main">
+  <p:cSld>
+    <p:spTree>
+      <p:nvGrpSpPr>
+        <p:cNvPr id="1" name=""/>
+        <p:cNvGrpSpPr/>
+        <p:nvPr/>
+      </p:nvGrpSpPr>
+      <p:grpSpPr>
+        <a:xfrm>
+          <a:off x="0" y="0"/>
+          <a:ext cx="0" cy="0"/>
+          <a:chOff x="0" y="0"/>
+          <a:chExt cx="0" cy="0"/>
+        </a:xfrm>
+      </p:grpSpPr>
+      <p:sp>
+        <p:nvSpPr>
+          <p:cNvPr id="3" name="页脚占位符 2"/>
+          <p:cNvSpPr>
+            <a:spLocks noGrp="1"/>
+          </p:cNvSpPr>
+          <p:nvPr>
+            <p:ph type="ftr" sz="quarter" idx="11"/>
+          </p:nvPr>
+        </p:nvSpPr>
+        <p:spPr>
+          <a:xfrm>
+            <a:off x="0" y="6304235"/>
+            <a:ext cx="9144000" cy="365125"/>
+          </a:xfrm>
+        </p:spPr>
+        <p:txBody>
+          <a:bodyPr/>
+          <a:lstStyle/>
+          <a:p>
+            <a:r>
+              <a:rPr lang="en-US" altLang="zh-CN" b="1" dirty="0"/>
+              <a:t>RT-Thread </a:t>
+            </a:r>
+            <a:r>
+              <a:rPr lang="zh-CN" altLang="en-US" b="1" dirty="0"/>
+              <a:t>物联网操作系统</a:t>
+            </a:r>
+            <a:r>
+              <a:rPr lang="en-US" altLang="zh-CN" b="1" dirty="0"/>
+              <a:t>							</a:t>
+            </a:r>
+            <a:r>
+              <a:rPr lang="zh-CN" altLang="en-US" sz="1100" b="1" dirty="0"/>
+              <a:t>学习交流群：</a:t>
+            </a:r>
+            <a:r>
+              <a:rPr lang="en-US" altLang="zh-CN" sz="1100" b="1" dirty="0">
+                <a:solidFill>
+                  <a:srgbClr val="FF0000"/>
+                </a:solidFill>
+                <a:latin typeface="Malgun Gothic" pitchFamily="34" charset="-127"/>
+                <a:ea typeface="Malgun Gothic" pitchFamily="34" charset="-127"/>
+              </a:rPr>
+              <a:t>783234154</a:t>
+            </a:r>
+            <a:endParaRPr lang="zh-CN" altLang="en-US" b="1" dirty="0">
+              <a:solidFill>
+                <a:srgbClr val="FF0000"/>
+              </a:solidFill>
+              <a:latin typeface="Malgun Gothic" pitchFamily="34" charset="-127"/>
+              <a:ea typeface="Malgun Gothic" pitchFamily="34" charset="-127"/>
+            </a:endParaRPr>
+          </a:p>
+        </p:txBody>
+      </p:sp>
+      <p:sp>
+        <p:nvSpPr>
+          <p:cNvPr id="4" name="灯片编号占位符 3"/>
+          <p:cNvSpPr>
+            <a:spLocks noGrp="1"/>
+          </p:cNvSpPr>
+          <p:nvPr>
+            <p:ph type="sldNum" sz="quarter" idx="12"/>
+          </p:nvPr>
+        </p:nvSpPr>
+        <p:spPr/>
+        <p:txBody>
+          <a:bodyPr/>
+          <a:lstStyle/>
+          <a:p>
+            <a:fld id="{0C913308-F349-4B6D-A68A-DD1791B4A57B}" type="slidenum">
+              <a:rPr lang="zh-CN" altLang="en-US" smtClean="0"/>
+              <a:t>15</a:t>
+            </a:fld>
+            <a:endParaRPr lang="zh-CN" altLang="en-US"/>
+          </a:p>
+        </p:txBody>
+      </p:sp>
+      <p:sp>
+        <p:nvSpPr>
+          <p:cNvPr id="5" name="标题 4"/>
+          <p:cNvSpPr>
+            <a:spLocks noGrp="1"/>
+          </p:cNvSpPr>
+          <p:nvPr>
+            <p:ph type="title"/>
+          </p:nvPr>
+        </p:nvSpPr>
+        <p:spPr/>
+        <p:txBody>
+          <a:bodyPr/>
+          <a:lstStyle/>
+          <a:p>
+            <a:r>
+              <a:rPr lang="zh-CN" altLang="en-US" dirty="0" smtClean="0"/>
+              <a:t>动态创建线程</a:t>
+            </a:r>
+            <a:endParaRPr lang="zh-CN" altLang="en-US" dirty="0"/>
+          </a:p>
+        </p:txBody>
+      </p:sp>
+      <p:sp>
+        <p:nvSpPr>
+          <p:cNvPr id="6" name="内容占位符 5"/>
+          <p:cNvSpPr>
+            <a:spLocks noGrp="1"/>
+          </p:cNvSpPr>
+          <p:nvPr>
+            <p:ph idx="1"/>
+          </p:nvPr>
+        </p:nvSpPr>
+        <p:spPr/>
+        <p:txBody>
+          <a:bodyPr/>
+          <a:lstStyle/>
+          <a:p>
+            <a:endParaRPr lang="zh-CN" altLang="en-US" dirty="0"/>
+          </a:p>
+        </p:txBody>
+      </p:sp>
+      <p:pic>
+        <p:nvPicPr>
+          <p:cNvPr id="7170" name="Picture 2"/>
+          <p:cNvPicPr>
+            <a:picLocks noChangeAspect="1" noChangeArrowheads="1"/>
+          </p:cNvPicPr>
+          <p:nvPr/>
+        </p:nvPicPr>
+        <p:blipFill>
+          <a:blip r:embed="rId2">
+            <a:extLst>
+              <a:ext uri="{28A0092B-C50C-407E-A947-70E740481C1C}">
+                <a14:useLocalDpi xmlns:a14="http://schemas.microsoft.com/office/drawing/2010/main" val="0"/>
+              </a:ext>
+            </a:extLst>
+          </a:blip>
+          <a:srcRect/>
+          <a:stretch>
+            <a:fillRect/>
+          </a:stretch>
+        </p:blipFill>
+        <p:spPr bwMode="auto">
+          <a:xfrm>
+            <a:off x="1043607" y="2492896"/>
+            <a:ext cx="7085013" cy="2895600"/>
+          </a:xfrm>
+          <a:prstGeom prst="rect">
+            <a:avLst/>
+          </a:prstGeom>
+          <a:noFill/>
+          <a:ln>
+            <a:noFill/>
+          </a:ln>
+          <a:effectLst/>
+          <a:extLst>
+            <a:ext uri="{909E8E84-426E-40DD-AFC4-6F175D3DCCD1}">
+              <a14:hiddenFill xmlns:a14="http://schemas.microsoft.com/office/drawing/2010/main">
+                <a:solidFill>
+                  <a:schemeClr val="accent1"/>
+                </a:solidFill>
+              </a14:hiddenFill>
+            </a:ext>
+            <a:ext uri="{91240B29-F687-4F45-9708-019B960494DF}">
+              <a14:hiddenLine xmlns:a14="http://schemas.microsoft.com/office/drawing/2010/main" w="9525">
+                <a:solidFill>
+                  <a:schemeClr val="tx1"/>
+                </a:solidFill>
+                <a:miter lim="800000"/>
+                <a:headEnd/>
+                <a:tailEnd/>
+              </a14:hiddenLine>
+            </a:ext>
+            <a:ext uri="{AF507438-7753-43E0-B8FC-AC1667EBCBE1}">
+              <a14:hiddenEffects xmlns:a14="http://schemas.microsoft.com/office/drawing/2010/main">
+                <a:effectLst>
+                  <a:outerShdw dist="35921" dir="2700000" algn="ctr" rotWithShape="0">
+                    <a:schemeClr val="bg2"/>
+                  </a:outerShdw>
+                </a:effectLst>
+              </a14:hiddenEffects>
+            </a:ext>
+          </a:extLst>
+        </p:spPr>
+      </p:pic>
+    </p:spTree>
+    <p:extLst>
+      <p:ext uri="{BB962C8B-B14F-4D97-AF65-F5344CB8AC3E}">
+        <p14:creationId xmlns:p14="http://schemas.microsoft.com/office/powerpoint/2010/main" val="1542718975"/>
+      </p:ext>
+    </p:extLst>
+  </p:cSld>
+  <p:clrMapOvr>
+    <a:masterClrMapping/>
+  </p:clrMapOvr>
+  <p:timing>
+    <p:tnLst>
+      <p:par>
+        <p:cTn id="1" dur="indefinite" restart="never" nodeType="tmRoot"/>
+      </p:par>
+    </p:tnLst>
+  </p:timing>
+</p:sld>
+</file>
+
+<file path=ppt/slides/slide16.xml><?xml version="1.0" encoding="utf-8"?>
+<p:sld xmlns:a="http://schemas.openxmlformats.org/drawingml/2006/main" xmlns:r="http://schemas.openxmlformats.org/officeDocument/2006/relationships" xmlns:p="http://schemas.openxmlformats.org/presentationml/2006/main">
+  <p:cSld>
+    <p:spTree>
+      <p:nvGrpSpPr>
+        <p:cNvPr id="1" name=""/>
+        <p:cNvGrpSpPr/>
+        <p:nvPr/>
+      </p:nvGrpSpPr>
+      <p:grpSpPr>
+        <a:xfrm>
+          <a:off x="0" y="0"/>
+          <a:ext cx="0" cy="0"/>
+          <a:chOff x="0" y="0"/>
+          <a:chExt cx="0" cy="0"/>
+        </a:xfrm>
+      </p:grpSpPr>
+      <p:sp>
+        <p:nvSpPr>
+          <p:cNvPr id="3" name="页脚占位符 2"/>
+          <p:cNvSpPr>
+            <a:spLocks noGrp="1"/>
+          </p:cNvSpPr>
+          <p:nvPr>
+            <p:ph type="ftr" sz="quarter" idx="11"/>
+          </p:nvPr>
+        </p:nvSpPr>
+        <p:spPr>
+          <a:xfrm>
+            <a:off x="0" y="6304235"/>
+            <a:ext cx="9144000" cy="365125"/>
+          </a:xfrm>
+        </p:spPr>
+        <p:txBody>
+          <a:bodyPr/>
+          <a:lstStyle/>
+          <a:p>
+            <a:r>
+              <a:rPr lang="en-US" altLang="zh-CN" b="1" dirty="0"/>
+              <a:t>RT-Thread </a:t>
+            </a:r>
+            <a:r>
+              <a:rPr lang="zh-CN" altLang="en-US" b="1" dirty="0"/>
+              <a:t>物联网操作系统</a:t>
+            </a:r>
+            <a:r>
+              <a:rPr lang="en-US" altLang="zh-CN" b="1" dirty="0"/>
+              <a:t>							</a:t>
+            </a:r>
+            <a:r>
+              <a:rPr lang="zh-CN" altLang="en-US" sz="1100" b="1" dirty="0"/>
+              <a:t>学习交流群：</a:t>
+            </a:r>
+            <a:r>
+              <a:rPr lang="en-US" altLang="zh-CN" sz="1100" b="1" dirty="0">
+                <a:solidFill>
+                  <a:srgbClr val="FF0000"/>
+                </a:solidFill>
+                <a:latin typeface="Malgun Gothic" pitchFamily="34" charset="-127"/>
+                <a:ea typeface="Malgun Gothic" pitchFamily="34" charset="-127"/>
+              </a:rPr>
+              <a:t>783234154</a:t>
+            </a:r>
+            <a:endParaRPr lang="zh-CN" altLang="en-US" b="1" dirty="0">
+              <a:solidFill>
+                <a:srgbClr val="FF0000"/>
+              </a:solidFill>
+              <a:latin typeface="Malgun Gothic" pitchFamily="34" charset="-127"/>
+              <a:ea typeface="Malgun Gothic" pitchFamily="34" charset="-127"/>
+            </a:endParaRPr>
+          </a:p>
+        </p:txBody>
+      </p:sp>
+      <p:sp>
+        <p:nvSpPr>
+          <p:cNvPr id="4" name="灯片编号占位符 3"/>
+          <p:cNvSpPr>
+            <a:spLocks noGrp="1"/>
+          </p:cNvSpPr>
+          <p:nvPr>
+            <p:ph type="sldNum" sz="quarter" idx="12"/>
+          </p:nvPr>
+        </p:nvSpPr>
+        <p:spPr/>
+        <p:txBody>
+          <a:bodyPr/>
+          <a:lstStyle/>
+          <a:p>
+            <a:fld id="{0C913308-F349-4B6D-A68A-DD1791B4A57B}" type="slidenum">
+              <a:rPr lang="zh-CN" altLang="en-US" smtClean="0"/>
+              <a:t>16</a:t>
+            </a:fld>
+            <a:endParaRPr lang="zh-CN" altLang="en-US"/>
+          </a:p>
+        </p:txBody>
+      </p:sp>
+      <p:sp>
+        <p:nvSpPr>
+          <p:cNvPr id="5" name="标题 4"/>
+          <p:cNvSpPr>
+            <a:spLocks noGrp="1"/>
+          </p:cNvSpPr>
+          <p:nvPr>
+            <p:ph type="title"/>
+          </p:nvPr>
+        </p:nvSpPr>
+        <p:spPr/>
+        <p:txBody>
+          <a:bodyPr/>
+          <a:lstStyle/>
+          <a:p>
+            <a:endParaRPr lang="zh-CN" altLang="en-US" dirty="0"/>
+          </a:p>
+        </p:txBody>
+      </p:sp>
+      <p:sp>
+        <p:nvSpPr>
+          <p:cNvPr id="6" name="内容占位符 5"/>
+          <p:cNvSpPr>
+            <a:spLocks noGrp="1"/>
+          </p:cNvSpPr>
+          <p:nvPr>
+            <p:ph idx="1"/>
+          </p:nvPr>
+        </p:nvSpPr>
+        <p:spPr/>
+        <p:txBody>
+          <a:bodyPr/>
+          <a:lstStyle/>
+          <a:p>
+            <a:endParaRPr lang="zh-CN" altLang="en-US" dirty="0"/>
+          </a:p>
+        </p:txBody>
+      </p:sp>
+    </p:spTree>
+    <p:extLst>
+      <p:ext uri="{BB962C8B-B14F-4D97-AF65-F5344CB8AC3E}">
+        <p14:creationId xmlns:p14="http://schemas.microsoft.com/office/powerpoint/2010/main" val="1542718975"/>
+      </p:ext>
+    </p:extLst>
+  </p:cSld>
+  <p:clrMapOvr>
+    <a:masterClrMapping/>
+  </p:clrMapOvr>
+  <p:timing>
+    <p:tnLst>
+      <p:par>
+        <p:cTn id="1" dur="indefinite" restart="never" nodeType="tmRoot"/>
+      </p:par>
+    </p:tnLst>
+  </p:timing>
+</p:sld>
+</file>
+
+<file path=ppt/slides/slide17.xml><?xml version="1.0" encoding="utf-8"?>
+<p:sld xmlns:a="http://schemas.openxmlformats.org/drawingml/2006/main" xmlns:r="http://schemas.openxmlformats.org/officeDocument/2006/relationships" xmlns:p="http://schemas.openxmlformats.org/presentationml/2006/main">
+  <p:cSld>
+    <p:spTree>
+      <p:nvGrpSpPr>
+        <p:cNvPr id="1" name=""/>
+        <p:cNvGrpSpPr/>
+        <p:nvPr/>
+      </p:nvGrpSpPr>
+      <p:grpSpPr>
+        <a:xfrm>
+          <a:off x="0" y="0"/>
+          <a:ext cx="0" cy="0"/>
+          <a:chOff x="0" y="0"/>
+          <a:chExt cx="0" cy="0"/>
+        </a:xfrm>
+      </p:grpSpPr>
+      <p:sp>
+        <p:nvSpPr>
+          <p:cNvPr id="3" name="页脚占位符 2"/>
+          <p:cNvSpPr>
+            <a:spLocks noGrp="1"/>
+          </p:cNvSpPr>
+          <p:nvPr>
+            <p:ph type="ftr" sz="quarter" idx="11"/>
+          </p:nvPr>
+        </p:nvSpPr>
+        <p:spPr>
+          <a:xfrm>
+            <a:off x="0" y="6304235"/>
+            <a:ext cx="9144000" cy="365125"/>
+          </a:xfrm>
+        </p:spPr>
+        <p:txBody>
+          <a:bodyPr/>
+          <a:lstStyle/>
+          <a:p>
+            <a:r>
+              <a:rPr lang="en-US" altLang="zh-CN" b="1" dirty="0"/>
+              <a:t>RT-Thread </a:t>
+            </a:r>
+            <a:r>
+              <a:rPr lang="zh-CN" altLang="en-US" b="1" dirty="0"/>
+              <a:t>物联网操作系统</a:t>
+            </a:r>
+            <a:r>
+              <a:rPr lang="en-US" altLang="zh-CN" b="1" dirty="0"/>
+              <a:t>							</a:t>
+            </a:r>
+            <a:r>
+              <a:rPr lang="zh-CN" altLang="en-US" sz="1100" b="1" dirty="0"/>
+              <a:t>学习交流群：</a:t>
+            </a:r>
+            <a:r>
+              <a:rPr lang="en-US" altLang="zh-CN" sz="1100" b="1" dirty="0">
+                <a:solidFill>
+                  <a:srgbClr val="FF0000"/>
+                </a:solidFill>
+                <a:latin typeface="Malgun Gothic" pitchFamily="34" charset="-127"/>
+                <a:ea typeface="Malgun Gothic" pitchFamily="34" charset="-127"/>
+              </a:rPr>
+              <a:t>783234154</a:t>
+            </a:r>
+            <a:endParaRPr lang="zh-CN" altLang="en-US" b="1" dirty="0">
+              <a:solidFill>
+                <a:srgbClr val="FF0000"/>
+              </a:solidFill>
+              <a:latin typeface="Malgun Gothic" pitchFamily="34" charset="-127"/>
+              <a:ea typeface="Malgun Gothic" pitchFamily="34" charset="-127"/>
+            </a:endParaRPr>
+          </a:p>
+        </p:txBody>
+      </p:sp>
+      <p:sp>
+        <p:nvSpPr>
+          <p:cNvPr id="4" name="灯片编号占位符 3"/>
+          <p:cNvSpPr>
+            <a:spLocks noGrp="1"/>
+          </p:cNvSpPr>
+          <p:nvPr>
+            <p:ph type="sldNum" sz="quarter" idx="12"/>
+          </p:nvPr>
+        </p:nvSpPr>
+        <p:spPr/>
+        <p:txBody>
+          <a:bodyPr/>
+          <a:lstStyle/>
+          <a:p>
+            <a:fld id="{0C913308-F349-4B6D-A68A-DD1791B4A57B}" type="slidenum">
+              <a:rPr lang="zh-CN" altLang="en-US" smtClean="0"/>
+              <a:t>17</a:t>
+            </a:fld>
+            <a:endParaRPr lang="zh-CN" altLang="en-US"/>
+          </a:p>
+        </p:txBody>
+      </p:sp>
+      <p:sp>
+        <p:nvSpPr>
+          <p:cNvPr id="5" name="标题 4"/>
+          <p:cNvSpPr>
+            <a:spLocks noGrp="1"/>
+          </p:cNvSpPr>
+          <p:nvPr>
+            <p:ph type="title"/>
+          </p:nvPr>
+        </p:nvSpPr>
+        <p:spPr/>
+        <p:txBody>
+          <a:bodyPr/>
+          <a:lstStyle/>
+          <a:p>
+            <a:endParaRPr lang="zh-CN" altLang="en-US" dirty="0"/>
+          </a:p>
+        </p:txBody>
+      </p:sp>
+      <p:sp>
+        <p:nvSpPr>
+          <p:cNvPr id="6" name="内容占位符 5"/>
+          <p:cNvSpPr>
+            <a:spLocks noGrp="1"/>
+          </p:cNvSpPr>
+          <p:nvPr>
+            <p:ph idx="1"/>
+          </p:nvPr>
+        </p:nvSpPr>
+        <p:spPr/>
+        <p:txBody>
+          <a:bodyPr/>
+          <a:lstStyle/>
+          <a:p>
+            <a:endParaRPr lang="zh-CN" altLang="en-US" dirty="0"/>
+          </a:p>
+        </p:txBody>
+      </p:sp>
+    </p:spTree>
+    <p:extLst>
+      <p:ext uri="{BB962C8B-B14F-4D97-AF65-F5344CB8AC3E}">
+        <p14:creationId xmlns:p14="http://schemas.microsoft.com/office/powerpoint/2010/main" val="2058990480"/>
+      </p:ext>
+    </p:extLst>
+  </p:cSld>
+  <p:clrMapOvr>
+    <a:masterClrMapping/>
+  </p:clrMapOvr>
+  <p:timing>
+    <p:tnLst>
+      <p:par>
+        <p:cTn id="1" dur="indefinite" restart="never" nodeType="tmRoot"/>
+      </p:par>
+    </p:tnLst>
+  </p:timing>
+</p:sld>
+</file>
+
+<file path=ppt/slides/slide18.xml><?xml version="1.0" encoding="utf-8"?>
+<p:sld xmlns:a="http://schemas.openxmlformats.org/drawingml/2006/main" xmlns:r="http://schemas.openxmlformats.org/officeDocument/2006/relationships" xmlns:p="http://schemas.openxmlformats.org/presentationml/2006/main">
+  <p:cSld>
+    <p:spTree>
+      <p:nvGrpSpPr>
+        <p:cNvPr id="1" name=""/>
+        <p:cNvGrpSpPr/>
+        <p:nvPr/>
+      </p:nvGrpSpPr>
+      <p:grpSpPr>
+        <a:xfrm>
+          <a:off x="0" y="0"/>
+          <a:ext cx="0" cy="0"/>
+          <a:chOff x="0" y="0"/>
+          <a:chExt cx="0" cy="0"/>
+        </a:xfrm>
+      </p:grpSpPr>
+      <p:sp>
+        <p:nvSpPr>
+          <p:cNvPr id="3" name="页脚占位符 2"/>
+          <p:cNvSpPr>
+            <a:spLocks noGrp="1"/>
+          </p:cNvSpPr>
+          <p:nvPr>
+            <p:ph type="ftr" sz="quarter" idx="11"/>
+          </p:nvPr>
+        </p:nvSpPr>
+        <p:spPr>
+          <a:xfrm>
+            <a:off x="0" y="6304235"/>
+            <a:ext cx="9144000" cy="365125"/>
+          </a:xfrm>
+        </p:spPr>
+        <p:txBody>
+          <a:bodyPr/>
+          <a:lstStyle/>
+          <a:p>
+            <a:r>
+              <a:rPr lang="en-US" altLang="zh-CN" b="1" dirty="0"/>
+              <a:t>RT-Thread </a:t>
+            </a:r>
+            <a:r>
+              <a:rPr lang="zh-CN" altLang="en-US" b="1" dirty="0"/>
+              <a:t>物联网操作系统</a:t>
+            </a:r>
+            <a:r>
+              <a:rPr lang="en-US" altLang="zh-CN" b="1" dirty="0"/>
+              <a:t>							</a:t>
+            </a:r>
+            <a:r>
+              <a:rPr lang="zh-CN" altLang="en-US" sz="1100" b="1" dirty="0"/>
+              <a:t>学习交流群：</a:t>
+            </a:r>
+            <a:r>
+              <a:rPr lang="en-US" altLang="zh-CN" sz="1100" b="1" dirty="0">
+                <a:solidFill>
+                  <a:srgbClr val="FF0000"/>
+                </a:solidFill>
+                <a:latin typeface="Malgun Gothic" pitchFamily="34" charset="-127"/>
+                <a:ea typeface="Malgun Gothic" pitchFamily="34" charset="-127"/>
+              </a:rPr>
+              <a:t>783234154</a:t>
+            </a:r>
+            <a:endParaRPr lang="zh-CN" altLang="en-US" b="1" dirty="0">
+              <a:solidFill>
+                <a:srgbClr val="FF0000"/>
+              </a:solidFill>
+              <a:latin typeface="Malgun Gothic" pitchFamily="34" charset="-127"/>
+              <a:ea typeface="Malgun Gothic" pitchFamily="34" charset="-127"/>
+            </a:endParaRPr>
+          </a:p>
+        </p:txBody>
+      </p:sp>
+      <p:sp>
+        <p:nvSpPr>
+          <p:cNvPr id="4" name="灯片编号占位符 3"/>
+          <p:cNvSpPr>
+            <a:spLocks noGrp="1"/>
+          </p:cNvSpPr>
+          <p:nvPr>
+            <p:ph type="sldNum" sz="quarter" idx="12"/>
+          </p:nvPr>
+        </p:nvSpPr>
+        <p:spPr/>
+        <p:txBody>
+          <a:bodyPr/>
+          <a:lstStyle/>
+          <a:p>
+            <a:fld id="{0C913308-F349-4B6D-A68A-DD1791B4A57B}" type="slidenum">
+              <a:rPr lang="zh-CN" altLang="en-US" smtClean="0"/>
+              <a:t>18</a:t>
+            </a:fld>
+            <a:endParaRPr lang="zh-CN" altLang="en-US"/>
+          </a:p>
+        </p:txBody>
+      </p:sp>
+      <p:sp>
+        <p:nvSpPr>
+          <p:cNvPr id="5" name="标题 4"/>
+          <p:cNvSpPr>
+            <a:spLocks noGrp="1"/>
+          </p:cNvSpPr>
+          <p:nvPr>
+            <p:ph type="title"/>
+          </p:nvPr>
+        </p:nvSpPr>
+        <p:spPr/>
+        <p:txBody>
+          <a:bodyPr/>
+          <a:lstStyle/>
+          <a:p>
+            <a:endParaRPr lang="zh-CN" altLang="en-US" dirty="0"/>
+          </a:p>
+        </p:txBody>
+      </p:sp>
+      <p:sp>
+        <p:nvSpPr>
+          <p:cNvPr id="6" name="内容占位符 5"/>
+          <p:cNvSpPr>
+            <a:spLocks noGrp="1"/>
+          </p:cNvSpPr>
+          <p:nvPr>
+            <p:ph idx="1"/>
+          </p:nvPr>
+        </p:nvSpPr>
+        <p:spPr/>
+        <p:txBody>
+          <a:bodyPr/>
+          <a:lstStyle/>
+          <a:p>
+            <a:endParaRPr lang="zh-CN" altLang="en-US" dirty="0"/>
+          </a:p>
+        </p:txBody>
+      </p:sp>
+    </p:spTree>
+    <p:extLst>
+      <p:ext uri="{BB962C8B-B14F-4D97-AF65-F5344CB8AC3E}">
+        <p14:creationId xmlns:p14="http://schemas.microsoft.com/office/powerpoint/2010/main" val="2058990480"/>
+      </p:ext>
+    </p:extLst>
+  </p:cSld>
+  <p:clrMapOvr>
+    <a:masterClrMapping/>
+  </p:clrMapOvr>
+  <p:timing>
+    <p:tnLst>
+      <p:par>
+        <p:cTn id="1" dur="indefinite" restart="never" nodeType="tmRoot"/>
+      </p:par>
+    </p:tnLst>
+  </p:timing>
+</p:sld>
+</file>
+
+<file path=ppt/slides/slide19.xml><?xml version="1.0" encoding="utf-8"?>
+<p:sld xmlns:a="http://schemas.openxmlformats.org/drawingml/2006/main" xmlns:r="http://schemas.openxmlformats.org/officeDocument/2006/relationships" xmlns:p="http://schemas.openxmlformats.org/presentationml/2006/main">
+  <p:cSld>
+    <p:spTree>
+      <p:nvGrpSpPr>
+        <p:cNvPr id="1" name=""/>
+        <p:cNvGrpSpPr/>
+        <p:nvPr/>
+      </p:nvGrpSpPr>
+      <p:grpSpPr>
+        <a:xfrm>
+          <a:off x="0" y="0"/>
+          <a:ext cx="0" cy="0"/>
+          <a:chOff x="0" y="0"/>
+          <a:chExt cx="0" cy="0"/>
+        </a:xfrm>
+      </p:grpSpPr>
       <p:sp>
         <p:nvSpPr>
           <p:cNvPr id="2" name="内容占位符 1"/>
@@ -16329,24 +18803,191 @@
           <a:bodyPr/>
           <a:lstStyle/>
           <a:p>
+            <a:pPr marL="0" indent="0">
+              <a:buNone/>
+            </a:pPr>
+            <a:r>
+              <a:rPr lang="en-US" altLang="zh-CN" sz="2000" dirty="0">
+                <a:solidFill>
+                  <a:schemeClr val="tx1"/>
+                </a:solidFill>
+              </a:rPr>
+              <a:t>RT-Thread </a:t>
+            </a:r>
+            <a:r>
+              <a:rPr lang="zh-CN" altLang="en-US" sz="2000" dirty="0">
+                <a:solidFill>
+                  <a:schemeClr val="tx1"/>
+                </a:solidFill>
+              </a:rPr>
+              <a:t>的线程调度器是抢占式的，主要的工作就是从就绪线程列表中查找最高优先级线程，保证最高优先级的线程能够被运行，最高优先级的任务一旦就绪，总能得到 </a:t>
+            </a:r>
+            <a:r>
+              <a:rPr lang="en-US" altLang="zh-CN" sz="2000" dirty="0">
+                <a:solidFill>
+                  <a:schemeClr val="tx1"/>
+                </a:solidFill>
+              </a:rPr>
+              <a:t>CPU </a:t>
+            </a:r>
+            <a:r>
+              <a:rPr lang="zh-CN" altLang="en-US" sz="2000" dirty="0">
+                <a:solidFill>
+                  <a:schemeClr val="tx1"/>
+                </a:solidFill>
+              </a:rPr>
+              <a:t>的使用权。当一个运行着的线程使一个比它优先级高的线程满足运行条件，当前线程的 </a:t>
+            </a:r>
+            <a:r>
+              <a:rPr lang="en-US" altLang="zh-CN" sz="2000" dirty="0">
+                <a:solidFill>
+                  <a:schemeClr val="tx1"/>
+                </a:solidFill>
+              </a:rPr>
+              <a:t>CPU </a:t>
+            </a:r>
+            <a:r>
+              <a:rPr lang="zh-CN" altLang="en-US" sz="2000" dirty="0">
+                <a:solidFill>
+                  <a:schemeClr val="tx1"/>
+                </a:solidFill>
+              </a:rPr>
+              <a:t>使用权就被剥夺了，或者说被让出了，高优先级的线程立刻得到了 </a:t>
+            </a:r>
+            <a:r>
+              <a:rPr lang="en-US" altLang="zh-CN" sz="2000" dirty="0">
+                <a:solidFill>
+                  <a:schemeClr val="tx1"/>
+                </a:solidFill>
+              </a:rPr>
+              <a:t>CPU </a:t>
+            </a:r>
+            <a:r>
+              <a:rPr lang="zh-CN" altLang="en-US" sz="2000" dirty="0">
+                <a:solidFill>
+                  <a:schemeClr val="tx1"/>
+                </a:solidFill>
+              </a:rPr>
+              <a:t>的使用权。</a:t>
+            </a:r>
+          </a:p>
+          <a:p>
+            <a:pPr marL="0" indent="0">
+              <a:buNone/>
+            </a:pPr>
+            <a:endParaRPr lang="zh-CN" altLang="en-US" dirty="0"/>
+          </a:p>
+        </p:txBody>
+      </p:sp>
+      <p:sp>
+        <p:nvSpPr>
+          <p:cNvPr id="3" name="页脚占位符 2"/>
+          <p:cNvSpPr>
+            <a:spLocks noGrp="1"/>
+          </p:cNvSpPr>
+          <p:nvPr>
+            <p:ph type="ftr" sz="quarter" idx="11"/>
+          </p:nvPr>
+        </p:nvSpPr>
+        <p:spPr>
+          <a:xfrm>
+            <a:off x="0" y="6304235"/>
+            <a:ext cx="9144000" cy="365125"/>
+          </a:xfrm>
+        </p:spPr>
+        <p:txBody>
+          <a:bodyPr/>
+          <a:lstStyle/>
+          <a:p>
+            <a:r>
+              <a:rPr lang="en-US" altLang="zh-CN" b="1" dirty="0"/>
+              <a:t>RT-Thread </a:t>
+            </a:r>
+            <a:r>
+              <a:rPr lang="zh-CN" altLang="en-US" b="1" dirty="0"/>
+              <a:t>物联网操作系统</a:t>
+            </a:r>
+            <a:r>
+              <a:rPr lang="en-US" altLang="zh-CN" b="1" dirty="0"/>
+              <a:t>							</a:t>
+            </a:r>
+            <a:r>
+              <a:rPr lang="zh-CN" altLang="en-US" sz="1100" b="1" dirty="0"/>
+              <a:t>学习交流群：</a:t>
+            </a:r>
+            <a:r>
+              <a:rPr lang="en-US" altLang="zh-CN" sz="1100" b="1" dirty="0">
+                <a:solidFill>
+                  <a:srgbClr val="FF0000"/>
+                </a:solidFill>
+                <a:latin typeface="Malgun Gothic" pitchFamily="34" charset="-127"/>
+                <a:ea typeface="Malgun Gothic" pitchFamily="34" charset="-127"/>
+              </a:rPr>
+              <a:t>783234154</a:t>
+            </a:r>
+            <a:endParaRPr lang="zh-CN" altLang="en-US" b="1" dirty="0">
+              <a:solidFill>
+                <a:srgbClr val="FF0000"/>
+              </a:solidFill>
+              <a:latin typeface="Malgun Gothic" pitchFamily="34" charset="-127"/>
+              <a:ea typeface="Malgun Gothic" pitchFamily="34" charset="-127"/>
+            </a:endParaRPr>
+          </a:p>
+        </p:txBody>
+      </p:sp>
+      <p:sp>
+        <p:nvSpPr>
+          <p:cNvPr id="4" name="灯片编号占位符 3"/>
+          <p:cNvSpPr>
+            <a:spLocks noGrp="1"/>
+          </p:cNvSpPr>
+          <p:nvPr>
+            <p:ph type="sldNum" sz="quarter" idx="12"/>
+          </p:nvPr>
+        </p:nvSpPr>
+        <p:spPr/>
+        <p:txBody>
+          <a:bodyPr/>
+          <a:lstStyle/>
+          <a:p>
+            <a:fld id="{0C913308-F349-4B6D-A68A-DD1791B4A57B}" type="slidenum">
+              <a:rPr lang="zh-CN" altLang="en-US" smtClean="0"/>
+              <a:t>19</a:t>
+            </a:fld>
+            <a:endParaRPr lang="zh-CN" altLang="en-US"/>
+          </a:p>
+        </p:txBody>
+      </p:sp>
+      <p:sp>
+        <p:nvSpPr>
+          <p:cNvPr id="5" name="标题 4"/>
+          <p:cNvSpPr>
+            <a:spLocks noGrp="1"/>
+          </p:cNvSpPr>
+          <p:nvPr>
+            <p:ph type="title"/>
+          </p:nvPr>
+        </p:nvSpPr>
+        <p:spPr/>
+        <p:txBody>
+          <a:bodyPr/>
+          <a:lstStyle/>
+          <a:p>
             <a:r>
               <a:rPr lang="zh-CN" altLang="en-US" dirty="0" smtClean="0"/>
-              <a:t>官网：</a:t>
-            </a:r>
-            <a:r>
-              <a:rPr lang="en-US" altLang="zh-CN" dirty="0" smtClean="0">
-                <a:hlinkClick r:id="rId2"/>
-              </a:rPr>
-              <a:t>https://www.rt-thread.org/</a:t>
-            </a:r>
-            <a:endParaRPr lang="zh-CN" altLang="en-US" dirty="0"/>
+              <a:t>线程调度</a:t>
+            </a:r>
+            <a:r>
+              <a:rPr lang="zh-CN" altLang="en-US" dirty="0"/>
+              <a:t>器</a:t>
+            </a:r>
           </a:p>
         </p:txBody>
       </p:sp>
     </p:spTree>
     <p:extLst>
       <p:ext uri="{BB962C8B-B14F-4D97-AF65-F5344CB8AC3E}">
-        <p14:creationId xmlns:p14="http://schemas.microsoft.com/office/powerpoint/2010/main" val="2431188215"/>
+        <p14:creationId xmlns:p14="http://schemas.microsoft.com/office/powerpoint/2010/main" val="808432466"/>
       </p:ext>
     </p:extLst>
   </p:cSld>
@@ -16392,24 +19033,56 @@
         </p:nvSpPr>
         <p:spPr>
           <a:xfrm>
-            <a:off x="872067" y="2420888"/>
-            <a:ext cx="7408333" cy="3705275"/>
+            <a:off x="872067" y="2060848"/>
+            <a:ext cx="7408333" cy="4065315"/>
           </a:xfrm>
         </p:spPr>
         <p:txBody>
-          <a:bodyPr/>
+          <a:bodyPr>
+            <a:normAutofit fontScale="92500" lnSpcReduction="20000"/>
+          </a:bodyPr>
           <a:lstStyle/>
           <a:p>
             <a:r>
               <a:rPr lang="zh-CN" altLang="en-US" dirty="0" smtClean="0"/>
-              <a:t>开发环境与开发平台</a:t>
+              <a:t>线程的</a:t>
+            </a:r>
+            <a:r>
+              <a:rPr lang="zh-CN" altLang="en-US" dirty="0" smtClean="0"/>
+              <a:t>概念</a:t>
             </a:r>
             <a:endParaRPr lang="en-US" altLang="zh-CN" dirty="0" smtClean="0"/>
           </a:p>
           <a:p>
             <a:r>
+              <a:rPr lang="en-US" altLang="zh-CN" dirty="0"/>
+              <a:t>RT-Thread</a:t>
+            </a:r>
+            <a:r>
+              <a:rPr lang="zh-CN" altLang="en-US" dirty="0"/>
+              <a:t>的线程</a:t>
+            </a:r>
+            <a:r>
               <a:rPr lang="zh-CN" altLang="en-US" dirty="0" smtClean="0"/>
-              <a:t>嵌入式常见的编程方式</a:t>
+              <a:t>主体</a:t>
+            </a:r>
+            <a:endParaRPr lang="en-US" altLang="zh-CN" dirty="0" smtClean="0"/>
+          </a:p>
+          <a:p>
+            <a:r>
+              <a:rPr lang="zh-CN" altLang="en-US" dirty="0" smtClean="0"/>
+              <a:t>线程</a:t>
+            </a:r>
+            <a:r>
+              <a:rPr lang="zh-CN" altLang="en-US" dirty="0" smtClean="0"/>
+              <a:t>控制块</a:t>
+            </a:r>
+            <a:endParaRPr lang="en-US" altLang="zh-CN" dirty="0" smtClean="0"/>
+          </a:p>
+          <a:p>
+            <a:r>
+              <a:rPr lang="zh-CN" altLang="en-US" dirty="0" smtClean="0"/>
+              <a:t>线程属性</a:t>
             </a:r>
             <a:endParaRPr lang="en-US" altLang="zh-CN" dirty="0" smtClean="0"/>
           </a:p>
@@ -16420,7 +19093,7 @@
             </a:pPr>
             <a:r>
               <a:rPr lang="zh-CN" altLang="en-US" dirty="0" smtClean="0"/>
-              <a:t>前后台系统</a:t>
+              <a:t>线程栈</a:t>
             </a:r>
             <a:endParaRPr lang="en-US" altLang="zh-CN" dirty="0" smtClean="0"/>
           </a:p>
@@ -16431,36 +19104,66 @@
             </a:pPr>
             <a:r>
               <a:rPr lang="zh-CN" altLang="en-US" dirty="0" smtClean="0"/>
-              <a:t>嵌入式实时操作系统</a:t>
+              <a:t>线程优先级</a:t>
             </a:r>
             <a:endParaRPr lang="en-US" altLang="zh-CN" dirty="0" smtClean="0"/>
           </a:p>
           <a:p>
+            <a:pPr lvl="1">
+              <a:buFont typeface="Wingdings" pitchFamily="2" charset="2"/>
+              <a:buChar char="ü"/>
+            </a:pPr>
             <a:r>
               <a:rPr lang="zh-CN" altLang="en-US" dirty="0" smtClean="0"/>
-              <a:t>实时操作系统的必要性</a:t>
+              <a:t>线程状态</a:t>
             </a:r>
             <a:endParaRPr lang="en-US" altLang="zh-CN" dirty="0" smtClean="0"/>
           </a:p>
           <a:p>
+            <a:pPr lvl="1">
+              <a:buFont typeface="Wingdings" pitchFamily="2" charset="2"/>
+              <a:buChar char="ü"/>
+            </a:pPr>
+            <a:r>
+              <a:rPr lang="zh-CN" altLang="en-US" dirty="0"/>
+              <a:t>时间片</a:t>
+            </a:r>
+            <a:endParaRPr lang="en-US" altLang="zh-CN" dirty="0" smtClean="0"/>
+          </a:p>
+          <a:p>
             <a:r>
               <a:rPr lang="zh-CN" altLang="en-US" dirty="0" smtClean="0"/>
-              <a:t>目前常用的实时操作系统</a:t>
+              <a:t>创建线程</a:t>
             </a:r>
             <a:endParaRPr lang="en-US" altLang="zh-CN" dirty="0" smtClean="0"/>
           </a:p>
           <a:p>
+            <a:pPr lvl="1">
+              <a:buFont typeface="Wingdings" pitchFamily="2" charset="2"/>
+              <a:buChar char="ü"/>
+            </a:pPr>
             <a:r>
               <a:rPr lang="zh-CN" altLang="en-US" dirty="0" smtClean="0"/>
-              <a:t>简单了解</a:t>
-            </a:r>
-            <a:r>
-              <a:rPr lang="en-US" altLang="zh-CN" dirty="0"/>
-              <a:t>RT-Thread </a:t>
+              <a:t>静态创建线程</a:t>
             </a:r>
             <a:endParaRPr lang="en-US" altLang="zh-CN" dirty="0" smtClean="0"/>
           </a:p>
           <a:p>
+            <a:pPr lvl="1">
+              <a:buFont typeface="Wingdings" pitchFamily="2" charset="2"/>
+              <a:buChar char="ü"/>
+            </a:pPr>
+            <a:r>
+              <a:rPr lang="zh-CN" altLang="en-US" dirty="0" smtClean="0"/>
+              <a:t>动态创建线程</a:t>
+            </a:r>
+            <a:endParaRPr lang="en-US" altLang="zh-CN" dirty="0" smtClean="0"/>
+          </a:p>
+          <a:p>
+            <a:r>
+              <a:rPr lang="zh-CN" altLang="en-US" dirty="0" smtClean="0"/>
+              <a:t>线程启动</a:t>
+            </a:r>
             <a:endParaRPr lang="en-US" altLang="zh-CN" dirty="0" smtClean="0"/>
           </a:p>
         </p:txBody>
@@ -16592,7 +19295,7 @@
 </p:sld>
 </file>
 
-<file path=ppt/slides/slide3.xml><?xml version="1.0" encoding="utf-8"?>
+<file path=ppt/slides/slide20.xml><?xml version="1.0" encoding="utf-8"?>
 <p:sld xmlns:a="http://schemas.openxmlformats.org/drawingml/2006/main" xmlns:r="http://schemas.openxmlformats.org/officeDocument/2006/relationships" xmlns:p="http://schemas.openxmlformats.org/presentationml/2006/main">
   <p:cSld>
     <p:spTree>
@@ -16861,7 +19564,7 @@
           <a:p>
             <a:fld id="{0C913308-F349-4B6D-A68A-DD1791B4A57B}" type="slidenum">
               <a:rPr lang="zh-CN" altLang="en-US" smtClean="0"/>
-              <a:t>3</a:t>
+              <a:t>20</a:t>
             </a:fld>
             <a:endParaRPr lang="zh-CN" altLang="en-US" dirty="0"/>
           </a:p>
@@ -16980,7 +19683,7 @@
 </p:sld>
 </file>
 
-<file path=ppt/slides/slide4.xml><?xml version="1.0" encoding="utf-8"?>
+<file path=ppt/slides/slide21.xml><?xml version="1.0" encoding="utf-8"?>
 <p:sld xmlns:a="http://schemas.openxmlformats.org/drawingml/2006/main" xmlns:r="http://schemas.openxmlformats.org/officeDocument/2006/relationships" xmlns:p="http://schemas.openxmlformats.org/presentationml/2006/main">
   <p:cSld>
     <p:spTree>
@@ -17102,7 +19805,7 @@
           <a:p>
             <a:fld id="{0C913308-F349-4B6D-A68A-DD1791B4A57B}" type="slidenum">
               <a:rPr lang="zh-CN" altLang="en-US" smtClean="0"/>
-              <a:t>4</a:t>
+              <a:t>21</a:t>
             </a:fld>
             <a:endParaRPr lang="zh-CN" altLang="en-US" dirty="0"/>
           </a:p>
@@ -17221,7 +19924,7 @@
 </p:sld>
 </file>
 
-<file path=ppt/slides/slide5.xml><?xml version="1.0" encoding="utf-8"?>
+<file path=ppt/slides/slide22.xml><?xml version="1.0" encoding="utf-8"?>
 <p:sld xmlns:a="http://schemas.openxmlformats.org/drawingml/2006/main" xmlns:r="http://schemas.openxmlformats.org/officeDocument/2006/relationships" xmlns:p="http://schemas.openxmlformats.org/presentationml/2006/main">
   <p:cSld>
     <p:spTree>
@@ -17454,7 +20157,7 @@
           <a:p>
             <a:fld id="{0C913308-F349-4B6D-A68A-DD1791B4A57B}" type="slidenum">
               <a:rPr lang="zh-CN" altLang="en-US" smtClean="0"/>
-              <a:t>5</a:t>
+              <a:t>22</a:t>
             </a:fld>
             <a:endParaRPr lang="zh-CN" altLang="en-US" dirty="0"/>
           </a:p>
@@ -17668,7 +20371,7 @@
 </p:sld>
 </file>
 
-<file path=ppt/slides/slide6.xml><?xml version="1.0" encoding="utf-8"?>
+<file path=ppt/slides/slide23.xml><?xml version="1.0" encoding="utf-8"?>
 <p:sld xmlns:a="http://schemas.openxmlformats.org/drawingml/2006/main" xmlns:r="http://schemas.openxmlformats.org/officeDocument/2006/relationships" xmlns:p="http://schemas.openxmlformats.org/presentationml/2006/main">
   <p:cSld>
     <p:spTree>
@@ -18027,7 +20730,7 @@
           <a:p>
             <a:fld id="{0C913308-F349-4B6D-A68A-DD1791B4A57B}" type="slidenum">
               <a:rPr lang="zh-CN" altLang="en-US" smtClean="0"/>
-              <a:t>6</a:t>
+              <a:t>23</a:t>
             </a:fld>
             <a:endParaRPr lang="zh-CN" altLang="en-US" dirty="0"/>
           </a:p>
@@ -18082,7 +20785,7 @@
 </p:sld>
 </file>
 
-<file path=ppt/slides/slide7.xml><?xml version="1.0" encoding="utf-8"?>
+<file path=ppt/slides/slide24.xml><?xml version="1.0" encoding="utf-8"?>
 <p:sld xmlns:a="http://schemas.openxmlformats.org/drawingml/2006/main" xmlns:r="http://schemas.openxmlformats.org/officeDocument/2006/relationships" xmlns:p="http://schemas.openxmlformats.org/presentationml/2006/main">
   <p:cSld>
     <p:spTree>
@@ -18219,7 +20922,7 @@
           <a:p>
             <a:fld id="{0C913308-F349-4B6D-A68A-DD1791B4A57B}" type="slidenum">
               <a:rPr lang="zh-CN" altLang="en-US" smtClean="0"/>
-              <a:t>7</a:t>
+              <a:t>24</a:t>
             </a:fld>
             <a:endParaRPr lang="zh-CN" altLang="en-US" dirty="0"/>
           </a:p>
@@ -18726,7 +21429,7 @@
 </p:sld>
 </file>
 
-<file path=ppt/slides/slide8.xml><?xml version="1.0" encoding="utf-8"?>
+<file path=ppt/slides/slide25.xml><?xml version="1.0" encoding="utf-8"?>
 <p:sld xmlns:a="http://schemas.openxmlformats.org/drawingml/2006/main" xmlns:r="http://schemas.openxmlformats.org/officeDocument/2006/relationships" xmlns:p="http://schemas.openxmlformats.org/presentationml/2006/main">
   <p:cSld>
     <p:spTree>
@@ -18821,7 +21524,7 @@
           <a:p>
             <a:fld id="{0C913308-F349-4B6D-A68A-DD1791B4A57B}" type="slidenum">
               <a:rPr lang="zh-CN" altLang="en-US" smtClean="0"/>
-              <a:t>8</a:t>
+              <a:t>25</a:t>
             </a:fld>
             <a:endParaRPr lang="zh-CN" altLang="en-US" dirty="0"/>
           </a:p>
@@ -19628,7 +22331,7 @@
 </p:sld>
 </file>
 
-<file path=ppt/slides/slide9.xml><?xml version="1.0" encoding="utf-8"?>
+<file path=ppt/slides/slide26.xml><?xml version="1.0" encoding="utf-8"?>
 <p:sld xmlns:a="http://schemas.openxmlformats.org/drawingml/2006/main" xmlns:r="http://schemas.openxmlformats.org/officeDocument/2006/relationships" xmlns:p="http://schemas.openxmlformats.org/presentationml/2006/main">
   <p:cSld>
     <p:spTree>
@@ -19723,7 +22426,7 @@
           <a:p>
             <a:fld id="{0C913308-F349-4B6D-A68A-DD1791B4A57B}" type="slidenum">
               <a:rPr lang="zh-CN" altLang="en-US" smtClean="0"/>
-              <a:t>9</a:t>
+              <a:t>26</a:t>
             </a:fld>
             <a:endParaRPr lang="zh-CN" altLang="en-US" dirty="0"/>
           </a:p>
@@ -20601,6 +23304,3828 @@
     <p:extLst>
       <p:ext uri="{BB962C8B-B14F-4D97-AF65-F5344CB8AC3E}">
         <p14:creationId xmlns:p14="http://schemas.microsoft.com/office/powerpoint/2010/main" val="20692077"/>
+      </p:ext>
+    </p:extLst>
+  </p:cSld>
+  <p:clrMapOvr>
+    <a:masterClrMapping/>
+  </p:clrMapOvr>
+  <p:timing>
+    <p:tnLst>
+      <p:par>
+        <p:cTn id="1" dur="indefinite" restart="never" nodeType="tmRoot"/>
+      </p:par>
+    </p:tnLst>
+  </p:timing>
+</p:sld>
+</file>
+
+<file path=ppt/slides/slide27.xml><?xml version="1.0" encoding="utf-8"?>
+<p:sld xmlns:a="http://schemas.openxmlformats.org/drawingml/2006/main" xmlns:r="http://schemas.openxmlformats.org/officeDocument/2006/relationships" xmlns:p="http://schemas.openxmlformats.org/presentationml/2006/main">
+  <p:cSld>
+    <p:spTree>
+      <p:nvGrpSpPr>
+        <p:cNvPr id="1" name=""/>
+        <p:cNvGrpSpPr/>
+        <p:nvPr/>
+      </p:nvGrpSpPr>
+      <p:grpSpPr>
+        <a:xfrm>
+          <a:off x="0" y="0"/>
+          <a:ext cx="0" cy="0"/>
+          <a:chOff x="0" y="0"/>
+          <a:chExt cx="0" cy="0"/>
+        </a:xfrm>
+      </p:grpSpPr>
+      <p:sp>
+        <p:nvSpPr>
+          <p:cNvPr id="3" name="页脚占位符 2"/>
+          <p:cNvSpPr>
+            <a:spLocks noGrp="1"/>
+          </p:cNvSpPr>
+          <p:nvPr>
+            <p:ph type="ftr" sz="quarter" idx="11"/>
+          </p:nvPr>
+        </p:nvSpPr>
+        <p:spPr>
+          <a:xfrm>
+            <a:off x="0" y="6381328"/>
+            <a:ext cx="9144000" cy="365125"/>
+          </a:xfrm>
+        </p:spPr>
+        <p:txBody>
+          <a:bodyPr/>
+          <a:lstStyle/>
+          <a:p>
+            <a:r>
+              <a:rPr lang="en-US" altLang="zh-CN" b="1" dirty="0"/>
+              <a:t>RT-Thread </a:t>
+            </a:r>
+            <a:r>
+              <a:rPr lang="zh-CN" altLang="en-US" b="1" dirty="0"/>
+              <a:t>物联网操作系统</a:t>
+            </a:r>
+            <a:r>
+              <a:rPr lang="en-US" altLang="zh-CN" b="1" dirty="0"/>
+              <a:t>							</a:t>
+            </a:r>
+            <a:r>
+              <a:rPr lang="zh-CN" altLang="en-US" sz="1100" b="1" dirty="0"/>
+              <a:t>学习交流群：</a:t>
+            </a:r>
+            <a:r>
+              <a:rPr lang="en-US" altLang="zh-CN" sz="1100" b="1" dirty="0">
+                <a:solidFill>
+                  <a:srgbClr val="FF0000"/>
+                </a:solidFill>
+                <a:latin typeface="Malgun Gothic" pitchFamily="34" charset="-127"/>
+                <a:ea typeface="Malgun Gothic" pitchFamily="34" charset="-127"/>
+              </a:rPr>
+              <a:t>783234154</a:t>
+            </a:r>
+            <a:endParaRPr lang="zh-CN" altLang="en-US" b="1" dirty="0">
+              <a:solidFill>
+                <a:srgbClr val="FF0000"/>
+              </a:solidFill>
+              <a:latin typeface="Malgun Gothic" pitchFamily="34" charset="-127"/>
+              <a:ea typeface="Malgun Gothic" pitchFamily="34" charset="-127"/>
+            </a:endParaRPr>
+          </a:p>
+        </p:txBody>
+      </p:sp>
+      <p:sp>
+        <p:nvSpPr>
+          <p:cNvPr id="4" name="灯片编号占位符 3"/>
+          <p:cNvSpPr>
+            <a:spLocks noGrp="1"/>
+          </p:cNvSpPr>
+          <p:nvPr>
+            <p:ph type="sldNum" sz="quarter" idx="12"/>
+          </p:nvPr>
+        </p:nvSpPr>
+        <p:spPr>
+          <a:xfrm>
+            <a:off x="3995936" y="6381328"/>
+            <a:ext cx="1161826" cy="365125"/>
+          </a:xfrm>
+        </p:spPr>
+        <p:txBody>
+          <a:bodyPr/>
+          <a:lstStyle/>
+          <a:p>
+            <a:fld id="{0C913308-F349-4B6D-A68A-DD1791B4A57B}" type="slidenum">
+              <a:rPr lang="zh-CN" altLang="en-US" smtClean="0"/>
+              <a:t>27</a:t>
+            </a:fld>
+            <a:endParaRPr lang="zh-CN" altLang="en-US" dirty="0"/>
+          </a:p>
+        </p:txBody>
+      </p:sp>
+      <p:sp>
+        <p:nvSpPr>
+          <p:cNvPr id="5" name="标题 4"/>
+          <p:cNvSpPr>
+            <a:spLocks noGrp="1"/>
+          </p:cNvSpPr>
+          <p:nvPr>
+            <p:ph type="title"/>
+          </p:nvPr>
+        </p:nvSpPr>
+        <p:spPr/>
+        <p:txBody>
+          <a:bodyPr>
+            <a:normAutofit/>
+          </a:bodyPr>
+          <a:lstStyle/>
+          <a:p>
+            <a:r>
+              <a:rPr lang="zh-CN" altLang="en-US" dirty="0" smtClean="0"/>
+              <a:t>目前常用的实时操作系统</a:t>
+            </a:r>
+            <a:endParaRPr lang="zh-CN" altLang="en-US" dirty="0"/>
+          </a:p>
+        </p:txBody>
+      </p:sp>
+      <p:sp>
+        <p:nvSpPr>
+          <p:cNvPr id="2" name="内容占位符 1"/>
+          <p:cNvSpPr>
+            <a:spLocks noGrp="1"/>
+          </p:cNvSpPr>
+          <p:nvPr>
+            <p:ph idx="1"/>
+          </p:nvPr>
+        </p:nvSpPr>
+        <p:spPr/>
+        <p:txBody>
+          <a:bodyPr/>
+          <a:lstStyle/>
+          <a:p>
+            <a:r>
+              <a:rPr lang="zh-CN" altLang="en-US" dirty="0"/>
+              <a:t>常用的 </a:t>
+            </a:r>
+            <a:r>
+              <a:rPr lang="en-US" altLang="zh-CN" dirty="0"/>
+              <a:t>RTOS </a:t>
+            </a:r>
+            <a:r>
+              <a:rPr lang="zh-CN" altLang="en-US" dirty="0"/>
+              <a:t>有国外的 </a:t>
+            </a:r>
+            <a:r>
+              <a:rPr lang="en-US" altLang="zh-CN" dirty="0" err="1"/>
+              <a:t>FreeRTOS</a:t>
+            </a:r>
+            <a:r>
+              <a:rPr lang="zh-CN" altLang="en-US" dirty="0" smtClean="0"/>
+              <a:t>、</a:t>
+            </a:r>
+            <a:r>
+              <a:rPr lang="el-GR" altLang="zh-CN" dirty="0" smtClean="0"/>
+              <a:t>μ</a:t>
+            </a:r>
+            <a:r>
+              <a:rPr lang="en-US" altLang="zh-CN" dirty="0"/>
+              <a:t>C/OS</a:t>
+            </a:r>
+            <a:r>
+              <a:rPr lang="zh-CN" altLang="en-US" dirty="0"/>
+              <a:t>、 </a:t>
+            </a:r>
+            <a:r>
+              <a:rPr lang="en-US" altLang="zh-CN" dirty="0"/>
+              <a:t>RTX </a:t>
+            </a:r>
+            <a:r>
+              <a:rPr lang="zh-CN" altLang="en-US" dirty="0"/>
+              <a:t>和国内的 </a:t>
+            </a:r>
+            <a:r>
+              <a:rPr lang="en-US" altLang="zh-CN" dirty="0"/>
+              <a:t>RT-Thread</a:t>
+            </a:r>
+            <a:r>
+              <a:rPr lang="zh-CN" altLang="en-US" dirty="0"/>
+              <a:t>、 </a:t>
+            </a:r>
+            <a:r>
+              <a:rPr lang="en-US" altLang="zh-CN" dirty="0"/>
+              <a:t>Huawei </a:t>
+            </a:r>
+            <a:r>
+              <a:rPr lang="en-US" altLang="zh-CN" dirty="0" err="1"/>
+              <a:t>LiteOS</a:t>
+            </a:r>
+            <a:r>
+              <a:rPr lang="en-US" altLang="zh-CN" dirty="0"/>
+              <a:t> </a:t>
+            </a:r>
+            <a:r>
+              <a:rPr lang="zh-CN" altLang="en-US" dirty="0"/>
+              <a:t>和 </a:t>
+            </a:r>
+            <a:r>
+              <a:rPr lang="en-US" altLang="zh-CN" dirty="0" err="1"/>
+              <a:t>AliOS</a:t>
+            </a:r>
+            <a:r>
+              <a:rPr lang="en-US" altLang="zh-CN" dirty="0"/>
+              <a:t>-Things </a:t>
+            </a:r>
+            <a:r>
+              <a:rPr lang="zh-CN" altLang="en-US" dirty="0"/>
+              <a:t>等， 其中尤以国外开</a:t>
+            </a:r>
+            <a:r>
+              <a:rPr lang="zh-CN" altLang="en-US" dirty="0" smtClean="0"/>
+              <a:t>源且</a:t>
+            </a:r>
+            <a:r>
+              <a:rPr lang="zh-CN" altLang="en-US" dirty="0"/>
+              <a:t>免费的 </a:t>
+            </a:r>
+            <a:r>
+              <a:rPr lang="en-US" altLang="zh-CN" dirty="0" err="1"/>
+              <a:t>FreeRTOS</a:t>
+            </a:r>
+            <a:r>
+              <a:rPr lang="en-US" altLang="zh-CN" dirty="0"/>
+              <a:t> </a:t>
+            </a:r>
+            <a:r>
+              <a:rPr lang="zh-CN" altLang="en-US" dirty="0"/>
+              <a:t>的市场占有率最高。如今国产的 </a:t>
+            </a:r>
+            <a:r>
+              <a:rPr lang="en-US" altLang="zh-CN" dirty="0"/>
+              <a:t>RT-Thread </a:t>
+            </a:r>
+            <a:r>
+              <a:rPr lang="zh-CN" altLang="en-US" dirty="0"/>
+              <a:t>经过 </a:t>
+            </a:r>
+            <a:r>
+              <a:rPr lang="en-US" altLang="zh-CN" dirty="0"/>
+              <a:t>10 </a:t>
+            </a:r>
+            <a:r>
+              <a:rPr lang="zh-CN" altLang="en-US" dirty="0"/>
+              <a:t>来年的发展，</a:t>
+            </a:r>
+            <a:r>
+              <a:rPr lang="zh-CN" altLang="en-US" dirty="0" smtClean="0"/>
+              <a:t>声势迅猛</a:t>
+            </a:r>
+            <a:r>
+              <a:rPr lang="zh-CN" altLang="en-US" dirty="0"/>
+              <a:t>，在国产 </a:t>
+            </a:r>
+            <a:r>
+              <a:rPr lang="en-US" altLang="zh-CN" dirty="0"/>
+              <a:t>RTOS </a:t>
+            </a:r>
+            <a:r>
+              <a:rPr lang="zh-CN" altLang="en-US" dirty="0"/>
+              <a:t>中占据鳌头。 </a:t>
+            </a:r>
+            <a:br>
+              <a:rPr lang="zh-CN" altLang="en-US" dirty="0"/>
+            </a:br>
+            <a:endParaRPr lang="zh-CN" altLang="en-US" dirty="0"/>
+          </a:p>
+        </p:txBody>
+      </p:sp>
+    </p:spTree>
+    <p:extLst>
+      <p:ext uri="{BB962C8B-B14F-4D97-AF65-F5344CB8AC3E}">
+        <p14:creationId xmlns:p14="http://schemas.microsoft.com/office/powerpoint/2010/main" val="3028038668"/>
+      </p:ext>
+    </p:extLst>
+  </p:cSld>
+  <p:clrMapOvr>
+    <a:masterClrMapping/>
+  </p:clrMapOvr>
+  <p:timing>
+    <p:tnLst>
+      <p:par>
+        <p:cTn id="1" dur="indefinite" restart="never" nodeType="tmRoot"/>
+      </p:par>
+    </p:tnLst>
+  </p:timing>
+</p:sld>
+</file>
+
+<file path=ppt/slides/slide28.xml><?xml version="1.0" encoding="utf-8"?>
+<p:sld xmlns:a="http://schemas.openxmlformats.org/drawingml/2006/main" xmlns:r="http://schemas.openxmlformats.org/officeDocument/2006/relationships" xmlns:p="http://schemas.openxmlformats.org/presentationml/2006/main">
+  <p:cSld>
+    <p:spTree>
+      <p:nvGrpSpPr>
+        <p:cNvPr id="1" name=""/>
+        <p:cNvGrpSpPr/>
+        <p:nvPr/>
+      </p:nvGrpSpPr>
+      <p:grpSpPr>
+        <a:xfrm>
+          <a:off x="0" y="0"/>
+          <a:ext cx="0" cy="0"/>
+          <a:chOff x="0" y="0"/>
+          <a:chExt cx="0" cy="0"/>
+        </a:xfrm>
+      </p:grpSpPr>
+      <p:sp>
+        <p:nvSpPr>
+          <p:cNvPr id="3" name="页脚占位符 2"/>
+          <p:cNvSpPr>
+            <a:spLocks noGrp="1"/>
+          </p:cNvSpPr>
+          <p:nvPr>
+            <p:ph type="ftr" sz="quarter" idx="11"/>
+          </p:nvPr>
+        </p:nvSpPr>
+        <p:spPr>
+          <a:xfrm>
+            <a:off x="0" y="6381328"/>
+            <a:ext cx="9144000" cy="365125"/>
+          </a:xfrm>
+        </p:spPr>
+        <p:txBody>
+          <a:bodyPr/>
+          <a:lstStyle/>
+          <a:p>
+            <a:r>
+              <a:rPr lang="en-US" altLang="zh-CN" b="1" dirty="0"/>
+              <a:t>RT-Thread </a:t>
+            </a:r>
+            <a:r>
+              <a:rPr lang="zh-CN" altLang="en-US" b="1" dirty="0"/>
+              <a:t>物联网操作系统</a:t>
+            </a:r>
+            <a:r>
+              <a:rPr lang="en-US" altLang="zh-CN" b="1" dirty="0"/>
+              <a:t>							</a:t>
+            </a:r>
+            <a:r>
+              <a:rPr lang="zh-CN" altLang="en-US" sz="1100" b="1" dirty="0"/>
+              <a:t>学习交流群：</a:t>
+            </a:r>
+            <a:r>
+              <a:rPr lang="en-US" altLang="zh-CN" sz="1100" b="1" dirty="0">
+                <a:solidFill>
+                  <a:srgbClr val="FF0000"/>
+                </a:solidFill>
+                <a:latin typeface="Malgun Gothic" pitchFamily="34" charset="-127"/>
+                <a:ea typeface="Malgun Gothic" pitchFamily="34" charset="-127"/>
+              </a:rPr>
+              <a:t>783234154</a:t>
+            </a:r>
+            <a:endParaRPr lang="zh-CN" altLang="en-US" b="1" dirty="0">
+              <a:solidFill>
+                <a:srgbClr val="FF0000"/>
+              </a:solidFill>
+              <a:latin typeface="Malgun Gothic" pitchFamily="34" charset="-127"/>
+              <a:ea typeface="Malgun Gothic" pitchFamily="34" charset="-127"/>
+            </a:endParaRPr>
+          </a:p>
+        </p:txBody>
+      </p:sp>
+      <p:sp>
+        <p:nvSpPr>
+          <p:cNvPr id="4" name="灯片编号占位符 3"/>
+          <p:cNvSpPr>
+            <a:spLocks noGrp="1"/>
+          </p:cNvSpPr>
+          <p:nvPr>
+            <p:ph type="sldNum" sz="quarter" idx="12"/>
+          </p:nvPr>
+        </p:nvSpPr>
+        <p:spPr>
+          <a:xfrm>
+            <a:off x="3995936" y="6381328"/>
+            <a:ext cx="1161826" cy="365125"/>
+          </a:xfrm>
+        </p:spPr>
+        <p:txBody>
+          <a:bodyPr/>
+          <a:lstStyle/>
+          <a:p>
+            <a:fld id="{0C913308-F349-4B6D-A68A-DD1791B4A57B}" type="slidenum">
+              <a:rPr lang="zh-CN" altLang="en-US" smtClean="0"/>
+              <a:t>28</a:t>
+            </a:fld>
+            <a:endParaRPr lang="zh-CN" altLang="en-US" dirty="0"/>
+          </a:p>
+        </p:txBody>
+      </p:sp>
+      <p:sp>
+        <p:nvSpPr>
+          <p:cNvPr id="5" name="标题 4"/>
+          <p:cNvSpPr>
+            <a:spLocks noGrp="1"/>
+          </p:cNvSpPr>
+          <p:nvPr>
+            <p:ph type="title"/>
+          </p:nvPr>
+        </p:nvSpPr>
+        <p:spPr/>
+        <p:txBody>
+          <a:bodyPr>
+            <a:normAutofit/>
+          </a:bodyPr>
+          <a:lstStyle/>
+          <a:p>
+            <a:r>
+              <a:rPr lang="zh-CN" altLang="en-US" dirty="0" smtClean="0"/>
+              <a:t>简单了解</a:t>
+            </a:r>
+            <a:r>
+              <a:rPr lang="en-US" altLang="zh-CN" dirty="0"/>
+              <a:t>RT-Thread </a:t>
+            </a:r>
+            <a:endParaRPr lang="zh-CN" altLang="en-US" dirty="0"/>
+          </a:p>
+        </p:txBody>
+      </p:sp>
+      <p:sp>
+        <p:nvSpPr>
+          <p:cNvPr id="2" name="内容占位符 1"/>
+          <p:cNvSpPr>
+            <a:spLocks noGrp="1"/>
+          </p:cNvSpPr>
+          <p:nvPr>
+            <p:ph idx="1"/>
+          </p:nvPr>
+        </p:nvSpPr>
+        <p:spPr/>
+        <p:txBody>
+          <a:bodyPr/>
+          <a:lstStyle/>
+          <a:p>
+            <a:r>
+              <a:rPr lang="zh-CN" altLang="en-US" dirty="0" smtClean="0"/>
+              <a:t>官网：</a:t>
+            </a:r>
+            <a:r>
+              <a:rPr lang="en-US" altLang="zh-CN" dirty="0" smtClean="0">
+                <a:hlinkClick r:id="rId2"/>
+              </a:rPr>
+              <a:t>https://www.rt-thread.org/</a:t>
+            </a:r>
+            <a:endParaRPr lang="zh-CN" altLang="en-US" dirty="0"/>
+          </a:p>
+        </p:txBody>
+      </p:sp>
+    </p:spTree>
+    <p:extLst>
+      <p:ext uri="{BB962C8B-B14F-4D97-AF65-F5344CB8AC3E}">
+        <p14:creationId xmlns:p14="http://schemas.microsoft.com/office/powerpoint/2010/main" val="2431188215"/>
+      </p:ext>
+    </p:extLst>
+  </p:cSld>
+  <p:clrMapOvr>
+    <a:masterClrMapping/>
+  </p:clrMapOvr>
+  <p:timing>
+    <p:tnLst>
+      <p:par>
+        <p:cTn id="1" dur="indefinite" restart="never" nodeType="tmRoot"/>
+      </p:par>
+    </p:tnLst>
+  </p:timing>
+</p:sld>
+</file>
+
+<file path=ppt/slides/slide3.xml><?xml version="1.0" encoding="utf-8"?>
+<p:sld xmlns:a="http://schemas.openxmlformats.org/drawingml/2006/main" xmlns:r="http://schemas.openxmlformats.org/officeDocument/2006/relationships" xmlns:p="http://schemas.openxmlformats.org/presentationml/2006/main">
+  <p:cSld>
+    <p:spTree>
+      <p:nvGrpSpPr>
+        <p:cNvPr id="1" name=""/>
+        <p:cNvGrpSpPr/>
+        <p:nvPr/>
+      </p:nvGrpSpPr>
+      <p:grpSpPr>
+        <a:xfrm>
+          <a:off x="0" y="0"/>
+          <a:ext cx="0" cy="0"/>
+          <a:chOff x="0" y="0"/>
+          <a:chExt cx="0" cy="0"/>
+        </a:xfrm>
+      </p:grpSpPr>
+      <p:sp>
+        <p:nvSpPr>
+          <p:cNvPr id="2" name="内容占位符 1"/>
+          <p:cNvSpPr>
+            <a:spLocks noGrp="1"/>
+          </p:cNvSpPr>
+          <p:nvPr>
+            <p:ph idx="1"/>
+          </p:nvPr>
+        </p:nvSpPr>
+        <p:spPr>
+          <a:xfrm>
+            <a:off x="872067" y="2060848"/>
+            <a:ext cx="7408333" cy="4065315"/>
+          </a:xfrm>
+        </p:spPr>
+        <p:txBody>
+          <a:bodyPr>
+            <a:normAutofit fontScale="92500" lnSpcReduction="10000"/>
+          </a:bodyPr>
+          <a:lstStyle/>
+          <a:p>
+            <a:pPr marL="0" indent="0">
+              <a:buNone/>
+            </a:pPr>
+            <a:r>
+              <a:rPr lang="zh-CN" altLang="en-US" dirty="0" smtClean="0"/>
+              <a:t>     在</a:t>
+            </a:r>
+            <a:r>
+              <a:rPr lang="zh-CN" altLang="en-US" dirty="0"/>
+              <a:t>日常生活中，我们要完成一个大任务，一般会将它分解成多个简单、容易解决的小问题，小问题逐个被解决，大问题也就随之解决了</a:t>
+            </a:r>
+            <a:r>
+              <a:rPr lang="zh-CN" altLang="en-US" dirty="0" smtClean="0"/>
+              <a:t>。</a:t>
+            </a:r>
+            <a:endParaRPr lang="en-US" altLang="zh-CN" dirty="0" smtClean="0"/>
+          </a:p>
+          <a:p>
+            <a:pPr marL="0" indent="0">
+              <a:buNone/>
+            </a:pPr>
+            <a:r>
+              <a:rPr lang="zh-CN" altLang="en-US" dirty="0" smtClean="0"/>
+              <a:t>     在</a:t>
+            </a:r>
+            <a:r>
+              <a:rPr lang="zh-CN" altLang="en-US" dirty="0"/>
+              <a:t>多线程操作系统中，也同样需要开发人员把一个复杂的应用分解成多个小的、可调度的、序列化的程序单元，当合理地划分任务并正确地执行时，这种设计能够让系统满足实时系统的性能及时间的要求，例如让嵌入式系统执行这样的任务，系统通过传感器采集数据，并通过显示屏将数据显示出来，在多线程实时系统中，可以将这个任务分解成两个子任务</a:t>
+            </a:r>
+            <a:r>
+              <a:rPr lang="zh-CN" altLang="en-US" dirty="0" smtClean="0"/>
+              <a:t>，一</a:t>
+            </a:r>
+            <a:r>
+              <a:rPr lang="zh-CN" altLang="en-US" dirty="0"/>
+              <a:t>个子任务不间断地读取传感器数据，并将数据写到共享内存中，另外一个子任务周期性的从共享内存中读取数据，并将传感器数据输出到显示屏上。</a:t>
+            </a:r>
+          </a:p>
+        </p:txBody>
+      </p:sp>
+      <p:sp>
+        <p:nvSpPr>
+          <p:cNvPr id="3" name="页脚占位符 2"/>
+          <p:cNvSpPr>
+            <a:spLocks noGrp="1"/>
+          </p:cNvSpPr>
+          <p:nvPr>
+            <p:ph type="ftr" sz="quarter" idx="11"/>
+          </p:nvPr>
+        </p:nvSpPr>
+        <p:spPr>
+          <a:xfrm>
+            <a:off x="193638" y="6250164"/>
+            <a:ext cx="8950362" cy="365125"/>
+          </a:xfrm>
+        </p:spPr>
+        <p:txBody>
+          <a:bodyPr/>
+          <a:lstStyle/>
+          <a:p>
+            <a:r>
+              <a:rPr lang="en-US" altLang="zh-CN" b="1" dirty="0"/>
+              <a:t>RT-Thread </a:t>
+            </a:r>
+            <a:r>
+              <a:rPr lang="zh-CN" altLang="en-US" b="1" dirty="0"/>
+              <a:t>物联网操作系统</a:t>
+            </a:r>
+            <a:r>
+              <a:rPr lang="en-US" altLang="zh-CN" b="1" dirty="0"/>
+              <a:t>				</a:t>
+            </a:r>
+            <a:r>
+              <a:rPr lang="en-US" altLang="zh-CN" b="1" dirty="0" smtClean="0"/>
+              <a:t>   </a:t>
+            </a:r>
+            <a:r>
+              <a:rPr lang="en-US" altLang="zh-CN" b="1" dirty="0"/>
+              <a:t>		</a:t>
+            </a:r>
+            <a:r>
+              <a:rPr lang="en-US" altLang="zh-CN" b="1" dirty="0" smtClean="0"/>
+              <a:t>          </a:t>
+            </a:r>
+            <a:r>
+              <a:rPr lang="zh-CN" altLang="en-US" sz="1100" b="1" dirty="0" smtClean="0"/>
+              <a:t>学习</a:t>
+            </a:r>
+            <a:r>
+              <a:rPr lang="zh-CN" altLang="en-US" sz="1100" b="1" dirty="0"/>
+              <a:t>交流群：</a:t>
+            </a:r>
+            <a:r>
+              <a:rPr lang="en-US" altLang="zh-CN" sz="1100" b="1" dirty="0">
+                <a:solidFill>
+                  <a:srgbClr val="FF0000"/>
+                </a:solidFill>
+                <a:latin typeface="Malgun Gothic" pitchFamily="34" charset="-127"/>
+                <a:ea typeface="Malgun Gothic" pitchFamily="34" charset="-127"/>
+              </a:rPr>
+              <a:t>783234154</a:t>
+            </a:r>
+            <a:endParaRPr lang="zh-CN" altLang="en-US" b="1" dirty="0">
+              <a:solidFill>
+                <a:srgbClr val="FF0000"/>
+              </a:solidFill>
+              <a:latin typeface="Malgun Gothic" pitchFamily="34" charset="-127"/>
+              <a:ea typeface="Malgun Gothic" pitchFamily="34" charset="-127"/>
+            </a:endParaRPr>
+          </a:p>
+        </p:txBody>
+      </p:sp>
+      <p:sp>
+        <p:nvSpPr>
+          <p:cNvPr id="4" name="灯片编号占位符 3"/>
+          <p:cNvSpPr>
+            <a:spLocks noGrp="1"/>
+          </p:cNvSpPr>
+          <p:nvPr>
+            <p:ph type="sldNum" sz="quarter" idx="12"/>
+          </p:nvPr>
+        </p:nvSpPr>
+        <p:spPr/>
+        <p:txBody>
+          <a:bodyPr/>
+          <a:lstStyle/>
+          <a:p>
+            <a:fld id="{0C913308-F349-4B6D-A68A-DD1791B4A57B}" type="slidenum">
+              <a:rPr lang="zh-CN" altLang="en-US" smtClean="0"/>
+              <a:t>3</a:t>
+            </a:fld>
+            <a:endParaRPr lang="zh-CN" altLang="en-US"/>
+          </a:p>
+        </p:txBody>
+      </p:sp>
+      <p:sp>
+        <p:nvSpPr>
+          <p:cNvPr id="5" name="标题 4"/>
+          <p:cNvSpPr>
+            <a:spLocks noGrp="1"/>
+          </p:cNvSpPr>
+          <p:nvPr>
+            <p:ph type="title"/>
+          </p:nvPr>
+        </p:nvSpPr>
+        <p:spPr/>
+        <p:txBody>
+          <a:bodyPr/>
+          <a:lstStyle/>
+          <a:p>
+            <a:r>
+              <a:rPr lang="zh-CN" altLang="en-US" dirty="0" smtClean="0"/>
+              <a:t>线程的概念</a:t>
+            </a:r>
+            <a:endParaRPr lang="zh-CN" altLang="en-US" dirty="0"/>
+          </a:p>
+        </p:txBody>
+      </p:sp>
+      <p:pic>
+        <p:nvPicPr>
+          <p:cNvPr id="1026" name="Picture 2"/>
+          <p:cNvPicPr>
+            <a:picLocks noChangeAspect="1" noChangeArrowheads="1"/>
+          </p:cNvPicPr>
+          <p:nvPr/>
+        </p:nvPicPr>
+        <p:blipFill>
+          <a:blip r:embed="rId2">
+            <a:extLst>
+              <a:ext uri="{28A0092B-C50C-407E-A947-70E740481C1C}">
+                <a14:useLocalDpi xmlns:a14="http://schemas.microsoft.com/office/drawing/2010/main" val="0"/>
+              </a:ext>
+            </a:extLst>
+          </a:blip>
+          <a:srcRect/>
+          <a:stretch>
+            <a:fillRect/>
+          </a:stretch>
+        </p:blipFill>
+        <p:spPr bwMode="auto">
+          <a:xfrm>
+            <a:off x="2222398" y="1844824"/>
+            <a:ext cx="4695825" cy="1133475"/>
+          </a:xfrm>
+          <a:prstGeom prst="rect">
+            <a:avLst/>
+          </a:prstGeom>
+          <a:noFill/>
+          <a:ln>
+            <a:noFill/>
+          </a:ln>
+          <a:effectLst/>
+          <a:extLst>
+            <a:ext uri="{909E8E84-426E-40DD-AFC4-6F175D3DCCD1}">
+              <a14:hiddenFill xmlns:a14="http://schemas.microsoft.com/office/drawing/2010/main">
+                <a:solidFill>
+                  <a:schemeClr val="accent1"/>
+                </a:solidFill>
+              </a14:hiddenFill>
+            </a:ext>
+            <a:ext uri="{91240B29-F687-4F45-9708-019B960494DF}">
+              <a14:hiddenLine xmlns:a14="http://schemas.microsoft.com/office/drawing/2010/main" w="9525">
+                <a:solidFill>
+                  <a:schemeClr val="tx1"/>
+                </a:solidFill>
+                <a:miter lim="800000"/>
+                <a:headEnd/>
+                <a:tailEnd/>
+              </a14:hiddenLine>
+            </a:ext>
+            <a:ext uri="{AF507438-7753-43E0-B8FC-AC1667EBCBE1}">
+              <a14:hiddenEffects xmlns:a14="http://schemas.microsoft.com/office/drawing/2010/main">
+                <a:effectLst>
+                  <a:outerShdw dist="35921" dir="2700000" algn="ctr" rotWithShape="0">
+                    <a:schemeClr val="bg2"/>
+                  </a:outerShdw>
+                </a:effectLst>
+              </a14:hiddenEffects>
+            </a:ext>
+          </a:extLst>
+        </p:spPr>
+      </p:pic>
+    </p:spTree>
+    <p:extLst>
+      <p:ext uri="{BB962C8B-B14F-4D97-AF65-F5344CB8AC3E}">
+        <p14:creationId xmlns:p14="http://schemas.microsoft.com/office/powerpoint/2010/main" val="3070028763"/>
+      </p:ext>
+    </p:extLst>
+  </p:cSld>
+  <p:clrMapOvr>
+    <a:masterClrMapping/>
+  </p:clrMapOvr>
+  <p:timing>
+    <p:tnLst>
+      <p:par>
+        <p:cTn id="1" dur="indefinite" restart="never" nodeType="tmRoot">
+          <p:childTnLst>
+            <p:seq concurrent="1" nextAc="seek">
+              <p:cTn id="2" dur="indefinite" nodeType="mainSeq">
+                <p:childTnLst>
+                  <p:par>
+                    <p:cTn id="3" fill="hold">
+                      <p:stCondLst>
+                        <p:cond delay="indefinite"/>
+                      </p:stCondLst>
+                      <p:childTnLst>
+                        <p:par>
+                          <p:cTn id="4" fill="hold">
+                            <p:stCondLst>
+                              <p:cond delay="0"/>
+                            </p:stCondLst>
+                            <p:childTnLst>
+                              <p:par>
+                                <p:cTn id="5" presetID="6" presetClass="entr" presetSubtype="16" fill="hold" nodeType="clickEffect">
+                                  <p:stCondLst>
+                                    <p:cond delay="0"/>
+                                  </p:stCondLst>
+                                  <p:childTnLst>
+                                    <p:set>
+                                      <p:cBhvr>
+                                        <p:cTn id="6" dur="1" fill="hold">
+                                          <p:stCondLst>
+                                            <p:cond delay="0"/>
+                                          </p:stCondLst>
+                                        </p:cTn>
+                                        <p:tgtEl>
+                                          <p:spTgt spid="1026"/>
+                                        </p:tgtEl>
+                                        <p:attrNameLst>
+                                          <p:attrName>style.visibility</p:attrName>
+                                        </p:attrNameLst>
+                                      </p:cBhvr>
+                                      <p:to>
+                                        <p:strVal val="visible"/>
+                                      </p:to>
+                                    </p:set>
+                                    <p:animEffect transition="in" filter="circle(in)">
+                                      <p:cBhvr>
+                                        <p:cTn id="7" dur="2000"/>
+                                        <p:tgtEl>
+                                          <p:spTgt spid="1026"/>
+                                        </p:tgtEl>
+                                      </p:cBhvr>
+                                    </p:animEffect>
+                                  </p:childTnLst>
+                                </p:cTn>
+                              </p:par>
+                            </p:childTnLst>
+                          </p:cTn>
+                        </p:par>
+                      </p:childTnLst>
+                    </p:cTn>
+                  </p:par>
+                </p:childTnLst>
+              </p:cTn>
+              <p:prevCondLst>
+                <p:cond evt="onPrev" delay="0">
+                  <p:tgtEl>
+                    <p:sldTgt/>
+                  </p:tgtEl>
+                </p:cond>
+              </p:prevCondLst>
+              <p:nextCondLst>
+                <p:cond evt="onNext" delay="0">
+                  <p:tgtEl>
+                    <p:sldTgt/>
+                  </p:tgtEl>
+                </p:cond>
+              </p:nextCondLst>
+            </p:seq>
+          </p:childTnLst>
+        </p:cTn>
+      </p:par>
+    </p:tnLst>
+  </p:timing>
+</p:sld>
+</file>
+
+<file path=ppt/slides/slide4.xml><?xml version="1.0" encoding="utf-8"?>
+<p:sld xmlns:a="http://schemas.openxmlformats.org/drawingml/2006/main" xmlns:r="http://schemas.openxmlformats.org/officeDocument/2006/relationships" xmlns:p="http://schemas.openxmlformats.org/presentationml/2006/main">
+  <p:cSld>
+    <p:spTree>
+      <p:nvGrpSpPr>
+        <p:cNvPr id="1" name=""/>
+        <p:cNvGrpSpPr/>
+        <p:nvPr/>
+      </p:nvGrpSpPr>
+      <p:grpSpPr>
+        <a:xfrm>
+          <a:off x="0" y="0"/>
+          <a:ext cx="0" cy="0"/>
+          <a:chOff x="0" y="0"/>
+          <a:chExt cx="0" cy="0"/>
+        </a:xfrm>
+      </p:grpSpPr>
+      <p:sp>
+        <p:nvSpPr>
+          <p:cNvPr id="2" name="内容占位符 1"/>
+          <p:cNvSpPr>
+            <a:spLocks noGrp="1"/>
+          </p:cNvSpPr>
+          <p:nvPr>
+            <p:ph idx="1"/>
+          </p:nvPr>
+        </p:nvSpPr>
+        <p:spPr>
+          <a:xfrm>
+            <a:off x="611561" y="1628800"/>
+            <a:ext cx="7668840" cy="4497363"/>
+          </a:xfrm>
+        </p:spPr>
+        <p:txBody>
+          <a:bodyPr>
+            <a:normAutofit/>
+          </a:bodyPr>
+          <a:lstStyle/>
+          <a:p>
+            <a:pPr marL="0" indent="0">
+              <a:buNone/>
+            </a:pPr>
+            <a:r>
+              <a:rPr lang="zh-CN" altLang="en-US" sz="2000" dirty="0">
+                <a:solidFill>
+                  <a:schemeClr val="tx1"/>
+                </a:solidFill>
+              </a:rPr>
+              <a:t>在 </a:t>
+            </a:r>
+            <a:r>
+              <a:rPr lang="en-US" altLang="zh-CN" sz="2000" dirty="0">
+                <a:solidFill>
+                  <a:schemeClr val="tx1"/>
+                </a:solidFill>
+              </a:rPr>
+              <a:t>RT-Thread </a:t>
+            </a:r>
+            <a:r>
+              <a:rPr lang="zh-CN" altLang="en-US" sz="2000" dirty="0">
+                <a:solidFill>
+                  <a:schemeClr val="tx1"/>
+                </a:solidFill>
+              </a:rPr>
+              <a:t>中</a:t>
+            </a:r>
+            <a:r>
+              <a:rPr lang="zh-CN" altLang="en-US" sz="2000" dirty="0" smtClean="0">
+                <a:solidFill>
+                  <a:schemeClr val="tx1"/>
+                </a:solidFill>
+              </a:rPr>
+              <a:t>，线程</a:t>
+            </a:r>
+            <a:r>
+              <a:rPr lang="zh-CN" altLang="en-US" sz="2000" dirty="0">
+                <a:solidFill>
+                  <a:schemeClr val="tx1"/>
+                </a:solidFill>
+              </a:rPr>
+              <a:t>是实现任务的载体，它是 </a:t>
+            </a:r>
+            <a:r>
+              <a:rPr lang="en-US" altLang="zh-CN" sz="2000" dirty="0">
+                <a:solidFill>
+                  <a:schemeClr val="tx1"/>
+                </a:solidFill>
+              </a:rPr>
+              <a:t>RT-Thread </a:t>
+            </a:r>
+            <a:r>
+              <a:rPr lang="zh-CN" altLang="en-US" sz="2000" dirty="0">
+                <a:solidFill>
+                  <a:schemeClr val="tx1"/>
+                </a:solidFill>
+              </a:rPr>
+              <a:t>中最基本的调度单位，它描述了一个任务执行的运行环境，也描述了这个任务所处的优先等级，重要的任务可设置相对较高的优先级，非重要的任务可以设置较低的优先级，不同的任务还可以设置相同的优先级，轮流运行</a:t>
+            </a:r>
+            <a:r>
+              <a:rPr lang="zh-CN" altLang="en-US" sz="2000" dirty="0" smtClean="0">
+                <a:solidFill>
+                  <a:schemeClr val="tx1"/>
+                </a:solidFill>
+              </a:rPr>
+              <a:t>。</a:t>
+            </a:r>
+            <a:endParaRPr lang="en-US" altLang="zh-CN" sz="2000" dirty="0" smtClean="0">
+              <a:solidFill>
+                <a:schemeClr val="tx1"/>
+              </a:solidFill>
+            </a:endParaRPr>
+          </a:p>
+          <a:p>
+            <a:pPr marL="0" indent="0">
+              <a:buNone/>
+            </a:pPr>
+            <a:endParaRPr lang="zh-CN" altLang="en-US" sz="2000" dirty="0">
+              <a:solidFill>
+                <a:schemeClr val="tx1"/>
+              </a:solidFill>
+            </a:endParaRPr>
+          </a:p>
+          <a:p>
+            <a:pPr marL="0" indent="0">
+              <a:buNone/>
+            </a:pPr>
+            <a:r>
+              <a:rPr lang="zh-CN" altLang="en-US" sz="2000" dirty="0">
+                <a:solidFill>
+                  <a:schemeClr val="tx1"/>
+                </a:solidFill>
+              </a:rPr>
+              <a:t>当线程运行时，它会认为自己是以独占 </a:t>
+            </a:r>
+            <a:r>
+              <a:rPr lang="en-US" altLang="zh-CN" sz="2000" dirty="0">
+                <a:solidFill>
+                  <a:schemeClr val="tx1"/>
+                </a:solidFill>
+              </a:rPr>
+              <a:t>CPU </a:t>
+            </a:r>
+            <a:r>
+              <a:rPr lang="zh-CN" altLang="en-US" sz="2000" dirty="0">
+                <a:solidFill>
+                  <a:schemeClr val="tx1"/>
+                </a:solidFill>
+              </a:rPr>
+              <a:t>的方式在运行，线程执行时的运行环境称为上下文，具体来说就是各个变量和数据，包括所有的寄存器变量、堆栈、内存信息等</a:t>
+            </a:r>
+            <a:r>
+              <a:rPr lang="zh-CN" altLang="en-US" sz="2000" dirty="0" smtClean="0">
+                <a:solidFill>
+                  <a:schemeClr val="tx1"/>
+                </a:solidFill>
+              </a:rPr>
+              <a:t>。</a:t>
+            </a:r>
+            <a:endParaRPr lang="en-US" altLang="zh-CN" sz="2000" dirty="0" smtClean="0">
+              <a:solidFill>
+                <a:schemeClr val="tx1"/>
+              </a:solidFill>
+            </a:endParaRPr>
+          </a:p>
+          <a:p>
+            <a:pPr marL="0" indent="0">
+              <a:buNone/>
+            </a:pPr>
+            <a:endParaRPr lang="zh-CN" altLang="en-US" sz="2000" dirty="0">
+              <a:solidFill>
+                <a:schemeClr val="tx1"/>
+              </a:solidFill>
+            </a:endParaRPr>
+          </a:p>
+        </p:txBody>
+      </p:sp>
+      <p:sp>
+        <p:nvSpPr>
+          <p:cNvPr id="3" name="页脚占位符 2"/>
+          <p:cNvSpPr>
+            <a:spLocks noGrp="1"/>
+          </p:cNvSpPr>
+          <p:nvPr>
+            <p:ph type="ftr" sz="quarter" idx="11"/>
+          </p:nvPr>
+        </p:nvSpPr>
+        <p:spPr>
+          <a:xfrm>
+            <a:off x="0" y="6250164"/>
+            <a:ext cx="9144000" cy="365125"/>
+          </a:xfrm>
+        </p:spPr>
+        <p:txBody>
+          <a:bodyPr/>
+          <a:lstStyle/>
+          <a:p>
+            <a:r>
+              <a:rPr lang="en-US" altLang="zh-CN" b="1" dirty="0"/>
+              <a:t>RT-Thread </a:t>
+            </a:r>
+            <a:r>
+              <a:rPr lang="zh-CN" altLang="en-US" b="1" dirty="0"/>
+              <a:t>物联网操作系统</a:t>
+            </a:r>
+            <a:r>
+              <a:rPr lang="en-US" altLang="zh-CN" b="1" dirty="0"/>
+              <a:t>							</a:t>
+            </a:r>
+            <a:r>
+              <a:rPr lang="zh-CN" altLang="en-US" sz="1100" b="1" dirty="0"/>
+              <a:t>学习交流群：</a:t>
+            </a:r>
+            <a:r>
+              <a:rPr lang="en-US" altLang="zh-CN" sz="1100" b="1" dirty="0">
+                <a:solidFill>
+                  <a:srgbClr val="FF0000"/>
+                </a:solidFill>
+                <a:latin typeface="Malgun Gothic" pitchFamily="34" charset="-127"/>
+                <a:ea typeface="Malgun Gothic" pitchFamily="34" charset="-127"/>
+              </a:rPr>
+              <a:t>783234154</a:t>
+            </a:r>
+            <a:endParaRPr lang="zh-CN" altLang="en-US" b="1" dirty="0">
+              <a:solidFill>
+                <a:srgbClr val="FF0000"/>
+              </a:solidFill>
+              <a:latin typeface="Malgun Gothic" pitchFamily="34" charset="-127"/>
+              <a:ea typeface="Malgun Gothic" pitchFamily="34" charset="-127"/>
+            </a:endParaRPr>
+          </a:p>
+        </p:txBody>
+      </p:sp>
+      <p:sp>
+        <p:nvSpPr>
+          <p:cNvPr id="4" name="灯片编号占位符 3"/>
+          <p:cNvSpPr>
+            <a:spLocks noGrp="1"/>
+          </p:cNvSpPr>
+          <p:nvPr>
+            <p:ph type="sldNum" sz="quarter" idx="12"/>
+          </p:nvPr>
+        </p:nvSpPr>
+        <p:spPr/>
+        <p:txBody>
+          <a:bodyPr/>
+          <a:lstStyle/>
+          <a:p>
+            <a:fld id="{0C913308-F349-4B6D-A68A-DD1791B4A57B}" type="slidenum">
+              <a:rPr lang="zh-CN" altLang="en-US" smtClean="0"/>
+              <a:t>4</a:t>
+            </a:fld>
+            <a:endParaRPr lang="zh-CN" altLang="en-US"/>
+          </a:p>
+        </p:txBody>
+      </p:sp>
+    </p:spTree>
+    <p:extLst>
+      <p:ext uri="{BB962C8B-B14F-4D97-AF65-F5344CB8AC3E}">
+        <p14:creationId xmlns:p14="http://schemas.microsoft.com/office/powerpoint/2010/main" val="808432466"/>
+      </p:ext>
+    </p:extLst>
+  </p:cSld>
+  <p:clrMapOvr>
+    <a:masterClrMapping/>
+  </p:clrMapOvr>
+  <p:timing>
+    <p:tnLst>
+      <p:par>
+        <p:cTn id="1" dur="indefinite" restart="never" nodeType="tmRoot"/>
+      </p:par>
+    </p:tnLst>
+  </p:timing>
+</p:sld>
+</file>
+
+<file path=ppt/slides/slide5.xml><?xml version="1.0" encoding="utf-8"?>
+<p:sld xmlns:a="http://schemas.openxmlformats.org/drawingml/2006/main" xmlns:r="http://schemas.openxmlformats.org/officeDocument/2006/relationships" xmlns:p="http://schemas.openxmlformats.org/presentationml/2006/main">
+  <p:cSld>
+    <p:spTree>
+      <p:nvGrpSpPr>
+        <p:cNvPr id="1" name=""/>
+        <p:cNvGrpSpPr/>
+        <p:nvPr/>
+      </p:nvGrpSpPr>
+      <p:grpSpPr>
+        <a:xfrm>
+          <a:off x="0" y="0"/>
+          <a:ext cx="0" cy="0"/>
+          <a:chOff x="0" y="0"/>
+          <a:chExt cx="0" cy="0"/>
+        </a:xfrm>
+      </p:grpSpPr>
+      <p:sp>
+        <p:nvSpPr>
+          <p:cNvPr id="3" name="页脚占位符 2"/>
+          <p:cNvSpPr>
+            <a:spLocks noGrp="1"/>
+          </p:cNvSpPr>
+          <p:nvPr>
+            <p:ph type="ftr" sz="quarter" idx="11"/>
+          </p:nvPr>
+        </p:nvSpPr>
+        <p:spPr>
+          <a:xfrm>
+            <a:off x="0" y="6250164"/>
+            <a:ext cx="9144000" cy="365125"/>
+          </a:xfrm>
+        </p:spPr>
+        <p:txBody>
+          <a:bodyPr/>
+          <a:lstStyle/>
+          <a:p>
+            <a:r>
+              <a:rPr lang="en-US" altLang="zh-CN" b="1" dirty="0"/>
+              <a:t>RT-Thread </a:t>
+            </a:r>
+            <a:r>
+              <a:rPr lang="zh-CN" altLang="en-US" b="1" dirty="0"/>
+              <a:t>物联网操作系统</a:t>
+            </a:r>
+            <a:r>
+              <a:rPr lang="en-US" altLang="zh-CN" b="1" dirty="0"/>
+              <a:t>							</a:t>
+            </a:r>
+            <a:r>
+              <a:rPr lang="zh-CN" altLang="en-US" sz="1100" b="1" dirty="0"/>
+              <a:t>学习交流群：</a:t>
+            </a:r>
+            <a:r>
+              <a:rPr lang="en-US" altLang="zh-CN" sz="1100" b="1" dirty="0">
+                <a:solidFill>
+                  <a:srgbClr val="FF0000"/>
+                </a:solidFill>
+                <a:latin typeface="Malgun Gothic" pitchFamily="34" charset="-127"/>
+                <a:ea typeface="Malgun Gothic" pitchFamily="34" charset="-127"/>
+              </a:rPr>
+              <a:t>783234154</a:t>
+            </a:r>
+            <a:endParaRPr lang="zh-CN" altLang="en-US" b="1" dirty="0">
+              <a:solidFill>
+                <a:srgbClr val="FF0000"/>
+              </a:solidFill>
+              <a:latin typeface="Malgun Gothic" pitchFamily="34" charset="-127"/>
+              <a:ea typeface="Malgun Gothic" pitchFamily="34" charset="-127"/>
+            </a:endParaRPr>
+          </a:p>
+        </p:txBody>
+      </p:sp>
+      <p:sp>
+        <p:nvSpPr>
+          <p:cNvPr id="4" name="灯片编号占位符 3"/>
+          <p:cNvSpPr>
+            <a:spLocks noGrp="1"/>
+          </p:cNvSpPr>
+          <p:nvPr>
+            <p:ph type="sldNum" sz="quarter" idx="12"/>
+          </p:nvPr>
+        </p:nvSpPr>
+        <p:spPr/>
+        <p:txBody>
+          <a:bodyPr/>
+          <a:lstStyle/>
+          <a:p>
+            <a:fld id="{0C913308-F349-4B6D-A68A-DD1791B4A57B}" type="slidenum">
+              <a:rPr lang="zh-CN" altLang="en-US" smtClean="0"/>
+              <a:t>5</a:t>
+            </a:fld>
+            <a:endParaRPr lang="zh-CN" altLang="en-US"/>
+          </a:p>
+        </p:txBody>
+      </p:sp>
+      <p:sp>
+        <p:nvSpPr>
+          <p:cNvPr id="5" name="标题 4"/>
+          <p:cNvSpPr>
+            <a:spLocks noGrp="1"/>
+          </p:cNvSpPr>
+          <p:nvPr>
+            <p:ph type="title"/>
+          </p:nvPr>
+        </p:nvSpPr>
+        <p:spPr/>
+        <p:txBody>
+          <a:bodyPr>
+            <a:normAutofit/>
+          </a:bodyPr>
+          <a:lstStyle/>
+          <a:p>
+            <a:r>
+              <a:rPr lang="en-US" altLang="zh-CN" dirty="0">
+                <a:solidFill>
+                  <a:schemeClr val="tx1"/>
+                </a:solidFill>
+              </a:rPr>
+              <a:t>RT-Thread</a:t>
+            </a:r>
+            <a:r>
+              <a:rPr lang="zh-CN" altLang="en-US" dirty="0">
+                <a:solidFill>
+                  <a:schemeClr val="tx1"/>
+                </a:solidFill>
+              </a:rPr>
+              <a:t>的线程主体有两种</a:t>
+            </a:r>
+            <a:r>
+              <a:rPr lang="zh-CN" altLang="en-US" dirty="0" smtClean="0">
+                <a:solidFill>
+                  <a:schemeClr val="tx1"/>
+                </a:solidFill>
+              </a:rPr>
+              <a:t>形式</a:t>
+            </a:r>
+            <a:endParaRPr lang="zh-CN" altLang="en-US" dirty="0"/>
+          </a:p>
+        </p:txBody>
+      </p:sp>
+      <p:sp>
+        <p:nvSpPr>
+          <p:cNvPr id="6" name="TextBox 5"/>
+          <p:cNvSpPr txBox="1"/>
+          <p:nvPr/>
+        </p:nvSpPr>
+        <p:spPr>
+          <a:xfrm>
+            <a:off x="899592" y="1772816"/>
+            <a:ext cx="2952328" cy="1938992"/>
+          </a:xfrm>
+          <a:prstGeom prst="rect">
+            <a:avLst/>
+          </a:prstGeom>
+          <a:noFill/>
+        </p:spPr>
+        <p:txBody>
+          <a:bodyPr wrap="square" rtlCol="0">
+            <a:spAutoFit/>
+          </a:bodyPr>
+          <a:lstStyle/>
+          <a:p>
+            <a:r>
+              <a:rPr lang="zh-CN" altLang="en-US" sz="1200" b="1" dirty="0" smtClean="0"/>
+              <a:t>无限</a:t>
+            </a:r>
+            <a:r>
+              <a:rPr lang="zh-CN" altLang="en-US" sz="1200" b="1" dirty="0"/>
+              <a:t>循环模式</a:t>
+            </a:r>
+            <a:r>
+              <a:rPr lang="zh-CN" altLang="en-US" sz="1200" b="1" dirty="0" smtClean="0"/>
+              <a:t>：</a:t>
+            </a:r>
+            <a:endParaRPr lang="en-US" altLang="zh-CN" sz="1200" b="1" dirty="0" smtClean="0"/>
+          </a:p>
+          <a:p>
+            <a:r>
+              <a:rPr lang="en-US" altLang="zh-CN" sz="1200" b="1" dirty="0"/>
+              <a:t>void</a:t>
+            </a:r>
+            <a:r>
+              <a:rPr lang="en-US" altLang="zh-CN" sz="1200" dirty="0"/>
+              <a:t> </a:t>
+            </a:r>
+            <a:r>
+              <a:rPr lang="en-US" altLang="zh-CN" sz="1200" b="1" dirty="0" err="1"/>
+              <a:t>thread_entry</a:t>
+            </a:r>
+            <a:r>
+              <a:rPr lang="en-US" altLang="zh-CN" sz="1200" dirty="0"/>
+              <a:t>(</a:t>
+            </a:r>
+            <a:r>
+              <a:rPr lang="en-US" altLang="zh-CN" sz="1200" b="1" dirty="0"/>
+              <a:t>void</a:t>
+            </a:r>
+            <a:r>
+              <a:rPr lang="en-US" altLang="zh-CN" sz="1200" dirty="0"/>
+              <a:t>* </a:t>
+            </a:r>
+            <a:r>
+              <a:rPr lang="en-US" altLang="zh-CN" sz="1200" dirty="0" err="1"/>
+              <a:t>paramenter</a:t>
+            </a:r>
+            <a:r>
+              <a:rPr lang="en-US" altLang="zh-CN" sz="1200" dirty="0" smtClean="0"/>
+              <a:t>)</a:t>
+            </a:r>
+          </a:p>
+          <a:p>
+            <a:r>
+              <a:rPr lang="en-US" altLang="zh-CN" sz="1200" dirty="0" smtClean="0"/>
+              <a:t> {</a:t>
+            </a:r>
+          </a:p>
+          <a:p>
+            <a:r>
+              <a:rPr lang="en-US" altLang="zh-CN" sz="1200" dirty="0" smtClean="0"/>
+              <a:t>      </a:t>
+            </a:r>
+            <a:r>
+              <a:rPr lang="en-US" altLang="zh-CN" sz="1200" b="1" dirty="0"/>
+              <a:t>while</a:t>
+            </a:r>
+            <a:r>
+              <a:rPr lang="en-US" altLang="zh-CN" sz="1200" dirty="0"/>
+              <a:t> (1</a:t>
+            </a:r>
+            <a:r>
+              <a:rPr lang="en-US" altLang="zh-CN" sz="1200" dirty="0" smtClean="0"/>
+              <a:t>)</a:t>
+            </a:r>
+          </a:p>
+          <a:p>
+            <a:r>
+              <a:rPr lang="en-US" altLang="zh-CN" sz="1200" dirty="0" smtClean="0"/>
+              <a:t>      {</a:t>
+            </a:r>
+          </a:p>
+          <a:p>
+            <a:r>
+              <a:rPr lang="en-US" altLang="zh-CN" sz="1200" dirty="0"/>
+              <a:t> </a:t>
+            </a:r>
+            <a:r>
+              <a:rPr lang="en-US" altLang="zh-CN" sz="1200" dirty="0" smtClean="0"/>
+              <a:t>          </a:t>
+            </a:r>
+            <a:r>
+              <a:rPr lang="en-US" altLang="zh-CN" sz="1200" i="1" dirty="0"/>
+              <a:t>/* </a:t>
+            </a:r>
+            <a:r>
+              <a:rPr lang="zh-CN" altLang="en-US" sz="1200" i="1" dirty="0"/>
+              <a:t>等待事件的发生 *</a:t>
+            </a:r>
+            <a:r>
+              <a:rPr lang="en-US" altLang="zh-CN" sz="1200" i="1" dirty="0"/>
+              <a:t>/</a:t>
+            </a:r>
+            <a:r>
+              <a:rPr lang="zh-CN" altLang="en-US" sz="1200" dirty="0"/>
+              <a:t> </a:t>
+            </a:r>
+            <a:endParaRPr lang="en-US" altLang="zh-CN" sz="1200" dirty="0" smtClean="0"/>
+          </a:p>
+          <a:p>
+            <a:r>
+              <a:rPr lang="en-US" altLang="zh-CN" sz="1200" i="1" dirty="0"/>
+              <a:t> </a:t>
+            </a:r>
+            <a:r>
+              <a:rPr lang="en-US" altLang="zh-CN" sz="1200" i="1" dirty="0" smtClean="0"/>
+              <a:t>          /* </a:t>
+            </a:r>
+            <a:r>
+              <a:rPr lang="zh-CN" altLang="en-US" sz="1200" i="1" dirty="0"/>
+              <a:t>对事件进行服务、进行处理 *</a:t>
+            </a:r>
+            <a:r>
+              <a:rPr lang="en-US" altLang="zh-CN" sz="1200" i="1" dirty="0" smtClean="0"/>
+              <a:t>/</a:t>
+            </a:r>
+          </a:p>
+          <a:p>
+            <a:r>
+              <a:rPr lang="en-US" altLang="zh-CN" sz="1200" dirty="0" smtClean="0"/>
+              <a:t>      } </a:t>
+            </a:r>
+          </a:p>
+          <a:p>
+            <a:r>
+              <a:rPr lang="en-US" altLang="zh-CN" sz="1200" dirty="0" smtClean="0"/>
+              <a:t>}</a:t>
+            </a:r>
+          </a:p>
+          <a:p>
+            <a:endParaRPr lang="zh-CN" altLang="en-US" sz="1200" dirty="0"/>
+          </a:p>
+        </p:txBody>
+      </p:sp>
+      <p:sp>
+        <p:nvSpPr>
+          <p:cNvPr id="7" name="TextBox 6"/>
+          <p:cNvSpPr txBox="1"/>
+          <p:nvPr/>
+        </p:nvSpPr>
+        <p:spPr>
+          <a:xfrm>
+            <a:off x="5076056" y="1809398"/>
+            <a:ext cx="2952328" cy="1754326"/>
+          </a:xfrm>
+          <a:prstGeom prst="rect">
+            <a:avLst/>
+          </a:prstGeom>
+          <a:noFill/>
+        </p:spPr>
+        <p:txBody>
+          <a:bodyPr wrap="square" rtlCol="0">
+            <a:spAutoFit/>
+          </a:bodyPr>
+          <a:lstStyle/>
+          <a:p>
+            <a:r>
+              <a:rPr lang="zh-CN" altLang="en-US" sz="1200" b="1" dirty="0"/>
+              <a:t>顺序执行或有限次循环</a:t>
+            </a:r>
+            <a:r>
+              <a:rPr lang="zh-CN" altLang="en-US" sz="1200" b="1" dirty="0" smtClean="0"/>
+              <a:t>模式：</a:t>
+            </a:r>
+            <a:endParaRPr lang="en-US" altLang="zh-CN" sz="1200" b="1" dirty="0" smtClean="0"/>
+          </a:p>
+          <a:p>
+            <a:r>
+              <a:rPr lang="en-US" altLang="zh-CN" sz="1200" b="1" dirty="0"/>
+              <a:t>void</a:t>
+            </a:r>
+            <a:r>
+              <a:rPr lang="en-US" altLang="zh-CN" sz="1200" dirty="0"/>
+              <a:t> </a:t>
+            </a:r>
+            <a:r>
+              <a:rPr lang="en-US" altLang="zh-CN" sz="1200" b="1" dirty="0" err="1"/>
+              <a:t>thread_entry</a:t>
+            </a:r>
+            <a:r>
+              <a:rPr lang="en-US" altLang="zh-CN" sz="1200" dirty="0"/>
+              <a:t>(</a:t>
+            </a:r>
+            <a:r>
+              <a:rPr lang="en-US" altLang="zh-CN" sz="1200" b="1" dirty="0"/>
+              <a:t>void</a:t>
+            </a:r>
+            <a:r>
+              <a:rPr lang="en-US" altLang="zh-CN" sz="1200" dirty="0"/>
+              <a:t>* </a:t>
+            </a:r>
+            <a:r>
+              <a:rPr lang="en-US" altLang="zh-CN" sz="1200" dirty="0" err="1"/>
+              <a:t>paramenter</a:t>
+            </a:r>
+            <a:r>
+              <a:rPr lang="en-US" altLang="zh-CN" sz="1200" dirty="0" smtClean="0"/>
+              <a:t>)</a:t>
+            </a:r>
+          </a:p>
+          <a:p>
+            <a:r>
+              <a:rPr lang="en-US" altLang="zh-CN" sz="1200" dirty="0" smtClean="0"/>
+              <a:t> {</a:t>
+            </a:r>
+          </a:p>
+          <a:p>
+            <a:r>
+              <a:rPr lang="en-US" altLang="zh-CN" sz="1200" i="1" dirty="0" smtClean="0"/>
+              <a:t>        /* </a:t>
+            </a:r>
+            <a:r>
+              <a:rPr lang="zh-CN" altLang="en-US" sz="1200" i="1" dirty="0"/>
+              <a:t>处理事务 </a:t>
+            </a:r>
+            <a:r>
+              <a:rPr lang="en-US" altLang="zh-CN" sz="1200" i="1" dirty="0"/>
+              <a:t>#1 */</a:t>
+            </a:r>
+            <a:r>
+              <a:rPr lang="zh-CN" altLang="en-US" sz="1200" dirty="0"/>
+              <a:t> </a:t>
+            </a:r>
+            <a:endParaRPr lang="en-US" altLang="zh-CN" sz="1200" dirty="0" smtClean="0"/>
+          </a:p>
+          <a:p>
+            <a:r>
+              <a:rPr lang="en-US" altLang="zh-CN" sz="1200" dirty="0"/>
+              <a:t> </a:t>
+            </a:r>
+            <a:r>
+              <a:rPr lang="en-US" altLang="zh-CN" sz="1200" dirty="0" smtClean="0"/>
+              <a:t>       … </a:t>
+            </a:r>
+          </a:p>
+          <a:p>
+            <a:r>
+              <a:rPr lang="en-US" altLang="zh-CN" sz="1200" i="1" dirty="0"/>
+              <a:t> </a:t>
+            </a:r>
+            <a:r>
+              <a:rPr lang="en-US" altLang="zh-CN" sz="1200" i="1" dirty="0" smtClean="0"/>
+              <a:t>       /* </a:t>
+            </a:r>
+            <a:r>
+              <a:rPr lang="zh-CN" altLang="en-US" sz="1200" i="1" dirty="0"/>
+              <a:t>处理事务 </a:t>
+            </a:r>
+            <a:r>
+              <a:rPr lang="en-US" altLang="zh-CN" sz="1200" i="1" dirty="0"/>
+              <a:t>#2 </a:t>
+            </a:r>
+            <a:r>
+              <a:rPr lang="en-US" altLang="zh-CN" sz="1200" i="1" dirty="0" smtClean="0"/>
+              <a:t>*/</a:t>
+            </a:r>
+            <a:endParaRPr lang="en-US" altLang="zh-CN" sz="1200" i="1" dirty="0"/>
+          </a:p>
+          <a:p>
+            <a:r>
+              <a:rPr lang="zh-CN" altLang="en-US" sz="1200" dirty="0" smtClean="0"/>
+              <a:t>       </a:t>
+            </a:r>
+            <a:r>
+              <a:rPr lang="en-US" altLang="zh-CN" sz="1200" dirty="0" smtClean="0"/>
+              <a:t>… </a:t>
+            </a:r>
+          </a:p>
+          <a:p>
+            <a:r>
+              <a:rPr lang="en-US" altLang="zh-CN" sz="1200" i="1" dirty="0" smtClean="0"/>
+              <a:t>       /* </a:t>
+            </a:r>
+            <a:r>
+              <a:rPr lang="zh-CN" altLang="en-US" sz="1200" i="1" dirty="0"/>
+              <a:t>处理事务 </a:t>
+            </a:r>
+            <a:r>
+              <a:rPr lang="en-US" altLang="zh-CN" sz="1200" i="1" dirty="0"/>
+              <a:t>#3 </a:t>
+            </a:r>
+            <a:r>
+              <a:rPr lang="en-US" altLang="zh-CN" sz="1200" i="1" dirty="0" smtClean="0"/>
+              <a:t>*/</a:t>
+            </a:r>
+          </a:p>
+          <a:p>
+            <a:r>
+              <a:rPr lang="en-US" altLang="zh-CN" sz="1200" dirty="0" smtClean="0"/>
+              <a:t>}</a:t>
+            </a:r>
+          </a:p>
+        </p:txBody>
+      </p:sp>
+      <p:sp>
+        <p:nvSpPr>
+          <p:cNvPr id="8" name="TextBox 7"/>
+          <p:cNvSpPr txBox="1"/>
+          <p:nvPr/>
+        </p:nvSpPr>
+        <p:spPr>
+          <a:xfrm>
+            <a:off x="582189" y="3717032"/>
+            <a:ext cx="7920881" cy="2800767"/>
+          </a:xfrm>
+          <a:prstGeom prst="rect">
+            <a:avLst/>
+          </a:prstGeom>
+          <a:noFill/>
+        </p:spPr>
+        <p:txBody>
+          <a:bodyPr wrap="square" rtlCol="0">
+            <a:spAutoFit/>
+          </a:bodyPr>
+          <a:lstStyle/>
+          <a:p>
+            <a:r>
+              <a:rPr lang="zh-CN" altLang="en-US" sz="1600" dirty="0"/>
+              <a:t>线程看似没有什么限制程序执行的因素，似乎所有的操作都可以执行。但是做为一</a:t>
+            </a:r>
+            <a:r>
+              <a:rPr lang="zh-CN" altLang="en-US" sz="1600" dirty="0" smtClean="0"/>
+              <a:t>个</a:t>
+            </a:r>
+            <a:br>
+              <a:rPr lang="zh-CN" altLang="en-US" sz="1600" dirty="0" smtClean="0"/>
+            </a:br>
+            <a:r>
+              <a:rPr lang="zh-CN" altLang="en-US" sz="1600" dirty="0" smtClean="0"/>
+              <a:t>优先级</a:t>
+            </a:r>
+            <a:r>
+              <a:rPr lang="zh-CN" altLang="en-US" sz="1600" dirty="0"/>
+              <a:t>明确的实时系统，如果一个线程中的程序出现了死循环操作（此处的死循环是指</a:t>
+            </a:r>
+            <a:r>
+              <a:rPr lang="zh-CN" altLang="en-US" sz="1600" dirty="0" smtClean="0"/>
+              <a:t>没有</a:t>
+            </a:r>
+            <a:r>
+              <a:rPr lang="zh-CN" altLang="en-US" sz="1600" dirty="0"/>
+              <a:t>不带阻塞机制的线程循环体） ，那么比这个线程优先级低的线程都将无法执行，当然</a:t>
+            </a:r>
+            <a:r>
+              <a:rPr lang="zh-CN" altLang="en-US" sz="1600" dirty="0" smtClean="0"/>
+              <a:t>也包括</a:t>
+            </a:r>
+            <a:r>
+              <a:rPr lang="zh-CN" altLang="en-US" sz="1600" dirty="0"/>
+              <a:t>了空闲线程，因为死循环的时候，线程不会主动让出 </a:t>
+            </a:r>
+            <a:r>
+              <a:rPr lang="en-US" altLang="zh-CN" sz="1600" dirty="0"/>
+              <a:t>CPU</a:t>
+            </a:r>
+            <a:r>
+              <a:rPr lang="zh-CN" altLang="en-US" sz="1600" dirty="0"/>
+              <a:t>，低优先级的线程是</a:t>
+            </a:r>
+            <a:r>
+              <a:rPr lang="zh-CN" altLang="en-US" sz="1600" dirty="0" smtClean="0"/>
+              <a:t>不可能得到 </a:t>
+            </a:r>
+            <a:r>
+              <a:rPr lang="en-US" altLang="zh-CN" sz="1600" dirty="0"/>
+              <a:t>CPU </a:t>
+            </a:r>
+            <a:r>
+              <a:rPr lang="zh-CN" altLang="en-US" sz="1600" dirty="0"/>
+              <a:t>的使用权的，而高优先级的线程就可以抢占 </a:t>
+            </a:r>
+            <a:r>
+              <a:rPr lang="en-US" altLang="zh-CN" sz="1600" dirty="0"/>
+              <a:t>CPU</a:t>
+            </a:r>
+            <a:r>
+              <a:rPr lang="zh-CN" altLang="en-US" sz="1600" dirty="0"/>
+              <a:t>。这个情况在实时操作系统</a:t>
+            </a:r>
+            <a:r>
+              <a:rPr lang="zh-CN" altLang="en-US" sz="1600" dirty="0" smtClean="0"/>
+              <a:t>中是</a:t>
+            </a:r>
+            <a:r>
+              <a:rPr lang="zh-CN" altLang="en-US" sz="1600" dirty="0"/>
+              <a:t>必须注意的一点， 所以在线程中不允许出现死循环。 如果一个线程只有就绪态而无</a:t>
+            </a:r>
+            <a:r>
+              <a:rPr lang="zh-CN" altLang="en-US" sz="1600" dirty="0" smtClean="0"/>
+              <a:t>阻塞态</a:t>
+            </a:r>
+            <a:r>
+              <a:rPr lang="zh-CN" altLang="en-US" sz="1600" dirty="0"/>
+              <a:t>，势必会影响到其他低优先级线程的执行， 所以在进行线程设计时，就应该保证线程</a:t>
+            </a:r>
+            <a:r>
+              <a:rPr lang="zh-CN" altLang="en-US" sz="1600" dirty="0" smtClean="0"/>
+              <a:t>在不</a:t>
+            </a:r>
+            <a:r>
+              <a:rPr lang="zh-CN" altLang="en-US" sz="1600" dirty="0"/>
+              <a:t>活跃的时候，线程可以进入阻塞态以交出 </a:t>
+            </a:r>
+            <a:r>
+              <a:rPr lang="en-US" altLang="zh-CN" sz="1600" dirty="0"/>
+              <a:t>CPU </a:t>
+            </a:r>
+            <a:r>
+              <a:rPr lang="zh-CN" altLang="en-US" sz="1600" dirty="0"/>
+              <a:t>使用权，这就需要我们自己明确知道</a:t>
+            </a:r>
+            <a:r>
+              <a:rPr lang="zh-CN" altLang="en-US" sz="1600" dirty="0" smtClean="0"/>
+              <a:t>什么情况</a:t>
+            </a:r>
+            <a:r>
+              <a:rPr lang="zh-CN" altLang="en-US" sz="1600" dirty="0"/>
+              <a:t>下让线程进入阻塞态， 保证低优先级线程可以正常运行。 在实际设计中，一般会将</a:t>
+            </a:r>
+            <a:r>
+              <a:rPr lang="zh-CN" altLang="en-US" sz="1600" dirty="0" smtClean="0"/>
+              <a:t>紧急</a:t>
+            </a:r>
+            <a:r>
+              <a:rPr lang="zh-CN" altLang="en-US" sz="1600" dirty="0"/>
+              <a:t>的处理事件的线程优先级设置得高一些。 </a:t>
+            </a:r>
+            <a:br>
+              <a:rPr lang="zh-CN" altLang="en-US" sz="1600" dirty="0"/>
+            </a:br>
+            <a:endParaRPr lang="zh-CN" altLang="en-US" sz="1600" dirty="0"/>
+          </a:p>
+        </p:txBody>
+      </p:sp>
+      <p:sp>
+        <p:nvSpPr>
+          <p:cNvPr id="9" name="TextBox 8"/>
+          <p:cNvSpPr txBox="1"/>
+          <p:nvPr/>
+        </p:nvSpPr>
+        <p:spPr>
+          <a:xfrm>
+            <a:off x="6680125" y="2516582"/>
+            <a:ext cx="2212356" cy="1169551"/>
+          </a:xfrm>
+          <a:prstGeom prst="rect">
+            <a:avLst/>
+          </a:prstGeom>
+          <a:noFill/>
+        </p:spPr>
+        <p:txBody>
+          <a:bodyPr wrap="square" rtlCol="0">
+            <a:spAutoFit/>
+          </a:bodyPr>
+          <a:lstStyle/>
+          <a:p>
+            <a:r>
+              <a:rPr lang="zh-CN" altLang="en-US" sz="1400" dirty="0" smtClean="0">
+                <a:solidFill>
+                  <a:srgbClr val="FF0000"/>
+                </a:solidFill>
+              </a:rPr>
+              <a:t>此</a:t>
+            </a:r>
+            <a:r>
+              <a:rPr lang="zh-CN" altLang="en-US" sz="1400" dirty="0">
+                <a:solidFill>
+                  <a:srgbClr val="FF0000"/>
+                </a:solidFill>
+              </a:rPr>
+              <a:t>类线程不会循环或不会永久循环，可谓是 </a:t>
+            </a:r>
+            <a:r>
+              <a:rPr lang="zh-CN" altLang="en-US" sz="1400" dirty="0" smtClean="0">
+                <a:solidFill>
+                  <a:srgbClr val="FF0000"/>
+                </a:solidFill>
+              </a:rPr>
+              <a:t>“一次性” </a:t>
+            </a:r>
+            <a:r>
+              <a:rPr lang="zh-CN" altLang="en-US" sz="1400" dirty="0">
+                <a:solidFill>
+                  <a:srgbClr val="FF0000"/>
+                </a:solidFill>
+              </a:rPr>
+              <a:t>线程，一定会被执行完毕</a:t>
+            </a:r>
+            <a:r>
+              <a:rPr lang="zh-CN" altLang="en-US" sz="1400" dirty="0" smtClean="0">
+                <a:solidFill>
+                  <a:srgbClr val="FF0000"/>
+                </a:solidFill>
+              </a:rPr>
+              <a:t>。在执行完毕后</a:t>
+            </a:r>
+            <a:r>
+              <a:rPr lang="zh-CN" altLang="en-US" sz="1400" dirty="0">
+                <a:solidFill>
+                  <a:srgbClr val="FF0000"/>
+                </a:solidFill>
+              </a:rPr>
+              <a:t>，线程将被系统自动删除。</a:t>
+            </a:r>
+          </a:p>
+        </p:txBody>
+      </p:sp>
+    </p:spTree>
+    <p:extLst>
+      <p:ext uri="{BB962C8B-B14F-4D97-AF65-F5344CB8AC3E}">
+        <p14:creationId xmlns:p14="http://schemas.microsoft.com/office/powerpoint/2010/main" val="2587635614"/>
+      </p:ext>
+    </p:extLst>
+  </p:cSld>
+  <p:clrMapOvr>
+    <a:masterClrMapping/>
+  </p:clrMapOvr>
+  <p:timing>
+    <p:tnLst>
+      <p:par>
+        <p:cTn id="1" dur="indefinite" restart="never" nodeType="tmRoot">
+          <p:childTnLst>
+            <p:seq concurrent="1" nextAc="seek">
+              <p:cTn id="2" dur="indefinite" nodeType="mainSeq">
+                <p:childTnLst>
+                  <p:par>
+                    <p:cTn id="3" fill="hold">
+                      <p:stCondLst>
+                        <p:cond delay="indefinite"/>
+                      </p:stCondLst>
+                      <p:childTnLst>
+                        <p:par>
+                          <p:cTn id="4" fill="hold">
+                            <p:stCondLst>
+                              <p:cond delay="0"/>
+                            </p:stCondLst>
+                            <p:childTnLst>
+                              <p:par>
+                                <p:cTn id="5" presetID="21" presetClass="entr" presetSubtype="1" fill="hold" grpId="0" nodeType="clickEffect">
+                                  <p:stCondLst>
+                                    <p:cond delay="0"/>
+                                  </p:stCondLst>
+                                  <p:childTnLst>
+                                    <p:set>
+                                      <p:cBhvr>
+                                        <p:cTn id="6" dur="1" fill="hold">
+                                          <p:stCondLst>
+                                            <p:cond delay="0"/>
+                                          </p:stCondLst>
+                                        </p:cTn>
+                                        <p:tgtEl>
+                                          <p:spTgt spid="9"/>
+                                        </p:tgtEl>
+                                        <p:attrNameLst>
+                                          <p:attrName>style.visibility</p:attrName>
+                                        </p:attrNameLst>
+                                      </p:cBhvr>
+                                      <p:to>
+                                        <p:strVal val="visible"/>
+                                      </p:to>
+                                    </p:set>
+                                    <p:animEffect transition="in" filter="wheel(1)">
+                                      <p:cBhvr>
+                                        <p:cTn id="7" dur="2000"/>
+                                        <p:tgtEl>
+                                          <p:spTgt spid="9"/>
+                                        </p:tgtEl>
+                                      </p:cBhvr>
+                                    </p:animEffect>
+                                  </p:childTnLst>
+                                </p:cTn>
+                              </p:par>
+                            </p:childTnLst>
+                          </p:cTn>
+                        </p:par>
+                      </p:childTnLst>
+                    </p:cTn>
+                  </p:par>
+                  <p:par>
+                    <p:cTn id="8" fill="hold">
+                      <p:stCondLst>
+                        <p:cond delay="indefinite"/>
+                      </p:stCondLst>
+                      <p:childTnLst>
+                        <p:par>
+                          <p:cTn id="9" fill="hold">
+                            <p:stCondLst>
+                              <p:cond delay="0"/>
+                            </p:stCondLst>
+                            <p:childTnLst>
+                              <p:par>
+                                <p:cTn id="10" presetID="26" presetClass="entr" presetSubtype="0" fill="hold" grpId="0" nodeType="clickEffect">
+                                  <p:stCondLst>
+                                    <p:cond delay="0"/>
+                                  </p:stCondLst>
+                                  <p:childTnLst>
+                                    <p:set>
+                                      <p:cBhvr>
+                                        <p:cTn id="11" dur="1" fill="hold">
+                                          <p:stCondLst>
+                                            <p:cond delay="0"/>
+                                          </p:stCondLst>
+                                        </p:cTn>
+                                        <p:tgtEl>
+                                          <p:spTgt spid="8"/>
+                                        </p:tgtEl>
+                                        <p:attrNameLst>
+                                          <p:attrName>style.visibility</p:attrName>
+                                        </p:attrNameLst>
+                                      </p:cBhvr>
+                                      <p:to>
+                                        <p:strVal val="visible"/>
+                                      </p:to>
+                                    </p:set>
+                                    <p:animEffect transition="in" filter="wipe(down)">
+                                      <p:cBhvr>
+                                        <p:cTn id="12" dur="725">
+                                          <p:stCondLst>
+                                            <p:cond delay="0"/>
+                                          </p:stCondLst>
+                                        </p:cTn>
+                                        <p:tgtEl>
+                                          <p:spTgt spid="8"/>
+                                        </p:tgtEl>
+                                      </p:cBhvr>
+                                    </p:animEffect>
+                                    <p:anim calcmode="lin" valueType="num">
+                                      <p:cBhvr>
+                                        <p:cTn id="13" dur="2278" tmFilter="0,0; 0.14,0.36; 0.43,0.73; 0.71,0.91; 1.0,1.0">
+                                          <p:stCondLst>
+                                            <p:cond delay="0"/>
+                                          </p:stCondLst>
+                                        </p:cTn>
+                                        <p:tgtEl>
+                                          <p:spTgt spid="8"/>
+                                        </p:tgtEl>
+                                        <p:attrNameLst>
+                                          <p:attrName>ppt_x</p:attrName>
+                                        </p:attrNameLst>
+                                      </p:cBhvr>
+                                      <p:tavLst>
+                                        <p:tav tm="0">
+                                          <p:val>
+                                            <p:strVal val="#ppt_x-0.25"/>
+                                          </p:val>
+                                        </p:tav>
+                                        <p:tav tm="100000">
+                                          <p:val>
+                                            <p:strVal val="#ppt_x"/>
+                                          </p:val>
+                                        </p:tav>
+                                      </p:tavLst>
+                                    </p:anim>
+                                    <p:anim calcmode="lin" valueType="num">
+                                      <p:cBhvr>
+                                        <p:cTn id="14" dur="830" tmFilter="0.0,0.0; 0.25,0.07; 0.50,0.2; 0.75,0.467; 1.0,1.0">
+                                          <p:stCondLst>
+                                            <p:cond delay="0"/>
+                                          </p:stCondLst>
+                                        </p:cTn>
+                                        <p:tgtEl>
+                                          <p:spTgt spid="8"/>
+                                        </p:tgtEl>
+                                        <p:attrNameLst>
+                                          <p:attrName>ppt_y</p:attrName>
+                                        </p:attrNameLst>
+                                      </p:cBhvr>
+                                      <p:tavLst>
+                                        <p:tav tm="0" fmla="#ppt_y-sin(pi*$)/3">
+                                          <p:val>
+                                            <p:fltVal val="0.5"/>
+                                          </p:val>
+                                        </p:tav>
+                                        <p:tav tm="100000">
+                                          <p:val>
+                                            <p:fltVal val="1"/>
+                                          </p:val>
+                                        </p:tav>
+                                      </p:tavLst>
+                                    </p:anim>
+                                    <p:anim calcmode="lin" valueType="num">
+                                      <p:cBhvr>
+                                        <p:cTn id="15" dur="830" tmFilter="0, 0; 0.125,0.2665; 0.25,0.4; 0.375,0.465; 0.5,0.5;  0.625,0.535; 0.75,0.6; 0.875,0.7335; 1,1">
+                                          <p:stCondLst>
+                                            <p:cond delay="830"/>
+                                          </p:stCondLst>
+                                        </p:cTn>
+                                        <p:tgtEl>
+                                          <p:spTgt spid="8"/>
+                                        </p:tgtEl>
+                                        <p:attrNameLst>
+                                          <p:attrName>ppt_y</p:attrName>
+                                        </p:attrNameLst>
+                                      </p:cBhvr>
+                                      <p:tavLst>
+                                        <p:tav tm="0" fmla="#ppt_y-sin(pi*$)/9">
+                                          <p:val>
+                                            <p:fltVal val="0"/>
+                                          </p:val>
+                                        </p:tav>
+                                        <p:tav tm="100000">
+                                          <p:val>
+                                            <p:fltVal val="1"/>
+                                          </p:val>
+                                        </p:tav>
+                                      </p:tavLst>
+                                    </p:anim>
+                                    <p:anim calcmode="lin" valueType="num">
+                                      <p:cBhvr>
+                                        <p:cTn id="16" dur="415" tmFilter="0, 0; 0.125,0.2665; 0.25,0.4; 0.375,0.465; 0.5,0.5;  0.625,0.535; 0.75,0.6; 0.875,0.7335; 1,1">
+                                          <p:stCondLst>
+                                            <p:cond delay="1655"/>
+                                          </p:stCondLst>
+                                        </p:cTn>
+                                        <p:tgtEl>
+                                          <p:spTgt spid="8"/>
+                                        </p:tgtEl>
+                                        <p:attrNameLst>
+                                          <p:attrName>ppt_y</p:attrName>
+                                        </p:attrNameLst>
+                                      </p:cBhvr>
+                                      <p:tavLst>
+                                        <p:tav tm="0" fmla="#ppt_y-sin(pi*$)/27">
+                                          <p:val>
+                                            <p:fltVal val="0"/>
+                                          </p:val>
+                                        </p:tav>
+                                        <p:tav tm="100000">
+                                          <p:val>
+                                            <p:fltVal val="1"/>
+                                          </p:val>
+                                        </p:tav>
+                                      </p:tavLst>
+                                    </p:anim>
+                                    <p:anim calcmode="lin" valueType="num">
+                                      <p:cBhvr>
+                                        <p:cTn id="17" dur="205" tmFilter="0, 0; 0.125,0.2665; 0.25,0.4; 0.375,0.465; 0.5,0.5;  0.625,0.535; 0.75,0.6; 0.875,0.7335; 1,1">
+                                          <p:stCondLst>
+                                            <p:cond delay="2070"/>
+                                          </p:stCondLst>
+                                        </p:cTn>
+                                        <p:tgtEl>
+                                          <p:spTgt spid="8"/>
+                                        </p:tgtEl>
+                                        <p:attrNameLst>
+                                          <p:attrName>ppt_y</p:attrName>
+                                        </p:attrNameLst>
+                                      </p:cBhvr>
+                                      <p:tavLst>
+                                        <p:tav tm="0" fmla="#ppt_y-sin(pi*$)/81">
+                                          <p:val>
+                                            <p:fltVal val="0"/>
+                                          </p:val>
+                                        </p:tav>
+                                        <p:tav tm="100000">
+                                          <p:val>
+                                            <p:fltVal val="1"/>
+                                          </p:val>
+                                        </p:tav>
+                                      </p:tavLst>
+                                    </p:anim>
+                                    <p:animScale>
+                                      <p:cBhvr>
+                                        <p:cTn id="18" dur="33">
+                                          <p:stCondLst>
+                                            <p:cond delay="812"/>
+                                          </p:stCondLst>
+                                        </p:cTn>
+                                        <p:tgtEl>
+                                          <p:spTgt spid="8"/>
+                                        </p:tgtEl>
+                                      </p:cBhvr>
+                                      <p:to x="100000" y="60000"/>
+                                    </p:animScale>
+                                    <p:animScale>
+                                      <p:cBhvr>
+                                        <p:cTn id="19" dur="207" decel="50000">
+                                          <p:stCondLst>
+                                            <p:cond delay="845"/>
+                                          </p:stCondLst>
+                                        </p:cTn>
+                                        <p:tgtEl>
+                                          <p:spTgt spid="8"/>
+                                        </p:tgtEl>
+                                      </p:cBhvr>
+                                      <p:to x="100000" y="100000"/>
+                                    </p:animScale>
+                                    <p:animScale>
+                                      <p:cBhvr>
+                                        <p:cTn id="20" dur="33">
+                                          <p:stCondLst>
+                                            <p:cond delay="1640"/>
+                                          </p:stCondLst>
+                                        </p:cTn>
+                                        <p:tgtEl>
+                                          <p:spTgt spid="8"/>
+                                        </p:tgtEl>
+                                      </p:cBhvr>
+                                      <p:to x="100000" y="80000"/>
+                                    </p:animScale>
+                                    <p:animScale>
+                                      <p:cBhvr>
+                                        <p:cTn id="21" dur="207" decel="50000">
+                                          <p:stCondLst>
+                                            <p:cond delay="1673"/>
+                                          </p:stCondLst>
+                                        </p:cTn>
+                                        <p:tgtEl>
+                                          <p:spTgt spid="8"/>
+                                        </p:tgtEl>
+                                      </p:cBhvr>
+                                      <p:to x="100000" y="100000"/>
+                                    </p:animScale>
+                                    <p:animScale>
+                                      <p:cBhvr>
+                                        <p:cTn id="22" dur="33">
+                                          <p:stCondLst>
+                                            <p:cond delay="2052"/>
+                                          </p:stCondLst>
+                                        </p:cTn>
+                                        <p:tgtEl>
+                                          <p:spTgt spid="8"/>
+                                        </p:tgtEl>
+                                      </p:cBhvr>
+                                      <p:to x="100000" y="90000"/>
+                                    </p:animScale>
+                                    <p:animScale>
+                                      <p:cBhvr>
+                                        <p:cTn id="23" dur="207" decel="50000">
+                                          <p:stCondLst>
+                                            <p:cond delay="2085"/>
+                                          </p:stCondLst>
+                                        </p:cTn>
+                                        <p:tgtEl>
+                                          <p:spTgt spid="8"/>
+                                        </p:tgtEl>
+                                      </p:cBhvr>
+                                      <p:to x="100000" y="100000"/>
+                                    </p:animScale>
+                                    <p:animScale>
+                                      <p:cBhvr>
+                                        <p:cTn id="24" dur="33">
+                                          <p:stCondLst>
+                                            <p:cond delay="2260"/>
+                                          </p:stCondLst>
+                                        </p:cTn>
+                                        <p:tgtEl>
+                                          <p:spTgt spid="8"/>
+                                        </p:tgtEl>
+                                      </p:cBhvr>
+                                      <p:to x="100000" y="95000"/>
+                                    </p:animScale>
+                                    <p:animScale>
+                                      <p:cBhvr>
+                                        <p:cTn id="25" dur="207" decel="50000">
+                                          <p:stCondLst>
+                                            <p:cond delay="2293"/>
+                                          </p:stCondLst>
+                                        </p:cTn>
+                                        <p:tgtEl>
+                                          <p:spTgt spid="8"/>
+                                        </p:tgtEl>
+                                      </p:cBhvr>
+                                      <p:to x="100000" y="100000"/>
+                                    </p:animScale>
+                                  </p:childTnLst>
+                                </p:cTn>
+                              </p:par>
+                            </p:childTnLst>
+                          </p:cTn>
+                        </p:par>
+                      </p:childTnLst>
+                    </p:cTn>
+                  </p:par>
+                </p:childTnLst>
+              </p:cTn>
+              <p:prevCondLst>
+                <p:cond evt="onPrev" delay="0">
+                  <p:tgtEl>
+                    <p:sldTgt/>
+                  </p:tgtEl>
+                </p:cond>
+              </p:prevCondLst>
+              <p:nextCondLst>
+                <p:cond evt="onNext" delay="0">
+                  <p:tgtEl>
+                    <p:sldTgt/>
+                  </p:tgtEl>
+                </p:cond>
+              </p:nextCondLst>
+            </p:seq>
+          </p:childTnLst>
+        </p:cTn>
+      </p:par>
+    </p:tnLst>
+    <p:bldLst>
+      <p:bldP spid="8" grpId="0"/>
+      <p:bldP spid="9" grpId="0"/>
+    </p:bldLst>
+  </p:timing>
+</p:sld>
+</file>
+
+<file path=ppt/slides/slide6.xml><?xml version="1.0" encoding="utf-8"?>
+<p:sld xmlns:a="http://schemas.openxmlformats.org/drawingml/2006/main" xmlns:r="http://schemas.openxmlformats.org/officeDocument/2006/relationships" xmlns:p="http://schemas.openxmlformats.org/presentationml/2006/main">
+  <p:cSld>
+    <p:spTree>
+      <p:nvGrpSpPr>
+        <p:cNvPr id="1" name=""/>
+        <p:cNvGrpSpPr/>
+        <p:nvPr/>
+      </p:nvGrpSpPr>
+      <p:grpSpPr>
+        <a:xfrm>
+          <a:off x="0" y="0"/>
+          <a:ext cx="0" cy="0"/>
+          <a:chOff x="0" y="0"/>
+          <a:chExt cx="0" cy="0"/>
+        </a:xfrm>
+      </p:grpSpPr>
+      <p:sp>
+        <p:nvSpPr>
+          <p:cNvPr id="2" name="内容占位符 1"/>
+          <p:cNvSpPr>
+            <a:spLocks noGrp="1"/>
+          </p:cNvSpPr>
+          <p:nvPr>
+            <p:ph idx="1"/>
+          </p:nvPr>
+        </p:nvSpPr>
+        <p:spPr/>
+        <p:txBody>
+          <a:bodyPr>
+            <a:normAutofit/>
+          </a:bodyPr>
+          <a:lstStyle/>
+          <a:p>
+            <a:pPr marL="0" indent="0">
+              <a:buNone/>
+            </a:pPr>
+            <a:r>
+              <a:rPr lang="zh-CN" altLang="en-US" sz="1800" dirty="0"/>
+              <a:t>通常</a:t>
+            </a:r>
+            <a:r>
+              <a:rPr lang="zh-CN" altLang="en-US" sz="1800" dirty="0" smtClean="0"/>
+              <a:t>我们认为线程</a:t>
+            </a:r>
+            <a:r>
+              <a:rPr lang="zh-CN" altLang="en-US" sz="1800" dirty="0"/>
+              <a:t>控制</a:t>
+            </a:r>
+            <a:r>
+              <a:rPr lang="zh-CN" altLang="en-US" sz="1800" dirty="0" smtClean="0"/>
+              <a:t>块就是线程</a:t>
+            </a:r>
+            <a:r>
+              <a:rPr lang="zh-CN" altLang="en-US" sz="1800" dirty="0"/>
+              <a:t>的身份证。在 </a:t>
+            </a:r>
+            <a:r>
+              <a:rPr lang="en-US" altLang="zh-CN" sz="1800" dirty="0"/>
+              <a:t>C </a:t>
+            </a:r>
+            <a:r>
+              <a:rPr lang="zh-CN" altLang="en-US" sz="1800" dirty="0"/>
+              <a:t>代码上，线程控制块就是一个结构体，里面有</a:t>
+            </a:r>
+            <a:r>
+              <a:rPr lang="zh-CN" altLang="en-US" sz="1800" dirty="0" smtClean="0"/>
+              <a:t>非常多</a:t>
+            </a:r>
+            <a:r>
+              <a:rPr lang="zh-CN" altLang="en-US" sz="1800" dirty="0"/>
+              <a:t>的成员，这些成员共同描述了线程的全部信息</a:t>
+            </a:r>
+            <a:r>
+              <a:rPr lang="zh-CN" altLang="en-US" sz="1800" dirty="0"/>
+              <a:t> </a:t>
+            </a:r>
+            <a:r>
+              <a:rPr lang="zh-CN" altLang="en-US" sz="1800" dirty="0" smtClean="0"/>
+              <a:t>，</a:t>
+            </a:r>
+            <a:r>
+              <a:rPr lang="zh-CN" altLang="en-US" sz="1800" dirty="0"/>
+              <a:t>线程控制块是操作系统用于管理线程的一个数据结构</a:t>
+            </a:r>
+            <a:r>
+              <a:rPr lang="zh-CN" altLang="en-US" sz="1800" dirty="0" smtClean="0"/>
+              <a:t>。</a:t>
+            </a:r>
+            <a:endParaRPr lang="en-US" altLang="zh-CN" sz="1800" dirty="0" smtClean="0"/>
+          </a:p>
+          <a:p>
+            <a:pPr marL="0" indent="0">
+              <a:buNone/>
+            </a:pPr>
+            <a:r>
+              <a:rPr lang="zh-CN" altLang="en-US" sz="1800" dirty="0" smtClean="0"/>
+              <a:t>在 </a:t>
+            </a:r>
+            <a:r>
+              <a:rPr lang="en-US" altLang="zh-CN" sz="1800" dirty="0"/>
+              <a:t>RT-Thread </a:t>
+            </a:r>
+            <a:r>
+              <a:rPr lang="zh-CN" altLang="en-US" sz="1800" dirty="0"/>
+              <a:t>中，线程控制块由结构体 </a:t>
+            </a:r>
+            <a:r>
+              <a:rPr lang="en-US" altLang="zh-CN" sz="1800" dirty="0" err="1"/>
+              <a:t>struct</a:t>
+            </a:r>
+            <a:r>
+              <a:rPr lang="en-US" altLang="zh-CN" sz="1800" dirty="0"/>
+              <a:t> </a:t>
+            </a:r>
+            <a:r>
+              <a:rPr lang="en-US" altLang="zh-CN" sz="1800" dirty="0" err="1"/>
+              <a:t>rt_thread</a:t>
+            </a:r>
+            <a:r>
+              <a:rPr lang="en-US" altLang="zh-CN" sz="1800" dirty="0"/>
+              <a:t> </a:t>
+            </a:r>
+            <a:r>
+              <a:rPr lang="zh-CN" altLang="en-US" sz="1800" dirty="0" smtClean="0"/>
+              <a:t>表示，</a:t>
+            </a:r>
+            <a:r>
+              <a:rPr lang="zh-CN" altLang="en-US" sz="1800" dirty="0"/>
+              <a:t>它会存放线程的一些信息，例如优先级、线程名称、线程状态等，也包含线程与线程之间连接用的链表结构，线程等待事件集合等，详细定义如下：</a:t>
+            </a:r>
+            <a:endParaRPr lang="zh-CN" altLang="en-US" sz="1800" dirty="0"/>
+          </a:p>
+        </p:txBody>
+      </p:sp>
+      <p:pic>
+        <p:nvPicPr>
+          <p:cNvPr id="1026" name="Picture 2"/>
+          <p:cNvPicPr>
+            <a:picLocks noChangeAspect="1" noChangeArrowheads="1"/>
+          </p:cNvPicPr>
+          <p:nvPr/>
+        </p:nvPicPr>
+        <p:blipFill>
+          <a:blip r:embed="rId2">
+            <a:extLst>
+              <a:ext uri="{28A0092B-C50C-407E-A947-70E740481C1C}">
+                <a14:useLocalDpi xmlns:a14="http://schemas.microsoft.com/office/drawing/2010/main" val="0"/>
+              </a:ext>
+            </a:extLst>
+          </a:blip>
+          <a:srcRect/>
+          <a:stretch>
+            <a:fillRect/>
+          </a:stretch>
+        </p:blipFill>
+        <p:spPr bwMode="auto">
+          <a:xfrm>
+            <a:off x="1619672" y="188640"/>
+            <a:ext cx="5895736" cy="6323161"/>
+          </a:xfrm>
+          <a:prstGeom prst="rect">
+            <a:avLst/>
+          </a:prstGeom>
+          <a:noFill/>
+          <a:ln>
+            <a:noFill/>
+          </a:ln>
+          <a:effectLst/>
+          <a:extLst>
+            <a:ext uri="{909E8E84-426E-40DD-AFC4-6F175D3DCCD1}">
+              <a14:hiddenFill xmlns:a14="http://schemas.microsoft.com/office/drawing/2010/main">
+                <a:solidFill>
+                  <a:schemeClr val="accent1"/>
+                </a:solidFill>
+              </a14:hiddenFill>
+            </a:ext>
+            <a:ext uri="{91240B29-F687-4F45-9708-019B960494DF}">
+              <a14:hiddenLine xmlns:a14="http://schemas.microsoft.com/office/drawing/2010/main" w="9525">
+                <a:solidFill>
+                  <a:schemeClr val="tx1"/>
+                </a:solidFill>
+                <a:miter lim="800000"/>
+                <a:headEnd/>
+                <a:tailEnd/>
+              </a14:hiddenLine>
+            </a:ext>
+            <a:ext uri="{AF507438-7753-43E0-B8FC-AC1667EBCBE1}">
+              <a14:hiddenEffects xmlns:a14="http://schemas.microsoft.com/office/drawing/2010/main">
+                <a:effectLst>
+                  <a:outerShdw dist="35921" dir="2700000" algn="ctr" rotWithShape="0">
+                    <a:schemeClr val="bg2"/>
+                  </a:outerShdw>
+                </a:effectLst>
+              </a14:hiddenEffects>
+            </a:ext>
+          </a:extLst>
+        </p:spPr>
+      </p:pic>
+      <p:sp>
+        <p:nvSpPr>
+          <p:cNvPr id="3" name="页脚占位符 2"/>
+          <p:cNvSpPr>
+            <a:spLocks noGrp="1"/>
+          </p:cNvSpPr>
+          <p:nvPr>
+            <p:ph type="ftr" sz="quarter" idx="11"/>
+          </p:nvPr>
+        </p:nvSpPr>
+        <p:spPr>
+          <a:xfrm>
+            <a:off x="0" y="6250164"/>
+            <a:ext cx="9144000" cy="365125"/>
+          </a:xfrm>
+        </p:spPr>
+        <p:txBody>
+          <a:bodyPr/>
+          <a:lstStyle/>
+          <a:p>
+            <a:r>
+              <a:rPr lang="en-US" altLang="zh-CN" b="1" dirty="0"/>
+              <a:t>RT-Thread </a:t>
+            </a:r>
+            <a:r>
+              <a:rPr lang="zh-CN" altLang="en-US" b="1" dirty="0"/>
+              <a:t>物联网操作系统</a:t>
+            </a:r>
+            <a:r>
+              <a:rPr lang="en-US" altLang="zh-CN" b="1" dirty="0"/>
+              <a:t>							</a:t>
+            </a:r>
+            <a:r>
+              <a:rPr lang="zh-CN" altLang="en-US" sz="1100" b="1" dirty="0"/>
+              <a:t>学习交流群：</a:t>
+            </a:r>
+            <a:r>
+              <a:rPr lang="en-US" altLang="zh-CN" sz="1100" b="1" dirty="0">
+                <a:solidFill>
+                  <a:srgbClr val="FF0000"/>
+                </a:solidFill>
+                <a:latin typeface="Malgun Gothic" pitchFamily="34" charset="-127"/>
+                <a:ea typeface="Malgun Gothic" pitchFamily="34" charset="-127"/>
+              </a:rPr>
+              <a:t>783234154</a:t>
+            </a:r>
+            <a:endParaRPr lang="zh-CN" altLang="en-US" b="1" dirty="0">
+              <a:solidFill>
+                <a:srgbClr val="FF0000"/>
+              </a:solidFill>
+              <a:latin typeface="Malgun Gothic" pitchFamily="34" charset="-127"/>
+              <a:ea typeface="Malgun Gothic" pitchFamily="34" charset="-127"/>
+            </a:endParaRPr>
+          </a:p>
+        </p:txBody>
+      </p:sp>
+      <p:sp>
+        <p:nvSpPr>
+          <p:cNvPr id="4" name="灯片编号占位符 3"/>
+          <p:cNvSpPr>
+            <a:spLocks noGrp="1"/>
+          </p:cNvSpPr>
+          <p:nvPr>
+            <p:ph type="sldNum" sz="quarter" idx="12"/>
+          </p:nvPr>
+        </p:nvSpPr>
+        <p:spPr/>
+        <p:txBody>
+          <a:bodyPr/>
+          <a:lstStyle/>
+          <a:p>
+            <a:fld id="{0C913308-F349-4B6D-A68A-DD1791B4A57B}" type="slidenum">
+              <a:rPr lang="zh-CN" altLang="en-US" smtClean="0"/>
+              <a:t>6</a:t>
+            </a:fld>
+            <a:endParaRPr lang="zh-CN" altLang="en-US"/>
+          </a:p>
+        </p:txBody>
+      </p:sp>
+      <p:sp>
+        <p:nvSpPr>
+          <p:cNvPr id="5" name="标题 4"/>
+          <p:cNvSpPr>
+            <a:spLocks noGrp="1"/>
+          </p:cNvSpPr>
+          <p:nvPr>
+            <p:ph type="title"/>
+          </p:nvPr>
+        </p:nvSpPr>
+        <p:spPr/>
+        <p:txBody>
+          <a:bodyPr/>
+          <a:lstStyle/>
+          <a:p>
+            <a:r>
+              <a:rPr lang="zh-CN" altLang="en-US" dirty="0" smtClean="0"/>
+              <a:t>线程控制块</a:t>
+            </a:r>
+            <a:endParaRPr lang="zh-CN" altLang="en-US" dirty="0"/>
+          </a:p>
+        </p:txBody>
+      </p:sp>
+    </p:spTree>
+    <p:extLst>
+      <p:ext uri="{BB962C8B-B14F-4D97-AF65-F5344CB8AC3E}">
+        <p14:creationId xmlns:p14="http://schemas.microsoft.com/office/powerpoint/2010/main" val="2062118597"/>
+      </p:ext>
+    </p:extLst>
+  </p:cSld>
+  <p:clrMapOvr>
+    <a:masterClrMapping/>
+  </p:clrMapOvr>
+  <p:timing>
+    <p:tnLst>
+      <p:par>
+        <p:cTn id="1" dur="indefinite" restart="never" nodeType="tmRoot">
+          <p:childTnLst>
+            <p:seq concurrent="1" nextAc="seek">
+              <p:cTn id="2" dur="indefinite" nodeType="mainSeq">
+                <p:childTnLst>
+                  <p:par>
+                    <p:cTn id="3" fill="hold">
+                      <p:stCondLst>
+                        <p:cond delay="indefinite"/>
+                      </p:stCondLst>
+                      <p:childTnLst>
+                        <p:par>
+                          <p:cTn id="4" fill="hold">
+                            <p:stCondLst>
+                              <p:cond delay="0"/>
+                            </p:stCondLst>
+                            <p:childTnLst>
+                              <p:par>
+                                <p:cTn id="5" presetID="6" presetClass="entr" presetSubtype="16" fill="hold" nodeType="clickEffect">
+                                  <p:stCondLst>
+                                    <p:cond delay="0"/>
+                                  </p:stCondLst>
+                                  <p:childTnLst>
+                                    <p:set>
+                                      <p:cBhvr>
+                                        <p:cTn id="6" dur="1" fill="hold">
+                                          <p:stCondLst>
+                                            <p:cond delay="0"/>
+                                          </p:stCondLst>
+                                        </p:cTn>
+                                        <p:tgtEl>
+                                          <p:spTgt spid="1026"/>
+                                        </p:tgtEl>
+                                        <p:attrNameLst>
+                                          <p:attrName>style.visibility</p:attrName>
+                                        </p:attrNameLst>
+                                      </p:cBhvr>
+                                      <p:to>
+                                        <p:strVal val="visible"/>
+                                      </p:to>
+                                    </p:set>
+                                    <p:animEffect transition="in" filter="circle(in)">
+                                      <p:cBhvr>
+                                        <p:cTn id="7" dur="2000"/>
+                                        <p:tgtEl>
+                                          <p:spTgt spid="1026"/>
+                                        </p:tgtEl>
+                                      </p:cBhvr>
+                                    </p:animEffect>
+                                  </p:childTnLst>
+                                </p:cTn>
+                              </p:par>
+                            </p:childTnLst>
+                          </p:cTn>
+                        </p:par>
+                      </p:childTnLst>
+                    </p:cTn>
+                  </p:par>
+                </p:childTnLst>
+              </p:cTn>
+              <p:prevCondLst>
+                <p:cond evt="onPrev" delay="0">
+                  <p:tgtEl>
+                    <p:sldTgt/>
+                  </p:tgtEl>
+                </p:cond>
+              </p:prevCondLst>
+              <p:nextCondLst>
+                <p:cond evt="onNext" delay="0">
+                  <p:tgtEl>
+                    <p:sldTgt/>
+                  </p:tgtEl>
+                </p:cond>
+              </p:nextCondLst>
+            </p:seq>
+          </p:childTnLst>
+        </p:cTn>
+      </p:par>
+    </p:tnLst>
+  </p:timing>
+</p:sld>
+</file>
+
+<file path=ppt/slides/slide7.xml><?xml version="1.0" encoding="utf-8"?>
+<p:sld xmlns:a="http://schemas.openxmlformats.org/drawingml/2006/main" xmlns:r="http://schemas.openxmlformats.org/officeDocument/2006/relationships" xmlns:p="http://schemas.openxmlformats.org/presentationml/2006/main">
+  <p:cSld>
+    <p:spTree>
+      <p:nvGrpSpPr>
+        <p:cNvPr id="1" name=""/>
+        <p:cNvGrpSpPr/>
+        <p:nvPr/>
+      </p:nvGrpSpPr>
+      <p:grpSpPr>
+        <a:xfrm>
+          <a:off x="0" y="0"/>
+          <a:ext cx="0" cy="0"/>
+          <a:chOff x="0" y="0"/>
+          <a:chExt cx="0" cy="0"/>
+        </a:xfrm>
+      </p:grpSpPr>
+      <p:sp>
+        <p:nvSpPr>
+          <p:cNvPr id="3" name="页脚占位符 2"/>
+          <p:cNvSpPr>
+            <a:spLocks noGrp="1"/>
+          </p:cNvSpPr>
+          <p:nvPr>
+            <p:ph type="ftr" sz="quarter" idx="11"/>
+          </p:nvPr>
+        </p:nvSpPr>
+        <p:spPr>
+          <a:xfrm>
+            <a:off x="0" y="6304235"/>
+            <a:ext cx="9144000" cy="365125"/>
+          </a:xfrm>
+        </p:spPr>
+        <p:txBody>
+          <a:bodyPr/>
+          <a:lstStyle/>
+          <a:p>
+            <a:r>
+              <a:rPr lang="en-US" altLang="zh-CN" b="1" dirty="0"/>
+              <a:t>RT-Thread </a:t>
+            </a:r>
+            <a:r>
+              <a:rPr lang="zh-CN" altLang="en-US" b="1" dirty="0"/>
+              <a:t>物联网操作系统</a:t>
+            </a:r>
+            <a:r>
+              <a:rPr lang="en-US" altLang="zh-CN" b="1" dirty="0"/>
+              <a:t>							</a:t>
+            </a:r>
+            <a:r>
+              <a:rPr lang="zh-CN" altLang="en-US" sz="1100" b="1" dirty="0"/>
+              <a:t>学习交流群：</a:t>
+            </a:r>
+            <a:r>
+              <a:rPr lang="en-US" altLang="zh-CN" sz="1100" b="1" dirty="0">
+                <a:solidFill>
+                  <a:srgbClr val="FF0000"/>
+                </a:solidFill>
+                <a:latin typeface="Malgun Gothic" pitchFamily="34" charset="-127"/>
+                <a:ea typeface="Malgun Gothic" pitchFamily="34" charset="-127"/>
+              </a:rPr>
+              <a:t>783234154</a:t>
+            </a:r>
+            <a:endParaRPr lang="zh-CN" altLang="en-US" b="1" dirty="0">
+              <a:solidFill>
+                <a:srgbClr val="FF0000"/>
+              </a:solidFill>
+              <a:latin typeface="Malgun Gothic" pitchFamily="34" charset="-127"/>
+              <a:ea typeface="Malgun Gothic" pitchFamily="34" charset="-127"/>
+            </a:endParaRPr>
+          </a:p>
+        </p:txBody>
+      </p:sp>
+      <p:sp>
+        <p:nvSpPr>
+          <p:cNvPr id="4" name="灯片编号占位符 3"/>
+          <p:cNvSpPr>
+            <a:spLocks noGrp="1"/>
+          </p:cNvSpPr>
+          <p:nvPr>
+            <p:ph type="sldNum" sz="quarter" idx="12"/>
+          </p:nvPr>
+        </p:nvSpPr>
+        <p:spPr/>
+        <p:txBody>
+          <a:bodyPr/>
+          <a:lstStyle/>
+          <a:p>
+            <a:fld id="{0C913308-F349-4B6D-A68A-DD1791B4A57B}" type="slidenum">
+              <a:rPr lang="zh-CN" altLang="en-US" smtClean="0"/>
+              <a:t>7</a:t>
+            </a:fld>
+            <a:endParaRPr lang="zh-CN" altLang="en-US"/>
+          </a:p>
+        </p:txBody>
+      </p:sp>
+      <p:sp>
+        <p:nvSpPr>
+          <p:cNvPr id="5" name="标题 4"/>
+          <p:cNvSpPr>
+            <a:spLocks noGrp="1"/>
+          </p:cNvSpPr>
+          <p:nvPr>
+            <p:ph type="title"/>
+          </p:nvPr>
+        </p:nvSpPr>
+        <p:spPr/>
+        <p:txBody>
+          <a:bodyPr/>
+          <a:lstStyle/>
+          <a:p>
+            <a:r>
+              <a:rPr lang="zh-CN" altLang="en-US" dirty="0" smtClean="0"/>
+              <a:t>线程栈</a:t>
+            </a:r>
+            <a:endParaRPr lang="zh-CN" altLang="en-US" dirty="0"/>
+          </a:p>
+        </p:txBody>
+      </p:sp>
+      <p:sp>
+        <p:nvSpPr>
+          <p:cNvPr id="7" name="内容占位符 5"/>
+          <p:cNvSpPr txBox="1">
+            <a:spLocks/>
+          </p:cNvSpPr>
+          <p:nvPr/>
+        </p:nvSpPr>
+        <p:spPr>
+          <a:xfrm>
+            <a:off x="539552" y="2420888"/>
+            <a:ext cx="7893248" cy="3857675"/>
+          </a:xfrm>
+          <a:prstGeom prst="rect">
+            <a:avLst/>
+          </a:prstGeom>
+        </p:spPr>
+        <p:txBody>
+          <a:bodyPr vert="horz" lIns="91440" tIns="45720" rIns="91440" bIns="45720" rtlCol="0">
+            <a:normAutofit fontScale="92500" lnSpcReduction="20000"/>
+          </a:bodyPr>
+          <a:lstStyle>
+            <a:lvl1pPr marL="274320" indent="-274320" algn="l" defTabSz="914400" rtl="0" eaLnBrk="1" latinLnBrk="0" hangingPunct="1">
+              <a:spcBef>
+                <a:spcPct val="20000"/>
+              </a:spcBef>
+              <a:buClr>
+                <a:schemeClr val="accent1"/>
+              </a:buClr>
+              <a:buSzPct val="100000"/>
+              <a:buFont typeface="Symbol" pitchFamily="18" charset="2"/>
+              <a:buChar char=""/>
+              <a:defRPr sz="2400" kern="1200">
+                <a:solidFill>
+                  <a:schemeClr val="tx2"/>
+                </a:solidFill>
+                <a:latin typeface="+mn-lt"/>
+                <a:ea typeface="+mn-ea"/>
+                <a:cs typeface="+mn-cs"/>
+              </a:defRPr>
+            </a:lvl1pPr>
+            <a:lvl2pPr marL="576263" indent="-274320" algn="l" defTabSz="914400" rtl="0" eaLnBrk="1" latinLnBrk="0" hangingPunct="1">
+              <a:spcBef>
+                <a:spcPct val="20000"/>
+              </a:spcBef>
+              <a:buClr>
+                <a:schemeClr val="accent1"/>
+              </a:buClr>
+              <a:buSzPct val="100000"/>
+              <a:buFont typeface="Symbol" pitchFamily="18" charset="2"/>
+              <a:buChar char=""/>
+              <a:defRPr sz="2200" kern="1200">
+                <a:solidFill>
+                  <a:schemeClr val="tx2"/>
+                </a:solidFill>
+                <a:latin typeface="+mn-lt"/>
+                <a:ea typeface="+mn-ea"/>
+                <a:cs typeface="+mn-cs"/>
+              </a:defRPr>
+            </a:lvl2pPr>
+            <a:lvl3pPr marL="855663" indent="-228600" algn="l" defTabSz="914400" rtl="0" eaLnBrk="1" latinLnBrk="0" hangingPunct="1">
+              <a:spcBef>
+                <a:spcPct val="20000"/>
+              </a:spcBef>
+              <a:buClr>
+                <a:schemeClr val="accent1"/>
+              </a:buClr>
+              <a:buSzPct val="100000"/>
+              <a:buFont typeface="Symbol" pitchFamily="18" charset="2"/>
+              <a:buChar char=""/>
+              <a:defRPr sz="2000" kern="1200">
+                <a:solidFill>
+                  <a:schemeClr val="tx2"/>
+                </a:solidFill>
+                <a:latin typeface="+mn-lt"/>
+                <a:ea typeface="+mn-ea"/>
+                <a:cs typeface="+mn-cs"/>
+              </a:defRPr>
+            </a:lvl3pPr>
+            <a:lvl4pPr marL="1143000" indent="-228600" algn="l" defTabSz="914400" rtl="0" eaLnBrk="1" latinLnBrk="0" hangingPunct="1">
+              <a:spcBef>
+                <a:spcPct val="20000"/>
+              </a:spcBef>
+              <a:buClr>
+                <a:schemeClr val="accent1"/>
+              </a:buClr>
+              <a:buSzPct val="100000"/>
+              <a:buFont typeface="Symbol" pitchFamily="18" charset="2"/>
+              <a:buChar char=""/>
+              <a:defRPr sz="1800" kern="1200">
+                <a:solidFill>
+                  <a:schemeClr val="tx2"/>
+                </a:solidFill>
+                <a:latin typeface="+mn-lt"/>
+                <a:ea typeface="+mn-ea"/>
+                <a:cs typeface="+mn-cs"/>
+              </a:defRPr>
+            </a:lvl4pPr>
+            <a:lvl5pPr marL="1463040" indent="-228600" algn="l" defTabSz="914400" rtl="0" eaLnBrk="1" latinLnBrk="0" hangingPunct="1">
+              <a:spcBef>
+                <a:spcPct val="20000"/>
+              </a:spcBef>
+              <a:buClr>
+                <a:schemeClr val="accent1"/>
+              </a:buClr>
+              <a:buSzPct val="100000"/>
+              <a:buFont typeface="Symbol" pitchFamily="18" charset="2"/>
+              <a:buChar char=""/>
+              <a:defRPr sz="1600" kern="1200">
+                <a:solidFill>
+                  <a:schemeClr val="tx2"/>
+                </a:solidFill>
+                <a:latin typeface="+mn-lt"/>
+                <a:ea typeface="+mn-ea"/>
+                <a:cs typeface="+mn-cs"/>
+              </a:defRPr>
+            </a:lvl5pPr>
+            <a:lvl6pPr marL="1783080" indent="-228600" algn="l" defTabSz="914400" rtl="0" eaLnBrk="1" latinLnBrk="0" hangingPunct="1">
+              <a:spcBef>
+                <a:spcPts val="384"/>
+              </a:spcBef>
+              <a:buClr>
+                <a:schemeClr val="accent1"/>
+              </a:buClr>
+              <a:buFont typeface="Symbol" pitchFamily="18" charset="2"/>
+              <a:buChar char="*"/>
+              <a:defRPr sz="1400" kern="1200">
+                <a:solidFill>
+                  <a:schemeClr val="tx2"/>
+                </a:solidFill>
+                <a:latin typeface="+mn-lt"/>
+                <a:ea typeface="+mn-ea"/>
+                <a:cs typeface="+mn-cs"/>
+              </a:defRPr>
+            </a:lvl6pPr>
+            <a:lvl7pPr marL="2103120" indent="-228600" algn="l" defTabSz="914400" rtl="0" eaLnBrk="1" latinLnBrk="0" hangingPunct="1">
+              <a:spcBef>
+                <a:spcPts val="384"/>
+              </a:spcBef>
+              <a:buClr>
+                <a:schemeClr val="accent1"/>
+              </a:buClr>
+              <a:buFont typeface="Symbol" pitchFamily="18" charset="2"/>
+              <a:buChar char="*"/>
+              <a:defRPr sz="1400" kern="1200">
+                <a:solidFill>
+                  <a:schemeClr val="tx2"/>
+                </a:solidFill>
+                <a:latin typeface="+mn-lt"/>
+                <a:ea typeface="+mn-ea"/>
+                <a:cs typeface="+mn-cs"/>
+              </a:defRPr>
+            </a:lvl7pPr>
+            <a:lvl8pPr marL="2423160" indent="-228600" algn="l" defTabSz="914400" rtl="0" eaLnBrk="1" latinLnBrk="0" hangingPunct="1">
+              <a:spcBef>
+                <a:spcPts val="384"/>
+              </a:spcBef>
+              <a:buClr>
+                <a:schemeClr val="accent1"/>
+              </a:buClr>
+              <a:buFont typeface="Symbol" pitchFamily="18" charset="2"/>
+              <a:buChar char="*"/>
+              <a:defRPr sz="1400" kern="1200">
+                <a:solidFill>
+                  <a:schemeClr val="tx2"/>
+                </a:solidFill>
+                <a:latin typeface="+mn-lt"/>
+                <a:ea typeface="+mn-ea"/>
+                <a:cs typeface="+mn-cs"/>
+              </a:defRPr>
+            </a:lvl8pPr>
+            <a:lvl9pPr marL="2743200" indent="-228600" algn="l" defTabSz="914400" rtl="0" eaLnBrk="1" latinLnBrk="0" hangingPunct="1">
+              <a:spcBef>
+                <a:spcPts val="384"/>
+              </a:spcBef>
+              <a:buClr>
+                <a:schemeClr val="accent1"/>
+              </a:buClr>
+              <a:buFont typeface="Symbol" pitchFamily="18" charset="2"/>
+              <a:buChar char="*"/>
+              <a:defRPr sz="1400" kern="1200">
+                <a:solidFill>
+                  <a:schemeClr val="tx2"/>
+                </a:solidFill>
+                <a:latin typeface="+mn-lt"/>
+                <a:ea typeface="+mn-ea"/>
+                <a:cs typeface="+mn-cs"/>
+              </a:defRPr>
+            </a:lvl9pPr>
+          </a:lstStyle>
+          <a:p>
+            <a:pPr marL="0" indent="0">
+              <a:buNone/>
+            </a:pPr>
+            <a:r>
+              <a:rPr lang="en-US" altLang="zh-CN" dirty="0"/>
+              <a:t>RT-Thread </a:t>
+            </a:r>
+            <a:r>
+              <a:rPr lang="zh-CN" altLang="en-US" dirty="0"/>
+              <a:t>线程具有独立的栈，当进行线程切换时，会将当前线程的上下文存在栈中，当线程要恢复运行时，再从栈中读取上下文信息，进行恢复。</a:t>
+            </a:r>
+          </a:p>
+          <a:p>
+            <a:pPr marL="0" indent="0">
+              <a:buNone/>
+            </a:pPr>
+            <a:r>
+              <a:rPr lang="zh-CN" altLang="en-US" dirty="0" smtClean="0"/>
+              <a:t>线程栈还用来存放函数中的局部变量：函数中的局部变量从线程栈空间中申请；当这个函数再调用另一个函数时，这些局部变量将放入栈中。</a:t>
+            </a:r>
+          </a:p>
+          <a:p>
+            <a:pPr marL="0" indent="0">
+              <a:buNone/>
+            </a:pPr>
+            <a:r>
+              <a:rPr lang="zh-CN" altLang="en-US" dirty="0" smtClean="0"/>
+              <a:t>对于</a:t>
+            </a:r>
+            <a:r>
+              <a:rPr lang="zh-CN" altLang="en-US" dirty="0"/>
+              <a:t>线程第一次运行，可以以手工的方式构造这个上下文来设置一些初始的环境：入口函数（</a:t>
+            </a:r>
+            <a:r>
+              <a:rPr lang="en-US" altLang="zh-CN" dirty="0"/>
+              <a:t>PC </a:t>
+            </a:r>
+            <a:r>
+              <a:rPr lang="zh-CN" altLang="en-US" dirty="0"/>
+              <a:t>寄存器）、入口参数（</a:t>
+            </a:r>
+            <a:r>
+              <a:rPr lang="en-US" altLang="zh-CN" dirty="0"/>
+              <a:t>R0 </a:t>
+            </a:r>
+            <a:r>
+              <a:rPr lang="zh-CN" altLang="en-US" dirty="0"/>
+              <a:t>寄存器）、返回位置（</a:t>
+            </a:r>
+            <a:r>
+              <a:rPr lang="en-US" altLang="zh-CN" dirty="0"/>
+              <a:t>LR </a:t>
+            </a:r>
+            <a:r>
+              <a:rPr lang="zh-CN" altLang="en-US" dirty="0"/>
+              <a:t>寄存器）、当前机器运行状态（</a:t>
+            </a:r>
+            <a:r>
+              <a:rPr lang="en-US" altLang="zh-CN" dirty="0"/>
+              <a:t>CPSR </a:t>
+            </a:r>
+            <a:r>
+              <a:rPr lang="zh-CN" altLang="en-US" dirty="0"/>
+              <a:t>寄存器）。</a:t>
+            </a:r>
+          </a:p>
+          <a:p>
+            <a:pPr marL="0" indent="0">
+              <a:buNone/>
+            </a:pPr>
+            <a:r>
+              <a:rPr lang="zh-CN" altLang="en-US" dirty="0"/>
+              <a:t>线程栈的增长方向是芯片构架密切相关</a:t>
+            </a:r>
+            <a:r>
+              <a:rPr lang="zh-CN" altLang="en-US" dirty="0" smtClean="0"/>
+              <a:t>的（</a:t>
+            </a:r>
+            <a:r>
+              <a:rPr lang="zh-CN" altLang="en-US" sz="2200" b="1" dirty="0" smtClean="0">
+                <a:solidFill>
+                  <a:srgbClr val="FF0000"/>
+                </a:solidFill>
+                <a:latin typeface="等线" pitchFamily="2" charset="-122"/>
+                <a:ea typeface="等线" pitchFamily="2" charset="-122"/>
+              </a:rPr>
+              <a:t>比如</a:t>
+            </a:r>
+            <a:r>
+              <a:rPr lang="en-US" altLang="zh-CN" sz="2200" b="1" dirty="0" smtClean="0">
+                <a:solidFill>
+                  <a:srgbClr val="FF0000"/>
+                </a:solidFill>
+                <a:latin typeface="等线" pitchFamily="2" charset="-122"/>
+                <a:ea typeface="等线" pitchFamily="2" charset="-122"/>
+              </a:rPr>
+              <a:t>stm32</a:t>
+            </a:r>
+            <a:r>
+              <a:rPr lang="zh-CN" altLang="en-US" sz="2200" b="1" dirty="0" smtClean="0">
+                <a:solidFill>
+                  <a:srgbClr val="FF0000"/>
+                </a:solidFill>
+                <a:latin typeface="等线" pitchFamily="2" charset="-122"/>
+                <a:ea typeface="等线" pitchFamily="2" charset="-122"/>
+              </a:rPr>
+              <a:t>就是向下增长的</a:t>
+            </a:r>
+            <a:r>
+              <a:rPr lang="zh-CN" altLang="en-US" dirty="0" smtClean="0"/>
+              <a:t>）。</a:t>
+            </a:r>
+            <a:endParaRPr lang="zh-CN" altLang="en-US" dirty="0"/>
+          </a:p>
+        </p:txBody>
+      </p:sp>
+    </p:spTree>
+    <p:extLst>
+      <p:ext uri="{BB962C8B-B14F-4D97-AF65-F5344CB8AC3E}">
+        <p14:creationId xmlns:p14="http://schemas.microsoft.com/office/powerpoint/2010/main" val="207966823"/>
+      </p:ext>
+    </p:extLst>
+  </p:cSld>
+  <p:clrMapOvr>
+    <a:masterClrMapping/>
+  </p:clrMapOvr>
+  <p:timing>
+    <p:tnLst>
+      <p:par>
+        <p:cTn id="1" dur="indefinite" restart="never" nodeType="tmRoot"/>
+      </p:par>
+    </p:tnLst>
+  </p:timing>
+</p:sld>
+</file>
+
+<file path=ppt/slides/slide8.xml><?xml version="1.0" encoding="utf-8"?>
+<p:sld xmlns:a="http://schemas.openxmlformats.org/drawingml/2006/main" xmlns:r="http://schemas.openxmlformats.org/officeDocument/2006/relationships" xmlns:p="http://schemas.openxmlformats.org/presentationml/2006/main">
+  <p:cSld>
+    <p:spTree>
+      <p:nvGrpSpPr>
+        <p:cNvPr id="1" name=""/>
+        <p:cNvGrpSpPr/>
+        <p:nvPr/>
+      </p:nvGrpSpPr>
+      <p:grpSpPr>
+        <a:xfrm>
+          <a:off x="0" y="0"/>
+          <a:ext cx="0" cy="0"/>
+          <a:chOff x="0" y="0"/>
+          <a:chExt cx="0" cy="0"/>
+        </a:xfrm>
+      </p:grpSpPr>
+      <p:sp>
+        <p:nvSpPr>
+          <p:cNvPr id="3" name="页脚占位符 2"/>
+          <p:cNvSpPr>
+            <a:spLocks noGrp="1"/>
+          </p:cNvSpPr>
+          <p:nvPr>
+            <p:ph type="ftr" sz="quarter" idx="11"/>
+          </p:nvPr>
+        </p:nvSpPr>
+        <p:spPr>
+          <a:xfrm>
+            <a:off x="0" y="6304235"/>
+            <a:ext cx="9144000" cy="365125"/>
+          </a:xfrm>
+        </p:spPr>
+        <p:txBody>
+          <a:bodyPr/>
+          <a:lstStyle/>
+          <a:p>
+            <a:r>
+              <a:rPr lang="en-US" altLang="zh-CN" b="1" dirty="0"/>
+              <a:t>RT-Thread </a:t>
+            </a:r>
+            <a:r>
+              <a:rPr lang="zh-CN" altLang="en-US" b="1" dirty="0"/>
+              <a:t>物联网操作系统</a:t>
+            </a:r>
+            <a:r>
+              <a:rPr lang="en-US" altLang="zh-CN" b="1" dirty="0"/>
+              <a:t>							</a:t>
+            </a:r>
+            <a:r>
+              <a:rPr lang="zh-CN" altLang="en-US" sz="1100" b="1" dirty="0"/>
+              <a:t>学习交流群：</a:t>
+            </a:r>
+            <a:r>
+              <a:rPr lang="en-US" altLang="zh-CN" sz="1100" b="1" dirty="0">
+                <a:solidFill>
+                  <a:srgbClr val="FF0000"/>
+                </a:solidFill>
+                <a:latin typeface="Malgun Gothic" pitchFamily="34" charset="-127"/>
+                <a:ea typeface="Malgun Gothic" pitchFamily="34" charset="-127"/>
+              </a:rPr>
+              <a:t>783234154</a:t>
+            </a:r>
+            <a:endParaRPr lang="zh-CN" altLang="en-US" b="1" dirty="0">
+              <a:solidFill>
+                <a:srgbClr val="FF0000"/>
+              </a:solidFill>
+              <a:latin typeface="Malgun Gothic" pitchFamily="34" charset="-127"/>
+              <a:ea typeface="Malgun Gothic" pitchFamily="34" charset="-127"/>
+            </a:endParaRPr>
+          </a:p>
+        </p:txBody>
+      </p:sp>
+      <p:sp>
+        <p:nvSpPr>
+          <p:cNvPr id="4" name="灯片编号占位符 3"/>
+          <p:cNvSpPr>
+            <a:spLocks noGrp="1"/>
+          </p:cNvSpPr>
+          <p:nvPr>
+            <p:ph type="sldNum" sz="quarter" idx="12"/>
+          </p:nvPr>
+        </p:nvSpPr>
+        <p:spPr/>
+        <p:txBody>
+          <a:bodyPr/>
+          <a:lstStyle/>
+          <a:p>
+            <a:fld id="{0C913308-F349-4B6D-A68A-DD1791B4A57B}" type="slidenum">
+              <a:rPr lang="zh-CN" altLang="en-US" smtClean="0"/>
+              <a:t>8</a:t>
+            </a:fld>
+            <a:endParaRPr lang="zh-CN" altLang="en-US"/>
+          </a:p>
+        </p:txBody>
+      </p:sp>
+      <p:sp>
+        <p:nvSpPr>
+          <p:cNvPr id="5" name="标题 4"/>
+          <p:cNvSpPr>
+            <a:spLocks noGrp="1"/>
+          </p:cNvSpPr>
+          <p:nvPr>
+            <p:ph type="title"/>
+          </p:nvPr>
+        </p:nvSpPr>
+        <p:spPr/>
+        <p:txBody>
+          <a:bodyPr/>
+          <a:lstStyle/>
+          <a:p>
+            <a:endParaRPr lang="zh-CN" altLang="en-US" dirty="0"/>
+          </a:p>
+        </p:txBody>
+      </p:sp>
+      <p:sp>
+        <p:nvSpPr>
+          <p:cNvPr id="6" name="内容占位符 5"/>
+          <p:cNvSpPr>
+            <a:spLocks noGrp="1"/>
+          </p:cNvSpPr>
+          <p:nvPr>
+            <p:ph idx="1"/>
+          </p:nvPr>
+        </p:nvSpPr>
+        <p:spPr/>
+        <p:txBody>
+          <a:bodyPr/>
+          <a:lstStyle/>
+          <a:p>
+            <a:endParaRPr lang="zh-CN" altLang="en-US" dirty="0"/>
+          </a:p>
+        </p:txBody>
+      </p:sp>
+      <p:pic>
+        <p:nvPicPr>
+          <p:cNvPr id="7" name="Picture 1" descr="C:\Users\jiejie\AppData\Roaming\Tencent\Users\1161959934\QQ\WinTemp\RichOle\{RS{$FNID~16S4UB$MAXO2C.png"/>
+          <p:cNvPicPr>
+            <a:picLocks noChangeAspect="1" noChangeArrowheads="1"/>
+          </p:cNvPicPr>
+          <p:nvPr/>
+        </p:nvPicPr>
+        <p:blipFill>
+          <a:blip r:embed="rId2">
+            <a:extLst>
+              <a:ext uri="{28A0092B-C50C-407E-A947-70E740481C1C}">
+                <a14:useLocalDpi xmlns:a14="http://schemas.microsoft.com/office/drawing/2010/main" val="0"/>
+              </a:ext>
+            </a:extLst>
+          </a:blip>
+          <a:srcRect/>
+          <a:stretch>
+            <a:fillRect/>
+          </a:stretch>
+        </p:blipFill>
+        <p:spPr bwMode="auto">
+          <a:xfrm>
+            <a:off x="218755" y="836712"/>
+            <a:ext cx="8718089" cy="5430661"/>
+          </a:xfrm>
+          <a:prstGeom prst="rect">
+            <a:avLst/>
+          </a:prstGeom>
+          <a:noFill/>
+          <a:extLst>
+            <a:ext uri="{909E8E84-426E-40DD-AFC4-6F175D3DCCD1}">
+              <a14:hiddenFill xmlns:a14="http://schemas.microsoft.com/office/drawing/2010/main">
+                <a:solidFill>
+                  <a:srgbClr val="FFFFFF"/>
+                </a:solidFill>
+              </a14:hiddenFill>
+            </a:ext>
+          </a:extLst>
+        </p:spPr>
+      </p:pic>
+      <p:sp>
+        <p:nvSpPr>
+          <p:cNvPr id="2" name="圆角矩形标注 1"/>
+          <p:cNvSpPr/>
+          <p:nvPr/>
+        </p:nvSpPr>
+        <p:spPr>
+          <a:xfrm>
+            <a:off x="4283968" y="404665"/>
+            <a:ext cx="3456384" cy="1224136"/>
+          </a:xfrm>
+          <a:prstGeom prst="wedgeRoundRectCallout">
+            <a:avLst>
+              <a:gd name="adj1" fmla="val -55211"/>
+              <a:gd name="adj2" fmla="val 76017"/>
+              <a:gd name="adj3" fmla="val 16667"/>
+            </a:avLst>
+          </a:prstGeom>
+        </p:spPr>
+        <p:style>
+          <a:lnRef idx="2">
+            <a:schemeClr val="accent6"/>
+          </a:lnRef>
+          <a:fillRef idx="1">
+            <a:schemeClr val="lt1"/>
+          </a:fillRef>
+          <a:effectRef idx="0">
+            <a:schemeClr val="accent6"/>
+          </a:effectRef>
+          <a:fontRef idx="minor">
+            <a:schemeClr val="dk1"/>
+          </a:fontRef>
+        </p:style>
+        <p:txBody>
+          <a:bodyPr rtlCol="0" anchor="ctr"/>
+          <a:lstStyle/>
+          <a:p>
+            <a:r>
+              <a:rPr lang="zh-CN" altLang="en-US" sz="1600" dirty="0">
+                <a:solidFill>
+                  <a:schemeClr val="tx1"/>
+                </a:solidFill>
+                <a:latin typeface="等线" pitchFamily="2" charset="-122"/>
+                <a:ea typeface="等线" pitchFamily="2" charset="-122"/>
+              </a:rPr>
+              <a:t>向下生长的满栈”</a:t>
+            </a:r>
+            <a:r>
+              <a:rPr lang="zh-CN" altLang="en-US" sz="1600" dirty="0" smtClean="0">
+                <a:solidFill>
+                  <a:schemeClr val="tx1"/>
+                </a:solidFill>
+                <a:latin typeface="等线" pitchFamily="2" charset="-122"/>
+                <a:ea typeface="等线" pitchFamily="2" charset="-122"/>
+              </a:rPr>
+              <a:t>模型。堆栈</a:t>
+            </a:r>
+            <a:r>
+              <a:rPr lang="zh-CN" altLang="en-US" sz="1600" dirty="0">
+                <a:solidFill>
+                  <a:schemeClr val="tx1"/>
+                </a:solidFill>
+                <a:latin typeface="等线" pitchFamily="2" charset="-122"/>
+                <a:ea typeface="等线" pitchFamily="2" charset="-122"/>
+              </a:rPr>
+              <a:t>指针 </a:t>
+            </a:r>
+            <a:r>
+              <a:rPr lang="en-US" altLang="zh-CN" sz="1600" dirty="0">
+                <a:solidFill>
+                  <a:schemeClr val="tx1"/>
+                </a:solidFill>
+                <a:latin typeface="等线" pitchFamily="2" charset="-122"/>
+                <a:ea typeface="等线" pitchFamily="2" charset="-122"/>
+              </a:rPr>
+              <a:t>SP </a:t>
+            </a:r>
+            <a:r>
+              <a:rPr lang="zh-CN" altLang="en-US" sz="1600" dirty="0">
+                <a:solidFill>
+                  <a:schemeClr val="tx1"/>
+                </a:solidFill>
+                <a:latin typeface="等线" pitchFamily="2" charset="-122"/>
+                <a:ea typeface="等线" pitchFamily="2" charset="-122"/>
+              </a:rPr>
+              <a:t>指向最后一个被压入堆栈的 </a:t>
+            </a:r>
+            <a:r>
+              <a:rPr lang="en-US" altLang="zh-CN" sz="1600" dirty="0">
+                <a:solidFill>
+                  <a:schemeClr val="tx1"/>
+                </a:solidFill>
+                <a:latin typeface="等线" pitchFamily="2" charset="-122"/>
+                <a:ea typeface="等线" pitchFamily="2" charset="-122"/>
+              </a:rPr>
+              <a:t>32 </a:t>
+            </a:r>
+            <a:r>
+              <a:rPr lang="zh-CN" altLang="en-US" sz="1600" dirty="0">
+                <a:solidFill>
+                  <a:schemeClr val="tx1"/>
+                </a:solidFill>
+                <a:latin typeface="等线" pitchFamily="2" charset="-122"/>
+                <a:ea typeface="等线" pitchFamily="2" charset="-122"/>
+              </a:rPr>
+              <a:t>位数值</a:t>
+            </a:r>
+            <a:r>
+              <a:rPr lang="zh-CN" altLang="en-US" sz="1600" dirty="0" smtClean="0">
+                <a:solidFill>
+                  <a:schemeClr val="tx1"/>
+                </a:solidFill>
+                <a:latin typeface="等线" pitchFamily="2" charset="-122"/>
+                <a:ea typeface="等线" pitchFamily="2" charset="-122"/>
+              </a:rPr>
+              <a:t>。在</a:t>
+            </a:r>
+            <a:r>
+              <a:rPr lang="zh-CN" altLang="en-US" sz="1600" dirty="0">
+                <a:solidFill>
+                  <a:schemeClr val="tx1"/>
+                </a:solidFill>
+                <a:latin typeface="等线" pitchFamily="2" charset="-122"/>
+                <a:ea typeface="等线" pitchFamily="2" charset="-122"/>
+              </a:rPr>
+              <a:t>下一次压栈时， </a:t>
+            </a:r>
+            <a:r>
+              <a:rPr lang="en-US" altLang="zh-CN" sz="1600" dirty="0">
+                <a:solidFill>
+                  <a:schemeClr val="tx1"/>
+                </a:solidFill>
+                <a:latin typeface="等线" pitchFamily="2" charset="-122"/>
+                <a:ea typeface="等线" pitchFamily="2" charset="-122"/>
+              </a:rPr>
+              <a:t>SP </a:t>
+            </a:r>
+            <a:r>
+              <a:rPr lang="zh-CN" altLang="en-US" sz="1600" dirty="0">
+                <a:solidFill>
+                  <a:schemeClr val="tx1"/>
+                </a:solidFill>
+                <a:latin typeface="等线" pitchFamily="2" charset="-122"/>
+                <a:ea typeface="等线" pitchFamily="2" charset="-122"/>
+              </a:rPr>
+              <a:t>先自减 </a:t>
+            </a:r>
+            <a:r>
+              <a:rPr lang="en-US" altLang="zh-CN" sz="1600" dirty="0">
+                <a:solidFill>
+                  <a:schemeClr val="tx1"/>
+                </a:solidFill>
+                <a:latin typeface="等线" pitchFamily="2" charset="-122"/>
+                <a:ea typeface="等线" pitchFamily="2" charset="-122"/>
+              </a:rPr>
+              <a:t>4</a:t>
+            </a:r>
+            <a:r>
+              <a:rPr lang="zh-CN" altLang="en-US" sz="1600" dirty="0">
+                <a:solidFill>
+                  <a:schemeClr val="tx1"/>
+                </a:solidFill>
+                <a:latin typeface="等线" pitchFamily="2" charset="-122"/>
+                <a:ea typeface="等线" pitchFamily="2" charset="-122"/>
+              </a:rPr>
+              <a:t>，再存入新的数值</a:t>
+            </a:r>
+            <a:r>
+              <a:rPr lang="zh-CN" altLang="en-US" sz="1600" dirty="0">
+                <a:solidFill>
+                  <a:schemeClr val="tx1"/>
+                </a:solidFill>
+                <a:latin typeface="等线" pitchFamily="2" charset="-122"/>
+                <a:ea typeface="等线" pitchFamily="2" charset="-122"/>
+              </a:rPr>
+              <a:t> </a:t>
+            </a:r>
+          </a:p>
+        </p:txBody>
+      </p:sp>
+    </p:spTree>
+    <p:extLst>
+      <p:ext uri="{BB962C8B-B14F-4D97-AF65-F5344CB8AC3E}">
+        <p14:creationId xmlns:p14="http://schemas.microsoft.com/office/powerpoint/2010/main" val="1542718975"/>
+      </p:ext>
+    </p:extLst>
+  </p:cSld>
+  <p:clrMapOvr>
+    <a:masterClrMapping/>
+  </p:clrMapOvr>
+  <p:timing>
+    <p:tnLst>
+      <p:par>
+        <p:cTn id="1" dur="indefinite" restart="never" nodeType="tmRoot">
+          <p:childTnLst>
+            <p:seq concurrent="1" nextAc="seek">
+              <p:cTn id="2" dur="indefinite" nodeType="mainSeq">
+                <p:childTnLst>
+                  <p:par>
+                    <p:cTn id="3" fill="hold">
+                      <p:stCondLst>
+                        <p:cond delay="indefinite"/>
+                      </p:stCondLst>
+                      <p:childTnLst>
+                        <p:par>
+                          <p:cTn id="4" fill="hold">
+                            <p:stCondLst>
+                              <p:cond delay="0"/>
+                            </p:stCondLst>
+                            <p:childTnLst>
+                              <p:par>
+                                <p:cTn id="5" presetID="42" presetClass="entr" presetSubtype="0" fill="hold" grpId="0" nodeType="clickEffect">
+                                  <p:stCondLst>
+                                    <p:cond delay="0"/>
+                                  </p:stCondLst>
+                                  <p:childTnLst>
+                                    <p:set>
+                                      <p:cBhvr>
+                                        <p:cTn id="6" dur="1" fill="hold">
+                                          <p:stCondLst>
+                                            <p:cond delay="0"/>
+                                          </p:stCondLst>
+                                        </p:cTn>
+                                        <p:tgtEl>
+                                          <p:spTgt spid="2"/>
+                                        </p:tgtEl>
+                                        <p:attrNameLst>
+                                          <p:attrName>style.visibility</p:attrName>
+                                        </p:attrNameLst>
+                                      </p:cBhvr>
+                                      <p:to>
+                                        <p:strVal val="visible"/>
+                                      </p:to>
+                                    </p:set>
+                                    <p:animEffect transition="in" filter="fade">
+                                      <p:cBhvr>
+                                        <p:cTn id="7" dur="1000"/>
+                                        <p:tgtEl>
+                                          <p:spTgt spid="2"/>
+                                        </p:tgtEl>
+                                      </p:cBhvr>
+                                    </p:animEffect>
+                                    <p:anim calcmode="lin" valueType="num">
+                                      <p:cBhvr>
+                                        <p:cTn id="8" dur="1000" fill="hold"/>
+                                        <p:tgtEl>
+                                          <p:spTgt spid="2"/>
+                                        </p:tgtEl>
+                                        <p:attrNameLst>
+                                          <p:attrName>ppt_x</p:attrName>
+                                        </p:attrNameLst>
+                                      </p:cBhvr>
+                                      <p:tavLst>
+                                        <p:tav tm="0">
+                                          <p:val>
+                                            <p:strVal val="#ppt_x"/>
+                                          </p:val>
+                                        </p:tav>
+                                        <p:tav tm="100000">
+                                          <p:val>
+                                            <p:strVal val="#ppt_x"/>
+                                          </p:val>
+                                        </p:tav>
+                                      </p:tavLst>
+                                    </p:anim>
+                                    <p:anim calcmode="lin" valueType="num">
+                                      <p:cBhvr>
+                                        <p:cTn id="9" dur="1000" fill="hold"/>
+                                        <p:tgtEl>
+                                          <p:spTgt spid="2"/>
+                                        </p:tgtEl>
+                                        <p:attrNameLst>
+                                          <p:attrName>ppt_y</p:attrName>
+                                        </p:attrNameLst>
+                                      </p:cBhvr>
+                                      <p:tavLst>
+                                        <p:tav tm="0">
+                                          <p:val>
+                                            <p:strVal val="#ppt_y+.1"/>
+                                          </p:val>
+                                        </p:tav>
+                                        <p:tav tm="100000">
+                                          <p:val>
+                                            <p:strVal val="#ppt_y"/>
+                                          </p:val>
+                                        </p:tav>
+                                      </p:tavLst>
+                                    </p:anim>
+                                  </p:childTnLst>
+                                </p:cTn>
+                              </p:par>
+                            </p:childTnLst>
+                          </p:cTn>
+                        </p:par>
+                      </p:childTnLst>
+                    </p:cTn>
+                  </p:par>
+                </p:childTnLst>
+              </p:cTn>
+              <p:prevCondLst>
+                <p:cond evt="onPrev" delay="0">
+                  <p:tgtEl>
+                    <p:sldTgt/>
+                  </p:tgtEl>
+                </p:cond>
+              </p:prevCondLst>
+              <p:nextCondLst>
+                <p:cond evt="onNext" delay="0">
+                  <p:tgtEl>
+                    <p:sldTgt/>
+                  </p:tgtEl>
+                </p:cond>
+              </p:nextCondLst>
+            </p:seq>
+          </p:childTnLst>
+        </p:cTn>
+      </p:par>
+    </p:tnLst>
+    <p:bldLst>
+      <p:bldP spid="2" grpId="0" animBg="1"/>
+    </p:bldLst>
+  </p:timing>
+</p:sld>
+</file>
+
+<file path=ppt/slides/slide9.xml><?xml version="1.0" encoding="utf-8"?>
+<p:sld xmlns:a="http://schemas.openxmlformats.org/drawingml/2006/main" xmlns:r="http://schemas.openxmlformats.org/officeDocument/2006/relationships" xmlns:p="http://schemas.openxmlformats.org/presentationml/2006/main">
+  <p:cSld>
+    <p:spTree>
+      <p:nvGrpSpPr>
+        <p:cNvPr id="1" name=""/>
+        <p:cNvGrpSpPr/>
+        <p:nvPr/>
+      </p:nvGrpSpPr>
+      <p:grpSpPr>
+        <a:xfrm>
+          <a:off x="0" y="0"/>
+          <a:ext cx="0" cy="0"/>
+          <a:chOff x="0" y="0"/>
+          <a:chExt cx="0" cy="0"/>
+        </a:xfrm>
+      </p:grpSpPr>
+      <p:sp>
+        <p:nvSpPr>
+          <p:cNvPr id="3" name="页脚占位符 2"/>
+          <p:cNvSpPr>
+            <a:spLocks noGrp="1"/>
+          </p:cNvSpPr>
+          <p:nvPr>
+            <p:ph type="ftr" sz="quarter" idx="11"/>
+          </p:nvPr>
+        </p:nvSpPr>
+        <p:spPr>
+          <a:xfrm>
+            <a:off x="0" y="6304235"/>
+            <a:ext cx="9144000" cy="365125"/>
+          </a:xfrm>
+        </p:spPr>
+        <p:txBody>
+          <a:bodyPr/>
+          <a:lstStyle/>
+          <a:p>
+            <a:r>
+              <a:rPr lang="en-US" altLang="zh-CN" b="1" dirty="0"/>
+              <a:t>RT-Thread </a:t>
+            </a:r>
+            <a:r>
+              <a:rPr lang="zh-CN" altLang="en-US" b="1" dirty="0"/>
+              <a:t>物联网操作系统</a:t>
+            </a:r>
+            <a:r>
+              <a:rPr lang="en-US" altLang="zh-CN" b="1" dirty="0"/>
+              <a:t>							</a:t>
+            </a:r>
+            <a:r>
+              <a:rPr lang="zh-CN" altLang="en-US" sz="1100" b="1" dirty="0"/>
+              <a:t>学习交流群：</a:t>
+            </a:r>
+            <a:r>
+              <a:rPr lang="en-US" altLang="zh-CN" sz="1100" b="1" dirty="0">
+                <a:solidFill>
+                  <a:srgbClr val="FF0000"/>
+                </a:solidFill>
+                <a:latin typeface="Malgun Gothic" pitchFamily="34" charset="-127"/>
+                <a:ea typeface="Malgun Gothic" pitchFamily="34" charset="-127"/>
+              </a:rPr>
+              <a:t>783234154</a:t>
+            </a:r>
+            <a:endParaRPr lang="zh-CN" altLang="en-US" b="1" dirty="0">
+              <a:solidFill>
+                <a:srgbClr val="FF0000"/>
+              </a:solidFill>
+              <a:latin typeface="Malgun Gothic" pitchFamily="34" charset="-127"/>
+              <a:ea typeface="Malgun Gothic" pitchFamily="34" charset="-127"/>
+            </a:endParaRPr>
+          </a:p>
+        </p:txBody>
+      </p:sp>
+      <p:sp>
+        <p:nvSpPr>
+          <p:cNvPr id="4" name="灯片编号占位符 3"/>
+          <p:cNvSpPr>
+            <a:spLocks noGrp="1"/>
+          </p:cNvSpPr>
+          <p:nvPr>
+            <p:ph type="sldNum" sz="quarter" idx="12"/>
+          </p:nvPr>
+        </p:nvSpPr>
+        <p:spPr/>
+        <p:txBody>
+          <a:bodyPr/>
+          <a:lstStyle/>
+          <a:p>
+            <a:fld id="{0C913308-F349-4B6D-A68A-DD1791B4A57B}" type="slidenum">
+              <a:rPr lang="zh-CN" altLang="en-US" smtClean="0"/>
+              <a:t>9</a:t>
+            </a:fld>
+            <a:endParaRPr lang="zh-CN" altLang="en-US"/>
+          </a:p>
+        </p:txBody>
+      </p:sp>
+      <p:sp>
+        <p:nvSpPr>
+          <p:cNvPr id="5" name="标题 4"/>
+          <p:cNvSpPr>
+            <a:spLocks noGrp="1"/>
+          </p:cNvSpPr>
+          <p:nvPr>
+            <p:ph type="title"/>
+          </p:nvPr>
+        </p:nvSpPr>
+        <p:spPr/>
+        <p:txBody>
+          <a:bodyPr/>
+          <a:lstStyle/>
+          <a:p>
+            <a:r>
+              <a:rPr lang="zh-CN" altLang="en-US" dirty="0" smtClean="0"/>
+              <a:t>线程优先级</a:t>
+            </a:r>
+            <a:endParaRPr lang="zh-CN" altLang="en-US" dirty="0"/>
+          </a:p>
+        </p:txBody>
+      </p:sp>
+      <p:sp>
+        <p:nvSpPr>
+          <p:cNvPr id="6" name="内容占位符 5"/>
+          <p:cNvSpPr>
+            <a:spLocks noGrp="1"/>
+          </p:cNvSpPr>
+          <p:nvPr>
+            <p:ph idx="1"/>
+          </p:nvPr>
+        </p:nvSpPr>
+        <p:spPr/>
+        <p:txBody>
+          <a:bodyPr>
+            <a:normAutofit fontScale="92500" lnSpcReduction="20000"/>
+          </a:bodyPr>
+          <a:lstStyle/>
+          <a:p>
+            <a:r>
+              <a:rPr lang="en-US" altLang="zh-CN" dirty="0"/>
+              <a:t>RT-Thread </a:t>
+            </a:r>
+            <a:r>
+              <a:rPr lang="zh-CN" altLang="en-US" dirty="0"/>
+              <a:t>线程的优先级是表示线程被调度的优先程度。每个线程都具有优先级，线程越重要，赋予的优先级就应越高，</a:t>
+            </a:r>
+            <a:r>
+              <a:rPr lang="en-US" altLang="zh-CN" dirty="0"/>
+              <a:t>- </a:t>
+            </a:r>
+            <a:r>
+              <a:rPr lang="zh-CN" altLang="en-US" dirty="0"/>
+              <a:t>线程被调度的可能才会越大。</a:t>
+            </a:r>
+          </a:p>
+          <a:p>
+            <a:r>
+              <a:rPr lang="en-US" altLang="zh-CN" dirty="0"/>
+              <a:t>RT-Thread </a:t>
+            </a:r>
+            <a:r>
+              <a:rPr lang="zh-CN" altLang="en-US" dirty="0"/>
+              <a:t>最大支持 </a:t>
+            </a:r>
+            <a:r>
+              <a:rPr lang="en-US" altLang="zh-CN" b="1" dirty="0">
+                <a:solidFill>
+                  <a:srgbClr val="FF0000"/>
+                </a:solidFill>
+                <a:latin typeface="等线" pitchFamily="2" charset="-122"/>
+                <a:ea typeface="等线" pitchFamily="2" charset="-122"/>
+              </a:rPr>
+              <a:t>256 </a:t>
+            </a:r>
+            <a:r>
+              <a:rPr lang="zh-CN" altLang="en-US" dirty="0"/>
+              <a:t>个线程优先级 </a:t>
+            </a:r>
+            <a:r>
+              <a:rPr lang="en-US" altLang="zh-CN" b="1" dirty="0">
+                <a:solidFill>
+                  <a:srgbClr val="FF0000"/>
+                </a:solidFill>
+                <a:latin typeface="等线" pitchFamily="2" charset="-122"/>
+                <a:ea typeface="等线" pitchFamily="2" charset="-122"/>
+              </a:rPr>
+              <a:t>(0\~255)</a:t>
+            </a:r>
+            <a:r>
+              <a:rPr lang="zh-CN" altLang="en-US" dirty="0"/>
+              <a:t>，数值越</a:t>
+            </a:r>
+            <a:r>
+              <a:rPr lang="zh-CN" altLang="en-US" b="1" dirty="0">
+                <a:solidFill>
+                  <a:srgbClr val="FF0000"/>
+                </a:solidFill>
+              </a:rPr>
+              <a:t>小</a:t>
+            </a:r>
+            <a:r>
+              <a:rPr lang="zh-CN" altLang="en-US" dirty="0"/>
+              <a:t>的优先级越高，</a:t>
+            </a:r>
+            <a:r>
+              <a:rPr lang="en-US" altLang="zh-CN" dirty="0"/>
+              <a:t>0 </a:t>
+            </a:r>
+            <a:r>
+              <a:rPr lang="zh-CN" altLang="en-US" dirty="0"/>
+              <a:t>为最高优先级。在一些资源比较紧张的系统中，可以根据实际情况选择只支持 </a:t>
+            </a:r>
+            <a:r>
+              <a:rPr lang="en-US" altLang="zh-CN" b="1" dirty="0">
+                <a:solidFill>
+                  <a:srgbClr val="FF0000"/>
+                </a:solidFill>
+                <a:latin typeface="等线" pitchFamily="2" charset="-122"/>
+                <a:ea typeface="等线" pitchFamily="2" charset="-122"/>
+              </a:rPr>
+              <a:t>8 </a:t>
+            </a:r>
+            <a:r>
+              <a:rPr lang="zh-CN" altLang="en-US" dirty="0"/>
+              <a:t>个或 </a:t>
+            </a:r>
+            <a:r>
+              <a:rPr lang="en-US" altLang="zh-CN" b="1" dirty="0">
+                <a:solidFill>
+                  <a:srgbClr val="FF0000"/>
+                </a:solidFill>
+                <a:latin typeface="等线" pitchFamily="2" charset="-122"/>
+                <a:ea typeface="等线" pitchFamily="2" charset="-122"/>
+              </a:rPr>
+              <a:t>32 </a:t>
+            </a:r>
+            <a:r>
+              <a:rPr lang="zh-CN" altLang="en-US" dirty="0"/>
+              <a:t>个优先级的系统配置；对于 </a:t>
+            </a:r>
+            <a:r>
+              <a:rPr lang="en-US" altLang="zh-CN" dirty="0"/>
+              <a:t>ARM Cortex-M </a:t>
+            </a:r>
+            <a:r>
+              <a:rPr lang="zh-CN" altLang="en-US" dirty="0"/>
+              <a:t>系列，普遍采用 </a:t>
+            </a:r>
+            <a:r>
+              <a:rPr lang="en-US" altLang="zh-CN" b="1" dirty="0">
+                <a:solidFill>
+                  <a:srgbClr val="FF0000"/>
+                </a:solidFill>
+                <a:latin typeface="等线" pitchFamily="2" charset="-122"/>
+                <a:ea typeface="等线" pitchFamily="2" charset="-122"/>
+              </a:rPr>
+              <a:t>32 </a:t>
+            </a:r>
+            <a:r>
+              <a:rPr lang="zh-CN" altLang="en-US" dirty="0"/>
+              <a:t>个优先级。最低优先级默认分配给</a:t>
+            </a:r>
+            <a:r>
+              <a:rPr lang="zh-CN" altLang="en-US" dirty="0">
+                <a:solidFill>
+                  <a:srgbClr val="FF0000"/>
+                </a:solidFill>
+              </a:rPr>
+              <a:t>空闲线程</a:t>
+            </a:r>
+            <a:r>
+              <a:rPr lang="zh-CN" altLang="en-US" dirty="0"/>
+              <a:t>使用，用户一般不使用。在系统中，当有比当前线程优先级更高的线程就绪时，当前线程将立刻被换出，高优先级线程抢占处理器运行</a:t>
+            </a:r>
+            <a:r>
+              <a:rPr lang="zh-CN" altLang="en-US" dirty="0" smtClean="0"/>
+              <a:t>。</a:t>
+            </a:r>
+            <a:endParaRPr lang="zh-CN" altLang="en-US" dirty="0"/>
+          </a:p>
+        </p:txBody>
+      </p:sp>
+    </p:spTree>
+    <p:extLst>
+      <p:ext uri="{BB962C8B-B14F-4D97-AF65-F5344CB8AC3E}">
+        <p14:creationId xmlns:p14="http://schemas.microsoft.com/office/powerpoint/2010/main" val="1542718975"/>
       </p:ext>
     </p:extLst>
   </p:cSld>

--- a/PPT/rt-thread 02.pptx
+++ b/PPT/rt-thread 02.pptx
@@ -5,10 +5,10 @@
     <p:sldMasterId id="2147483660" r:id="rId1"/>
   </p:sldMasterIdLst>
   <p:notesMasterIdLst>
-    <p:notesMasterId r:id="rId30"/>
+    <p:notesMasterId r:id="rId24"/>
   </p:notesMasterIdLst>
   <p:handoutMasterIdLst>
-    <p:handoutMasterId r:id="rId31"/>
+    <p:handoutMasterId r:id="rId25"/>
   </p:handoutMasterIdLst>
   <p:sldIdLst>
     <p:sldId id="256" r:id="rId2"/>
@@ -29,16 +29,10 @@
     <p:sldId id="325" r:id="rId17"/>
     <p:sldId id="329" r:id="rId18"/>
     <p:sldId id="330" r:id="rId19"/>
-    <p:sldId id="307" r:id="rId20"/>
-    <p:sldId id="296" r:id="rId21"/>
-    <p:sldId id="297" r:id="rId22"/>
-    <p:sldId id="298" r:id="rId23"/>
-    <p:sldId id="299" r:id="rId24"/>
-    <p:sldId id="300" r:id="rId25"/>
-    <p:sldId id="301" r:id="rId26"/>
-    <p:sldId id="302" r:id="rId27"/>
-    <p:sldId id="303" r:id="rId28"/>
-    <p:sldId id="304" r:id="rId29"/>
+    <p:sldId id="331" r:id="rId20"/>
+    <p:sldId id="332" r:id="rId21"/>
+    <p:sldId id="307" r:id="rId22"/>
+    <p:sldId id="334" r:id="rId23"/>
   </p:sldIdLst>
   <p:sldSz cx="9144000" cy="6858000" type="screen4x3"/>
   <p:notesSz cx="6858000" cy="9144000"/>
@@ -222,7 +216,7 @@
           <a:p>
             <a:fld id="{8B6B50D4-DC46-4FA5-9704-2840A656EC7A}" type="datetimeFigureOut">
               <a:rPr lang="zh-CN" altLang="en-US" smtClean="0"/>
-              <a:t>2019/2/17</a:t>
+              <a:t>2019/2/19</a:t>
             </a:fld>
             <a:endParaRPr lang="zh-CN" altLang="en-US"/>
           </a:p>
@@ -388,7 +382,7 @@
           <a:p>
             <a:fld id="{FB19586E-944B-48E1-81D9-06C4EFA15864}" type="datetimeFigureOut">
               <a:rPr lang="zh-CN" altLang="en-US" smtClean="0"/>
-              <a:t>2019/2/17</a:t>
+              <a:t>2019/2/19</a:t>
             </a:fld>
             <a:endParaRPr lang="zh-CN" altLang="en-US"/>
           </a:p>
@@ -718,6 +712,67 @@
 </p:notes>
 </file>
 
+<file path=ppt/notesSlides/notesSlide2.xml><?xml version="1.0" encoding="utf-8"?>
+<p:notes xmlns:a="http://schemas.openxmlformats.org/drawingml/2006/main" xmlns:r="http://schemas.openxmlformats.org/officeDocument/2006/relationships" xmlns:p="http://schemas.openxmlformats.org/presentationml/2006/main">
+  <p:cSld>
+    <p:spTree>
+      <p:nvGrpSpPr>
+        <p:cNvPr id="1" name=""/>
+        <p:cNvGrpSpPr/>
+        <p:nvPr/>
+      </p:nvGrpSpPr>
+      <p:grpSpPr>
+        <a:xfrm>
+          <a:off x="0" y="0"/>
+          <a:ext cx="0" cy="0"/>
+          <a:chOff x="0" y="0"/>
+          <a:chExt cx="0" cy="0"/>
+        </a:xfrm>
+      </p:grpSpPr>
+      <p:sp>
+        <p:nvSpPr>
+          <p:cNvPr id="2" name="幻灯片图像占位符 1"/>
+          <p:cNvSpPr>
+            <a:spLocks noGrp="1" noRot="1" noChangeAspect="1"/>
+          </p:cNvSpPr>
+          <p:nvPr>
+            <p:ph type="sldImg"/>
+          </p:nvPr>
+        </p:nvSpPr>
+        <p:spPr/>
+      </p:sp>
+      <p:sp>
+        <p:nvSpPr>
+          <p:cNvPr id="3" name="备注占位符 2"/>
+          <p:cNvSpPr>
+            <a:spLocks noGrp="1"/>
+          </p:cNvSpPr>
+          <p:nvPr>
+            <p:ph type="body" idx="1"/>
+          </p:nvPr>
+        </p:nvSpPr>
+        <p:spPr/>
+        <p:txBody>
+          <a:bodyPr/>
+          <a:lstStyle/>
+          <a:p>
+            <a:endParaRPr lang="zh-CN" altLang="en-US" dirty="0"/>
+          </a:p>
+        </p:txBody>
+      </p:sp>
+    </p:spTree>
+    <p:extLst>
+      <p:ext uri="{BB962C8B-B14F-4D97-AF65-F5344CB8AC3E}">
+        <p14:creationId xmlns:p14="http://schemas.microsoft.com/office/powerpoint/2010/main" val="1956404012"/>
+      </p:ext>
+    </p:extLst>
+  </p:cSld>
+  <p:clrMapOvr>
+    <a:masterClrMapping/>
+  </p:clrMapOvr>
+</p:notes>
+</file>
+
 <file path=ppt/slideLayouts/slideLayout1.xml><?xml version="1.0" encoding="utf-8"?>
 <p:sldLayout xmlns:a="http://schemas.openxmlformats.org/drawingml/2006/main" xmlns:r="http://schemas.openxmlformats.org/officeDocument/2006/relationships" xmlns:p="http://schemas.openxmlformats.org/presentationml/2006/main" showMasterSp="0" type="title" preserve="1">
   <p:cSld name="标题幻灯片">
@@ -2530,7 +2585,7 @@
           <a:p>
             <a:fld id="{F8CA1488-D7B7-42B6-8503-8A90F8AD1DF0}" type="datetime1">
               <a:rPr lang="zh-CN" altLang="en-US" smtClean="0"/>
-              <a:t>2019/2/17</a:t>
+              <a:t>2019/2/19</a:t>
             </a:fld>
             <a:endParaRPr lang="zh-CN" altLang="en-US"/>
           </a:p>
@@ -2719,7 +2774,7 @@
           <a:p>
             <a:fld id="{5F7243A5-32FB-4A51-AC80-21698845C31E}" type="datetime1">
               <a:rPr lang="zh-CN" altLang="en-US" smtClean="0"/>
-              <a:t>2019/2/17</a:t>
+              <a:t>2019/2/19</a:t>
             </a:fld>
             <a:endParaRPr lang="zh-CN" altLang="en-US"/>
           </a:p>
@@ -2878,7 +2933,7 @@
           <a:p>
             <a:fld id="{C5E7343D-3CFE-434C-9C7A-936DF2B0A8BE}" type="datetime1">
               <a:rPr lang="zh-CN" altLang="en-US" smtClean="0"/>
-              <a:t>2019/2/17</a:t>
+              <a:t>2019/2/19</a:t>
             </a:fld>
             <a:endParaRPr lang="zh-CN" altLang="en-US"/>
           </a:p>
@@ -4712,7 +4767,7 @@
           <a:p>
             <a:fld id="{3C8F402B-BC23-4035-88EA-F4FDA627CB55}" type="datetime1">
               <a:rPr lang="zh-CN" altLang="en-US" smtClean="0"/>
-              <a:t>2019/2/17</a:t>
+              <a:t>2019/2/19</a:t>
             </a:fld>
             <a:endParaRPr lang="zh-CN" altLang="en-US"/>
           </a:p>
@@ -6590,7 +6645,7 @@
           <a:p>
             <a:fld id="{C1F82A06-2548-44D3-A19E-982ED1AAA96F}" type="datetime1">
               <a:rPr lang="zh-CN" altLang="en-US" smtClean="0"/>
-              <a:t>2019/2/17</a:t>
+              <a:t>2019/2/19</a:t>
             </a:fld>
             <a:endParaRPr lang="zh-CN" altLang="en-US"/>
           </a:p>
@@ -6711,7 +6766,7 @@
           <a:p>
             <a:fld id="{3523644A-2FAA-4AAE-A514-C40039FFB6DD}" type="datetime1">
               <a:rPr lang="zh-CN" altLang="en-US" smtClean="0"/>
-              <a:t>2019/2/17</a:t>
+              <a:t>2019/2/19</a:t>
             </a:fld>
             <a:endParaRPr lang="zh-CN" altLang="en-US"/>
           </a:p>
@@ -7260,7 +7315,7 @@
           <a:p>
             <a:fld id="{9CEEB67C-6140-43E7-8AF1-6844C2E187B5}" type="datetime1">
               <a:rPr lang="zh-CN" altLang="en-US" smtClean="0"/>
-              <a:t>2019/2/17</a:t>
+              <a:t>2019/2/19</a:t>
             </a:fld>
             <a:endParaRPr lang="zh-CN" altLang="en-US"/>
           </a:p>
@@ -7381,7 +7436,7 @@
           <a:p>
             <a:fld id="{2E4DECCF-2FD0-4F0C-99DD-4FC96FDBAB00}" type="datetime1">
               <a:rPr lang="zh-CN" altLang="en-US" smtClean="0"/>
-              <a:t>2019/2/17</a:t>
+              <a:t>2019/2/19</a:t>
             </a:fld>
             <a:endParaRPr lang="zh-CN" altLang="en-US"/>
           </a:p>
@@ -9100,7 +9155,7 @@
           <a:p>
             <a:fld id="{3186CEFE-9785-4F55-9473-FF42FB85EF1C}" type="datetime1">
               <a:rPr lang="zh-CN" altLang="en-US" smtClean="0"/>
-              <a:t>2019/2/17</a:t>
+              <a:t>2019/2/19</a:t>
             </a:fld>
             <a:endParaRPr lang="zh-CN" altLang="en-US"/>
           </a:p>
@@ -9259,7 +9314,7 @@
           <a:p>
             <a:fld id="{2268FE20-1511-4A02-8C5B-67D3988ECE5D}" type="datetime1">
               <a:rPr lang="zh-CN" altLang="en-US" smtClean="0"/>
-              <a:t>2019/2/17</a:t>
+              <a:t>2019/2/19</a:t>
             </a:fld>
             <a:endParaRPr lang="zh-CN" altLang="en-US"/>
           </a:p>
@@ -12882,7 +12937,7 @@
           <a:p>
             <a:fld id="{163CA4D3-F700-49F6-9B85-C4F1E684FD0B}" type="datetime1">
               <a:rPr lang="zh-CN" altLang="en-US" smtClean="0"/>
-              <a:t>2019/2/17</a:t>
+              <a:t>2019/2/19</a:t>
             </a:fld>
             <a:endParaRPr lang="zh-CN" altLang="en-US"/>
           </a:p>
@@ -14749,7 +14804,7 @@
           <a:p>
             <a:fld id="{CE3EC6D9-9C2B-421A-9204-0F3984D7E0B6}" type="datetime1">
               <a:rPr lang="zh-CN" altLang="en-US" smtClean="0"/>
-              <a:t>2019/2/17</a:t>
+              <a:t>2019/2/19</a:t>
             </a:fld>
             <a:endParaRPr lang="zh-CN" altLang="en-US"/>
           </a:p>
@@ -16178,7 +16233,6 @@
               <a:rPr lang="zh-CN" altLang="en-US" sz="1600" b="1" dirty="0"/>
               <a:t>中，实际上线程并不存在运行状态，就绪状态和运行状态是等同的。</a:t>
             </a:r>
-            <a:endParaRPr lang="zh-CN" altLang="en-US" sz="1600" b="1" dirty="0"/>
           </a:p>
         </p:txBody>
       </p:sp>
@@ -16658,11 +16712,6 @@
               </a:rPr>
               <a:t>函数，将状态更改为关闭状态。</a:t>
             </a:r>
-            <a:endParaRPr lang="zh-CN" altLang="en-US" sz="1800" dirty="0">
-              <a:solidFill>
-                <a:schemeClr val="tx1"/>
-              </a:solidFill>
-            </a:endParaRPr>
           </a:p>
         </p:txBody>
       </p:sp>
@@ -17595,11 +17644,7 @@
             </a:r>
             <a:r>
               <a:rPr lang="zh-CN" altLang="en-US" dirty="0"/>
-              <a:t>空间有多少。</a:t>
-            </a:r>
-            <a:r>
-              <a:rPr lang="zh-CN" altLang="en-US" dirty="0"/>
-              <a:t> </a:t>
+              <a:t>空间有多少。 </a:t>
             </a:r>
             <a:br>
               <a:rPr lang="zh-CN" altLang="en-US" dirty="0"/>
@@ -18420,6 +18465,10 @@
           <a:bodyPr/>
           <a:lstStyle/>
           <a:p>
+            <a:r>
+              <a:rPr lang="zh-CN" altLang="en-US" dirty="0" smtClean="0"/>
+              <a:t>启动线程</a:t>
+            </a:r>
             <a:endParaRPr lang="zh-CN" altLang="en-US" dirty="0"/>
           </a:p>
         </p:txBody>
@@ -18439,6 +18488,127 @@
           <a:bodyPr/>
           <a:lstStyle/>
           <a:p>
+            <a:pPr marL="0" indent="0">
+              <a:buNone/>
+            </a:pPr>
+            <a:r>
+              <a:rPr lang="zh-CN" altLang="en-US" sz="1800" dirty="0"/>
+              <a:t>当你拿到一个移植好的 </a:t>
+            </a:r>
+            <a:r>
+              <a:rPr lang="en-US" altLang="zh-CN" sz="1800" dirty="0"/>
+              <a:t>RT-Thread </a:t>
+            </a:r>
+            <a:r>
+              <a:rPr lang="zh-CN" altLang="en-US" sz="1800" dirty="0"/>
+              <a:t>工程的时候，你去看 </a:t>
+            </a:r>
+            <a:r>
+              <a:rPr lang="en-US" altLang="zh-CN" sz="1800" dirty="0"/>
+              <a:t>main </a:t>
+            </a:r>
+            <a:r>
+              <a:rPr lang="zh-CN" altLang="en-US" sz="1800" dirty="0"/>
+              <a:t>函数， 只能在 </a:t>
+            </a:r>
+            <a:r>
+              <a:rPr lang="en-US" altLang="zh-CN" sz="1800" dirty="0"/>
+              <a:t>main </a:t>
+            </a:r>
+            <a:r>
+              <a:rPr lang="zh-CN" altLang="en-US" sz="1800" dirty="0" smtClean="0"/>
+              <a:t>函数里面</a:t>
+            </a:r>
+            <a:r>
+              <a:rPr lang="zh-CN" altLang="en-US" sz="1800" dirty="0"/>
+              <a:t>看到创建线程和启动线程的代码，硬件初始化，系统初始化，启动调度器等信息都</a:t>
+            </a:r>
+            <a:r>
+              <a:rPr lang="zh-CN" altLang="en-US" sz="1800" dirty="0" smtClean="0"/>
+              <a:t>看不到</a:t>
+            </a:r>
+            <a:r>
+              <a:rPr lang="zh-CN" altLang="en-US" sz="1800" dirty="0"/>
+              <a:t>。那是因为 </a:t>
+            </a:r>
+            <a:r>
+              <a:rPr lang="en-US" altLang="zh-CN" sz="1800" dirty="0"/>
+              <a:t>RT-Thread </a:t>
+            </a:r>
+            <a:r>
+              <a:rPr lang="zh-CN" altLang="en-US" sz="1800" dirty="0"/>
+              <a:t>拓展了 </a:t>
+            </a:r>
+            <a:r>
+              <a:rPr lang="en-US" altLang="zh-CN" sz="1800" dirty="0"/>
+              <a:t>main </a:t>
+            </a:r>
+            <a:r>
+              <a:rPr lang="zh-CN" altLang="en-US" sz="1800" dirty="0"/>
+              <a:t>函数，在 </a:t>
+            </a:r>
+            <a:r>
+              <a:rPr lang="en-US" altLang="zh-CN" sz="1800" dirty="0"/>
+              <a:t>main </a:t>
+            </a:r>
+            <a:r>
+              <a:rPr lang="zh-CN" altLang="en-US" sz="1800" dirty="0"/>
+              <a:t>函数之前把这些工作都做好了。</a:t>
+            </a:r>
+            <a:r>
+              <a:rPr lang="zh-CN" altLang="en-US" sz="1800" dirty="0"/>
+              <a:t> </a:t>
+            </a:r>
+            <a:r>
+              <a:rPr lang="zh-CN" altLang="en-US" dirty="0"/>
+              <a:t/>
+            </a:r>
+            <a:br>
+              <a:rPr lang="zh-CN" altLang="en-US" dirty="0"/>
+            </a:br>
+            <a:r>
+              <a:rPr lang="zh-CN" altLang="en-US" sz="1800" dirty="0"/>
+              <a:t>在系统上电的时候第一个执行的是启动文件里面由汇编编写的复位</a:t>
+            </a:r>
+            <a:r>
+              <a:rPr lang="zh-CN" altLang="en-US" sz="1800" dirty="0" smtClean="0"/>
+              <a:t>函数</a:t>
+            </a:r>
+            <a:r>
+              <a:rPr lang="en-US" altLang="zh-CN" sz="1800" dirty="0" err="1" smtClean="0"/>
+              <a:t>Reset_Handler》</a:t>
+            </a:r>
+            <a:r>
+              <a:rPr lang="en-US" altLang="zh-CN" sz="1800" dirty="0" err="1"/>
+              <a:t>SystemInit</a:t>
+            </a:r>
+            <a:r>
+              <a:rPr lang="en-US" altLang="zh-CN" sz="1800" dirty="0"/>
+              <a:t> </a:t>
+            </a:r>
+            <a:r>
+              <a:rPr lang="en-US" altLang="zh-CN" sz="1800" dirty="0" smtClean="0"/>
+              <a:t>》</a:t>
+            </a:r>
+            <a:r>
+              <a:rPr lang="en-US" altLang="zh-CN" sz="1800" b="1" dirty="0" smtClean="0"/>
+              <a:t>__</a:t>
+            </a:r>
+            <a:r>
+              <a:rPr lang="en-US" altLang="zh-CN" sz="1800" b="1" dirty="0"/>
+              <a:t>main</a:t>
+            </a:r>
+            <a:r>
+              <a:rPr lang="en-US" altLang="zh-CN" sz="1800" dirty="0"/>
+              <a:t> </a:t>
+            </a:r>
+            <a:r>
+              <a:rPr lang="en-US" altLang="zh-CN" dirty="0"/>
+              <a:t/>
+            </a:r>
+            <a:br>
+              <a:rPr lang="en-US" altLang="zh-CN" dirty="0"/>
+            </a:br>
             <a:endParaRPr lang="zh-CN" altLang="en-US" dirty="0"/>
           </a:p>
         </p:txBody>
@@ -18590,9 +18760,232 @@
         </p:nvSpPr>
         <p:spPr/>
         <p:txBody>
-          <a:bodyPr/>
+          <a:bodyPr>
+            <a:normAutofit fontScale="92500"/>
+          </a:bodyPr>
           <a:lstStyle/>
           <a:p>
+            <a:pPr marL="0" indent="0">
+              <a:buNone/>
+            </a:pPr>
+            <a:r>
+              <a:rPr lang="zh-CN" altLang="en-US" dirty="0"/>
+              <a:t>单步执行完</a:t>
+            </a:r>
+            <a:r>
+              <a:rPr lang="en-US" altLang="zh-CN" dirty="0"/>
+              <a:t>__main </a:t>
+            </a:r>
+            <a:r>
+              <a:rPr lang="zh-CN" altLang="en-US" dirty="0"/>
+              <a:t>之后，并不是跳转到 </a:t>
+            </a:r>
+            <a:r>
+              <a:rPr lang="en-US" altLang="zh-CN" dirty="0" smtClean="0"/>
+              <a:t>C</a:t>
+            </a:r>
+            <a:r>
+              <a:rPr lang="zh-CN" altLang="en-US" dirty="0" smtClean="0"/>
+              <a:t>中</a:t>
+            </a:r>
+            <a:r>
+              <a:rPr lang="zh-CN" altLang="en-US" dirty="0"/>
+              <a:t>的 </a:t>
+            </a:r>
+            <a:r>
+              <a:rPr lang="en-US" altLang="zh-CN" dirty="0"/>
+              <a:t>main </a:t>
+            </a:r>
+            <a:r>
+              <a:rPr lang="zh-CN" altLang="en-US" dirty="0"/>
+              <a:t>函数，而是跳转到 </a:t>
+            </a:r>
+            <a:r>
+              <a:rPr lang="en-US" altLang="zh-CN" dirty="0" err="1"/>
+              <a:t>component.c</a:t>
+            </a:r>
+            <a:r>
+              <a:rPr lang="en-US" altLang="zh-CN" dirty="0"/>
+              <a:t> </a:t>
+            </a:r>
+            <a:r>
+              <a:rPr lang="zh-CN" altLang="en-US" dirty="0"/>
+              <a:t>中的</a:t>
+            </a:r>
+            <a:r>
+              <a:rPr lang="en-US" altLang="zh-CN" dirty="0"/>
+              <a:t>$Sub$$main </a:t>
+            </a:r>
+            <a:r>
+              <a:rPr lang="zh-CN" altLang="en-US" dirty="0"/>
+              <a:t>函数</a:t>
+            </a:r>
+            <a:r>
+              <a:rPr lang="zh-CN" altLang="en-US" dirty="0" smtClean="0"/>
+              <a:t>，</a:t>
+            </a:r>
+            <a:r>
+              <a:rPr lang="zh-CN" altLang="en-US" dirty="0"/>
+              <a:t/>
+            </a:r>
+            <a:br>
+              <a:rPr lang="zh-CN" altLang="en-US" dirty="0"/>
+            </a:br>
+            <a:r>
+              <a:rPr lang="zh-CN" altLang="en-US" dirty="0"/>
+              <a:t>因为 </a:t>
+            </a:r>
+            <a:r>
+              <a:rPr lang="en-US" altLang="zh-CN" dirty="0" smtClean="0"/>
+              <a:t>RT-Thread </a:t>
+            </a:r>
+            <a:r>
+              <a:rPr lang="zh-CN" altLang="en-US" dirty="0"/>
+              <a:t>使用编译器（这里仅讲解 </a:t>
+            </a:r>
+            <a:r>
+              <a:rPr lang="en-US" altLang="zh-CN" dirty="0"/>
+              <a:t>KEIL</a:t>
+            </a:r>
+            <a:r>
+              <a:rPr lang="zh-CN" altLang="en-US" dirty="0"/>
+              <a:t>， </a:t>
+            </a:r>
+            <a:r>
+              <a:rPr lang="en-US" altLang="zh-CN" dirty="0"/>
+              <a:t>IAR </a:t>
+            </a:r>
+            <a:r>
+              <a:rPr lang="zh-CN" altLang="en-US" dirty="0"/>
+              <a:t>或者 </a:t>
+            </a:r>
+            <a:r>
+              <a:rPr lang="en-US" altLang="zh-CN" dirty="0"/>
+              <a:t>GCC </a:t>
+            </a:r>
+            <a:r>
+              <a:rPr lang="zh-CN" altLang="en-US" dirty="0"/>
+              <a:t>稍微有点区别，但是原理是一样的</a:t>
+            </a:r>
+            <a:r>
+              <a:rPr lang="zh-CN" altLang="en-US" dirty="0" smtClean="0"/>
+              <a:t>）自</a:t>
+            </a:r>
+            <a:r>
+              <a:rPr lang="zh-CN" altLang="en-US" dirty="0"/>
+              <a:t>带的</a:t>
+            </a:r>
+            <a:r>
+              <a:rPr lang="en-US" altLang="zh-CN" dirty="0"/>
+              <a:t>$Sub$$</a:t>
+            </a:r>
+            <a:r>
+              <a:rPr lang="zh-CN" altLang="en-US" dirty="0"/>
+              <a:t>和</a:t>
+            </a:r>
+            <a:r>
+              <a:rPr lang="en-US" altLang="zh-CN" dirty="0"/>
+              <a:t>$Super$$</a:t>
+            </a:r>
+            <a:r>
+              <a:rPr lang="zh-CN" altLang="en-US" dirty="0"/>
+              <a:t>这两个符号来扩展了 </a:t>
+            </a:r>
+            <a:r>
+              <a:rPr lang="en-US" altLang="zh-CN" dirty="0"/>
+              <a:t>main </a:t>
+            </a:r>
+            <a:r>
+              <a:rPr lang="zh-CN" altLang="en-US" dirty="0"/>
+              <a:t>函数，使用</a:t>
+            </a:r>
+            <a:r>
+              <a:rPr lang="en-US" altLang="zh-CN" dirty="0"/>
+              <a:t>$Sub$$main </a:t>
+            </a:r>
+            <a:r>
+              <a:rPr lang="zh-CN" altLang="en-US" dirty="0"/>
+              <a:t>可以在</a:t>
+            </a:r>
+            <a:r>
+              <a:rPr lang="zh-CN" altLang="en-US" dirty="0" smtClean="0"/>
+              <a:t>执行</a:t>
+            </a:r>
+            <a:r>
+              <a:rPr lang="en-US" altLang="zh-CN" dirty="0" smtClean="0"/>
+              <a:t>main </a:t>
+            </a:r>
+            <a:r>
+              <a:rPr lang="zh-CN" altLang="en-US" dirty="0"/>
+              <a:t>之前先执行</a:t>
+            </a:r>
+            <a:r>
+              <a:rPr lang="en-US" altLang="zh-CN" dirty="0"/>
+              <a:t>$Sub$$main</a:t>
+            </a:r>
+            <a:r>
+              <a:rPr lang="zh-CN" altLang="en-US" dirty="0"/>
+              <a:t>，在</a:t>
+            </a:r>
+            <a:r>
+              <a:rPr lang="en-US" altLang="zh-CN" dirty="0"/>
+              <a:t>$Sub$$main </a:t>
+            </a:r>
+            <a:r>
+              <a:rPr lang="zh-CN" altLang="en-US" dirty="0"/>
+              <a:t>函数中我们可以先执行一些预操作，当做完</a:t>
+            </a:r>
+            <a:r>
+              <a:rPr lang="zh-CN" altLang="en-US" dirty="0" smtClean="0"/>
+              <a:t>这些</a:t>
+            </a:r>
+            <a:r>
+              <a:rPr lang="zh-CN" altLang="en-US" dirty="0"/>
+              <a:t>预操作之后最终还是要执行 </a:t>
+            </a:r>
+            <a:r>
+              <a:rPr lang="en-US" altLang="zh-CN" dirty="0"/>
+              <a:t>main </a:t>
+            </a:r>
+            <a:r>
+              <a:rPr lang="zh-CN" altLang="en-US" dirty="0" smtClean="0"/>
+              <a:t>函数（在</a:t>
+            </a:r>
+            <a:r>
+              <a:rPr lang="en-US" altLang="zh-CN" dirty="0"/>
+              <a:t>RT-Thread </a:t>
+            </a:r>
+            <a:r>
+              <a:rPr lang="zh-CN" altLang="en-US" dirty="0" smtClean="0"/>
+              <a:t>中称之为</a:t>
+            </a:r>
+            <a:r>
+              <a:rPr lang="en-US" altLang="zh-CN" dirty="0" smtClean="0"/>
+              <a:t>main</a:t>
+            </a:r>
+            <a:r>
+              <a:rPr lang="zh-CN" altLang="en-US" dirty="0" smtClean="0"/>
+              <a:t>线程），</a:t>
+            </a:r>
+            <a:r>
+              <a:rPr lang="zh-CN" altLang="en-US" dirty="0"/>
+              <a:t>这个就通过调用</a:t>
+            </a:r>
+            <a:r>
+              <a:rPr lang="en-US" altLang="zh-CN" dirty="0"/>
+              <a:t>$Super$$main </a:t>
+            </a:r>
+            <a:r>
+              <a:rPr lang="zh-CN" altLang="en-US" dirty="0"/>
+              <a:t>来实现。</a:t>
+            </a:r>
+            <a:r>
+              <a:rPr lang="zh-CN" altLang="en-US" dirty="0"/>
+              <a:t> </a:t>
+            </a:r>
+            <a:br>
+              <a:rPr lang="zh-CN" altLang="en-US" dirty="0"/>
+            </a:br>
             <a:endParaRPr lang="zh-CN" altLang="en-US" dirty="0"/>
           </a:p>
         </p:txBody>
@@ -18634,6 +19027,70 @@
           <a:chExt cx="0" cy="0"/>
         </a:xfrm>
       </p:grpSpPr>
+      <p:pic>
+        <p:nvPicPr>
+          <p:cNvPr id="1026" name="Picture 2"/>
+          <p:cNvPicPr>
+            <a:picLocks noChangeAspect="1" noChangeArrowheads="1"/>
+          </p:cNvPicPr>
+          <p:nvPr/>
+        </p:nvPicPr>
+        <p:blipFill>
+          <a:blip r:embed="rId2">
+            <a:extLst>
+              <a:ext uri="{28A0092B-C50C-407E-A947-70E740481C1C}">
+                <a14:useLocalDpi xmlns:a14="http://schemas.microsoft.com/office/drawing/2010/main" val="0"/>
+              </a:ext>
+            </a:extLst>
+          </a:blip>
+          <a:srcRect/>
+          <a:stretch>
+            <a:fillRect/>
+          </a:stretch>
+        </p:blipFill>
+        <p:spPr bwMode="auto">
+          <a:xfrm>
+            <a:off x="4171950" y="147637"/>
+            <a:ext cx="4972050" cy="6561137"/>
+          </a:xfrm>
+          <a:prstGeom prst="rect">
+            <a:avLst/>
+          </a:prstGeom>
+          <a:noFill/>
+          <a:ln>
+            <a:noFill/>
+          </a:ln>
+          <a:effectLst/>
+          <a:extLst>
+            <a:ext uri="{909E8E84-426E-40DD-AFC4-6F175D3DCCD1}">
+              <a14:hiddenFill xmlns:a14="http://schemas.microsoft.com/office/drawing/2010/main">
+                <a:solidFill>
+                  <a:schemeClr val="accent1"/>
+                </a:solidFill>
+              </a14:hiddenFill>
+            </a:ext>
+            <a:ext uri="{91240B29-F687-4F45-9708-019B960494DF}">
+              <a14:hiddenLine xmlns:a14="http://schemas.microsoft.com/office/drawing/2010/main" w="9525">
+                <a:solidFill>
+                  <a:schemeClr val="tx1"/>
+                </a:solidFill>
+                <a:miter lim="800000"/>
+                <a:headEnd/>
+                <a:tailEnd/>
+              </a14:hiddenLine>
+            </a:ext>
+            <a:ext uri="{AF507438-7753-43E0-B8FC-AC1667EBCBE1}">
+              <a14:hiddenEffects xmlns:a14="http://schemas.microsoft.com/office/drawing/2010/main">
+                <a:effectLst>
+                  <a:outerShdw dist="35921" dir="2700000" algn="ctr" rotWithShape="0">
+                    <a:schemeClr val="bg2"/>
+                  </a:outerShdw>
+                </a:effectLst>
+              </a14:hiddenEffects>
+            </a:ext>
+          </a:extLst>
+        </p:spPr>
+      </p:pic>
       <p:sp>
         <p:nvSpPr>
           <p:cNvPr id="3" name="页脚占位符 2"/>
@@ -18713,44 +19170,70 @@
           </a:p>
         </p:txBody>
       </p:sp>
-      <p:sp>
-        <p:nvSpPr>
-          <p:cNvPr id="5" name="标题 4"/>
-          <p:cNvSpPr>
-            <a:spLocks noGrp="1"/>
-          </p:cNvSpPr>
-          <p:nvPr>
-            <p:ph type="title"/>
-          </p:nvPr>
-        </p:nvSpPr>
-        <p:spPr/>
-        <p:txBody>
-          <a:bodyPr/>
-          <a:lstStyle/>
-          <a:p>
-            <a:endParaRPr lang="zh-CN" altLang="en-US" dirty="0"/>
-          </a:p>
-        </p:txBody>
-      </p:sp>
-      <p:sp>
-        <p:nvSpPr>
-          <p:cNvPr id="6" name="内容占位符 5"/>
-          <p:cNvSpPr>
-            <a:spLocks noGrp="1"/>
-          </p:cNvSpPr>
-          <p:nvPr>
-            <p:ph idx="1"/>
-          </p:nvPr>
-        </p:nvSpPr>
-        <p:spPr/>
-        <p:txBody>
-          <a:bodyPr/>
-          <a:lstStyle/>
-          <a:p>
-            <a:endParaRPr lang="zh-CN" altLang="en-US" dirty="0"/>
-          </a:p>
-        </p:txBody>
-      </p:sp>
+      <p:pic>
+        <p:nvPicPr>
+          <p:cNvPr id="1027" name="Picture 3"/>
+          <p:cNvPicPr>
+            <a:picLocks noChangeAspect="1" noChangeArrowheads="1"/>
+          </p:cNvPicPr>
+          <p:nvPr/>
+        </p:nvPicPr>
+        <p:blipFill>
+          <a:blip r:embed="rId3">
+            <a:extLst>
+              <a:ext uri="{28A0092B-C50C-407E-A947-70E740481C1C}">
+                <a14:useLocalDpi xmlns:a14="http://schemas.microsoft.com/office/drawing/2010/main" val="0"/>
+              </a:ext>
+            </a:extLst>
+          </a:blip>
+          <a:srcRect/>
+          <a:stretch>
+            <a:fillRect/>
+          </a:stretch>
+        </p:blipFill>
+        <p:spPr bwMode="auto">
+          <a:xfrm>
+            <a:off x="1045433" y="1514845"/>
+            <a:ext cx="2543175" cy="1123950"/>
+          </a:xfrm>
+          <a:prstGeom prst="rect">
+            <a:avLst/>
+          </a:prstGeom>
+          <a:noFill/>
+          <a:ln>
+            <a:noFill/>
+          </a:ln>
+          <a:effectLst/>
+          <a:extLst>
+            <a:ext uri="{909E8E84-426E-40DD-AFC4-6F175D3DCCD1}">
+              <a14:hiddenFill xmlns:a14="http://schemas.microsoft.com/office/drawing/2010/main">
+                <a:solidFill>
+                  <a:schemeClr val="accent1"/>
+                </a:solidFill>
+              </a14:hiddenFill>
+            </a:ext>
+            <a:ext uri="{91240B29-F687-4F45-9708-019B960494DF}">
+              <a14:hiddenLine xmlns:a14="http://schemas.microsoft.com/office/drawing/2010/main" w="9525">
+                <a:solidFill>
+                  <a:schemeClr val="tx1"/>
+                </a:solidFill>
+                <a:miter lim="800000"/>
+                <a:headEnd/>
+                <a:tailEnd/>
+              </a14:hiddenLine>
+            </a:ext>
+            <a:ext uri="{AF507438-7753-43E0-B8FC-AC1667EBCBE1}">
+              <a14:hiddenEffects xmlns:a14="http://schemas.microsoft.com/office/drawing/2010/main">
+                <a:effectLst>
+                  <a:outerShdw dist="35921" dir="2700000" algn="ctr" rotWithShape="0">
+                    <a:schemeClr val="bg2"/>
+                  </a:outerShdw>
+                </a:effectLst>
+              </a14:hiddenEffects>
+            </a:ext>
+          </a:extLst>
+        </p:spPr>
+      </p:pic>
     </p:spTree>
     <p:extLst>
       <p:ext uri="{BB962C8B-B14F-4D97-AF65-F5344CB8AC3E}">
@@ -18764,7 +19247,83 @@
   <p:timing>
     <p:tnLst>
       <p:par>
-        <p:cTn id="1" dur="indefinite" restart="never" nodeType="tmRoot"/>
+        <p:cTn id="1" dur="indefinite" restart="never" nodeType="tmRoot">
+          <p:childTnLst>
+            <p:seq concurrent="1" nextAc="seek">
+              <p:cTn id="2" dur="indefinite" nodeType="mainSeq">
+                <p:childTnLst>
+                  <p:par>
+                    <p:cTn id="3" fill="hold">
+                      <p:stCondLst>
+                        <p:cond delay="indefinite"/>
+                      </p:stCondLst>
+                      <p:childTnLst>
+                        <p:par>
+                          <p:cTn id="4" fill="hold">
+                            <p:stCondLst>
+                              <p:cond delay="0"/>
+                            </p:stCondLst>
+                            <p:childTnLst>
+                              <p:par>
+                                <p:cTn id="5" presetID="21" presetClass="entr" presetSubtype="1" fill="hold" nodeType="clickEffect">
+                                  <p:stCondLst>
+                                    <p:cond delay="0"/>
+                                  </p:stCondLst>
+                                  <p:childTnLst>
+                                    <p:set>
+                                      <p:cBhvr>
+                                        <p:cTn id="6" dur="1" fill="hold">
+                                          <p:stCondLst>
+                                            <p:cond delay="0"/>
+                                          </p:stCondLst>
+                                        </p:cTn>
+                                        <p:tgtEl>
+                                          <p:spTgt spid="1026"/>
+                                        </p:tgtEl>
+                                        <p:attrNameLst>
+                                          <p:attrName>style.visibility</p:attrName>
+                                        </p:attrNameLst>
+                                      </p:cBhvr>
+                                      <p:to>
+                                        <p:strVal val="visible"/>
+                                      </p:to>
+                                    </p:set>
+                                    <p:animEffect transition="in" filter="wheel(1)">
+                                      <p:cBhvr>
+                                        <p:cTn id="7" dur="2000"/>
+                                        <p:tgtEl>
+                                          <p:spTgt spid="1026"/>
+                                        </p:tgtEl>
+                                      </p:cBhvr>
+                                    </p:animEffect>
+                                  </p:childTnLst>
+                                </p:cTn>
+                              </p:par>
+                            </p:childTnLst>
+                          </p:cTn>
+                        </p:par>
+                      </p:childTnLst>
+                    </p:cTn>
+                  </p:par>
+                </p:childTnLst>
+              </p:cTn>
+              <p:prevCondLst>
+                <p:cond evt="onPrev" delay="0">
+                  <p:tgtEl>
+                    <p:sldTgt/>
+                  </p:tgtEl>
+                </p:cond>
+              </p:prevCondLst>
+              <p:nextCondLst>
+                <p:cond evt="onNext" delay="0">
+                  <p:tgtEl>
+                    <p:sldTgt/>
+                  </p:tgtEl>
+                </p:cond>
+              </p:nextCondLst>
+            </p:seq>
+          </p:childTnLst>
+        </p:cTn>
       </p:par>
     </p:tnLst>
   </p:timing>
@@ -18790,7 +19349,49 @@
       </p:grpSpPr>
       <p:sp>
         <p:nvSpPr>
-          <p:cNvPr id="2" name="内容占位符 1"/>
+          <p:cNvPr id="4" name="灯片编号占位符 3"/>
+          <p:cNvSpPr>
+            <a:spLocks noGrp="1"/>
+          </p:cNvSpPr>
+          <p:nvPr>
+            <p:ph type="sldNum" sz="quarter" idx="12"/>
+          </p:nvPr>
+        </p:nvSpPr>
+        <p:spPr/>
+        <p:txBody>
+          <a:bodyPr/>
+          <a:lstStyle/>
+          <a:p>
+            <a:fld id="{0C913308-F349-4B6D-A68A-DD1791B4A57B}" type="slidenum">
+              <a:rPr lang="zh-CN" altLang="en-US" smtClean="0"/>
+              <a:t>19</a:t>
+            </a:fld>
+            <a:endParaRPr lang="zh-CN" altLang="en-US"/>
+          </a:p>
+        </p:txBody>
+      </p:sp>
+      <p:sp>
+        <p:nvSpPr>
+          <p:cNvPr id="5" name="标题 4"/>
+          <p:cNvSpPr>
+            <a:spLocks noGrp="1"/>
+          </p:cNvSpPr>
+          <p:nvPr>
+            <p:ph type="title"/>
+          </p:nvPr>
+        </p:nvSpPr>
+        <p:spPr/>
+        <p:txBody>
+          <a:bodyPr/>
+          <a:lstStyle/>
+          <a:p>
+            <a:endParaRPr lang="zh-CN" altLang="en-US" dirty="0"/>
+          </a:p>
+        </p:txBody>
+      </p:sp>
+      <p:sp>
+        <p:nvSpPr>
+          <p:cNvPr id="6" name="内容占位符 5"/>
           <p:cNvSpPr>
             <a:spLocks noGrp="1"/>
           </p:cNvSpPr>
@@ -18803,82 +19404,138 @@
           <a:bodyPr/>
           <a:lstStyle/>
           <a:p>
-            <a:pPr marL="0" indent="0">
-              <a:buNone/>
-            </a:pPr>
-            <a:r>
-              <a:rPr lang="en-US" altLang="zh-CN" sz="2000" dirty="0">
+            <a:endParaRPr lang="zh-CN" altLang="en-US" dirty="0"/>
+          </a:p>
+        </p:txBody>
+      </p:sp>
+      <p:pic>
+        <p:nvPicPr>
+          <p:cNvPr id="7" name="Picture 4"/>
+          <p:cNvPicPr>
+            <a:picLocks noChangeAspect="1" noChangeArrowheads="1"/>
+          </p:cNvPicPr>
+          <p:nvPr/>
+        </p:nvPicPr>
+        <p:blipFill>
+          <a:blip r:embed="rId2">
+            <a:extLst>
+              <a:ext uri="{28A0092B-C50C-407E-A947-70E740481C1C}">
+                <a14:useLocalDpi xmlns:a14="http://schemas.microsoft.com/office/drawing/2010/main" val="0"/>
+              </a:ext>
+            </a:extLst>
+          </a:blip>
+          <a:srcRect/>
+          <a:stretch>
+            <a:fillRect/>
+          </a:stretch>
+        </p:blipFill>
+        <p:spPr bwMode="auto">
+          <a:xfrm>
+            <a:off x="755576" y="332656"/>
+            <a:ext cx="7151687" cy="3895725"/>
+          </a:xfrm>
+          <a:prstGeom prst="rect">
+            <a:avLst/>
+          </a:prstGeom>
+          <a:noFill/>
+          <a:ln>
+            <a:noFill/>
+          </a:ln>
+          <a:effectLst/>
+          <a:extLst>
+            <a:ext uri="{909E8E84-426E-40DD-AFC4-6F175D3DCCD1}">
+              <a14:hiddenFill xmlns:a14="http://schemas.microsoft.com/office/drawing/2010/main">
+                <a:solidFill>
+                  <a:schemeClr val="accent1"/>
+                </a:solidFill>
+              </a14:hiddenFill>
+            </a:ext>
+            <a:ext uri="{91240B29-F687-4F45-9708-019B960494DF}">
+              <a14:hiddenLine xmlns:a14="http://schemas.microsoft.com/office/drawing/2010/main" w="9525">
                 <a:solidFill>
                   <a:schemeClr val="tx1"/>
                 </a:solidFill>
-              </a:rPr>
-              <a:t>RT-Thread </a:t>
-            </a:r>
-            <a:r>
-              <a:rPr lang="zh-CN" altLang="en-US" sz="2000" dirty="0">
+                <a:miter lim="800000"/>
+                <a:headEnd/>
+                <a:tailEnd/>
+              </a14:hiddenLine>
+            </a:ext>
+            <a:ext uri="{AF507438-7753-43E0-B8FC-AC1667EBCBE1}">
+              <a14:hiddenEffects xmlns:a14="http://schemas.microsoft.com/office/drawing/2010/main">
+                <a:effectLst>
+                  <a:outerShdw dist="35921" dir="2700000" algn="ctr" rotWithShape="0">
+                    <a:schemeClr val="bg2"/>
+                  </a:outerShdw>
+                </a:effectLst>
+              </a14:hiddenEffects>
+            </a:ext>
+          </a:extLst>
+        </p:spPr>
+      </p:pic>
+      <p:pic>
+        <p:nvPicPr>
+          <p:cNvPr id="2050" name="Picture 2"/>
+          <p:cNvPicPr>
+            <a:picLocks noChangeAspect="1" noChangeArrowheads="1"/>
+          </p:cNvPicPr>
+          <p:nvPr/>
+        </p:nvPicPr>
+        <p:blipFill>
+          <a:blip r:embed="rId3">
+            <a:extLst>
+              <a:ext uri="{28A0092B-C50C-407E-A947-70E740481C1C}">
+                <a14:useLocalDpi xmlns:a14="http://schemas.microsoft.com/office/drawing/2010/main" val="0"/>
+              </a:ext>
+            </a:extLst>
+          </a:blip>
+          <a:srcRect/>
+          <a:stretch>
+            <a:fillRect/>
+          </a:stretch>
+        </p:blipFill>
+        <p:spPr bwMode="auto">
+          <a:xfrm>
+            <a:off x="3640410" y="3717032"/>
+            <a:ext cx="4171950" cy="2876550"/>
+          </a:xfrm>
+          <a:prstGeom prst="rect">
+            <a:avLst/>
+          </a:prstGeom>
+          <a:noFill/>
+          <a:ln>
+            <a:noFill/>
+          </a:ln>
+          <a:effectLst/>
+          <a:extLst>
+            <a:ext uri="{909E8E84-426E-40DD-AFC4-6F175D3DCCD1}">
+              <a14:hiddenFill xmlns:a14="http://schemas.microsoft.com/office/drawing/2010/main">
+                <a:solidFill>
+                  <a:schemeClr val="accent1"/>
+                </a:solidFill>
+              </a14:hiddenFill>
+            </a:ext>
+            <a:ext uri="{91240B29-F687-4F45-9708-019B960494DF}">
+              <a14:hiddenLine xmlns:a14="http://schemas.microsoft.com/office/drawing/2010/main" w="9525">
                 <a:solidFill>
                   <a:schemeClr val="tx1"/>
                 </a:solidFill>
-              </a:rPr>
-              <a:t>的线程调度器是抢占式的，主要的工作就是从就绪线程列表中查找最高优先级线程，保证最高优先级的线程能够被运行，最高优先级的任务一旦就绪，总能得到 </a:t>
-            </a:r>
-            <a:r>
-              <a:rPr lang="en-US" altLang="zh-CN" sz="2000" dirty="0">
-                <a:solidFill>
-                  <a:schemeClr val="tx1"/>
-                </a:solidFill>
-              </a:rPr>
-              <a:t>CPU </a:t>
-            </a:r>
-            <a:r>
-              <a:rPr lang="zh-CN" altLang="en-US" sz="2000" dirty="0">
-                <a:solidFill>
-                  <a:schemeClr val="tx1"/>
-                </a:solidFill>
-              </a:rPr>
-              <a:t>的使用权。当一个运行着的线程使一个比它优先级高的线程满足运行条件，当前线程的 </a:t>
-            </a:r>
-            <a:r>
-              <a:rPr lang="en-US" altLang="zh-CN" sz="2000" dirty="0">
-                <a:solidFill>
-                  <a:schemeClr val="tx1"/>
-                </a:solidFill>
-              </a:rPr>
-              <a:t>CPU </a:t>
-            </a:r>
-            <a:r>
-              <a:rPr lang="zh-CN" altLang="en-US" sz="2000" dirty="0">
-                <a:solidFill>
-                  <a:schemeClr val="tx1"/>
-                </a:solidFill>
-              </a:rPr>
-              <a:t>使用权就被剥夺了，或者说被让出了，高优先级的线程立刻得到了 </a:t>
-            </a:r>
-            <a:r>
-              <a:rPr lang="en-US" altLang="zh-CN" sz="2000" dirty="0">
-                <a:solidFill>
-                  <a:schemeClr val="tx1"/>
-                </a:solidFill>
-              </a:rPr>
-              <a:t>CPU </a:t>
-            </a:r>
-            <a:r>
-              <a:rPr lang="zh-CN" altLang="en-US" sz="2000" dirty="0">
-                <a:solidFill>
-                  <a:schemeClr val="tx1"/>
-                </a:solidFill>
-              </a:rPr>
-              <a:t>的使用权。</a:t>
-            </a:r>
-          </a:p>
-          <a:p>
-            <a:pPr marL="0" indent="0">
-              <a:buNone/>
-            </a:pPr>
-            <a:endParaRPr lang="zh-CN" altLang="en-US" dirty="0"/>
-          </a:p>
-        </p:txBody>
-      </p:sp>
+                <a:miter lim="800000"/>
+                <a:headEnd/>
+                <a:tailEnd/>
+              </a14:hiddenLine>
+            </a:ext>
+            <a:ext uri="{AF507438-7753-43E0-B8FC-AC1667EBCBE1}">
+              <a14:hiddenEffects xmlns:a14="http://schemas.microsoft.com/office/drawing/2010/main">
+                <a:effectLst>
+                  <a:outerShdw dist="35921" dir="2700000" algn="ctr" rotWithShape="0">
+                    <a:schemeClr val="bg2"/>
+                  </a:outerShdw>
+                </a:effectLst>
+              </a14:hiddenEffects>
+            </a:ext>
+          </a:extLst>
+        </p:spPr>
+      </p:pic>
       <p:sp>
         <p:nvSpPr>
           <p:cNvPr id="3" name="页脚占位符 2"/>
@@ -18935,59 +19592,10 @@
           </a:p>
         </p:txBody>
       </p:sp>
-      <p:sp>
-        <p:nvSpPr>
-          <p:cNvPr id="4" name="灯片编号占位符 3"/>
-          <p:cNvSpPr>
-            <a:spLocks noGrp="1"/>
-          </p:cNvSpPr>
-          <p:nvPr>
-            <p:ph type="sldNum" sz="quarter" idx="12"/>
-          </p:nvPr>
-        </p:nvSpPr>
-        <p:spPr/>
-        <p:txBody>
-          <a:bodyPr/>
-          <a:lstStyle/>
-          <a:p>
-            <a:fld id="{0C913308-F349-4B6D-A68A-DD1791B4A57B}" type="slidenum">
-              <a:rPr lang="zh-CN" altLang="en-US" smtClean="0"/>
-              <a:t>19</a:t>
-            </a:fld>
-            <a:endParaRPr lang="zh-CN" altLang="en-US"/>
-          </a:p>
-        </p:txBody>
-      </p:sp>
-      <p:sp>
-        <p:nvSpPr>
-          <p:cNvPr id="5" name="标题 4"/>
-          <p:cNvSpPr>
-            <a:spLocks noGrp="1"/>
-          </p:cNvSpPr>
-          <p:nvPr>
-            <p:ph type="title"/>
-          </p:nvPr>
-        </p:nvSpPr>
-        <p:spPr/>
-        <p:txBody>
-          <a:bodyPr/>
-          <a:lstStyle/>
-          <a:p>
-            <a:r>
-              <a:rPr lang="zh-CN" altLang="en-US" dirty="0" smtClean="0"/>
-              <a:t>线程调度</a:t>
-            </a:r>
-            <a:r>
-              <a:rPr lang="zh-CN" altLang="en-US" dirty="0"/>
-              <a:t>器</a:t>
-            </a:r>
-          </a:p>
-        </p:txBody>
-      </p:sp>
     </p:spTree>
     <p:extLst>
       <p:ext uri="{BB962C8B-B14F-4D97-AF65-F5344CB8AC3E}">
-        <p14:creationId xmlns:p14="http://schemas.microsoft.com/office/powerpoint/2010/main" val="808432466"/>
+        <p14:creationId xmlns:p14="http://schemas.microsoft.com/office/powerpoint/2010/main" val="4268825042"/>
       </p:ext>
     </p:extLst>
   </p:cSld>
@@ -18997,7 +19605,182 @@
   <p:timing>
     <p:tnLst>
       <p:par>
-        <p:cTn id="1" dur="indefinite" restart="never" nodeType="tmRoot"/>
+        <p:cTn id="1" dur="indefinite" restart="never" nodeType="tmRoot">
+          <p:childTnLst>
+            <p:seq concurrent="1" nextAc="seek">
+              <p:cTn id="2" dur="indefinite" nodeType="mainSeq">
+                <p:childTnLst>
+                  <p:par>
+                    <p:cTn id="3" fill="hold">
+                      <p:stCondLst>
+                        <p:cond delay="indefinite"/>
+                      </p:stCondLst>
+                      <p:childTnLst>
+                        <p:par>
+                          <p:cTn id="4" fill="hold">
+                            <p:stCondLst>
+                              <p:cond delay="0"/>
+                            </p:stCondLst>
+                            <p:childTnLst>
+                              <p:par>
+                                <p:cTn id="5" presetID="45" presetClass="entr" presetSubtype="0" fill="hold" nodeType="clickEffect">
+                                  <p:stCondLst>
+                                    <p:cond delay="0"/>
+                                  </p:stCondLst>
+                                  <p:childTnLst>
+                                    <p:set>
+                                      <p:cBhvr>
+                                        <p:cTn id="6" dur="1" fill="hold">
+                                          <p:stCondLst>
+                                            <p:cond delay="0"/>
+                                          </p:stCondLst>
+                                        </p:cTn>
+                                        <p:tgtEl>
+                                          <p:spTgt spid="7"/>
+                                        </p:tgtEl>
+                                        <p:attrNameLst>
+                                          <p:attrName>style.visibility</p:attrName>
+                                        </p:attrNameLst>
+                                      </p:cBhvr>
+                                      <p:to>
+                                        <p:strVal val="visible"/>
+                                      </p:to>
+                                    </p:set>
+                                    <p:animEffect transition="in" filter="fade">
+                                      <p:cBhvr>
+                                        <p:cTn id="7" dur="2000"/>
+                                        <p:tgtEl>
+                                          <p:spTgt spid="7"/>
+                                        </p:tgtEl>
+                                      </p:cBhvr>
+                                    </p:animEffect>
+                                    <p:anim calcmode="lin" valueType="num">
+                                      <p:cBhvr>
+                                        <p:cTn id="8" dur="2000" fill="hold"/>
+                                        <p:tgtEl>
+                                          <p:spTgt spid="7"/>
+                                        </p:tgtEl>
+                                        <p:attrNameLst>
+                                          <p:attrName>ppt_w</p:attrName>
+                                        </p:attrNameLst>
+                                      </p:cBhvr>
+                                      <p:tavLst>
+                                        <p:tav tm="0" fmla="#ppt_w*sin(2.5*pi*$)">
+                                          <p:val>
+                                            <p:fltVal val="0"/>
+                                          </p:val>
+                                        </p:tav>
+                                        <p:tav tm="100000">
+                                          <p:val>
+                                            <p:fltVal val="1"/>
+                                          </p:val>
+                                        </p:tav>
+                                      </p:tavLst>
+                                    </p:anim>
+                                    <p:anim calcmode="lin" valueType="num">
+                                      <p:cBhvr>
+                                        <p:cTn id="9" dur="2000" fill="hold"/>
+                                        <p:tgtEl>
+                                          <p:spTgt spid="7"/>
+                                        </p:tgtEl>
+                                        <p:attrNameLst>
+                                          <p:attrName>ppt_h</p:attrName>
+                                        </p:attrNameLst>
+                                      </p:cBhvr>
+                                      <p:tavLst>
+                                        <p:tav tm="0">
+                                          <p:val>
+                                            <p:strVal val="#ppt_h"/>
+                                          </p:val>
+                                        </p:tav>
+                                        <p:tav tm="100000">
+                                          <p:val>
+                                            <p:strVal val="#ppt_h"/>
+                                          </p:val>
+                                        </p:tav>
+                                      </p:tavLst>
+                                    </p:anim>
+                                  </p:childTnLst>
+                                </p:cTn>
+                              </p:par>
+                            </p:childTnLst>
+                          </p:cTn>
+                        </p:par>
+                      </p:childTnLst>
+                    </p:cTn>
+                  </p:par>
+                  <p:par>
+                    <p:cTn id="10" fill="hold">
+                      <p:stCondLst>
+                        <p:cond delay="indefinite"/>
+                      </p:stCondLst>
+                      <p:childTnLst>
+                        <p:par>
+                          <p:cTn id="11" fill="hold">
+                            <p:stCondLst>
+                              <p:cond delay="0"/>
+                            </p:stCondLst>
+                            <p:childTnLst>
+                              <p:par>
+                                <p:cTn id="12" presetID="14" presetClass="entr" presetSubtype="10" fill="hold" nodeType="clickEffect">
+                                  <p:stCondLst>
+                                    <p:cond delay="0"/>
+                                  </p:stCondLst>
+                                  <p:childTnLst>
+                                    <p:set>
+                                      <p:cBhvr>
+                                        <p:cTn id="13" dur="1" fill="hold">
+                                          <p:stCondLst>
+                                            <p:cond delay="0"/>
+                                          </p:stCondLst>
+                                        </p:cTn>
+                                        <p:tgtEl>
+                                          <p:spTgt spid="2050"/>
+                                        </p:tgtEl>
+                                        <p:attrNameLst>
+                                          <p:attrName>style.visibility</p:attrName>
+                                        </p:attrNameLst>
+                                      </p:cBhvr>
+                                      <p:to>
+                                        <p:strVal val="visible"/>
+                                      </p:to>
+                                    </p:set>
+                                    <p:animEffect transition="in" filter="randombar(horizontal)">
+                                      <p:cBhvr>
+                                        <p:cTn id="14" dur="500"/>
+                                        <p:tgtEl>
+                                          <p:spTgt spid="2050"/>
+                                        </p:tgtEl>
+                                      </p:cBhvr>
+                                    </p:animEffect>
+                                  </p:childTnLst>
+                                </p:cTn>
+                              </p:par>
+                            </p:childTnLst>
+                          </p:cTn>
+                        </p:par>
+                      </p:childTnLst>
+                    </p:cTn>
+                  </p:par>
+                </p:childTnLst>
+              </p:cTn>
+              <p:prevCondLst>
+                <p:cond evt="onPrev" delay="0">
+                  <p:tgtEl>
+                    <p:sldTgt/>
+                  </p:tgtEl>
+                </p:cond>
+              </p:prevCondLst>
+              <p:nextCondLst>
+                <p:cond evt="onNext" delay="0">
+                  <p:tgtEl>
+                    <p:sldTgt/>
+                  </p:tgtEl>
+                </p:cond>
+              </p:nextCondLst>
+            </p:seq>
+          </p:childTnLst>
+        </p:cTn>
       </p:par>
     </p:tnLst>
   </p:timing>
@@ -19045,11 +19828,7 @@
           <a:p>
             <a:r>
               <a:rPr lang="zh-CN" altLang="en-US" dirty="0" smtClean="0"/>
-              <a:t>线程的</a:t>
-            </a:r>
-            <a:r>
-              <a:rPr lang="zh-CN" altLang="en-US" dirty="0" smtClean="0"/>
-              <a:t>概念</a:t>
+              <a:t>线程的概念</a:t>
             </a:r>
             <a:endParaRPr lang="en-US" altLang="zh-CN" dirty="0" smtClean="0"/>
           </a:p>
@@ -19071,11 +19850,7 @@
           <a:p>
             <a:r>
               <a:rPr lang="zh-CN" altLang="en-US" dirty="0" smtClean="0"/>
-              <a:t>线程</a:t>
-            </a:r>
-            <a:r>
-              <a:rPr lang="zh-CN" altLang="en-US" dirty="0" smtClean="0"/>
-              <a:t>控制块</a:t>
+              <a:t>线程控制块</a:t>
             </a:r>
             <a:endParaRPr lang="en-US" altLang="zh-CN" dirty="0" smtClean="0"/>
           </a:p>
@@ -19312,180 +20087,6 @@
           <a:chExt cx="0" cy="0"/>
         </a:xfrm>
       </p:grpSpPr>
-      <p:pic>
-        <p:nvPicPr>
-          <p:cNvPr id="7" name="图片 6"/>
-          <p:cNvPicPr/>
-          <p:nvPr/>
-        </p:nvPicPr>
-        <p:blipFill>
-          <a:blip r:embed="rId2" cstate="print"/>
-          <a:stretch>
-            <a:fillRect/>
-          </a:stretch>
-        </p:blipFill>
-        <p:spPr>
-          <a:xfrm>
-            <a:off x="2885269" y="3872123"/>
-            <a:ext cx="3575050" cy="2585085"/>
-          </a:xfrm>
-          <a:prstGeom prst="rect">
-            <a:avLst/>
-          </a:prstGeom>
-          <a:ln>
-            <a:noFill/>
-          </a:ln>
-        </p:spPr>
-      </p:pic>
-      <p:sp>
-        <p:nvSpPr>
-          <p:cNvPr id="2" name="内容占位符 1"/>
-          <p:cNvSpPr>
-            <a:spLocks noGrp="1"/>
-          </p:cNvSpPr>
-          <p:nvPr>
-            <p:ph idx="1"/>
-          </p:nvPr>
-        </p:nvSpPr>
-        <p:spPr>
-          <a:xfrm>
-            <a:off x="872067" y="1484784"/>
-            <a:ext cx="7408333" cy="4641379"/>
-          </a:xfrm>
-        </p:spPr>
-        <p:txBody>
-          <a:bodyPr/>
-          <a:lstStyle/>
-          <a:p>
-            <a:pPr marL="0" indent="0">
-              <a:buNone/>
-            </a:pPr>
-            <a:r>
-              <a:rPr lang="zh-CN" altLang="en-US" dirty="0" smtClean="0">
-                <a:latin typeface="楷体" pitchFamily="49" charset="-122"/>
-                <a:ea typeface="楷体" pitchFamily="49" charset="-122"/>
-                <a:cs typeface="Arial Unicode MS" pitchFamily="34" charset="-122"/>
-              </a:rPr>
-              <a:t>使用</a:t>
-            </a:r>
-            <a:r>
-              <a:rPr lang="en-US" altLang="zh-CN" dirty="0" smtClean="0">
-                <a:latin typeface="楷体" pitchFamily="49" charset="-122"/>
-                <a:ea typeface="楷体" pitchFamily="49" charset="-122"/>
-                <a:cs typeface="Arial Unicode MS" pitchFamily="34" charset="-122"/>
-              </a:rPr>
-              <a:t>keil5</a:t>
-            </a:r>
-            <a:r>
-              <a:rPr lang="zh-CN" altLang="en-US" dirty="0" smtClean="0">
-                <a:latin typeface="楷体" pitchFamily="49" charset="-122"/>
-                <a:ea typeface="楷体" pitchFamily="49" charset="-122"/>
-                <a:cs typeface="Arial Unicode MS" pitchFamily="34" charset="-122"/>
-              </a:rPr>
-              <a:t>作为开发环境</a:t>
-            </a:r>
-            <a:endParaRPr lang="en-US" altLang="zh-CN" dirty="0">
-              <a:latin typeface="楷体" pitchFamily="49" charset="-122"/>
-              <a:ea typeface="楷体" pitchFamily="49" charset="-122"/>
-              <a:cs typeface="Arial Unicode MS" pitchFamily="34" charset="-122"/>
-            </a:endParaRPr>
-          </a:p>
-          <a:p>
-            <a:pPr marL="0" indent="0">
-              <a:buNone/>
-            </a:pPr>
-            <a:endParaRPr lang="en-US" altLang="zh-CN" dirty="0">
-              <a:latin typeface="楷体" pitchFamily="49" charset="-122"/>
-              <a:ea typeface="楷体" pitchFamily="49" charset="-122"/>
-              <a:cs typeface="Arial Unicode MS" pitchFamily="34" charset="-122"/>
-            </a:endParaRPr>
-          </a:p>
-          <a:p>
-            <a:pPr marL="0" indent="0">
-              <a:buNone/>
-            </a:pPr>
-            <a:r>
-              <a:rPr lang="zh-CN" altLang="en-US" dirty="0" smtClean="0">
-                <a:latin typeface="楷体" pitchFamily="49" charset="-122"/>
-                <a:ea typeface="楷体" pitchFamily="49" charset="-122"/>
-                <a:cs typeface="Arial Unicode MS" pitchFamily="34" charset="-122"/>
-              </a:rPr>
-              <a:t>下载地址 ：</a:t>
-            </a:r>
-            <a:r>
-              <a:rPr lang="en-US" altLang="zh-CN" dirty="0" smtClean="0">
-                <a:latin typeface="楷体" pitchFamily="49" charset="-122"/>
-                <a:ea typeface="楷体" pitchFamily="49" charset="-122"/>
-                <a:cs typeface="Arial Unicode MS" pitchFamily="34" charset="-122"/>
-              </a:rPr>
-              <a:t>				 	 </a:t>
-            </a:r>
-            <a:r>
-              <a:rPr lang="en-US" altLang="zh-CN" sz="1800" dirty="0" smtClean="0">
-                <a:latin typeface="黑体" pitchFamily="49" charset="-122"/>
-                <a:ea typeface="黑体" pitchFamily="49" charset="-122"/>
-                <a:hlinkClick r:id="rId3"/>
-              </a:rPr>
-              <a:t>http</a:t>
-            </a:r>
-            <a:r>
-              <a:rPr lang="en-US" altLang="zh-CN" sz="1800" dirty="0">
-                <a:latin typeface="黑体" pitchFamily="49" charset="-122"/>
-                <a:ea typeface="黑体" pitchFamily="49" charset="-122"/>
-                <a:hlinkClick r:id="rId3"/>
-              </a:rPr>
-              <a:t>://</a:t>
-            </a:r>
-            <a:r>
-              <a:rPr lang="en-US" altLang="zh-CN" sz="1800" dirty="0" smtClean="0">
-                <a:latin typeface="黑体" pitchFamily="49" charset="-122"/>
-                <a:ea typeface="黑体" pitchFamily="49" charset="-122"/>
-                <a:hlinkClick r:id="rId3"/>
-              </a:rPr>
-              <a:t>www.keil.com/fid/vquv2wwtdy9j1w9xagw1om5eu9xbkks1e66vd1/files/eval/mdk526.exe</a:t>
-            </a:r>
-            <a:endParaRPr lang="en-US" altLang="zh-CN" sz="1800" dirty="0" smtClean="0">
-              <a:latin typeface="黑体" pitchFamily="49" charset="-122"/>
-              <a:ea typeface="黑体" pitchFamily="49" charset="-122"/>
-              <a:cs typeface="Arial Unicode MS" pitchFamily="34" charset="-122"/>
-            </a:endParaRPr>
-          </a:p>
-          <a:p>
-            <a:pPr marL="0" indent="0">
-              <a:buNone/>
-            </a:pPr>
-            <a:r>
-              <a:rPr lang="zh-CN" altLang="en-US" dirty="0" smtClean="0">
-                <a:latin typeface="楷体" pitchFamily="49" charset="-122"/>
-                <a:ea typeface="楷体" pitchFamily="49" charset="-122"/>
-                <a:cs typeface="Arial Unicode MS" pitchFamily="34" charset="-122"/>
-              </a:rPr>
-              <a:t>使用野火</a:t>
-            </a:r>
-            <a:r>
-              <a:rPr lang="en-US" altLang="zh-CN" dirty="0" smtClean="0">
-                <a:latin typeface="楷体" pitchFamily="49" charset="-122"/>
-                <a:ea typeface="楷体" pitchFamily="49" charset="-122"/>
-                <a:cs typeface="Arial Unicode MS" pitchFamily="34" charset="-122"/>
-              </a:rPr>
-              <a:t>STM32F103</a:t>
-            </a:r>
-            <a:r>
-              <a:rPr lang="zh-CN" altLang="en-US" dirty="0" smtClean="0">
-                <a:latin typeface="楷体" pitchFamily="49" charset="-122"/>
-                <a:ea typeface="楷体" pitchFamily="49" charset="-122"/>
-                <a:cs typeface="Arial Unicode MS" pitchFamily="34" charset="-122"/>
-              </a:rPr>
-              <a:t>霸道开发板作为开发平台</a:t>
-            </a:r>
-            <a:endParaRPr lang="zh-CN" altLang="en-US" dirty="0">
-              <a:latin typeface="楷体" pitchFamily="49" charset="-122"/>
-              <a:ea typeface="楷体" pitchFamily="49" charset="-122"/>
-              <a:cs typeface="Arial Unicode MS" pitchFamily="34" charset="-122"/>
-            </a:endParaRPr>
-          </a:p>
-        </p:txBody>
-      </p:sp>
       <p:sp>
         <p:nvSpPr>
           <p:cNvPr id="3" name="页脚占位符 2"/>
@@ -19498,7 +20099,7 @@
         </p:nvSpPr>
         <p:spPr>
           <a:xfrm>
-            <a:off x="0" y="6381328"/>
+            <a:off x="0" y="6304235"/>
             <a:ext cx="9144000" cy="365125"/>
           </a:xfrm>
         </p:spPr>
@@ -19552,12 +20153,7 @@
             <p:ph type="sldNum" sz="quarter" idx="12"/>
           </p:nvPr>
         </p:nvSpPr>
-        <p:spPr>
-          <a:xfrm>
-            <a:off x="3995936" y="6381328"/>
-            <a:ext cx="1161826" cy="365125"/>
-          </a:xfrm>
-        </p:spPr>
+        <p:spPr/>
         <p:txBody>
           <a:bodyPr/>
           <a:lstStyle/>
@@ -19566,7 +20162,7 @@
               <a:rPr lang="zh-CN" altLang="en-US" smtClean="0"/>
               <a:t>20</a:t>
             </a:fld>
-            <a:endParaRPr lang="zh-CN" altLang="en-US" dirty="0"/>
+            <a:endParaRPr lang="zh-CN" altLang="en-US"/>
           </a:p>
         </p:txBody>
       </p:sp>
@@ -19582,91 +20178,177 @@
         </p:nvSpPr>
         <p:spPr/>
         <p:txBody>
+          <a:bodyPr/>
+          <a:lstStyle/>
+          <a:p>
+            <a:r>
+              <a:rPr lang="zh-CN" altLang="en-US" dirty="0" smtClean="0"/>
+              <a:t>创建空闲线程</a:t>
+            </a:r>
+            <a:endParaRPr lang="zh-CN" altLang="en-US" dirty="0"/>
+          </a:p>
+        </p:txBody>
+      </p:sp>
+      <p:sp>
+        <p:nvSpPr>
+          <p:cNvPr id="6" name="内容占位符 5"/>
+          <p:cNvSpPr>
+            <a:spLocks noGrp="1"/>
+          </p:cNvSpPr>
+          <p:nvPr>
+            <p:ph idx="1"/>
+          </p:nvPr>
+        </p:nvSpPr>
+        <p:spPr/>
+        <p:txBody>
           <a:bodyPr>
-            <a:normAutofit/>
+            <a:noAutofit/>
           </a:bodyPr>
           <a:lstStyle/>
           <a:p>
-            <a:r>
-              <a:rPr lang="zh-CN" altLang="en-US" dirty="0"/>
-              <a:t>开发环境与开发</a:t>
-            </a:r>
-            <a:r>
-              <a:rPr lang="zh-CN" altLang="en-US" dirty="0" smtClean="0"/>
-              <a:t>平台</a:t>
-            </a:r>
-            <a:endParaRPr lang="zh-CN" altLang="en-US" dirty="0"/>
+            <a:pPr marL="0" indent="0">
+              <a:buNone/>
+            </a:pPr>
+            <a:r>
+              <a:rPr lang="zh-CN" altLang="en-US" sz="1400" dirty="0" smtClean="0"/>
+              <a:t>什么是空闲线程？</a:t>
+            </a:r>
+            <a:endParaRPr lang="en-US" altLang="zh-CN" sz="1400" dirty="0" smtClean="0"/>
+          </a:p>
+          <a:p>
+            <a:pPr marL="0" indent="0">
+              <a:buNone/>
+            </a:pPr>
+            <a:r>
+              <a:rPr lang="zh-CN" altLang="en-US" sz="1400" dirty="0"/>
+              <a:t>空闲线程（</a:t>
+            </a:r>
+            <a:r>
+              <a:rPr lang="en-US" altLang="zh-CN" sz="1400" dirty="0"/>
+              <a:t>idle </a:t>
+            </a:r>
+            <a:r>
+              <a:rPr lang="zh-CN" altLang="en-US" sz="1400" dirty="0"/>
+              <a:t>线程） 是 </a:t>
+            </a:r>
+            <a:r>
+              <a:rPr lang="en-US" altLang="zh-CN" sz="1400" dirty="0"/>
+              <a:t>RT-Thread </a:t>
+            </a:r>
+            <a:r>
+              <a:rPr lang="zh-CN" altLang="en-US" sz="1400" dirty="0"/>
+              <a:t>系统中没有其他工作进行时自动进入的系统线程。</a:t>
+            </a:r>
+            <a:br>
+              <a:rPr lang="zh-CN" altLang="en-US" sz="1400" dirty="0"/>
+            </a:br>
+            <a:r>
+              <a:rPr lang="zh-CN" altLang="en-US" sz="1400" dirty="0"/>
+              <a:t>用户可以通过空闲线程钩子方式，在空闲线程上钩入自己的功能函数。通常这个空闲线程</a:t>
+            </a:r>
+            <a:br>
+              <a:rPr lang="zh-CN" altLang="en-US" sz="1400" dirty="0"/>
+            </a:br>
+            <a:r>
+              <a:rPr lang="zh-CN" altLang="en-US" sz="1400" dirty="0"/>
+              <a:t>钩子能够完成一些额外的特殊功能，例如系统运行状态的指示，系统省电模式等。除了空</a:t>
+            </a:r>
+            <a:br>
+              <a:rPr lang="zh-CN" altLang="en-US" sz="1400" dirty="0"/>
+            </a:br>
+            <a:r>
+              <a:rPr lang="zh-CN" altLang="en-US" sz="1400" dirty="0"/>
+              <a:t>闲线程钩子， </a:t>
+            </a:r>
+            <a:r>
+              <a:rPr lang="en-US" altLang="zh-CN" sz="1400" dirty="0"/>
+              <a:t>RT-Thread </a:t>
+            </a:r>
+            <a:r>
+              <a:rPr lang="zh-CN" altLang="en-US" sz="1400" dirty="0"/>
+              <a:t>系统还把空闲线程用于一些其他的功能，比如当系统删除一个线</a:t>
+            </a:r>
+            <a:br>
+              <a:rPr lang="zh-CN" altLang="en-US" sz="1400" dirty="0"/>
+            </a:br>
+            <a:r>
+              <a:rPr lang="zh-CN" altLang="en-US" sz="1400" dirty="0"/>
+              <a:t>程或一个动态线程运行结束时，会先行更改线程状态为非调度状态，然后挂入一个待回收</a:t>
+            </a:r>
+            <a:br>
+              <a:rPr lang="zh-CN" altLang="en-US" sz="1400" dirty="0"/>
+            </a:br>
+            <a:r>
+              <a:rPr lang="zh-CN" altLang="en-US" sz="1400" dirty="0"/>
+              <a:t>队列中，真正的系统资源回收工作在空闲线程完成，空闲线程是唯一不允许出现阻塞情况</a:t>
+            </a:r>
+            <a:br>
+              <a:rPr lang="zh-CN" altLang="en-US" sz="1400" dirty="0"/>
+            </a:br>
+            <a:r>
+              <a:rPr lang="zh-CN" altLang="en-US" sz="1400" dirty="0"/>
+              <a:t>的线程，因为 </a:t>
+            </a:r>
+            <a:r>
+              <a:rPr lang="en-US" altLang="zh-CN" sz="1400" dirty="0"/>
+              <a:t>RT-Thread </a:t>
+            </a:r>
+            <a:r>
+              <a:rPr lang="zh-CN" altLang="en-US" sz="1400" dirty="0"/>
+              <a:t>需要保证系统用于都有一个可运行的线程。</a:t>
+            </a:r>
+            <a:br>
+              <a:rPr lang="zh-CN" altLang="en-US" sz="1400" dirty="0"/>
+            </a:br>
+            <a:r>
+              <a:rPr lang="zh-CN" altLang="en-US" sz="1400" dirty="0"/>
+              <a:t>对于空闲线程钩子上挂接的空闲钩子函数，它应该满足以下的条件：</a:t>
+            </a:r>
+            <a:br>
+              <a:rPr lang="zh-CN" altLang="en-US" sz="1400" dirty="0"/>
+            </a:br>
+            <a:r>
+              <a:rPr lang="zh-CN" altLang="en-US" sz="1400" dirty="0"/>
+              <a:t> 不会挂起空闲线程；</a:t>
+            </a:r>
+            <a:br>
+              <a:rPr lang="zh-CN" altLang="en-US" sz="1400" dirty="0"/>
+            </a:br>
+            <a:r>
+              <a:rPr lang="zh-CN" altLang="en-US" sz="1400" dirty="0"/>
+              <a:t> 不应该陷入死循环，需要留出部分时间用于系统处理系统资源回收。</a:t>
+            </a:r>
+            <a:r>
+              <a:rPr lang="zh-CN" altLang="en-US" sz="1400" dirty="0"/>
+              <a:t> </a:t>
+            </a:r>
+            <a:r>
+              <a:rPr lang="zh-CN" altLang="en-US" sz="1050" dirty="0"/>
+              <a:t/>
+            </a:r>
+            <a:br>
+              <a:rPr lang="zh-CN" altLang="en-US" sz="1050" dirty="0"/>
+            </a:br>
+            <a:endParaRPr lang="en-US" altLang="zh-CN" sz="1050" dirty="0" smtClean="0"/>
+          </a:p>
+          <a:p>
+            <a:pPr marL="0" indent="0">
+              <a:buNone/>
+            </a:pPr>
+            <a:r>
+              <a:rPr lang="zh-CN" altLang="en-US" sz="1050" dirty="0" smtClean="0">
+                <a:hlinkClick r:id="rId2"/>
+              </a:rPr>
+              <a:t>一句话了解空闲线程的特点</a:t>
+            </a:r>
+            <a:endParaRPr lang="zh-CN" altLang="en-US" sz="1050" dirty="0"/>
           </a:p>
         </p:txBody>
       </p:sp>
-      <p:pic>
-        <p:nvPicPr>
-          <p:cNvPr id="2050" name="Picture 2"/>
-          <p:cNvPicPr>
-            <a:picLocks noChangeAspect="1" noChangeArrowheads="1"/>
-          </p:cNvPicPr>
-          <p:nvPr/>
-        </p:nvPicPr>
-        <p:blipFill>
-          <a:blip r:embed="rId4">
-            <a:extLst>
-              <a:ext uri="{28A0092B-C50C-407E-A947-70E740481C1C}">
-                <a14:useLocalDpi xmlns:a14="http://schemas.microsoft.com/office/drawing/2010/main" val="0"/>
-              </a:ext>
-            </a:extLst>
-          </a:blip>
-          <a:srcRect/>
-          <a:stretch>
-            <a:fillRect/>
-          </a:stretch>
-        </p:blipFill>
-        <p:spPr bwMode="auto">
-          <a:xfrm>
-            <a:off x="4890712" y="1744256"/>
-            <a:ext cx="952500" cy="952500"/>
-          </a:xfrm>
-          <a:prstGeom prst="rect">
-            <a:avLst/>
-          </a:prstGeom>
-          <a:noFill/>
-          <a:ln>
-            <a:noFill/>
-          </a:ln>
-          <a:effectLst/>
-          <a:extLst>
-            <a:ext uri="{909E8E84-426E-40DD-AFC4-6F175D3DCCD1}">
-              <a14:hiddenFill xmlns:a14="http://schemas.microsoft.com/office/drawing/2010/main">
-                <a:solidFill>
-                  <a:schemeClr val="accent1"/>
-                </a:solidFill>
-              </a14:hiddenFill>
-            </a:ext>
-            <a:ext uri="{91240B29-F687-4F45-9708-019B960494DF}">
-              <a14:hiddenLine xmlns:a14="http://schemas.microsoft.com/office/drawing/2010/main" w="9525">
-                <a:solidFill>
-                  <a:schemeClr val="tx1"/>
-                </a:solidFill>
-                <a:miter lim="800000"/>
-                <a:headEnd/>
-                <a:tailEnd/>
-              </a14:hiddenLine>
-            </a:ext>
-            <a:ext uri="{AF507438-7753-43E0-B8FC-AC1667EBCBE1}">
-              <a14:hiddenEffects xmlns:a14="http://schemas.microsoft.com/office/drawing/2010/main">
-                <a:effectLst>
-                  <a:outerShdw dist="35921" dir="2700000" algn="ctr" rotWithShape="0">
-                    <a:schemeClr val="bg2"/>
-                  </a:outerShdw>
-                </a:effectLst>
-              </a14:hiddenEffects>
-            </a:ext>
-          </a:extLst>
-        </p:spPr>
-      </p:pic>
     </p:spTree>
     <p:extLst>
       <p:ext uri="{BB962C8B-B14F-4D97-AF65-F5344CB8AC3E}">
-        <p14:creationId xmlns:p14="http://schemas.microsoft.com/office/powerpoint/2010/main" val="1063884969"/>
+        <p14:creationId xmlns:p14="http://schemas.microsoft.com/office/powerpoint/2010/main" val="4268825042"/>
       </p:ext>
     </p:extLst>
   </p:cSld>
@@ -19710,15 +20392,79 @@
             <p:ph idx="1"/>
           </p:nvPr>
         </p:nvSpPr>
-        <p:spPr>
-          <a:xfrm>
-            <a:off x="872067" y="1916832"/>
-            <a:ext cx="7408333" cy="4209331"/>
-          </a:xfrm>
-        </p:spPr>
+        <p:spPr/>
         <p:txBody>
           <a:bodyPr/>
           <a:lstStyle/>
+          <a:p>
+            <a:pPr marL="0" indent="0">
+              <a:buNone/>
+            </a:pPr>
+            <a:r>
+              <a:rPr lang="en-US" altLang="zh-CN" sz="2000" dirty="0">
+                <a:solidFill>
+                  <a:schemeClr val="tx1"/>
+                </a:solidFill>
+              </a:rPr>
+              <a:t>RT-Thread </a:t>
+            </a:r>
+            <a:r>
+              <a:rPr lang="zh-CN" altLang="en-US" sz="2000" dirty="0">
+                <a:solidFill>
+                  <a:schemeClr val="tx1"/>
+                </a:solidFill>
+              </a:rPr>
+              <a:t>的线程调度器是抢占式的，主要的工作就是从就绪线程列表中查找最高优先级线程，保证最高优先级的线程能够被运行，最高优先级的任务一旦就绪，总能得到 </a:t>
+            </a:r>
+            <a:r>
+              <a:rPr lang="en-US" altLang="zh-CN" sz="2000" dirty="0">
+                <a:solidFill>
+                  <a:schemeClr val="tx1"/>
+                </a:solidFill>
+              </a:rPr>
+              <a:t>CPU </a:t>
+            </a:r>
+            <a:r>
+              <a:rPr lang="zh-CN" altLang="en-US" sz="2000" dirty="0">
+                <a:solidFill>
+                  <a:schemeClr val="tx1"/>
+                </a:solidFill>
+              </a:rPr>
+              <a:t>的使用权。当一个运行着的线程使一个比它优先级高的线程满足运行条件，当前线程的 </a:t>
+            </a:r>
+            <a:r>
+              <a:rPr lang="en-US" altLang="zh-CN" sz="2000" dirty="0">
+                <a:solidFill>
+                  <a:schemeClr val="tx1"/>
+                </a:solidFill>
+              </a:rPr>
+              <a:t>CPU </a:t>
+            </a:r>
+            <a:r>
+              <a:rPr lang="zh-CN" altLang="en-US" sz="2000" dirty="0">
+                <a:solidFill>
+                  <a:schemeClr val="tx1"/>
+                </a:solidFill>
+              </a:rPr>
+              <a:t>使用权就被剥夺了，或者说被让出了，高优先级的线程立刻得到了 </a:t>
+            </a:r>
+            <a:r>
+              <a:rPr lang="en-US" altLang="zh-CN" sz="2000" dirty="0">
+                <a:solidFill>
+                  <a:schemeClr val="tx1"/>
+                </a:solidFill>
+              </a:rPr>
+              <a:t>CPU </a:t>
+            </a:r>
+            <a:r>
+              <a:rPr lang="zh-CN" altLang="en-US" sz="2000" dirty="0">
+                <a:solidFill>
+                  <a:schemeClr val="tx1"/>
+                </a:solidFill>
+              </a:rPr>
+              <a:t>的使用权。</a:t>
+            </a:r>
+          </a:p>
           <a:p>
             <a:pPr marL="0" indent="0">
               <a:buNone/>
@@ -19739,7 +20485,7 @@
         </p:nvSpPr>
         <p:spPr>
           <a:xfrm>
-            <a:off x="0" y="6381328"/>
+            <a:off x="0" y="6304235"/>
             <a:ext cx="9144000" cy="365125"/>
           </a:xfrm>
         </p:spPr>
@@ -19793,12 +20539,7 @@
             <p:ph type="sldNum" sz="quarter" idx="12"/>
           </p:nvPr>
         </p:nvSpPr>
-        <p:spPr>
-          <a:xfrm>
-            <a:off x="3995936" y="6381328"/>
-            <a:ext cx="1161826" cy="365125"/>
-          </a:xfrm>
-        </p:spPr>
+        <p:spPr/>
         <p:txBody>
           <a:bodyPr/>
           <a:lstStyle/>
@@ -19807,7 +20548,7 @@
               <a:rPr lang="zh-CN" altLang="en-US" smtClean="0"/>
               <a:t>21</a:t>
             </a:fld>
-            <a:endParaRPr lang="zh-CN" altLang="en-US" dirty="0"/>
+            <a:endParaRPr lang="zh-CN" altLang="en-US"/>
           </a:p>
         </p:txBody>
       </p:sp>
@@ -19823,91 +20564,28 @@
         </p:nvSpPr>
         <p:spPr/>
         <p:txBody>
-          <a:bodyPr>
-            <a:normAutofit/>
-          </a:bodyPr>
+          <a:bodyPr/>
           <a:lstStyle/>
           <a:p>
             <a:r>
+              <a:rPr lang="zh-CN" altLang="en-US" dirty="0" smtClean="0"/>
+              <a:t>启动线程</a:t>
+            </a:r>
+            <a:r>
+              <a:rPr lang="zh-CN" altLang="en-US" dirty="0" smtClean="0"/>
+              <a:t>调度</a:t>
+            </a:r>
+            <a:r>
               <a:rPr lang="zh-CN" altLang="en-US" dirty="0"/>
-              <a:t>嵌入式常见的编程</a:t>
-            </a:r>
-            <a:r>
-              <a:rPr lang="zh-CN" altLang="en-US" dirty="0" smtClean="0"/>
-              <a:t>方式</a:t>
-            </a:r>
-            <a:endParaRPr lang="zh-CN" altLang="en-US" dirty="0"/>
+              <a:t>器</a:t>
+            </a:r>
           </a:p>
         </p:txBody>
       </p:sp>
-      <p:pic>
-        <p:nvPicPr>
-          <p:cNvPr id="3074" name="Picture 2"/>
-          <p:cNvPicPr>
-            <a:picLocks noChangeAspect="1" noChangeArrowheads="1"/>
-          </p:cNvPicPr>
-          <p:nvPr/>
-        </p:nvPicPr>
-        <p:blipFill>
-          <a:blip r:embed="rId2">
-            <a:extLst>
-              <a:ext uri="{28A0092B-C50C-407E-A947-70E740481C1C}">
-                <a14:useLocalDpi xmlns:a14="http://schemas.microsoft.com/office/drawing/2010/main" val="0"/>
-              </a:ext>
-            </a:extLst>
-          </a:blip>
-          <a:srcRect/>
-          <a:stretch>
-            <a:fillRect/>
-          </a:stretch>
-        </p:blipFill>
-        <p:spPr bwMode="auto">
-          <a:xfrm>
-            <a:off x="1331640" y="2572539"/>
-            <a:ext cx="6552728" cy="3623737"/>
-          </a:xfrm>
-          <a:prstGeom prst="rect">
-            <a:avLst/>
-          </a:prstGeom>
-          <a:noFill/>
-          <a:ln>
-            <a:noFill/>
-          </a:ln>
-          <a:effectLst/>
-          <a:extLst>
-            <a:ext uri="{909E8E84-426E-40DD-AFC4-6F175D3DCCD1}">
-              <a14:hiddenFill xmlns:a14="http://schemas.microsoft.com/office/drawing/2010/main">
-                <a:solidFill>
-                  <a:schemeClr val="accent1"/>
-                </a:solidFill>
-              </a14:hiddenFill>
-            </a:ext>
-            <a:ext uri="{91240B29-F687-4F45-9708-019B960494DF}">
-              <a14:hiddenLine xmlns:a14="http://schemas.microsoft.com/office/drawing/2010/main" w="9525">
-                <a:solidFill>
-                  <a:schemeClr val="tx1"/>
-                </a:solidFill>
-                <a:miter lim="800000"/>
-                <a:headEnd/>
-                <a:tailEnd/>
-              </a14:hiddenLine>
-            </a:ext>
-            <a:ext uri="{AF507438-7753-43E0-B8FC-AC1667EBCBE1}">
-              <a14:hiddenEffects xmlns:a14="http://schemas.microsoft.com/office/drawing/2010/main">
-                <a:effectLst>
-                  <a:outerShdw dist="35921" dir="2700000" algn="ctr" rotWithShape="0">
-                    <a:schemeClr val="bg2"/>
-                  </a:outerShdw>
-                </a:effectLst>
-              </a14:hiddenEffects>
-            </a:ext>
-          </a:extLst>
-        </p:spPr>
-      </p:pic>
     </p:spTree>
     <p:extLst>
       <p:ext uri="{BB962C8B-B14F-4D97-AF65-F5344CB8AC3E}">
-        <p14:creationId xmlns:p14="http://schemas.microsoft.com/office/powerpoint/2010/main" val="1668722573"/>
+        <p14:creationId xmlns:p14="http://schemas.microsoft.com/office/powerpoint/2010/main" val="808432466"/>
       </p:ext>
     </p:extLst>
   </p:cSld>
@@ -19943,145 +20621,7 @@
       </p:grpSpPr>
       <p:sp>
         <p:nvSpPr>
-          <p:cNvPr id="2" name="内容占位符 1"/>
-          <p:cNvSpPr>
-            <a:spLocks noGrp="1"/>
-          </p:cNvSpPr>
-          <p:nvPr>
-            <p:ph idx="1"/>
-          </p:nvPr>
-        </p:nvSpPr>
-        <p:spPr>
-          <a:xfrm>
-            <a:off x="827584" y="1844824"/>
-            <a:ext cx="7408333" cy="4209331"/>
-          </a:xfrm>
-        </p:spPr>
-        <p:txBody>
-          <a:bodyPr/>
-          <a:lstStyle/>
-          <a:p>
-            <a:pPr marL="0" indent="0">
-              <a:buNone/>
-            </a:pPr>
-            <a:r>
-              <a:rPr lang="zh-CN" altLang="en-US" b="1" dirty="0"/>
-              <a:t>前</a:t>
-            </a:r>
-            <a:r>
-              <a:rPr lang="zh-CN" altLang="en-US" b="1" dirty="0" smtClean="0"/>
-              <a:t>后台系统的</a:t>
-            </a:r>
-            <a:r>
-              <a:rPr lang="zh-CN" altLang="en-US" b="1" dirty="0"/>
-              <a:t>特点 </a:t>
-            </a:r>
-            <a:endParaRPr lang="en-US" altLang="zh-CN" b="1" dirty="0" smtClean="0"/>
-          </a:p>
-          <a:p>
-            <a:r>
-              <a:rPr lang="zh-CN" altLang="en-US" dirty="0" smtClean="0"/>
-              <a:t>后台 </a:t>
-            </a:r>
-            <a:r>
-              <a:rPr lang="zh-CN" altLang="en-US" dirty="0"/>
-              <a:t/>
-            </a:r>
-            <a:br>
-              <a:rPr lang="zh-CN" altLang="en-US" dirty="0"/>
-            </a:br>
-            <a:r>
-              <a:rPr lang="zh-CN" altLang="en-US" sz="1600" dirty="0">
-                <a:solidFill>
-                  <a:schemeClr val="tx1"/>
-                </a:solidFill>
-              </a:rPr>
-              <a:t>应用程序通常是一个无限的循环，在循环中，通过调用相应的处理</a:t>
-            </a:r>
-            <a:r>
-              <a:rPr lang="zh-CN" altLang="en-US" sz="1600" dirty="0" smtClean="0">
-                <a:solidFill>
-                  <a:schemeClr val="tx1"/>
-                </a:solidFill>
-              </a:rPr>
-              <a:t>函数完成</a:t>
-            </a:r>
-            <a:r>
-              <a:rPr lang="zh-CN" altLang="en-US" sz="1600" dirty="0">
-                <a:solidFill>
-                  <a:schemeClr val="tx1"/>
-                </a:solidFill>
-              </a:rPr>
-              <a:t>相应的操作，这</a:t>
-            </a:r>
-            <a:r>
-              <a:rPr lang="zh-CN" altLang="en-US" sz="1600" dirty="0" smtClean="0">
-                <a:solidFill>
-                  <a:schemeClr val="tx1"/>
-                </a:solidFill>
-              </a:rPr>
-              <a:t>部分我们可以称之为后台。</a:t>
-            </a:r>
-            <a:endParaRPr lang="en-US" altLang="zh-CN" sz="1600" dirty="0" smtClean="0">
-              <a:solidFill>
-                <a:schemeClr val="tx1"/>
-              </a:solidFill>
-            </a:endParaRPr>
-          </a:p>
-          <a:p>
-            <a:r>
-              <a:rPr lang="zh-CN" altLang="en-US" dirty="0"/>
-              <a:t>前台</a:t>
-            </a:r>
-            <a:r>
-              <a:rPr lang="zh-CN" altLang="en-US" sz="2000" dirty="0"/>
-              <a:t/>
-            </a:r>
-            <a:br>
-              <a:rPr lang="zh-CN" altLang="en-US" sz="2000" dirty="0"/>
-            </a:br>
-            <a:r>
-              <a:rPr lang="zh-CN" altLang="en-US" sz="1600" dirty="0" smtClean="0">
-                <a:solidFill>
-                  <a:schemeClr val="tx1"/>
-                </a:solidFill>
-              </a:rPr>
-              <a:t>中断服务程序</a:t>
-            </a:r>
-            <a:r>
-              <a:rPr lang="zh-CN" altLang="en-US" sz="1600" dirty="0">
-                <a:solidFill>
-                  <a:schemeClr val="tx1"/>
-                </a:solidFill>
-              </a:rPr>
-              <a:t>接收异步中断，来通知后台，后台收到中断请求</a:t>
-            </a:r>
-            <a:r>
-              <a:rPr lang="zh-CN" altLang="en-US" sz="1600" dirty="0" smtClean="0">
-                <a:solidFill>
-                  <a:schemeClr val="tx1"/>
-                </a:solidFill>
-              </a:rPr>
-              <a:t>后进行处理。 </a:t>
-            </a:r>
-            <a:r>
-              <a:rPr lang="zh-CN" altLang="en-US" sz="2000" dirty="0"/>
-              <a:t/>
-            </a:r>
-            <a:br>
-              <a:rPr lang="zh-CN" altLang="en-US" sz="2000" dirty="0"/>
-            </a:br>
-            <a:endParaRPr lang="zh-CN" altLang="en-US" sz="2000" dirty="0">
-              <a:solidFill>
-                <a:schemeClr val="tx1"/>
-              </a:solidFill>
-            </a:endParaRPr>
-          </a:p>
-        </p:txBody>
-      </p:sp>
-      <p:sp>
-        <p:nvSpPr>
-          <p:cNvPr id="3" name="页脚占位符 2"/>
+          <p:cNvPr id="7" name="页脚占位符 6"/>
           <p:cNvSpPr>
             <a:spLocks noGrp="1"/>
           </p:cNvSpPr>
@@ -20091,7 +20631,7 @@
         </p:nvSpPr>
         <p:spPr>
           <a:xfrm>
-            <a:off x="0" y="6381328"/>
+            <a:off x="0" y="6376243"/>
             <a:ext cx="9144000" cy="365125"/>
           </a:xfrm>
         </p:spPr>
@@ -20137,7 +20677,7 @@
       </p:sp>
       <p:sp>
         <p:nvSpPr>
-          <p:cNvPr id="4" name="灯片编号占位符 3"/>
+          <p:cNvPr id="8" name="灯片编号占位符 7"/>
           <p:cNvSpPr>
             <a:spLocks noGrp="1"/>
           </p:cNvSpPr>
@@ -20147,7 +20687,7 @@
         </p:nvSpPr>
         <p:spPr>
           <a:xfrm>
-            <a:off x="3995936" y="6381328"/>
+            <a:off x="3882567" y="6381328"/>
             <a:ext cx="1161826" cy="365125"/>
           </a:xfrm>
         </p:spPr>
@@ -20165,39 +20705,133 @@
       </p:sp>
       <p:sp>
         <p:nvSpPr>
-          <p:cNvPr id="5" name="标题 4"/>
-          <p:cNvSpPr>
-            <a:spLocks noGrp="1"/>
-          </p:cNvSpPr>
-          <p:nvPr>
-            <p:ph type="title"/>
-          </p:nvPr>
+          <p:cNvPr id="2" name="TextBox 1"/>
+          <p:cNvSpPr txBox="1"/>
+          <p:nvPr/>
         </p:nvSpPr>
-        <p:spPr/>
+        <p:spPr>
+          <a:xfrm>
+            <a:off x="-108520" y="980728"/>
+            <a:ext cx="9144000" cy="1323439"/>
+          </a:xfrm>
+          <a:prstGeom prst="rect">
+            <a:avLst/>
+          </a:prstGeom>
+          <a:noFill/>
+        </p:spPr>
         <p:txBody>
-          <a:bodyPr>
-            <a:normAutofit/>
+          <a:bodyPr wrap="square" rtlCol="0">
+            <a:spAutoFit/>
           </a:bodyPr>
           <a:lstStyle/>
           <a:p>
+            <a:pPr algn="ctr"/>
+            <a:r>
+              <a:rPr lang="en-US" altLang="zh-CN" sz="4400" dirty="0">
+                <a:ea typeface="华文新魏"/>
+                <a:cs typeface="+mj-cs"/>
+              </a:rPr>
+              <a:t>RT-Thread </a:t>
+            </a:r>
+            <a:r>
+              <a:rPr lang="zh-CN" altLang="en-US" sz="4400" dirty="0">
+                <a:ea typeface="华文新魏"/>
+                <a:cs typeface="+mj-cs"/>
+              </a:rPr>
+              <a:t>物联网操作系统</a:t>
+            </a:r>
+            <a:endParaRPr lang="en-US" altLang="zh-CN" sz="4400" dirty="0">
+              <a:ea typeface="华文新魏"/>
+              <a:cs typeface="+mj-cs"/>
+            </a:endParaRPr>
+          </a:p>
+          <a:p>
+            <a:pPr algn="ctr"/>
+            <a:r>
+              <a:rPr lang="en-US" altLang="zh-CN" sz="3600" b="1" dirty="0"/>
+              <a:t>	</a:t>
+            </a:r>
+            <a:r>
+              <a:rPr lang="en-US" altLang="zh-CN" sz="3600" b="1" dirty="0" smtClean="0"/>
+              <a:t>							</a:t>
+            </a:r>
+            <a:r>
+              <a:rPr lang="en-US" altLang="zh-CN" sz="2400" dirty="0" smtClean="0"/>
+              <a:t>——</a:t>
+            </a:r>
+            <a:r>
+              <a:rPr lang="zh-CN" altLang="en-US" sz="2400" b="1" dirty="0" smtClean="0"/>
+              <a:t>杰杰</a:t>
+            </a:r>
+            <a:endParaRPr lang="zh-CN" altLang="en-US" sz="2400" b="1" dirty="0"/>
+          </a:p>
+        </p:txBody>
+      </p:sp>
+      <p:sp>
+        <p:nvSpPr>
+          <p:cNvPr id="11" name="矩形 10"/>
+          <p:cNvSpPr/>
+          <p:nvPr/>
+        </p:nvSpPr>
+        <p:spPr>
+          <a:xfrm>
+            <a:off x="6461448" y="5651955"/>
+            <a:ext cx="2574032" cy="584775"/>
+          </a:xfrm>
+          <a:prstGeom prst="rect">
+            <a:avLst/>
+          </a:prstGeom>
+        </p:spPr>
+        <p:txBody>
+          <a:bodyPr wrap="square">
+            <a:spAutoFit/>
+          </a:bodyPr>
+          <a:lstStyle/>
+          <a:p>
+            <a:pPr algn="r"/>
+            <a:r>
+              <a:rPr lang="zh-CN" altLang="en-US" dirty="0"/>
+              <a:t>本讲义版权</a:t>
+            </a:r>
             <a:r>
               <a:rPr lang="zh-CN" altLang="en-US" dirty="0" smtClean="0"/>
-              <a:t>前后台系统</a:t>
-            </a:r>
-            <a:endParaRPr lang="zh-CN" altLang="en-US" dirty="0"/>
+              <a:t>归杰杰所有</a:t>
+            </a:r>
+            <a:endParaRPr lang="en-US" altLang="zh-CN" dirty="0" smtClean="0"/>
+          </a:p>
+          <a:p>
+            <a:pPr algn="r"/>
+            <a:r>
+              <a:rPr lang="en-US" altLang="zh-CN" sz="1200" dirty="0" smtClean="0">
+                <a:latin typeface="+mn-ea"/>
+              </a:rPr>
+              <a:t>		</a:t>
+            </a:r>
+            <a:r>
+              <a:rPr lang="en-US" altLang="zh-CN" sz="1400" dirty="0" smtClean="0">
+                <a:latin typeface="Microsoft Himalaya" pitchFamily="2" charset="0"/>
+                <a:ea typeface="Microsoft Himalaya" pitchFamily="2" charset="0"/>
+                <a:cs typeface="Microsoft Himalaya" pitchFamily="2" charset="0"/>
+              </a:rPr>
+              <a:t>2019</a:t>
+            </a:r>
+            <a:endParaRPr lang="zh-CN" altLang="en-US" sz="1400" dirty="0">
+              <a:latin typeface="Microsoft Himalaya" pitchFamily="2" charset="0"/>
+              <a:cs typeface="Microsoft Himalaya" pitchFamily="2" charset="0"/>
+            </a:endParaRPr>
           </a:p>
         </p:txBody>
       </p:sp>
       <p:pic>
         <p:nvPicPr>
-          <p:cNvPr id="7" name="Picture 2" descr="1100576-20170518203520978-129299542.png"/>
+          <p:cNvPr id="1025" name="Picture 1" descr="E:\QQ_File\QQ_UserData\1161959934\Image\Group\HP8KPR@ICU[KIF$1AQK{HGK.jpg"/>
           <p:cNvPicPr>
             <a:picLocks noChangeAspect="1" noChangeArrowheads="1"/>
           </p:cNvPicPr>
           <p:nvPr/>
         </p:nvPicPr>
         <p:blipFill>
-          <a:blip r:embed="rId2">
+          <a:blip r:embed="rId3">
             <a:extLst>
               <a:ext uri="{28A0092B-C50C-407E-A947-70E740481C1C}">
                 <a14:useLocalDpi xmlns:a14="http://schemas.microsoft.com/office/drawing/2010/main" val="0"/>
@@ -20211,8 +20845,8 @@
         </p:blipFill>
         <p:spPr bwMode="auto">
           <a:xfrm>
-            <a:off x="2051720" y="2276872"/>
-            <a:ext cx="5076896" cy="3850216"/>
+            <a:off x="1907704" y="2780928"/>
+            <a:ext cx="2016224" cy="2016224"/>
           </a:xfrm>
           <a:prstGeom prst="rect">
             <a:avLst/>
@@ -20229,10 +20863,227 @@
           </a:extLst>
         </p:spPr>
       </p:pic>
+      <p:sp>
+        <p:nvSpPr>
+          <p:cNvPr id="12" name="TextBox 11"/>
+          <p:cNvSpPr txBox="1"/>
+          <p:nvPr/>
+        </p:nvSpPr>
+        <p:spPr>
+          <a:xfrm>
+            <a:off x="4355976" y="2780928"/>
+            <a:ext cx="3839513" cy="2031325"/>
+          </a:xfrm>
+          <a:prstGeom prst="rect">
+            <a:avLst/>
+          </a:prstGeom>
+          <a:noFill/>
+        </p:spPr>
+        <p:txBody>
+          <a:bodyPr wrap="none" rtlCol="0">
+            <a:spAutoFit/>
+          </a:bodyPr>
+          <a:lstStyle/>
+          <a:p>
+            <a:r>
+              <a:rPr lang="zh-CN" altLang="en-US" dirty="0">
+                <a:latin typeface="Arial Unicode MS" pitchFamily="34" charset="-122"/>
+                <a:ea typeface="Arial Unicode MS" pitchFamily="34" charset="-122"/>
+                <a:cs typeface="Arial Unicode MS" pitchFamily="34" charset="-122"/>
+              </a:rPr>
+              <a:t>博</a:t>
+            </a:r>
+            <a:r>
+              <a:rPr lang="zh-CN" altLang="en-US" dirty="0" smtClean="0">
+                <a:latin typeface="Arial Unicode MS" pitchFamily="34" charset="-122"/>
+                <a:ea typeface="Arial Unicode MS" pitchFamily="34" charset="-122"/>
+                <a:cs typeface="Arial Unicode MS" pitchFamily="34" charset="-122"/>
+              </a:rPr>
+              <a:t>客 </a:t>
+            </a:r>
+            <a:r>
+              <a:rPr lang="en-US" altLang="zh-CN" dirty="0" smtClean="0">
+                <a:latin typeface="Arial Unicode MS" pitchFamily="34" charset="-122"/>
+                <a:ea typeface="Arial Unicode MS" pitchFamily="34" charset="-122"/>
+                <a:cs typeface="Arial Unicode MS" pitchFamily="34" charset="-122"/>
+              </a:rPr>
+              <a:t>: </a:t>
+            </a:r>
+            <a:r>
+              <a:rPr lang="en-US" altLang="zh-CN" dirty="0" smtClean="0">
+                <a:latin typeface="Arial Unicode MS" pitchFamily="34" charset="-122"/>
+                <a:ea typeface="Arial Unicode MS" pitchFamily="34" charset="-122"/>
+                <a:cs typeface="Arial Unicode MS" pitchFamily="34" charset="-122"/>
+                <a:hlinkClick r:id="rId4"/>
+              </a:rPr>
+              <a:t>https://blog.csdn.net/jiejiemcu</a:t>
+            </a:r>
+            <a:endParaRPr lang="en-US" altLang="zh-CN" dirty="0" smtClean="0">
+              <a:latin typeface="Arial Unicode MS" pitchFamily="34" charset="-122"/>
+              <a:ea typeface="Arial Unicode MS" pitchFamily="34" charset="-122"/>
+              <a:cs typeface="Arial Unicode MS" pitchFamily="34" charset="-122"/>
+            </a:endParaRPr>
+          </a:p>
+          <a:p>
+            <a:endParaRPr lang="en-US" altLang="zh-CN" dirty="0" smtClean="0">
+              <a:latin typeface="Arial Unicode MS" pitchFamily="34" charset="-122"/>
+              <a:ea typeface="Arial Unicode MS" pitchFamily="34" charset="-122"/>
+              <a:cs typeface="Arial Unicode MS" pitchFamily="34" charset="-122"/>
+            </a:endParaRPr>
+          </a:p>
+          <a:p>
+            <a:r>
+              <a:rPr lang="en-US" altLang="zh-CN" dirty="0" err="1" smtClean="0">
+                <a:latin typeface="Arial Unicode MS" pitchFamily="34" charset="-122"/>
+                <a:ea typeface="Arial Unicode MS" pitchFamily="34" charset="-122"/>
+                <a:cs typeface="Arial Unicode MS" pitchFamily="34" charset="-122"/>
+              </a:rPr>
+              <a:t>GitHub</a:t>
+            </a:r>
+            <a:r>
+              <a:rPr lang="en-US" altLang="zh-CN" dirty="0" smtClean="0">
+                <a:latin typeface="Arial Unicode MS" pitchFamily="34" charset="-122"/>
+                <a:ea typeface="Arial Unicode MS" pitchFamily="34" charset="-122"/>
+                <a:cs typeface="Arial Unicode MS" pitchFamily="34" charset="-122"/>
+              </a:rPr>
+              <a:t> : </a:t>
+            </a:r>
+            <a:r>
+              <a:rPr lang="en-US" altLang="zh-CN" dirty="0" smtClean="0">
+                <a:latin typeface="Arial Unicode MS" pitchFamily="34" charset="-122"/>
+                <a:ea typeface="Arial Unicode MS" pitchFamily="34" charset="-122"/>
+                <a:cs typeface="Arial Unicode MS" pitchFamily="34" charset="-122"/>
+                <a:hlinkClick r:id="rId5"/>
+              </a:rPr>
+              <a:t>https://github.com/jiejieTop</a:t>
+            </a:r>
+            <a:endParaRPr lang="en-US" altLang="zh-CN" dirty="0" smtClean="0">
+              <a:latin typeface="Arial Unicode MS" pitchFamily="34" charset="-122"/>
+              <a:ea typeface="Arial Unicode MS" pitchFamily="34" charset="-122"/>
+              <a:cs typeface="Arial Unicode MS" pitchFamily="34" charset="-122"/>
+            </a:endParaRPr>
+          </a:p>
+          <a:p>
+            <a:endParaRPr lang="en-US" altLang="zh-CN" dirty="0">
+              <a:latin typeface="Arial Unicode MS" pitchFamily="34" charset="-122"/>
+              <a:ea typeface="Arial Unicode MS" pitchFamily="34" charset="-122"/>
+              <a:cs typeface="Arial Unicode MS" pitchFamily="34" charset="-122"/>
+            </a:endParaRPr>
+          </a:p>
+          <a:p>
+            <a:r>
+              <a:rPr lang="en-US" altLang="zh-CN" dirty="0" smtClean="0">
+                <a:latin typeface="Arial Unicode MS" pitchFamily="34" charset="-122"/>
+                <a:ea typeface="Arial Unicode MS" pitchFamily="34" charset="-122"/>
+                <a:cs typeface="Arial Unicode MS" pitchFamily="34" charset="-122"/>
+              </a:rPr>
+              <a:t>Email : </a:t>
+            </a:r>
+            <a:r>
+              <a:rPr lang="en-US" altLang="zh-CN" dirty="0" smtClean="0">
+                <a:latin typeface="Arial Unicode MS" pitchFamily="34" charset="-122"/>
+                <a:ea typeface="Arial Unicode MS" pitchFamily="34" charset="-122"/>
+                <a:cs typeface="Arial Unicode MS" pitchFamily="34" charset="-122"/>
+                <a:hlinkClick r:id="rId6"/>
+              </a:rPr>
+              <a:t>jiejietop@gmail.com</a:t>
+            </a:r>
+            <a:endParaRPr lang="en-US" altLang="zh-CN" dirty="0" smtClean="0">
+              <a:latin typeface="Arial Unicode MS" pitchFamily="34" charset="-122"/>
+              <a:ea typeface="Arial Unicode MS" pitchFamily="34" charset="-122"/>
+              <a:cs typeface="Arial Unicode MS" pitchFamily="34" charset="-122"/>
+            </a:endParaRPr>
+          </a:p>
+          <a:p>
+            <a:endParaRPr lang="en-US" altLang="zh-CN" dirty="0">
+              <a:latin typeface="Arial Unicode MS" pitchFamily="34" charset="-122"/>
+              <a:ea typeface="Arial Unicode MS" pitchFamily="34" charset="-122"/>
+              <a:cs typeface="Arial Unicode MS" pitchFamily="34" charset="-122"/>
+            </a:endParaRPr>
+          </a:p>
+          <a:p>
+            <a:r>
+              <a:rPr lang="en-US" altLang="zh-CN" dirty="0" smtClean="0">
+                <a:latin typeface="Arial Unicode MS" pitchFamily="34" charset="-122"/>
+                <a:ea typeface="Arial Unicode MS" pitchFamily="34" charset="-122"/>
+                <a:cs typeface="Arial Unicode MS" pitchFamily="34" charset="-122"/>
+              </a:rPr>
+              <a:t>QQ / </a:t>
+            </a:r>
+            <a:r>
+              <a:rPr lang="en-US" altLang="zh-CN" dirty="0" err="1" smtClean="0">
+                <a:latin typeface="Arial Unicode MS" pitchFamily="34" charset="-122"/>
+                <a:ea typeface="Arial Unicode MS" pitchFamily="34" charset="-122"/>
+                <a:cs typeface="Arial Unicode MS" pitchFamily="34" charset="-122"/>
+              </a:rPr>
+              <a:t>WeChat</a:t>
+            </a:r>
+            <a:r>
+              <a:rPr lang="en-US" altLang="zh-CN" dirty="0" smtClean="0">
+                <a:latin typeface="Arial Unicode MS" pitchFamily="34" charset="-122"/>
+                <a:ea typeface="Arial Unicode MS" pitchFamily="34" charset="-122"/>
+                <a:cs typeface="Arial Unicode MS" pitchFamily="34" charset="-122"/>
+              </a:rPr>
+              <a:t> : </a:t>
+            </a:r>
+            <a:r>
+              <a:rPr lang="en-US" altLang="zh-CN" dirty="0" smtClean="0">
+                <a:latin typeface="Arial Unicode MS" pitchFamily="34" charset="-122"/>
+                <a:ea typeface="Arial Unicode MS" pitchFamily="34" charset="-122"/>
+                <a:cs typeface="Arial Unicode MS" pitchFamily="34" charset="-122"/>
+                <a:hlinkClick r:id="rId7" action="ppaction://hlinkfile"/>
+              </a:rPr>
+              <a:t>1161959934</a:t>
+            </a:r>
+            <a:endParaRPr lang="en-US" altLang="zh-CN" dirty="0" smtClean="0">
+              <a:latin typeface="Arial Unicode MS" pitchFamily="34" charset="-122"/>
+              <a:ea typeface="Arial Unicode MS" pitchFamily="34" charset="-122"/>
+              <a:cs typeface="Arial Unicode MS" pitchFamily="34" charset="-122"/>
+            </a:endParaRPr>
+          </a:p>
+        </p:txBody>
+      </p:sp>
+      <p:sp>
+        <p:nvSpPr>
+          <p:cNvPr id="13" name="TextBox 12"/>
+          <p:cNvSpPr txBox="1"/>
+          <p:nvPr/>
+        </p:nvSpPr>
+        <p:spPr>
+          <a:xfrm>
+            <a:off x="1907704" y="4797152"/>
+            <a:ext cx="2016223" cy="261610"/>
+          </a:xfrm>
+          <a:prstGeom prst="rect">
+            <a:avLst/>
+          </a:prstGeom>
+          <a:noFill/>
+        </p:spPr>
+        <p:txBody>
+          <a:bodyPr wrap="square" rtlCol="0">
+            <a:spAutoFit/>
+          </a:bodyPr>
+          <a:lstStyle/>
+          <a:p>
+            <a:pPr algn="ctr"/>
+            <a:r>
+              <a:rPr lang="zh-CN" altLang="en-US" sz="1100" dirty="0" smtClean="0">
+                <a:latin typeface="+mj-ea"/>
+                <a:ea typeface="+mj-ea"/>
+              </a:rPr>
+              <a:t>微信公众号</a:t>
+            </a:r>
+            <a:endParaRPr lang="zh-CN" altLang="en-US" sz="1100" dirty="0">
+              <a:latin typeface="+mj-ea"/>
+              <a:ea typeface="+mj-ea"/>
+            </a:endParaRPr>
+          </a:p>
+        </p:txBody>
+      </p:sp>
     </p:spTree>
     <p:extLst>
       <p:ext uri="{BB962C8B-B14F-4D97-AF65-F5344CB8AC3E}">
-        <p14:creationId xmlns:p14="http://schemas.microsoft.com/office/powerpoint/2010/main" val="1904858004"/>
+        <p14:creationId xmlns:p14="http://schemas.microsoft.com/office/powerpoint/2010/main" val="2243271085"/>
       </p:ext>
     </p:extLst>
   </p:cSld>
@@ -20260,7 +21111,7 @@
                             </p:stCondLst>
                             <p:childTnLst>
                               <p:par>
-                                <p:cTn id="5" presetID="42" presetClass="entr" presetSubtype="0" fill="hold" nodeType="clickEffect">
+                                <p:cTn id="5" presetID="6" presetClass="entr" presetSubtype="16" fill="hold" nodeType="clickEffect">
                                   <p:stCondLst>
                                     <p:cond delay="0"/>
                                   </p:stCondLst>
@@ -20273,7 +21124,7 @@
                                           </p:stCondLst>
                                         </p:cTn>
                                         <p:tgtEl>
-                                          <p:spTgt spid="7"/>
+                                          <p:spTgt spid="1025"/>
                                         </p:tgtEl>
                                         <p:attrNameLst>
                                           <p:attrName>style.visibility</p:attrName>
@@ -20283,1869 +21134,26 @@
                                         <p:strVal val="visible"/>
                                       </p:to>
                                     </p:set>
-                                    <p:animEffect transition="in" filter="fade">
+                                    <p:animEffect transition="in" filter="circle(in)">
                                       <p:cBhvr>
-                                        <p:cTn id="7" dur="1000"/>
+                                        <p:cTn id="7" dur="2000"/>
                                         <p:tgtEl>
-                                          <p:spTgt spid="7"/>
+                                          <p:spTgt spid="1025"/>
                                         </p:tgtEl>
                                       </p:cBhvr>
                                     </p:animEffect>
-                                    <p:anim calcmode="lin" valueType="num">
-                                      <p:cBhvr>
-                                        <p:cTn id="8" dur="1000" fill="hold"/>
-                                        <p:tgtEl>
-                                          <p:spTgt spid="7"/>
-                                        </p:tgtEl>
-                                        <p:attrNameLst>
-                                          <p:attrName>ppt_x</p:attrName>
-                                        </p:attrNameLst>
-                                      </p:cBhvr>
-                                      <p:tavLst>
-                                        <p:tav tm="0">
-                                          <p:val>
-                                            <p:strVal val="#ppt_x"/>
-                                          </p:val>
-                                        </p:tav>
-                                        <p:tav tm="100000">
-                                          <p:val>
-                                            <p:strVal val="#ppt_x"/>
-                                          </p:val>
-                                        </p:tav>
-                                      </p:tavLst>
-                                    </p:anim>
-                                    <p:anim calcmode="lin" valueType="num">
-                                      <p:cBhvr>
-                                        <p:cTn id="9" dur="1000" fill="hold"/>
-                                        <p:tgtEl>
-                                          <p:spTgt spid="7"/>
-                                        </p:tgtEl>
-                                        <p:attrNameLst>
-                                          <p:attrName>ppt_y</p:attrName>
-                                        </p:attrNameLst>
-                                      </p:cBhvr>
-                                      <p:tavLst>
-                                        <p:tav tm="0">
-                                          <p:val>
-                                            <p:strVal val="#ppt_y+.1"/>
-                                          </p:val>
-                                        </p:tav>
-                                        <p:tav tm="100000">
-                                          <p:val>
-                                            <p:strVal val="#ppt_y"/>
-                                          </p:val>
-                                        </p:tav>
-                                      </p:tavLst>
-                                    </p:anim>
                                   </p:childTnLst>
                                 </p:cTn>
                               </p:par>
-                            </p:childTnLst>
-                          </p:cTn>
-                        </p:par>
-                      </p:childTnLst>
-                    </p:cTn>
-                  </p:par>
-                </p:childTnLst>
-              </p:cTn>
-              <p:prevCondLst>
-                <p:cond evt="onPrev" delay="0">
-                  <p:tgtEl>
-                    <p:sldTgt/>
-                  </p:tgtEl>
-                </p:cond>
-              </p:prevCondLst>
-              <p:nextCondLst>
-                <p:cond evt="onNext" delay="0">
-                  <p:tgtEl>
-                    <p:sldTgt/>
-                  </p:tgtEl>
-                </p:cond>
-              </p:nextCondLst>
-            </p:seq>
-          </p:childTnLst>
-        </p:cTn>
-      </p:par>
-    </p:tnLst>
-  </p:timing>
-</p:sld>
-</file>
-
-<file path=ppt/slides/slide23.xml><?xml version="1.0" encoding="utf-8"?>
-<p:sld xmlns:a="http://schemas.openxmlformats.org/drawingml/2006/main" xmlns:r="http://schemas.openxmlformats.org/officeDocument/2006/relationships" xmlns:p="http://schemas.openxmlformats.org/presentationml/2006/main">
-  <p:cSld>
-    <p:spTree>
-      <p:nvGrpSpPr>
-        <p:cNvPr id="1" name=""/>
-        <p:cNvGrpSpPr/>
-        <p:nvPr/>
-      </p:nvGrpSpPr>
-      <p:grpSpPr>
-        <a:xfrm>
-          <a:off x="0" y="0"/>
-          <a:ext cx="0" cy="0"/>
-          <a:chOff x="0" y="0"/>
-          <a:chExt cx="0" cy="0"/>
-        </a:xfrm>
-      </p:grpSpPr>
-      <p:sp>
-        <p:nvSpPr>
-          <p:cNvPr id="2" name="内容占位符 1"/>
-          <p:cNvSpPr>
-            <a:spLocks noGrp="1"/>
-          </p:cNvSpPr>
-          <p:nvPr>
-            <p:ph idx="1"/>
-          </p:nvPr>
-        </p:nvSpPr>
-        <p:spPr>
-          <a:xfrm>
-            <a:off x="872067" y="1916832"/>
-            <a:ext cx="7408333" cy="4209331"/>
-          </a:xfrm>
-        </p:spPr>
-        <p:txBody>
-          <a:bodyPr>
-            <a:normAutofit/>
-          </a:bodyPr>
-          <a:lstStyle/>
-          <a:p>
-            <a:pPr marL="0" lvl="1" indent="0">
-              <a:buNone/>
-            </a:pPr>
-            <a:r>
-              <a:rPr lang="zh-CN" altLang="en-US" dirty="0"/>
-              <a:t>嵌入式</a:t>
-            </a:r>
-            <a:r>
-              <a:rPr lang="zh-CN" altLang="en-US" dirty="0" smtClean="0"/>
-              <a:t>实时操作系统特点</a:t>
-            </a:r>
-            <a:endParaRPr lang="en-US" altLang="zh-CN" dirty="0" smtClean="0"/>
-          </a:p>
-          <a:p>
-            <a:pPr marL="342900" lvl="1" indent="-342900"/>
-            <a:r>
-              <a:rPr lang="zh-CN" altLang="en-US" sz="2000" dirty="0" smtClean="0">
-                <a:solidFill>
-                  <a:schemeClr val="tx1"/>
-                </a:solidFill>
-              </a:rPr>
-              <a:t>嵌入式实时操作系统</a:t>
-            </a:r>
-            <a:r>
-              <a:rPr lang="zh-CN" altLang="en-US" sz="2000" dirty="0">
-                <a:solidFill>
-                  <a:schemeClr val="tx1"/>
-                </a:solidFill>
-              </a:rPr>
-              <a:t>是一种用途广泛的系统软件，通常包括</a:t>
-            </a:r>
-            <a:r>
-              <a:rPr lang="zh-CN" altLang="en-US" sz="2000" dirty="0" smtClean="0">
-                <a:solidFill>
-                  <a:schemeClr val="tx1"/>
-                </a:solidFill>
-              </a:rPr>
-              <a:t>与</a:t>
-            </a:r>
-            <a:r>
-              <a:rPr lang="en-US" altLang="zh-CN" sz="2000" dirty="0" smtClean="0">
-                <a:solidFill>
-                  <a:schemeClr val="tx1"/>
-                </a:solidFill>
-              </a:rPr>
-              <a:t>CPU</a:t>
-            </a:r>
-            <a:r>
-              <a:rPr lang="zh-CN" altLang="en-US" sz="2000" dirty="0" smtClean="0">
-                <a:solidFill>
-                  <a:schemeClr val="tx1"/>
-                </a:solidFill>
-              </a:rPr>
-              <a:t>硬件相关的</a:t>
-            </a:r>
-            <a:r>
-              <a:rPr lang="zh-CN" altLang="en-US" sz="2000" dirty="0">
-                <a:solidFill>
-                  <a:schemeClr val="tx1"/>
-                </a:solidFill>
-              </a:rPr>
-              <a:t>底层</a:t>
-            </a:r>
-            <a:r>
-              <a:rPr lang="zh-CN" altLang="en-US" sz="2000" dirty="0" smtClean="0">
-                <a:solidFill>
-                  <a:schemeClr val="tx1"/>
-                </a:solidFill>
-              </a:rPr>
-              <a:t>驱动、</a:t>
-            </a:r>
-            <a:r>
-              <a:rPr lang="zh-CN" altLang="en-US" sz="2000" dirty="0">
-                <a:solidFill>
-                  <a:schemeClr val="tx1"/>
-                </a:solidFill>
-              </a:rPr>
-              <a:t>系统内核</a:t>
-            </a:r>
-            <a:r>
-              <a:rPr lang="zh-CN" altLang="en-US" sz="2000" dirty="0" smtClean="0">
-                <a:solidFill>
-                  <a:schemeClr val="tx1"/>
-                </a:solidFill>
-              </a:rPr>
-              <a:t>、内存管理模块、设备</a:t>
-            </a:r>
-            <a:r>
-              <a:rPr lang="zh-CN" altLang="en-US" sz="2000" dirty="0">
-                <a:solidFill>
-                  <a:schemeClr val="tx1"/>
-                </a:solidFill>
-              </a:rPr>
-              <a:t>驱动</a:t>
-            </a:r>
-            <a:r>
-              <a:rPr lang="zh-CN" altLang="en-US" sz="2000" dirty="0" smtClean="0">
-                <a:solidFill>
-                  <a:schemeClr val="tx1"/>
-                </a:solidFill>
-              </a:rPr>
-              <a:t>接口等。</a:t>
-            </a:r>
-            <a:endParaRPr lang="en-US" altLang="zh-CN" sz="2000" dirty="0" smtClean="0">
-              <a:solidFill>
-                <a:schemeClr val="tx1"/>
-              </a:solidFill>
-            </a:endParaRPr>
-          </a:p>
-          <a:p>
-            <a:pPr marL="342900" lvl="1" indent="-342900"/>
-            <a:r>
-              <a:rPr lang="zh-CN" altLang="en-US" sz="2000" dirty="0" smtClean="0">
-                <a:solidFill>
-                  <a:schemeClr val="tx1"/>
-                </a:solidFill>
-              </a:rPr>
-              <a:t>负责</a:t>
-            </a:r>
-            <a:r>
-              <a:rPr lang="zh-CN" altLang="en-US" sz="2000" dirty="0">
-                <a:solidFill>
-                  <a:schemeClr val="tx1"/>
-                </a:solidFill>
-              </a:rPr>
-              <a:t>嵌入式系统的全部软、硬件资源的分配、任务调度，控制、</a:t>
-            </a:r>
-            <a:r>
-              <a:rPr lang="zh-CN" altLang="en-US" sz="2000" dirty="0" smtClean="0">
-                <a:solidFill>
-                  <a:schemeClr val="tx1"/>
-                </a:solidFill>
-              </a:rPr>
-              <a:t>协调</a:t>
-            </a:r>
-            <a:r>
-              <a:rPr lang="zh-CN" altLang="en-US" sz="2000" dirty="0">
-                <a:solidFill>
-                  <a:schemeClr val="tx1"/>
-                </a:solidFill>
-              </a:rPr>
-              <a:t>并发活动</a:t>
-            </a:r>
-            <a:r>
-              <a:rPr lang="zh-CN" altLang="en-US" sz="2000" dirty="0" smtClean="0">
-                <a:solidFill>
-                  <a:schemeClr val="tx1"/>
-                </a:solidFill>
-              </a:rPr>
-              <a:t>。</a:t>
-            </a:r>
-            <a:endParaRPr lang="en-US" altLang="zh-CN" sz="2000" dirty="0" smtClean="0">
-              <a:solidFill>
-                <a:schemeClr val="tx1"/>
-              </a:solidFill>
-            </a:endParaRPr>
-          </a:p>
-          <a:p>
-            <a:pPr marL="342900" lvl="1" indent="-342900"/>
-            <a:r>
-              <a:rPr lang="zh-CN" altLang="en-US" sz="2000" dirty="0">
-                <a:solidFill>
-                  <a:schemeClr val="tx1"/>
-                </a:solidFill>
-              </a:rPr>
-              <a:t>每个</a:t>
-            </a:r>
-            <a:r>
-              <a:rPr lang="zh-CN" altLang="en-US" sz="2000" dirty="0" smtClean="0">
-                <a:solidFill>
-                  <a:schemeClr val="tx1"/>
-                </a:solidFill>
-              </a:rPr>
-              <a:t>线程（任务）都是</a:t>
-            </a:r>
-            <a:r>
-              <a:rPr lang="zh-CN" altLang="en-US" sz="2000" dirty="0">
-                <a:solidFill>
-                  <a:schemeClr val="tx1"/>
-                </a:solidFill>
-              </a:rPr>
-              <a:t>独立的，互不干扰的，且具备自身的优先级，它由操作系统调度</a:t>
-            </a:r>
-            <a:r>
-              <a:rPr lang="zh-CN" altLang="en-US" sz="2000" dirty="0" smtClean="0">
-                <a:solidFill>
-                  <a:schemeClr val="tx1"/>
-                </a:solidFill>
-              </a:rPr>
-              <a:t>管理。</a:t>
-            </a:r>
-            <a:endParaRPr lang="en-US" altLang="zh-CN" sz="2000" dirty="0" smtClean="0">
-              <a:solidFill>
-                <a:schemeClr val="tx1"/>
-              </a:solidFill>
-            </a:endParaRPr>
-          </a:p>
-          <a:p>
-            <a:pPr marL="342900" lvl="1" indent="-342900"/>
-            <a:r>
-              <a:rPr lang="zh-CN" altLang="en-US" sz="2000" dirty="0">
-                <a:solidFill>
-                  <a:schemeClr val="tx1"/>
-                </a:solidFill>
-              </a:rPr>
-              <a:t>编程无需精心地去设计程序的执行流程，不用担心每个功能模块之间是否存在</a:t>
-            </a:r>
-            <a:r>
-              <a:rPr lang="zh-CN" altLang="en-US" sz="2000" dirty="0" smtClean="0">
-                <a:solidFill>
-                  <a:schemeClr val="tx1"/>
-                </a:solidFill>
-              </a:rPr>
-              <a:t>干扰。</a:t>
-            </a:r>
-            <a:endParaRPr lang="en-US" altLang="zh-CN" sz="2000" dirty="0" smtClean="0">
-              <a:solidFill>
-                <a:schemeClr val="tx1"/>
-              </a:solidFill>
-            </a:endParaRPr>
-          </a:p>
-          <a:p>
-            <a:pPr marL="342900" lvl="1" indent="-342900"/>
-            <a:r>
-              <a:rPr lang="zh-CN" altLang="en-US" sz="2000" dirty="0" smtClean="0">
-                <a:solidFill>
-                  <a:schemeClr val="tx1"/>
-                </a:solidFill>
-              </a:rPr>
-              <a:t>抢占式内核，运行的永远是具有最高优先级的就绪任务。</a:t>
-            </a:r>
-            <a:r>
-              <a:rPr lang="zh-CN" altLang="en-US" dirty="0"/>
-              <a:t/>
-            </a:r>
-            <a:br>
-              <a:rPr lang="zh-CN" altLang="en-US" dirty="0"/>
-            </a:br>
-            <a:endParaRPr lang="en-US" altLang="zh-CN" dirty="0"/>
-          </a:p>
-        </p:txBody>
-      </p:sp>
-      <p:sp>
-        <p:nvSpPr>
-          <p:cNvPr id="3" name="页脚占位符 2"/>
-          <p:cNvSpPr>
-            <a:spLocks noGrp="1"/>
-          </p:cNvSpPr>
-          <p:nvPr>
-            <p:ph type="ftr" sz="quarter" idx="11"/>
-          </p:nvPr>
-        </p:nvSpPr>
-        <p:spPr>
-          <a:xfrm>
-            <a:off x="0" y="6381328"/>
-            <a:ext cx="9144000" cy="365125"/>
-          </a:xfrm>
-        </p:spPr>
-        <p:txBody>
-          <a:bodyPr/>
-          <a:lstStyle/>
-          <a:p>
-            <a:r>
-              <a:rPr lang="en-US" altLang="zh-CN" b="1" dirty="0"/>
-              <a:t>RT-Thread </a:t>
-            </a:r>
-            <a:r>
-              <a:rPr lang="zh-CN" altLang="en-US" b="1" dirty="0"/>
-              <a:t>物联网操作系统</a:t>
-            </a:r>
-            <a:r>
-              <a:rPr lang="en-US" altLang="zh-CN" b="1" dirty="0"/>
-              <a:t>							</a:t>
-            </a:r>
-            <a:r>
-              <a:rPr lang="zh-CN" altLang="en-US" sz="1100" b="1" dirty="0"/>
-              <a:t>学习交流群：</a:t>
-            </a:r>
-            <a:r>
-              <a:rPr lang="en-US" altLang="zh-CN" sz="1100" b="1" dirty="0">
-                <a:solidFill>
-                  <a:srgbClr val="FF0000"/>
-                </a:solidFill>
-                <a:latin typeface="Malgun Gothic" pitchFamily="34" charset="-127"/>
-                <a:ea typeface="Malgun Gothic" pitchFamily="34" charset="-127"/>
-              </a:rPr>
-              <a:t>783234154</a:t>
-            </a:r>
-            <a:endParaRPr lang="zh-CN" altLang="en-US" b="1" dirty="0">
-              <a:solidFill>
-                <a:srgbClr val="FF0000"/>
-              </a:solidFill>
-              <a:latin typeface="Malgun Gothic" pitchFamily="34" charset="-127"/>
-              <a:ea typeface="Malgun Gothic" pitchFamily="34" charset="-127"/>
-            </a:endParaRPr>
-          </a:p>
-        </p:txBody>
-      </p:sp>
-      <p:sp>
-        <p:nvSpPr>
-          <p:cNvPr id="4" name="灯片编号占位符 3"/>
-          <p:cNvSpPr>
-            <a:spLocks noGrp="1"/>
-          </p:cNvSpPr>
-          <p:nvPr>
-            <p:ph type="sldNum" sz="quarter" idx="12"/>
-          </p:nvPr>
-        </p:nvSpPr>
-        <p:spPr>
-          <a:xfrm>
-            <a:off x="3995936" y="6381328"/>
-            <a:ext cx="1161826" cy="365125"/>
-          </a:xfrm>
-        </p:spPr>
-        <p:txBody>
-          <a:bodyPr/>
-          <a:lstStyle/>
-          <a:p>
-            <a:fld id="{0C913308-F349-4B6D-A68A-DD1791B4A57B}" type="slidenum">
-              <a:rPr lang="zh-CN" altLang="en-US" smtClean="0"/>
-              <a:t>23</a:t>
-            </a:fld>
-            <a:endParaRPr lang="zh-CN" altLang="en-US" dirty="0"/>
-          </a:p>
-        </p:txBody>
-      </p:sp>
-      <p:sp>
-        <p:nvSpPr>
-          <p:cNvPr id="5" name="标题 4"/>
-          <p:cNvSpPr>
-            <a:spLocks noGrp="1"/>
-          </p:cNvSpPr>
-          <p:nvPr>
-            <p:ph type="title"/>
-          </p:nvPr>
-        </p:nvSpPr>
-        <p:spPr/>
-        <p:txBody>
-          <a:bodyPr>
-            <a:normAutofit/>
-          </a:bodyPr>
-          <a:lstStyle/>
-          <a:p>
-            <a:r>
-              <a:rPr lang="zh-CN" altLang="en-US" dirty="0"/>
-              <a:t>嵌入式</a:t>
-            </a:r>
-            <a:r>
-              <a:rPr lang="zh-CN" altLang="en-US" dirty="0" smtClean="0"/>
-              <a:t>实时操作系统</a:t>
-            </a:r>
-            <a:endParaRPr lang="zh-CN" altLang="en-US" dirty="0"/>
-          </a:p>
-        </p:txBody>
-      </p:sp>
-    </p:spTree>
-    <p:extLst>
-      <p:ext uri="{BB962C8B-B14F-4D97-AF65-F5344CB8AC3E}">
-        <p14:creationId xmlns:p14="http://schemas.microsoft.com/office/powerpoint/2010/main" val="1904858004"/>
-      </p:ext>
-    </p:extLst>
-  </p:cSld>
-  <p:clrMapOvr>
-    <a:masterClrMapping/>
-  </p:clrMapOvr>
-  <p:timing>
-    <p:tnLst>
-      <p:par>
-        <p:cTn id="1" dur="indefinite" restart="never" nodeType="tmRoot"/>
-      </p:par>
-    </p:tnLst>
-  </p:timing>
-</p:sld>
-</file>
-
-<file path=ppt/slides/slide24.xml><?xml version="1.0" encoding="utf-8"?>
-<p:sld xmlns:a="http://schemas.openxmlformats.org/drawingml/2006/main" xmlns:r="http://schemas.openxmlformats.org/officeDocument/2006/relationships" xmlns:p="http://schemas.openxmlformats.org/presentationml/2006/main">
-  <p:cSld>
-    <p:spTree>
-      <p:nvGrpSpPr>
-        <p:cNvPr id="1" name=""/>
-        <p:cNvGrpSpPr/>
-        <p:nvPr/>
-      </p:nvGrpSpPr>
-      <p:grpSpPr>
-        <a:xfrm>
-          <a:off x="0" y="0"/>
-          <a:ext cx="0" cy="0"/>
-          <a:chOff x="0" y="0"/>
-          <a:chExt cx="0" cy="0"/>
-        </a:xfrm>
-      </p:grpSpPr>
-      <p:sp>
-        <p:nvSpPr>
-          <p:cNvPr id="2" name="内容占位符 1"/>
-          <p:cNvSpPr>
-            <a:spLocks noGrp="1"/>
-          </p:cNvSpPr>
-          <p:nvPr>
-            <p:ph idx="1"/>
-          </p:nvPr>
-        </p:nvSpPr>
-        <p:spPr>
-          <a:xfrm>
-            <a:off x="872067" y="1916832"/>
-            <a:ext cx="7408333" cy="4209331"/>
-          </a:xfrm>
-        </p:spPr>
-        <p:txBody>
-          <a:bodyPr/>
-          <a:lstStyle/>
-          <a:p>
-            <a:pPr marL="0" indent="0">
-              <a:buNone/>
-            </a:pPr>
-            <a:r>
-              <a:rPr lang="zh-CN" altLang="en-US" dirty="0"/>
-              <a:t>从层次来看，操作系统</a:t>
-            </a:r>
-            <a:r>
-              <a:rPr lang="zh-CN" altLang="en-US" dirty="0" smtClean="0"/>
-              <a:t>位于硬件</a:t>
-            </a:r>
-            <a:r>
-              <a:rPr lang="zh-CN" altLang="en-US" dirty="0"/>
-              <a:t>之上，应用软件之下 </a:t>
-            </a:r>
-            <a:br>
-              <a:rPr lang="zh-CN" altLang="en-US" dirty="0"/>
-            </a:br>
-            <a:endParaRPr lang="zh-CN" altLang="en-US" dirty="0"/>
-          </a:p>
-        </p:txBody>
-      </p:sp>
-      <p:sp>
-        <p:nvSpPr>
-          <p:cNvPr id="3" name="页脚占位符 2"/>
-          <p:cNvSpPr>
-            <a:spLocks noGrp="1"/>
-          </p:cNvSpPr>
-          <p:nvPr>
-            <p:ph type="ftr" sz="quarter" idx="11"/>
-          </p:nvPr>
-        </p:nvSpPr>
-        <p:spPr>
-          <a:xfrm>
-            <a:off x="0" y="6381328"/>
-            <a:ext cx="9144000" cy="365125"/>
-          </a:xfrm>
-        </p:spPr>
-        <p:txBody>
-          <a:bodyPr/>
-          <a:lstStyle/>
-          <a:p>
-            <a:r>
-              <a:rPr lang="en-US" altLang="zh-CN" b="1" dirty="0"/>
-              <a:t>RT-Thread </a:t>
-            </a:r>
-            <a:r>
-              <a:rPr lang="zh-CN" altLang="en-US" b="1" dirty="0"/>
-              <a:t>物联网操作系统</a:t>
-            </a:r>
-            <a:r>
-              <a:rPr lang="en-US" altLang="zh-CN" b="1" dirty="0"/>
-              <a:t>							</a:t>
-            </a:r>
-            <a:r>
-              <a:rPr lang="zh-CN" altLang="en-US" sz="1100" b="1" dirty="0"/>
-              <a:t>学习交流群：</a:t>
-            </a:r>
-            <a:r>
-              <a:rPr lang="en-US" altLang="zh-CN" sz="1100" b="1" dirty="0">
-                <a:solidFill>
-                  <a:srgbClr val="FF0000"/>
-                </a:solidFill>
-                <a:latin typeface="Malgun Gothic" pitchFamily="34" charset="-127"/>
-                <a:ea typeface="Malgun Gothic" pitchFamily="34" charset="-127"/>
-              </a:rPr>
-              <a:t>783234154</a:t>
-            </a:r>
-            <a:endParaRPr lang="zh-CN" altLang="en-US" b="1" dirty="0">
-              <a:solidFill>
-                <a:srgbClr val="FF0000"/>
-              </a:solidFill>
-              <a:latin typeface="Malgun Gothic" pitchFamily="34" charset="-127"/>
-              <a:ea typeface="Malgun Gothic" pitchFamily="34" charset="-127"/>
-            </a:endParaRPr>
-          </a:p>
-        </p:txBody>
-      </p:sp>
-      <p:sp>
-        <p:nvSpPr>
-          <p:cNvPr id="4" name="灯片编号占位符 3"/>
-          <p:cNvSpPr>
-            <a:spLocks noGrp="1"/>
-          </p:cNvSpPr>
-          <p:nvPr>
-            <p:ph type="sldNum" sz="quarter" idx="12"/>
-          </p:nvPr>
-        </p:nvSpPr>
-        <p:spPr>
-          <a:xfrm>
-            <a:off x="3995936" y="6381328"/>
-            <a:ext cx="1161826" cy="365125"/>
-          </a:xfrm>
-        </p:spPr>
-        <p:txBody>
-          <a:bodyPr/>
-          <a:lstStyle/>
-          <a:p>
-            <a:fld id="{0C913308-F349-4B6D-A68A-DD1791B4A57B}" type="slidenum">
-              <a:rPr lang="zh-CN" altLang="en-US" smtClean="0"/>
-              <a:t>24</a:t>
-            </a:fld>
-            <a:endParaRPr lang="zh-CN" altLang="en-US" dirty="0"/>
-          </a:p>
-        </p:txBody>
-      </p:sp>
-      <p:sp>
-        <p:nvSpPr>
-          <p:cNvPr id="5" name="标题 4"/>
-          <p:cNvSpPr>
-            <a:spLocks noGrp="1"/>
-          </p:cNvSpPr>
-          <p:nvPr>
-            <p:ph type="title"/>
-          </p:nvPr>
-        </p:nvSpPr>
-        <p:spPr/>
-        <p:txBody>
-          <a:bodyPr>
-            <a:normAutofit/>
-          </a:bodyPr>
-          <a:lstStyle/>
-          <a:p>
-            <a:endParaRPr lang="zh-CN" altLang="en-US" dirty="0"/>
-          </a:p>
-        </p:txBody>
-      </p:sp>
-      <p:grpSp>
-        <p:nvGrpSpPr>
-          <p:cNvPr id="16" name="组合 15"/>
-          <p:cNvGrpSpPr/>
-          <p:nvPr/>
-        </p:nvGrpSpPr>
-        <p:grpSpPr>
-          <a:xfrm>
-            <a:off x="2126415" y="2742561"/>
-            <a:ext cx="4752528" cy="2736304"/>
-            <a:chOff x="2483768" y="2420888"/>
-            <a:chExt cx="4392488" cy="2304547"/>
-          </a:xfrm>
-        </p:grpSpPr>
-        <p:grpSp>
-          <p:nvGrpSpPr>
-            <p:cNvPr id="11" name="组合 10"/>
-            <p:cNvGrpSpPr/>
-            <p:nvPr/>
-          </p:nvGrpSpPr>
-          <p:grpSpPr>
-            <a:xfrm>
-              <a:off x="2483768" y="2420888"/>
-              <a:ext cx="4392488" cy="2304547"/>
-              <a:chOff x="2051720" y="2060557"/>
-              <a:chExt cx="4392488" cy="2304547"/>
-            </a:xfrm>
-          </p:grpSpPr>
-          <p:sp>
-            <p:nvSpPr>
-              <p:cNvPr id="6" name="矩形 5"/>
-              <p:cNvSpPr/>
-              <p:nvPr/>
-            </p:nvSpPr>
-            <p:spPr>
-              <a:xfrm>
-                <a:off x="2051720" y="2060557"/>
-                <a:ext cx="4392488" cy="1008403"/>
-              </a:xfrm>
-              <a:prstGeom prst="rect">
-                <a:avLst/>
-              </a:prstGeom>
-            </p:spPr>
-            <p:style>
-              <a:lnRef idx="2">
-                <a:schemeClr val="accent2">
-                  <a:shade val="50000"/>
-                </a:schemeClr>
-              </a:lnRef>
-              <a:fillRef idx="1">
-                <a:schemeClr val="accent2"/>
-              </a:fillRef>
-              <a:effectRef idx="0">
-                <a:schemeClr val="accent2"/>
-              </a:effectRef>
-              <a:fontRef idx="minor">
-                <a:schemeClr val="lt1"/>
-              </a:fontRef>
-            </p:style>
-            <p:txBody>
-              <a:bodyPr rtlCol="0" anchor="ctr"/>
-              <a:lstStyle/>
-              <a:p>
-                <a:pPr algn="ctr"/>
-                <a:r>
-                  <a:rPr lang="en-US" altLang="zh-CN" b="1" dirty="0" smtClean="0">
-                    <a:solidFill>
-                      <a:schemeClr val="tx1"/>
-                    </a:solidFill>
-                  </a:rPr>
-                  <a:t>Application</a:t>
-                </a:r>
-              </a:p>
-              <a:p>
-                <a:pPr algn="ctr"/>
-                <a:endParaRPr lang="en-US" altLang="zh-CN" b="1" dirty="0" smtClean="0">
-                  <a:solidFill>
-                    <a:schemeClr val="tx1"/>
-                  </a:solidFill>
-                </a:endParaRPr>
-              </a:p>
-            </p:txBody>
-          </p:sp>
-          <p:sp>
-            <p:nvSpPr>
-              <p:cNvPr id="7" name="矩形 6"/>
-              <p:cNvSpPr/>
-              <p:nvPr/>
-            </p:nvSpPr>
-            <p:spPr>
-              <a:xfrm>
-                <a:off x="2051720" y="3212976"/>
-                <a:ext cx="2088232" cy="504056"/>
-              </a:xfrm>
-              <a:prstGeom prst="rect">
-                <a:avLst/>
-              </a:prstGeom>
-            </p:spPr>
-            <p:style>
-              <a:lnRef idx="2">
-                <a:schemeClr val="accent5">
-                  <a:shade val="50000"/>
-                </a:schemeClr>
-              </a:lnRef>
-              <a:fillRef idx="1">
-                <a:schemeClr val="accent5"/>
-              </a:fillRef>
-              <a:effectRef idx="0">
-                <a:schemeClr val="accent5"/>
-              </a:effectRef>
-              <a:fontRef idx="minor">
-                <a:schemeClr val="lt1"/>
-              </a:fontRef>
-            </p:style>
-            <p:txBody>
-              <a:bodyPr rtlCol="0" anchor="ctr"/>
-              <a:lstStyle/>
-              <a:p>
-                <a:pPr algn="ctr"/>
-                <a:r>
-                  <a:rPr lang="en-US" altLang="zh-CN" b="1" dirty="0" smtClean="0">
-                    <a:solidFill>
-                      <a:schemeClr val="tx1"/>
-                    </a:solidFill>
-                  </a:rPr>
-                  <a:t>RTOS</a:t>
-                </a:r>
-                <a:endParaRPr lang="zh-CN" altLang="en-US" b="1" dirty="0">
-                  <a:solidFill>
-                    <a:schemeClr val="tx1"/>
-                  </a:solidFill>
-                </a:endParaRPr>
-              </a:p>
-            </p:txBody>
-          </p:sp>
-          <p:sp>
-            <p:nvSpPr>
-              <p:cNvPr id="9" name="矩形 8"/>
-              <p:cNvSpPr/>
-              <p:nvPr/>
-            </p:nvSpPr>
-            <p:spPr>
-              <a:xfrm>
-                <a:off x="4355976" y="3212976"/>
-                <a:ext cx="2088232" cy="504056"/>
-              </a:xfrm>
-              <a:prstGeom prst="rect">
-                <a:avLst/>
-              </a:prstGeom>
-            </p:spPr>
-            <p:style>
-              <a:lnRef idx="2">
-                <a:schemeClr val="accent2">
-                  <a:shade val="50000"/>
-                </a:schemeClr>
-              </a:lnRef>
-              <a:fillRef idx="1">
-                <a:schemeClr val="accent2"/>
-              </a:fillRef>
-              <a:effectRef idx="0">
-                <a:schemeClr val="accent2"/>
-              </a:effectRef>
-              <a:fontRef idx="minor">
-                <a:schemeClr val="lt1"/>
-              </a:fontRef>
-            </p:style>
-            <p:txBody>
-              <a:bodyPr rtlCol="0" anchor="ctr"/>
-              <a:lstStyle/>
-              <a:p>
-                <a:pPr algn="ctr"/>
-                <a:r>
-                  <a:rPr lang="en-US" altLang="zh-CN" b="1" dirty="0" smtClean="0">
-                    <a:solidFill>
-                      <a:schemeClr val="tx1"/>
-                    </a:solidFill>
-                  </a:rPr>
-                  <a:t>BSP</a:t>
-                </a:r>
-                <a:endParaRPr lang="zh-CN" altLang="en-US" b="1" dirty="0">
-                  <a:solidFill>
-                    <a:schemeClr val="tx1"/>
-                  </a:solidFill>
-                </a:endParaRPr>
-              </a:p>
-            </p:txBody>
-          </p:sp>
-          <p:sp>
-            <p:nvSpPr>
-              <p:cNvPr id="10" name="矩形 9"/>
-              <p:cNvSpPr/>
-              <p:nvPr/>
-            </p:nvSpPr>
-            <p:spPr>
-              <a:xfrm>
-                <a:off x="2051720" y="3861048"/>
-                <a:ext cx="4392488" cy="504056"/>
-              </a:xfrm>
-              <a:prstGeom prst="rect">
-                <a:avLst/>
-              </a:prstGeom>
-            </p:spPr>
-            <p:style>
-              <a:lnRef idx="2">
-                <a:schemeClr val="accent2">
-                  <a:shade val="50000"/>
-                </a:schemeClr>
-              </a:lnRef>
-              <a:fillRef idx="1">
-                <a:schemeClr val="accent2"/>
-              </a:fillRef>
-              <a:effectRef idx="0">
-                <a:schemeClr val="accent2"/>
-              </a:effectRef>
-              <a:fontRef idx="minor">
-                <a:schemeClr val="lt1"/>
-              </a:fontRef>
-            </p:style>
-            <p:txBody>
-              <a:bodyPr rtlCol="0" anchor="ctr"/>
-              <a:lstStyle/>
-              <a:p>
-                <a:pPr algn="ctr"/>
-                <a:r>
-                  <a:rPr lang="en-US" altLang="zh-CN" b="1" dirty="0" smtClean="0">
-                    <a:solidFill>
-                      <a:schemeClr val="tx1"/>
-                    </a:solidFill>
-                  </a:rPr>
-                  <a:t>Hardware</a:t>
-                </a:r>
-              </a:p>
-            </p:txBody>
-          </p:sp>
-        </p:grpSp>
-        <p:sp>
-          <p:nvSpPr>
-            <p:cNvPr id="12" name="矩形 11"/>
-            <p:cNvSpPr/>
-            <p:nvPr/>
-          </p:nvSpPr>
-          <p:spPr>
-            <a:xfrm>
-              <a:off x="2627784" y="2996952"/>
-              <a:ext cx="792088" cy="360040"/>
-            </a:xfrm>
-            <a:prstGeom prst="rect">
-              <a:avLst/>
-            </a:prstGeom>
-          </p:spPr>
-          <p:style>
-            <a:lnRef idx="2">
-              <a:schemeClr val="accent4">
-                <a:shade val="50000"/>
-              </a:schemeClr>
-            </a:lnRef>
-            <a:fillRef idx="1">
-              <a:schemeClr val="accent4"/>
-            </a:fillRef>
-            <a:effectRef idx="0">
-              <a:schemeClr val="accent4"/>
-            </a:effectRef>
-            <a:fontRef idx="minor">
-              <a:schemeClr val="lt1"/>
-            </a:fontRef>
-          </p:style>
-          <p:txBody>
-            <a:bodyPr rtlCol="0" anchor="ctr"/>
-            <a:lstStyle/>
-            <a:p>
-              <a:pPr algn="ctr"/>
-              <a:r>
-                <a:rPr lang="en-US" altLang="zh-CN" b="1" dirty="0" smtClean="0">
-                  <a:solidFill>
-                    <a:schemeClr val="tx1"/>
-                  </a:solidFill>
-                  <a:latin typeface="宋体" pitchFamily="2" charset="-122"/>
-                  <a:ea typeface="宋体" pitchFamily="2" charset="-122"/>
-                </a:rPr>
-                <a:t>task1</a:t>
-              </a:r>
-              <a:endParaRPr lang="zh-CN" altLang="en-US" b="1" dirty="0">
-                <a:solidFill>
-                  <a:schemeClr val="tx1"/>
-                </a:solidFill>
-                <a:latin typeface="宋体" pitchFamily="2" charset="-122"/>
-                <a:ea typeface="宋体" pitchFamily="2" charset="-122"/>
-              </a:endParaRPr>
-            </a:p>
-          </p:txBody>
-        </p:sp>
-        <p:sp>
-          <p:nvSpPr>
-            <p:cNvPr id="13" name="矩形 12"/>
-            <p:cNvSpPr/>
-            <p:nvPr/>
-          </p:nvSpPr>
-          <p:spPr>
-            <a:xfrm>
-              <a:off x="3584036" y="2996952"/>
-              <a:ext cx="792088" cy="360040"/>
-            </a:xfrm>
-            <a:prstGeom prst="rect">
-              <a:avLst/>
-            </a:prstGeom>
-          </p:spPr>
-          <p:style>
-            <a:lnRef idx="2">
-              <a:schemeClr val="accent4">
-                <a:shade val="50000"/>
-              </a:schemeClr>
-            </a:lnRef>
-            <a:fillRef idx="1">
-              <a:schemeClr val="accent4"/>
-            </a:fillRef>
-            <a:effectRef idx="0">
-              <a:schemeClr val="accent4"/>
-            </a:effectRef>
-            <a:fontRef idx="minor">
-              <a:schemeClr val="lt1"/>
-            </a:fontRef>
-          </p:style>
-          <p:txBody>
-            <a:bodyPr rtlCol="0" anchor="ctr"/>
-            <a:lstStyle/>
-            <a:p>
-              <a:pPr algn="ctr"/>
-              <a:r>
-                <a:rPr lang="en-US" altLang="zh-CN" b="1" dirty="0" smtClean="0">
-                  <a:solidFill>
-                    <a:schemeClr val="tx1"/>
-                  </a:solidFill>
-                  <a:latin typeface="宋体" pitchFamily="2" charset="-122"/>
-                  <a:ea typeface="宋体" pitchFamily="2" charset="-122"/>
-                </a:rPr>
-                <a:t>task2</a:t>
-              </a:r>
-              <a:endParaRPr lang="zh-CN" altLang="en-US" b="1" dirty="0">
-                <a:solidFill>
-                  <a:schemeClr val="tx1"/>
-                </a:solidFill>
-                <a:latin typeface="宋体" pitchFamily="2" charset="-122"/>
-                <a:ea typeface="宋体" pitchFamily="2" charset="-122"/>
-              </a:endParaRPr>
-            </a:p>
-          </p:txBody>
-        </p:sp>
-        <p:sp>
-          <p:nvSpPr>
-            <p:cNvPr id="14" name="矩形 13"/>
-            <p:cNvSpPr/>
-            <p:nvPr/>
-          </p:nvSpPr>
-          <p:spPr>
-            <a:xfrm>
-              <a:off x="4572913" y="2996952"/>
-              <a:ext cx="792088" cy="360040"/>
-            </a:xfrm>
-            <a:prstGeom prst="rect">
-              <a:avLst/>
-            </a:prstGeom>
-          </p:spPr>
-          <p:style>
-            <a:lnRef idx="2">
-              <a:schemeClr val="accent4">
-                <a:shade val="50000"/>
-              </a:schemeClr>
-            </a:lnRef>
-            <a:fillRef idx="1">
-              <a:schemeClr val="accent4"/>
-            </a:fillRef>
-            <a:effectRef idx="0">
-              <a:schemeClr val="accent4"/>
-            </a:effectRef>
-            <a:fontRef idx="minor">
-              <a:schemeClr val="lt1"/>
-            </a:fontRef>
-          </p:style>
-          <p:txBody>
-            <a:bodyPr rtlCol="0" anchor="ctr"/>
-            <a:lstStyle/>
-            <a:p>
-              <a:pPr algn="ctr"/>
-              <a:r>
-                <a:rPr lang="en-US" altLang="zh-CN" b="1" dirty="0" smtClean="0">
-                  <a:solidFill>
-                    <a:schemeClr val="tx1"/>
-                  </a:solidFill>
-                  <a:latin typeface="宋体" pitchFamily="2" charset="-122"/>
-                  <a:ea typeface="宋体" pitchFamily="2" charset="-122"/>
-                </a:rPr>
-                <a:t>task3</a:t>
-              </a:r>
-              <a:endParaRPr lang="zh-CN" altLang="en-US" b="1" dirty="0">
-                <a:solidFill>
-                  <a:schemeClr val="tx1"/>
-                </a:solidFill>
-                <a:latin typeface="宋体" pitchFamily="2" charset="-122"/>
-                <a:ea typeface="宋体" pitchFamily="2" charset="-122"/>
-              </a:endParaRPr>
-            </a:p>
-          </p:txBody>
-        </p:sp>
-        <p:sp>
-          <p:nvSpPr>
-            <p:cNvPr id="15" name="矩形 14"/>
-            <p:cNvSpPr/>
-            <p:nvPr/>
-          </p:nvSpPr>
-          <p:spPr>
-            <a:xfrm>
-              <a:off x="6072863" y="2996952"/>
-              <a:ext cx="792088" cy="360040"/>
-            </a:xfrm>
-            <a:prstGeom prst="rect">
-              <a:avLst/>
-            </a:prstGeom>
-          </p:spPr>
-          <p:style>
-            <a:lnRef idx="2">
-              <a:schemeClr val="accent4">
-                <a:shade val="50000"/>
-              </a:schemeClr>
-            </a:lnRef>
-            <a:fillRef idx="1">
-              <a:schemeClr val="accent4"/>
-            </a:fillRef>
-            <a:effectRef idx="0">
-              <a:schemeClr val="accent4"/>
-            </a:effectRef>
-            <a:fontRef idx="minor">
-              <a:schemeClr val="lt1"/>
-            </a:fontRef>
-          </p:style>
-          <p:txBody>
-            <a:bodyPr rtlCol="0" anchor="ctr"/>
-            <a:lstStyle/>
-            <a:p>
-              <a:pPr algn="ctr"/>
-              <a:r>
-                <a:rPr lang="en-US" altLang="zh-CN" b="1" dirty="0" err="1" smtClean="0">
-                  <a:solidFill>
-                    <a:schemeClr val="tx1"/>
-                  </a:solidFill>
-                  <a:latin typeface="宋体" pitchFamily="2" charset="-122"/>
-                  <a:ea typeface="宋体" pitchFamily="2" charset="-122"/>
-                </a:rPr>
-                <a:t>taskN</a:t>
-              </a:r>
-              <a:endParaRPr lang="zh-CN" altLang="en-US" b="1" dirty="0">
-                <a:solidFill>
-                  <a:schemeClr val="tx1"/>
-                </a:solidFill>
-                <a:latin typeface="宋体" pitchFamily="2" charset="-122"/>
-                <a:ea typeface="宋体" pitchFamily="2" charset="-122"/>
-              </a:endParaRPr>
-            </a:p>
-          </p:txBody>
-        </p:sp>
-      </p:grpSp>
-    </p:spTree>
-    <p:extLst>
-      <p:ext uri="{BB962C8B-B14F-4D97-AF65-F5344CB8AC3E}">
-        <p14:creationId xmlns:p14="http://schemas.microsoft.com/office/powerpoint/2010/main" val="1904858004"/>
-      </p:ext>
-    </p:extLst>
-  </p:cSld>
-  <p:clrMapOvr>
-    <a:masterClrMapping/>
-  </p:clrMapOvr>
-  <p:timing>
-    <p:tnLst>
-      <p:par>
-        <p:cTn id="1" dur="indefinite" restart="never" nodeType="tmRoot"/>
-      </p:par>
-    </p:tnLst>
-  </p:timing>
-</p:sld>
-</file>
-
-<file path=ppt/slides/slide25.xml><?xml version="1.0" encoding="utf-8"?>
-<p:sld xmlns:a="http://schemas.openxmlformats.org/drawingml/2006/main" xmlns:r="http://schemas.openxmlformats.org/officeDocument/2006/relationships" xmlns:p="http://schemas.openxmlformats.org/presentationml/2006/main">
-  <p:cSld>
-    <p:spTree>
-      <p:nvGrpSpPr>
-        <p:cNvPr id="1" name=""/>
-        <p:cNvGrpSpPr/>
-        <p:nvPr/>
-      </p:nvGrpSpPr>
-      <p:grpSpPr>
-        <a:xfrm>
-          <a:off x="0" y="0"/>
-          <a:ext cx="0" cy="0"/>
-          <a:chOff x="0" y="0"/>
-          <a:chExt cx="0" cy="0"/>
-        </a:xfrm>
-      </p:grpSpPr>
-      <p:sp>
-        <p:nvSpPr>
-          <p:cNvPr id="3" name="页脚占位符 2"/>
-          <p:cNvSpPr>
-            <a:spLocks noGrp="1"/>
-          </p:cNvSpPr>
-          <p:nvPr>
-            <p:ph type="ftr" sz="quarter" idx="11"/>
-          </p:nvPr>
-        </p:nvSpPr>
-        <p:spPr>
-          <a:xfrm>
-            <a:off x="0" y="6381328"/>
-            <a:ext cx="9144000" cy="365125"/>
-          </a:xfrm>
-        </p:spPr>
-        <p:txBody>
-          <a:bodyPr/>
-          <a:lstStyle/>
-          <a:p>
-            <a:r>
-              <a:rPr lang="en-US" altLang="zh-CN" b="1" dirty="0"/>
-              <a:t>RT-Thread </a:t>
-            </a:r>
-            <a:r>
-              <a:rPr lang="zh-CN" altLang="en-US" b="1" dirty="0"/>
-              <a:t>物联网操作系统</a:t>
-            </a:r>
-            <a:r>
-              <a:rPr lang="en-US" altLang="zh-CN" b="1" dirty="0"/>
-              <a:t>							</a:t>
-            </a:r>
-            <a:r>
-              <a:rPr lang="zh-CN" altLang="en-US" sz="1100" b="1" dirty="0"/>
-              <a:t>学习交流群：</a:t>
-            </a:r>
-            <a:r>
-              <a:rPr lang="en-US" altLang="zh-CN" sz="1100" b="1" dirty="0">
-                <a:solidFill>
-                  <a:srgbClr val="FF0000"/>
-                </a:solidFill>
-                <a:latin typeface="Malgun Gothic" pitchFamily="34" charset="-127"/>
-                <a:ea typeface="Malgun Gothic" pitchFamily="34" charset="-127"/>
-              </a:rPr>
-              <a:t>783234154</a:t>
-            </a:r>
-            <a:endParaRPr lang="zh-CN" altLang="en-US" b="1" dirty="0">
-              <a:solidFill>
-                <a:srgbClr val="FF0000"/>
-              </a:solidFill>
-              <a:latin typeface="Malgun Gothic" pitchFamily="34" charset="-127"/>
-              <a:ea typeface="Malgun Gothic" pitchFamily="34" charset="-127"/>
-            </a:endParaRPr>
-          </a:p>
-        </p:txBody>
-      </p:sp>
-      <p:sp>
-        <p:nvSpPr>
-          <p:cNvPr id="4" name="灯片编号占位符 3"/>
-          <p:cNvSpPr>
-            <a:spLocks noGrp="1"/>
-          </p:cNvSpPr>
-          <p:nvPr>
-            <p:ph type="sldNum" sz="quarter" idx="12"/>
-          </p:nvPr>
-        </p:nvSpPr>
-        <p:spPr>
-          <a:xfrm>
-            <a:off x="3995936" y="6381328"/>
-            <a:ext cx="1161826" cy="365125"/>
-          </a:xfrm>
-        </p:spPr>
-        <p:txBody>
-          <a:bodyPr/>
-          <a:lstStyle/>
-          <a:p>
-            <a:fld id="{0C913308-F349-4B6D-A68A-DD1791B4A57B}" type="slidenum">
-              <a:rPr lang="zh-CN" altLang="en-US" smtClean="0"/>
-              <a:t>25</a:t>
-            </a:fld>
-            <a:endParaRPr lang="zh-CN" altLang="en-US" dirty="0"/>
-          </a:p>
-        </p:txBody>
-      </p:sp>
-      <p:sp>
-        <p:nvSpPr>
-          <p:cNvPr id="5" name="标题 4"/>
-          <p:cNvSpPr>
-            <a:spLocks noGrp="1"/>
-          </p:cNvSpPr>
-          <p:nvPr>
-            <p:ph type="title"/>
-          </p:nvPr>
-        </p:nvSpPr>
-        <p:spPr/>
-        <p:txBody>
-          <a:bodyPr>
-            <a:normAutofit/>
-          </a:bodyPr>
-          <a:lstStyle/>
-          <a:p>
-            <a:r>
-              <a:rPr lang="zh-CN" altLang="en-US" dirty="0" smtClean="0"/>
-              <a:t>操作系统的处理</a:t>
-            </a:r>
-            <a:endParaRPr lang="zh-CN" altLang="en-US" dirty="0"/>
-          </a:p>
-        </p:txBody>
-      </p:sp>
-      <p:pic>
-        <p:nvPicPr>
-          <p:cNvPr id="10" name="Picture 2"/>
-          <p:cNvPicPr>
-            <a:picLocks noChangeAspect="1" noChangeArrowheads="1"/>
-          </p:cNvPicPr>
-          <p:nvPr/>
-        </p:nvPicPr>
-        <p:blipFill>
-          <a:blip r:embed="rId2">
-            <a:extLst>
-              <a:ext uri="{28A0092B-C50C-407E-A947-70E740481C1C}">
-                <a14:useLocalDpi xmlns:a14="http://schemas.microsoft.com/office/drawing/2010/main" val="0"/>
-              </a:ext>
-            </a:extLst>
-          </a:blip>
-          <a:stretch>
-            <a:fillRect/>
-          </a:stretch>
-        </p:blipFill>
-        <p:spPr bwMode="auto">
-          <a:xfrm>
-            <a:off x="1517631" y="2120807"/>
-            <a:ext cx="6258500" cy="3378129"/>
-          </a:xfrm>
-          <a:prstGeom prst="rect">
-            <a:avLst/>
-          </a:prstGeom>
-          <a:noFill/>
-          <a:ln>
-            <a:noFill/>
-          </a:ln>
-          <a:effectLst/>
-          <a:extLst>
-            <a:ext uri="{909E8E84-426E-40DD-AFC4-6F175D3DCCD1}">
-              <a14:hiddenFill xmlns:a14="http://schemas.microsoft.com/office/drawing/2010/main">
-                <a:solidFill>
-                  <a:schemeClr val="accent1"/>
-                </a:solidFill>
-              </a14:hiddenFill>
-            </a:ext>
-            <a:ext uri="{91240B29-F687-4F45-9708-019B960494DF}">
-              <a14:hiddenLine xmlns:a14="http://schemas.microsoft.com/office/drawing/2010/main" w="9525">
-                <a:solidFill>
-                  <a:schemeClr val="tx1"/>
-                </a:solidFill>
-                <a:miter lim="800000"/>
-                <a:headEnd/>
-                <a:tailEnd/>
-              </a14:hiddenLine>
-            </a:ext>
-            <a:ext uri="{AF507438-7753-43E0-B8FC-AC1667EBCBE1}">
-              <a14:hiddenEffects xmlns:a14="http://schemas.microsoft.com/office/drawing/2010/main">
-                <a:effectLst>
-                  <a:outerShdw dist="35921" dir="2700000" algn="ctr" rotWithShape="0">
-                    <a:schemeClr val="bg2"/>
-                  </a:outerShdw>
-                </a:effectLst>
-              </a14:hiddenEffects>
-            </a:ext>
-          </a:extLst>
-        </p:spPr>
-      </p:pic>
-      <p:sp>
-        <p:nvSpPr>
-          <p:cNvPr id="9" name="椭圆形标注 8"/>
-          <p:cNvSpPr/>
-          <p:nvPr/>
-        </p:nvSpPr>
-        <p:spPr>
-          <a:xfrm>
-            <a:off x="611560" y="1052736"/>
-            <a:ext cx="2592288" cy="1296144"/>
-          </a:xfrm>
-          <a:prstGeom prst="wedgeEllipseCallout">
-            <a:avLst>
-              <a:gd name="adj1" fmla="val 54081"/>
-              <a:gd name="adj2" fmla="val 91747"/>
-            </a:avLst>
-          </a:prstGeom>
-        </p:spPr>
-        <p:style>
-          <a:lnRef idx="2">
-            <a:schemeClr val="accent1">
-              <a:shade val="50000"/>
-            </a:schemeClr>
-          </a:lnRef>
-          <a:fillRef idx="1">
-            <a:schemeClr val="accent1"/>
-          </a:fillRef>
-          <a:effectRef idx="0">
-            <a:schemeClr val="accent1"/>
-          </a:effectRef>
-          <a:fontRef idx="minor">
-            <a:schemeClr val="lt1"/>
-          </a:fontRef>
-        </p:style>
-        <p:txBody>
-          <a:bodyPr rtlCol="0" anchor="ctr"/>
-          <a:lstStyle/>
-          <a:p>
-            <a:pPr algn="ctr"/>
-            <a:r>
-              <a:rPr lang="zh-CN" altLang="en-US" dirty="0" smtClean="0">
-                <a:solidFill>
-                  <a:schemeClr val="tx1"/>
-                </a:solidFill>
-              </a:rPr>
-              <a:t>终止当前线程，将寄存器的内容压进任务栈</a:t>
-            </a:r>
-            <a:endParaRPr lang="en-US" altLang="zh-CN" dirty="0" smtClean="0">
-              <a:solidFill>
-                <a:schemeClr val="tx1"/>
-              </a:solidFill>
-            </a:endParaRPr>
-          </a:p>
-          <a:p>
-            <a:pPr algn="ctr"/>
-            <a:r>
-              <a:rPr lang="zh-CN" altLang="en-US" b="1" dirty="0" smtClean="0">
-                <a:solidFill>
-                  <a:srgbClr val="FF0000"/>
-                </a:solidFill>
-              </a:rPr>
-              <a:t>上文保存</a:t>
-            </a:r>
-            <a:endParaRPr lang="zh-CN" altLang="en-US" b="1" dirty="0">
-              <a:solidFill>
-                <a:srgbClr val="FF0000"/>
-              </a:solidFill>
-            </a:endParaRPr>
-          </a:p>
-        </p:txBody>
-      </p:sp>
-      <p:sp>
-        <p:nvSpPr>
-          <p:cNvPr id="13" name="椭圆形标注 12"/>
-          <p:cNvSpPr/>
-          <p:nvPr/>
-        </p:nvSpPr>
-        <p:spPr>
-          <a:xfrm>
-            <a:off x="971600" y="5013176"/>
-            <a:ext cx="3024336" cy="1224136"/>
-          </a:xfrm>
-          <a:prstGeom prst="wedgeEllipseCallout">
-            <a:avLst>
-              <a:gd name="adj1" fmla="val 31237"/>
-              <a:gd name="adj2" fmla="val -121675"/>
-            </a:avLst>
-          </a:prstGeom>
-        </p:spPr>
-        <p:style>
-          <a:lnRef idx="2">
-            <a:schemeClr val="accent1">
-              <a:shade val="50000"/>
-            </a:schemeClr>
-          </a:lnRef>
-          <a:fillRef idx="1">
-            <a:schemeClr val="accent1"/>
-          </a:fillRef>
-          <a:effectRef idx="0">
-            <a:schemeClr val="accent1"/>
-          </a:effectRef>
-          <a:fontRef idx="minor">
-            <a:schemeClr val="lt1"/>
-          </a:fontRef>
-        </p:style>
-        <p:txBody>
-          <a:bodyPr rtlCol="0" anchor="ctr"/>
-          <a:lstStyle/>
-          <a:p>
-            <a:pPr algn="ctr"/>
-            <a:r>
-              <a:rPr lang="zh-CN" altLang="en-US" dirty="0" smtClean="0">
-                <a:solidFill>
-                  <a:schemeClr val="tx1"/>
-                </a:solidFill>
-              </a:rPr>
-              <a:t>加载新线程栈的内容到寄存器，出栈</a:t>
-            </a:r>
-            <a:endParaRPr lang="en-US" altLang="zh-CN" dirty="0" smtClean="0">
-              <a:solidFill>
-                <a:schemeClr val="tx1"/>
-              </a:solidFill>
-            </a:endParaRPr>
-          </a:p>
-          <a:p>
-            <a:pPr algn="ctr"/>
-            <a:r>
-              <a:rPr lang="zh-CN" altLang="en-US" b="1" dirty="0" smtClean="0">
-                <a:solidFill>
-                  <a:srgbClr val="FF0000"/>
-                </a:solidFill>
-              </a:rPr>
-              <a:t>下文切换</a:t>
-            </a:r>
-            <a:endParaRPr lang="en-US" altLang="zh-CN" b="1" dirty="0" smtClean="0">
-              <a:solidFill>
-                <a:srgbClr val="FF0000"/>
-              </a:solidFill>
-            </a:endParaRPr>
-          </a:p>
-        </p:txBody>
-      </p:sp>
-      <p:sp>
-        <p:nvSpPr>
-          <p:cNvPr id="12" name="矩形 11"/>
-          <p:cNvSpPr/>
-          <p:nvPr/>
-        </p:nvSpPr>
-        <p:spPr>
-          <a:xfrm>
-            <a:off x="2699792" y="2636912"/>
-            <a:ext cx="1080120" cy="1800200"/>
-          </a:xfrm>
-          <a:prstGeom prst="rect">
-            <a:avLst/>
-          </a:prstGeom>
-          <a:noFill/>
-          <a:ln w="38100">
-            <a:solidFill>
-              <a:srgbClr val="FF0000"/>
-            </a:solidFill>
-            <a:prstDash val="sysDash"/>
-          </a:ln>
-        </p:spPr>
-        <p:style>
-          <a:lnRef idx="2">
-            <a:schemeClr val="accent1">
-              <a:shade val="50000"/>
-            </a:schemeClr>
-          </a:lnRef>
-          <a:fillRef idx="1">
-            <a:schemeClr val="accent1"/>
-          </a:fillRef>
-          <a:effectRef idx="0">
-            <a:schemeClr val="accent1"/>
-          </a:effectRef>
-          <a:fontRef idx="minor">
-            <a:schemeClr val="lt1"/>
-          </a:fontRef>
-        </p:style>
-        <p:txBody>
-          <a:bodyPr rtlCol="0" anchor="ctr"/>
-          <a:lstStyle/>
-          <a:p>
-            <a:pPr algn="ctr"/>
-            <a:endParaRPr lang="zh-CN" altLang="en-US"/>
-          </a:p>
-        </p:txBody>
-      </p:sp>
-      <p:sp>
-        <p:nvSpPr>
-          <p:cNvPr id="16" name="椭圆形标注 15"/>
-          <p:cNvSpPr/>
-          <p:nvPr/>
-        </p:nvSpPr>
-        <p:spPr>
-          <a:xfrm>
-            <a:off x="3995936" y="1196753"/>
-            <a:ext cx="2592288" cy="1152127"/>
-          </a:xfrm>
-          <a:prstGeom prst="wedgeEllipseCallout">
-            <a:avLst>
-              <a:gd name="adj1" fmla="val -72905"/>
-              <a:gd name="adj2" fmla="val 76713"/>
-            </a:avLst>
-          </a:prstGeom>
-        </p:spPr>
-        <p:style>
-          <a:lnRef idx="2">
-            <a:schemeClr val="accent1">
-              <a:shade val="50000"/>
-            </a:schemeClr>
-          </a:lnRef>
-          <a:fillRef idx="1">
-            <a:schemeClr val="accent1"/>
-          </a:fillRef>
-          <a:effectRef idx="0">
-            <a:schemeClr val="accent1"/>
-          </a:effectRef>
-          <a:fontRef idx="minor">
-            <a:schemeClr val="lt1"/>
-          </a:fontRef>
-        </p:style>
-        <p:txBody>
-          <a:bodyPr rtlCol="0" anchor="ctr"/>
-          <a:lstStyle/>
-          <a:p>
-            <a:pPr algn="ctr"/>
-            <a:r>
-              <a:rPr lang="zh-CN" altLang="en-US" dirty="0">
-                <a:solidFill>
-                  <a:srgbClr val="FF0000"/>
-                </a:solidFill>
-              </a:rPr>
-              <a:t>由操作系统的调度</a:t>
-            </a:r>
-            <a:r>
-              <a:rPr lang="zh-CN" altLang="en-US" dirty="0" smtClean="0">
-                <a:solidFill>
-                  <a:srgbClr val="FF0000"/>
-                </a:solidFill>
-              </a:rPr>
-              <a:t>器按</a:t>
-            </a:r>
-            <a:r>
-              <a:rPr lang="zh-CN" altLang="en-US" dirty="0">
-                <a:solidFill>
-                  <a:srgbClr val="FF0000"/>
-                </a:solidFill>
-              </a:rPr>
-              <a:t>调度</a:t>
-            </a:r>
-            <a:r>
-              <a:rPr lang="zh-CN" altLang="en-US" dirty="0" smtClean="0">
-                <a:solidFill>
-                  <a:srgbClr val="FF0000"/>
-                </a:solidFill>
-              </a:rPr>
-              <a:t>算法来进行这些工作</a:t>
-            </a:r>
-            <a:endParaRPr lang="zh-CN" altLang="en-US" dirty="0">
-              <a:solidFill>
-                <a:srgbClr val="FF0000"/>
-              </a:solidFill>
-            </a:endParaRPr>
-          </a:p>
-        </p:txBody>
-      </p:sp>
-    </p:spTree>
-    <p:extLst>
-      <p:ext uri="{BB962C8B-B14F-4D97-AF65-F5344CB8AC3E}">
-        <p14:creationId xmlns:p14="http://schemas.microsoft.com/office/powerpoint/2010/main" val="469137297"/>
-      </p:ext>
-    </p:extLst>
-  </p:cSld>
-  <p:clrMapOvr>
-    <a:masterClrMapping/>
-  </p:clrMapOvr>
-  <p:timing>
-    <p:tnLst>
-      <p:par>
-        <p:cTn id="1" dur="indefinite" restart="never" nodeType="tmRoot">
-          <p:childTnLst>
-            <p:seq concurrent="1" nextAc="seek">
-              <p:cTn id="2" dur="indefinite" nodeType="mainSeq">
-                <p:childTnLst>
-                  <p:par>
-                    <p:cTn id="3" fill="hold">
-                      <p:stCondLst>
-                        <p:cond delay="indefinite"/>
-                      </p:stCondLst>
-                      <p:childTnLst>
-                        <p:par>
-                          <p:cTn id="4" fill="hold">
-                            <p:stCondLst>
-                              <p:cond delay="0"/>
-                            </p:stCondLst>
-                            <p:childTnLst>
                               <p:par>
-                                <p:cTn id="5" presetID="31" presetClass="entr" presetSubtype="0" fill="hold" grpId="0" nodeType="clickEffect">
+                                <p:cTn id="8" presetID="6" presetClass="entr" presetSubtype="16" fill="hold" grpId="0" nodeType="withEffect">
                                   <p:stCondLst>
                                     <p:cond delay="0"/>
                                   </p:stCondLst>
                                   <p:childTnLst>
                                     <p:set>
                                       <p:cBhvr>
-                                        <p:cTn id="6" dur="1" fill="hold">
-                                          <p:stCondLst>
-                                            <p:cond delay="0"/>
-                                          </p:stCondLst>
-                                        </p:cTn>
-                                        <p:tgtEl>
-                                          <p:spTgt spid="9"/>
-                                        </p:tgtEl>
-                                        <p:attrNameLst>
-                                          <p:attrName>style.visibility</p:attrName>
-                                        </p:attrNameLst>
-                                      </p:cBhvr>
-                                      <p:to>
-                                        <p:strVal val="visible"/>
-                                      </p:to>
-                                    </p:set>
-                                    <p:anim calcmode="lin" valueType="num">
-                                      <p:cBhvr>
-                                        <p:cTn id="7" dur="1000" fill="hold"/>
-                                        <p:tgtEl>
-                                          <p:spTgt spid="9"/>
-                                        </p:tgtEl>
-                                        <p:attrNameLst>
-                                          <p:attrName>ppt_w</p:attrName>
-                                        </p:attrNameLst>
-                                      </p:cBhvr>
-                                      <p:tavLst>
-                                        <p:tav tm="0">
-                                          <p:val>
-                                            <p:fltVal val="0"/>
-                                          </p:val>
-                                        </p:tav>
-                                        <p:tav tm="100000">
-                                          <p:val>
-                                            <p:strVal val="#ppt_w"/>
-                                          </p:val>
-                                        </p:tav>
-                                      </p:tavLst>
-                                    </p:anim>
-                                    <p:anim calcmode="lin" valueType="num">
-                                      <p:cBhvr>
-                                        <p:cTn id="8" dur="1000" fill="hold"/>
-                                        <p:tgtEl>
-                                          <p:spTgt spid="9"/>
-                                        </p:tgtEl>
-                                        <p:attrNameLst>
-                                          <p:attrName>ppt_h</p:attrName>
-                                        </p:attrNameLst>
-                                      </p:cBhvr>
-                                      <p:tavLst>
-                                        <p:tav tm="0">
-                                          <p:val>
-                                            <p:fltVal val="0"/>
-                                          </p:val>
-                                        </p:tav>
-                                        <p:tav tm="100000">
-                                          <p:val>
-                                            <p:strVal val="#ppt_h"/>
-                                          </p:val>
-                                        </p:tav>
-                                      </p:tavLst>
-                                    </p:anim>
-                                    <p:anim calcmode="lin" valueType="num">
-                                      <p:cBhvr>
-                                        <p:cTn id="9" dur="1000" fill="hold"/>
-                                        <p:tgtEl>
-                                          <p:spTgt spid="9"/>
-                                        </p:tgtEl>
-                                        <p:attrNameLst>
-                                          <p:attrName>style.rotation</p:attrName>
-                                        </p:attrNameLst>
-                                      </p:cBhvr>
-                                      <p:tavLst>
-                                        <p:tav tm="0">
-                                          <p:val>
-                                            <p:fltVal val="90"/>
-                                          </p:val>
-                                        </p:tav>
-                                        <p:tav tm="100000">
-                                          <p:val>
-                                            <p:fltVal val="0"/>
-                                          </p:val>
-                                        </p:tav>
-                                      </p:tavLst>
-                                    </p:anim>
-                                    <p:animEffect transition="in" filter="fade">
-                                      <p:cBhvr>
-                                        <p:cTn id="10" dur="1000"/>
-                                        <p:tgtEl>
-                                          <p:spTgt spid="9"/>
-                                        </p:tgtEl>
-                                      </p:cBhvr>
-                                    </p:animEffect>
-                                  </p:childTnLst>
-                                </p:cTn>
-                              </p:par>
-                            </p:childTnLst>
-                          </p:cTn>
-                        </p:par>
-                      </p:childTnLst>
-                    </p:cTn>
-                  </p:par>
-                  <p:par>
-                    <p:cTn id="11" fill="hold">
-                      <p:stCondLst>
-                        <p:cond delay="indefinite"/>
-                      </p:stCondLst>
-                      <p:childTnLst>
-                        <p:par>
-                          <p:cTn id="12" fill="hold">
-                            <p:stCondLst>
-                              <p:cond delay="0"/>
-                            </p:stCondLst>
-                            <p:childTnLst>
-                              <p:par>
-                                <p:cTn id="13" presetID="45" presetClass="entr" presetSubtype="0" fill="hold" grpId="0" nodeType="clickEffect">
-                                  <p:stCondLst>
-                                    <p:cond delay="0"/>
-                                  </p:stCondLst>
-                                  <p:childTnLst>
-                                    <p:set>
-                                      <p:cBhvr>
-                                        <p:cTn id="14" dur="1" fill="hold">
-                                          <p:stCondLst>
-                                            <p:cond delay="0"/>
-                                          </p:stCondLst>
-                                        </p:cTn>
-                                        <p:tgtEl>
-                                          <p:spTgt spid="13"/>
-                                        </p:tgtEl>
-                                        <p:attrNameLst>
-                                          <p:attrName>style.visibility</p:attrName>
-                                        </p:attrNameLst>
-                                      </p:cBhvr>
-                                      <p:to>
-                                        <p:strVal val="visible"/>
-                                      </p:to>
-                                    </p:set>
-                                    <p:animEffect transition="in" filter="fade">
-                                      <p:cBhvr>
-                                        <p:cTn id="15" dur="2000"/>
-                                        <p:tgtEl>
-                                          <p:spTgt spid="13"/>
-                                        </p:tgtEl>
-                                      </p:cBhvr>
-                                    </p:animEffect>
-                                    <p:anim calcmode="lin" valueType="num">
-                                      <p:cBhvr>
-                                        <p:cTn id="16" dur="2000" fill="hold"/>
-                                        <p:tgtEl>
-                                          <p:spTgt spid="13"/>
-                                        </p:tgtEl>
-                                        <p:attrNameLst>
-                                          <p:attrName>ppt_w</p:attrName>
-                                        </p:attrNameLst>
-                                      </p:cBhvr>
-                                      <p:tavLst>
-                                        <p:tav tm="0" fmla="#ppt_w*sin(2.5*pi*$)">
-                                          <p:val>
-                                            <p:fltVal val="0"/>
-                                          </p:val>
-                                        </p:tav>
-                                        <p:tav tm="100000">
-                                          <p:val>
-                                            <p:fltVal val="1"/>
-                                          </p:val>
-                                        </p:tav>
-                                      </p:tavLst>
-                                    </p:anim>
-                                    <p:anim calcmode="lin" valueType="num">
-                                      <p:cBhvr>
-                                        <p:cTn id="17" dur="2000" fill="hold"/>
-                                        <p:tgtEl>
-                                          <p:spTgt spid="13"/>
-                                        </p:tgtEl>
-                                        <p:attrNameLst>
-                                          <p:attrName>ppt_h</p:attrName>
-                                        </p:attrNameLst>
-                                      </p:cBhvr>
-                                      <p:tavLst>
-                                        <p:tav tm="0">
-                                          <p:val>
-                                            <p:strVal val="#ppt_h"/>
-                                          </p:val>
-                                        </p:tav>
-                                        <p:tav tm="100000">
-                                          <p:val>
-                                            <p:strVal val="#ppt_h"/>
-                                          </p:val>
-                                        </p:tav>
-                                      </p:tavLst>
-                                    </p:anim>
-                                  </p:childTnLst>
-                                </p:cTn>
-                              </p:par>
-                            </p:childTnLst>
-                          </p:cTn>
-                        </p:par>
-                      </p:childTnLst>
-                    </p:cTn>
-                  </p:par>
-                  <p:par>
-                    <p:cTn id="18" fill="hold">
-                      <p:stCondLst>
-                        <p:cond delay="indefinite"/>
-                      </p:stCondLst>
-                      <p:childTnLst>
-                        <p:par>
-                          <p:cTn id="19" fill="hold">
-                            <p:stCondLst>
-                              <p:cond delay="0"/>
-                            </p:stCondLst>
-                            <p:childTnLst>
-                              <p:par>
-                                <p:cTn id="20" presetID="6" presetClass="entr" presetSubtype="16" fill="hold" grpId="0" nodeType="clickEffect">
-                                  <p:stCondLst>
-                                    <p:cond delay="0"/>
-                                  </p:stCondLst>
-                                  <p:childTnLst>
-                                    <p:set>
-                                      <p:cBhvr>
-                                        <p:cTn id="21" dur="1" fill="hold">
+                                        <p:cTn id="9" dur="1" fill="hold">
                                           <p:stCondLst>
                                             <p:cond delay="0"/>
                                           </p:stCondLst>
@@ -22163,7 +21171,7 @@
                                     </p:set>
                                     <p:animEffect transition="in" filter="circle(in)">
                                       <p:cBhvr>
-                                        <p:cTn id="22" dur="2000"/>
+                                        <p:cTn id="10" dur="2000"/>
                                         <p:tgtEl>
                                           <p:spTgt spid="12"/>
                                         </p:tgtEl>
@@ -22172,39 +21180,21 @@
                                   </p:childTnLst>
                                 </p:cTn>
                               </p:par>
-                            </p:childTnLst>
-                          </p:cTn>
-                        </p:par>
-                      </p:childTnLst>
-                    </p:cTn>
-                  </p:par>
-                  <p:par>
-                    <p:cTn id="23" fill="hold">
-                      <p:stCondLst>
-                        <p:cond delay="indefinite"/>
-                      </p:stCondLst>
-                      <p:childTnLst>
-                        <p:par>
-                          <p:cTn id="24" fill="hold">
-                            <p:stCondLst>
-                              <p:cond delay="0"/>
-                            </p:stCondLst>
-                            <p:childTnLst>
                               <p:par>
-                                <p:cTn id="25" presetID="31" presetClass="entr" presetSubtype="0" fill="hold" grpId="0" nodeType="clickEffect">
+                                <p:cTn id="11" presetID="6" presetClass="entr" presetSubtype="16" fill="hold" grpId="0" nodeType="withEffect">
                                   <p:stCondLst>
                                     <p:cond delay="0"/>
                                   </p:stCondLst>
                                   <p:childTnLst>
                                     <p:set>
                                       <p:cBhvr>
-                                        <p:cTn id="26" dur="1" fill="hold">
+                                        <p:cTn id="12" dur="1" fill="hold">
                                           <p:stCondLst>
                                             <p:cond delay="0"/>
                                           </p:stCondLst>
                                         </p:cTn>
                                         <p:tgtEl>
-                                          <p:spTgt spid="16"/>
+                                          <p:spTgt spid="13"/>
                                         </p:tgtEl>
                                         <p:attrNameLst>
                                           <p:attrName>style.visibility</p:attrName>
@@ -22214,80 +21204,11 @@
                                         <p:strVal val="visible"/>
                                       </p:to>
                                     </p:set>
-                                    <p:anim calcmode="lin" valueType="num">
+                                    <p:animEffect transition="in" filter="circle(in)">
                                       <p:cBhvr>
-                                        <p:cTn id="27" dur="1000" fill="hold"/>
+                                        <p:cTn id="13" dur="2000"/>
                                         <p:tgtEl>
-                                          <p:spTgt spid="16"/>
-                                        </p:tgtEl>
-                                        <p:attrNameLst>
-                                          <p:attrName>ppt_w</p:attrName>
-                                        </p:attrNameLst>
-                                      </p:cBhvr>
-                                      <p:tavLst>
-                                        <p:tav tm="0">
-                                          <p:val>
-                                            <p:fltVal val="0"/>
-                                          </p:val>
-                                        </p:tav>
-                                        <p:tav tm="100000">
-                                          <p:val>
-                                            <p:strVal val="#ppt_w"/>
-                                          </p:val>
-                                        </p:tav>
-                                      </p:tavLst>
-                                    </p:anim>
-                                    <p:anim calcmode="lin" valueType="num">
-                                      <p:cBhvr>
-                                        <p:cTn id="28" dur="1000" fill="hold"/>
-                                        <p:tgtEl>
-                                          <p:spTgt spid="16"/>
-                                        </p:tgtEl>
-                                        <p:attrNameLst>
-                                          <p:attrName>ppt_h</p:attrName>
-                                        </p:attrNameLst>
-                                      </p:cBhvr>
-                                      <p:tavLst>
-                                        <p:tav tm="0">
-                                          <p:val>
-                                            <p:fltVal val="0"/>
-                                          </p:val>
-                                        </p:tav>
-                                        <p:tav tm="100000">
-                                          <p:val>
-                                            <p:strVal val="#ppt_h"/>
-                                          </p:val>
-                                        </p:tav>
-                                      </p:tavLst>
-                                    </p:anim>
-                                    <p:anim calcmode="lin" valueType="num">
-                                      <p:cBhvr>
-                                        <p:cTn id="29" dur="1000" fill="hold"/>
-                                        <p:tgtEl>
-                                          <p:spTgt spid="16"/>
-                                        </p:tgtEl>
-                                        <p:attrNameLst>
-                                          <p:attrName>style.rotation</p:attrName>
-                                        </p:attrNameLst>
-                                      </p:cBhvr>
-                                      <p:tavLst>
-                                        <p:tav tm="0">
-                                          <p:val>
-                                            <p:fltVal val="90"/>
-                                          </p:val>
-                                        </p:tav>
-                                        <p:tav tm="100000">
-                                          <p:val>
-                                            <p:fltVal val="0"/>
-                                          </p:val>
-                                        </p:tav>
-                                      </p:tavLst>
-                                    </p:anim>
-                                    <p:animEffect transition="in" filter="fade">
-                                      <p:cBhvr>
-                                        <p:cTn id="30" dur="1000"/>
-                                        <p:tgtEl>
-                                          <p:spTgt spid="16"/>
+                                          <p:spTgt spid="13"/>
                                         </p:tgtEl>
                                       </p:cBhvr>
                                     </p:animEffect>
@@ -22322,1475 +21243,9 @@
       </p:par>
     </p:tnLst>
     <p:bldLst>
-      <p:bldP spid="9" grpId="0" animBg="1"/>
-      <p:bldP spid="13" grpId="0" animBg="1"/>
-      <p:bldP spid="12" grpId="0" animBg="1"/>
-      <p:bldP spid="16" grpId="0" animBg="1"/>
+      <p:bldP spid="12" grpId="0"/>
+      <p:bldP spid="13" grpId="0"/>
     </p:bldLst>
-  </p:timing>
-</p:sld>
-</file>
-
-<file path=ppt/slides/slide26.xml><?xml version="1.0" encoding="utf-8"?>
-<p:sld xmlns:a="http://schemas.openxmlformats.org/drawingml/2006/main" xmlns:r="http://schemas.openxmlformats.org/officeDocument/2006/relationships" xmlns:p="http://schemas.openxmlformats.org/presentationml/2006/main">
-  <p:cSld>
-    <p:spTree>
-      <p:nvGrpSpPr>
-        <p:cNvPr id="1" name=""/>
-        <p:cNvGrpSpPr/>
-        <p:nvPr/>
-      </p:nvGrpSpPr>
-      <p:grpSpPr>
-        <a:xfrm>
-          <a:off x="0" y="0"/>
-          <a:ext cx="0" cy="0"/>
-          <a:chOff x="0" y="0"/>
-          <a:chExt cx="0" cy="0"/>
-        </a:xfrm>
-      </p:grpSpPr>
-      <p:sp>
-        <p:nvSpPr>
-          <p:cNvPr id="3" name="页脚占位符 2"/>
-          <p:cNvSpPr>
-            <a:spLocks noGrp="1"/>
-          </p:cNvSpPr>
-          <p:nvPr>
-            <p:ph type="ftr" sz="quarter" idx="11"/>
-          </p:nvPr>
-        </p:nvSpPr>
-        <p:spPr>
-          <a:xfrm>
-            <a:off x="0" y="6381328"/>
-            <a:ext cx="9144000" cy="365125"/>
-          </a:xfrm>
-        </p:spPr>
-        <p:txBody>
-          <a:bodyPr/>
-          <a:lstStyle/>
-          <a:p>
-            <a:r>
-              <a:rPr lang="en-US" altLang="zh-CN" b="1" dirty="0"/>
-              <a:t>RT-Thread </a:t>
-            </a:r>
-            <a:r>
-              <a:rPr lang="zh-CN" altLang="en-US" b="1" dirty="0"/>
-              <a:t>物联网操作系统</a:t>
-            </a:r>
-            <a:r>
-              <a:rPr lang="en-US" altLang="zh-CN" b="1" dirty="0"/>
-              <a:t>							</a:t>
-            </a:r>
-            <a:r>
-              <a:rPr lang="zh-CN" altLang="en-US" sz="1100" b="1" dirty="0"/>
-              <a:t>学习交流群：</a:t>
-            </a:r>
-            <a:r>
-              <a:rPr lang="en-US" altLang="zh-CN" sz="1100" b="1" dirty="0">
-                <a:solidFill>
-                  <a:srgbClr val="FF0000"/>
-                </a:solidFill>
-                <a:latin typeface="Malgun Gothic" pitchFamily="34" charset="-127"/>
-                <a:ea typeface="Malgun Gothic" pitchFamily="34" charset="-127"/>
-              </a:rPr>
-              <a:t>783234154</a:t>
-            </a:r>
-            <a:endParaRPr lang="zh-CN" altLang="en-US" b="1" dirty="0">
-              <a:solidFill>
-                <a:srgbClr val="FF0000"/>
-              </a:solidFill>
-              <a:latin typeface="Malgun Gothic" pitchFamily="34" charset="-127"/>
-              <a:ea typeface="Malgun Gothic" pitchFamily="34" charset="-127"/>
-            </a:endParaRPr>
-          </a:p>
-        </p:txBody>
-      </p:sp>
-      <p:sp>
-        <p:nvSpPr>
-          <p:cNvPr id="4" name="灯片编号占位符 3"/>
-          <p:cNvSpPr>
-            <a:spLocks noGrp="1"/>
-          </p:cNvSpPr>
-          <p:nvPr>
-            <p:ph type="sldNum" sz="quarter" idx="12"/>
-          </p:nvPr>
-        </p:nvSpPr>
-        <p:spPr>
-          <a:xfrm>
-            <a:off x="3995936" y="6381328"/>
-            <a:ext cx="1161826" cy="365125"/>
-          </a:xfrm>
-        </p:spPr>
-        <p:txBody>
-          <a:bodyPr/>
-          <a:lstStyle/>
-          <a:p>
-            <a:fld id="{0C913308-F349-4B6D-A68A-DD1791B4A57B}" type="slidenum">
-              <a:rPr lang="zh-CN" altLang="en-US" smtClean="0"/>
-              <a:t>26</a:t>
-            </a:fld>
-            <a:endParaRPr lang="zh-CN" altLang="en-US" dirty="0"/>
-          </a:p>
-        </p:txBody>
-      </p:sp>
-      <p:sp>
-        <p:nvSpPr>
-          <p:cNvPr id="5" name="标题 4"/>
-          <p:cNvSpPr>
-            <a:spLocks noGrp="1"/>
-          </p:cNvSpPr>
-          <p:nvPr>
-            <p:ph type="title"/>
-          </p:nvPr>
-        </p:nvSpPr>
-        <p:spPr/>
-        <p:txBody>
-          <a:bodyPr>
-            <a:normAutofit/>
-          </a:bodyPr>
-          <a:lstStyle/>
-          <a:p>
-            <a:r>
-              <a:rPr lang="zh-CN" altLang="en-US" dirty="0" smtClean="0"/>
-              <a:t>前后台系统与</a:t>
-            </a:r>
-            <a:r>
-              <a:rPr lang="en-US" altLang="zh-CN" dirty="0" smtClean="0"/>
-              <a:t>OS</a:t>
-            </a:r>
-            <a:r>
-              <a:rPr lang="zh-CN" altLang="en-US" dirty="0" smtClean="0"/>
-              <a:t>的比较</a:t>
-            </a:r>
-            <a:endParaRPr lang="zh-CN" altLang="en-US" dirty="0"/>
-          </a:p>
-        </p:txBody>
-      </p:sp>
-      <p:graphicFrame>
-        <p:nvGraphicFramePr>
-          <p:cNvPr id="6" name="内容占位符 5"/>
-          <p:cNvGraphicFramePr>
-            <a:graphicFrameLocks noGrp="1"/>
-          </p:cNvGraphicFramePr>
-          <p:nvPr>
-            <p:ph idx="1"/>
-            <p:extLst>
-              <p:ext uri="{D42A27DB-BD31-4B8C-83A1-F6EECF244321}">
-                <p14:modId xmlns:p14="http://schemas.microsoft.com/office/powerpoint/2010/main" val="3775535164"/>
-              </p:ext>
-            </p:extLst>
-          </p:nvPr>
-        </p:nvGraphicFramePr>
-        <p:xfrm>
-          <a:off x="763537" y="1340768"/>
-          <a:ext cx="7408863" cy="4577080"/>
-        </p:xfrm>
-        <a:graphic>
-          <a:graphicData uri="http://schemas.openxmlformats.org/drawingml/2006/table">
-            <a:tbl>
-              <a:tblPr firstRow="1" bandRow="1">
-                <a:tableStyleId>{5C22544A-7EE6-4342-B048-85BDC9FD1C3A}</a:tableStyleId>
-              </a:tblPr>
-              <a:tblGrid>
-                <a:gridCol w="1108174"/>
-                <a:gridCol w="2808312"/>
-                <a:gridCol w="3492377"/>
-              </a:tblGrid>
-              <a:tr h="370840">
-                <a:tc>
-                  <a:txBody>
-                    <a:bodyPr/>
-                    <a:lstStyle/>
-                    <a:p>
-                      <a:endParaRPr lang="zh-CN" altLang="en-US" dirty="0"/>
-                    </a:p>
-                  </a:txBody>
-                  <a:tcPr/>
-                </a:tc>
-                <a:tc>
-                  <a:txBody>
-                    <a:bodyPr/>
-                    <a:lstStyle/>
-                    <a:p>
-                      <a:r>
-                        <a:rPr lang="zh-CN" altLang="en-US" dirty="0" smtClean="0"/>
-                        <a:t>前后台系统</a:t>
-                      </a:r>
-                      <a:endParaRPr lang="zh-CN" altLang="en-US" dirty="0"/>
-                    </a:p>
-                  </a:txBody>
-                  <a:tcPr/>
-                </a:tc>
-                <a:tc>
-                  <a:txBody>
-                    <a:bodyPr/>
-                    <a:lstStyle/>
-                    <a:p>
-                      <a:r>
-                        <a:rPr lang="zh-CN" altLang="en-US" dirty="0" smtClean="0"/>
-                        <a:t>实时操作系统</a:t>
-                      </a:r>
-                      <a:endParaRPr lang="zh-CN" altLang="en-US" dirty="0"/>
-                    </a:p>
-                  </a:txBody>
-                  <a:tcPr/>
-                </a:tc>
-              </a:tr>
-              <a:tr h="370840">
-                <a:tc>
-                  <a:txBody>
-                    <a:bodyPr/>
-                    <a:lstStyle/>
-                    <a:p>
-                      <a:r>
-                        <a:rPr lang="zh-CN" altLang="en-US" dirty="0" smtClean="0"/>
-                        <a:t>资源</a:t>
-                      </a:r>
-                      <a:endParaRPr lang="zh-CN" altLang="en-US" dirty="0"/>
-                    </a:p>
-                  </a:txBody>
-                  <a:tcPr/>
-                </a:tc>
-                <a:tc>
-                  <a:txBody>
-                    <a:bodyPr/>
-                    <a:lstStyle/>
-                    <a:p>
-                      <a:r>
-                        <a:rPr lang="zh-CN" altLang="en-US" dirty="0" smtClean="0"/>
-                        <a:t>不需要分配空间给</a:t>
-                      </a:r>
-                      <a:r>
-                        <a:rPr lang="en-US" altLang="zh-CN" dirty="0" err="1" smtClean="0"/>
-                        <a:t>os</a:t>
-                      </a:r>
-                      <a:endParaRPr lang="zh-CN" altLang="en-US" dirty="0"/>
-                    </a:p>
-                  </a:txBody>
-                  <a:tcPr/>
-                </a:tc>
-                <a:tc>
-                  <a:txBody>
-                    <a:bodyPr/>
-                    <a:lstStyle/>
-                    <a:p>
-                      <a:r>
-                        <a:rPr lang="zh-CN" altLang="en-US" sz="1800" kern="1200" dirty="0">
-                          <a:solidFill>
-                            <a:schemeClr val="dk1"/>
-                          </a:solidFill>
-                          <a:latin typeface="+mn-lt"/>
-                          <a:ea typeface="+mn-ea"/>
-                          <a:cs typeface="+mn-cs"/>
-                        </a:rPr>
-                        <a:t>需要分配资源给</a:t>
-                      </a:r>
-                      <a:r>
-                        <a:rPr lang="en-US" altLang="zh-CN" sz="1800" kern="1200" dirty="0">
-                          <a:solidFill>
-                            <a:schemeClr val="dk1"/>
-                          </a:solidFill>
-                          <a:latin typeface="+mn-lt"/>
-                          <a:ea typeface="+mn-ea"/>
-                          <a:cs typeface="+mn-cs"/>
-                        </a:rPr>
-                        <a:t>OS</a:t>
-                      </a:r>
-                      <a:r>
-                        <a:rPr lang="en-US" altLang="zh-CN" sz="1800" kern="1200" dirty="0" smtClean="0">
-                          <a:solidFill>
-                            <a:schemeClr val="dk1"/>
-                          </a:solidFill>
-                          <a:latin typeface="+mn-lt"/>
-                          <a:ea typeface="+mn-ea"/>
-                          <a:cs typeface="+mn-cs"/>
-                        </a:rPr>
-                        <a:t>(</a:t>
-                      </a:r>
-                      <a:r>
-                        <a:rPr lang="zh-CN" altLang="en-US" sz="1800" kern="1200" dirty="0" smtClean="0">
-                          <a:solidFill>
-                            <a:schemeClr val="dk1"/>
-                          </a:solidFill>
-                          <a:latin typeface="+mn-lt"/>
-                          <a:ea typeface="+mn-ea"/>
-                          <a:cs typeface="+mn-cs"/>
-                        </a:rPr>
-                        <a:t>不同的系统内核</a:t>
-                      </a:r>
-                      <a:r>
-                        <a:rPr lang="zh-CN" altLang="en-US" sz="1800" kern="1200" dirty="0">
-                          <a:solidFill>
-                            <a:schemeClr val="dk1"/>
-                          </a:solidFill>
-                          <a:latin typeface="+mn-lt"/>
-                          <a:ea typeface="+mn-ea"/>
-                          <a:cs typeface="+mn-cs"/>
-                        </a:rPr>
-                        <a:t>资源</a:t>
-                      </a:r>
-                      <a:r>
-                        <a:rPr lang="zh-CN" altLang="en-US" sz="1800" kern="1200" dirty="0" smtClean="0">
-                          <a:solidFill>
-                            <a:schemeClr val="dk1"/>
-                          </a:solidFill>
-                          <a:latin typeface="+mn-lt"/>
-                          <a:ea typeface="+mn-ea"/>
-                          <a:cs typeface="+mn-cs"/>
-                        </a:rPr>
-                        <a:t>使用情况不同</a:t>
-                      </a:r>
-                      <a:r>
-                        <a:rPr lang="en-US" altLang="zh-CN" sz="1800" kern="1200" dirty="0" smtClean="0">
-                          <a:solidFill>
-                            <a:schemeClr val="dk1"/>
-                          </a:solidFill>
-                          <a:latin typeface="+mn-lt"/>
-                          <a:ea typeface="+mn-ea"/>
-                          <a:cs typeface="+mn-cs"/>
-                        </a:rPr>
-                        <a:t>)</a:t>
-                      </a:r>
-                      <a:r>
-                        <a:rPr lang="zh-CN" altLang="en-US" sz="1800" kern="1200" dirty="0" smtClean="0">
-                          <a:solidFill>
-                            <a:schemeClr val="dk1"/>
-                          </a:solidFill>
-                          <a:latin typeface="+mn-lt"/>
-                          <a:ea typeface="+mn-ea"/>
-                          <a:cs typeface="+mn-cs"/>
-                        </a:rPr>
-                        <a:t>，内核资源也有不同，可通过配置文件进行配置</a:t>
-                      </a:r>
-                      <a:endParaRPr lang="zh-CN" altLang="en-US" sz="1800" kern="1200" dirty="0">
-                        <a:solidFill>
-                          <a:schemeClr val="dk1"/>
-                        </a:solidFill>
-                        <a:latin typeface="+mn-lt"/>
-                        <a:ea typeface="+mn-ea"/>
-                        <a:cs typeface="+mn-cs"/>
-                      </a:endParaRPr>
-                    </a:p>
-                  </a:txBody>
-                  <a:tcPr anchor="ctr"/>
-                </a:tc>
-              </a:tr>
-              <a:tr h="370840">
-                <a:tc>
-                  <a:txBody>
-                    <a:bodyPr/>
-                    <a:lstStyle/>
-                    <a:p>
-                      <a:r>
-                        <a:rPr lang="zh-CN" altLang="en-US" dirty="0" smtClean="0"/>
-                        <a:t>学习难度</a:t>
-                      </a:r>
-                      <a:endParaRPr lang="zh-CN" altLang="en-US" dirty="0"/>
-                    </a:p>
-                  </a:txBody>
-                  <a:tcPr/>
-                </a:tc>
-                <a:tc>
-                  <a:txBody>
-                    <a:bodyPr/>
-                    <a:lstStyle/>
-                    <a:p>
-                      <a:pPr marL="0" algn="l" defTabSz="914400" rtl="0" eaLnBrk="1" latinLnBrk="0" hangingPunct="1"/>
-                      <a:r>
-                        <a:rPr lang="zh-CN" altLang="en-US" sz="1800" kern="1200" dirty="0" smtClean="0">
-                          <a:solidFill>
-                            <a:schemeClr val="dk1"/>
-                          </a:solidFill>
-                          <a:latin typeface="+mn-lt"/>
-                          <a:ea typeface="+mn-ea"/>
-                          <a:cs typeface="+mn-cs"/>
-                        </a:rPr>
-                        <a:t>不需要学习</a:t>
-                      </a:r>
-                      <a:r>
-                        <a:rPr lang="en-US" altLang="zh-CN" sz="1800" kern="1200" dirty="0" smtClean="0">
-                          <a:solidFill>
-                            <a:schemeClr val="dk1"/>
-                          </a:solidFill>
-                          <a:latin typeface="+mn-lt"/>
-                          <a:ea typeface="+mn-ea"/>
-                          <a:cs typeface="+mn-cs"/>
-                        </a:rPr>
-                        <a:t>OS</a:t>
-                      </a:r>
-                      <a:r>
-                        <a:rPr lang="zh-CN" altLang="en-US" sz="1800" kern="1200" dirty="0" smtClean="0">
-                          <a:solidFill>
-                            <a:schemeClr val="dk1"/>
-                          </a:solidFill>
-                          <a:latin typeface="+mn-lt"/>
-                          <a:ea typeface="+mn-ea"/>
-                          <a:cs typeface="+mn-cs"/>
-                        </a:rPr>
-                        <a:t>的</a:t>
-                      </a:r>
-                      <a:r>
-                        <a:rPr lang="en-US" altLang="zh-CN" sz="1800" kern="1200" dirty="0" smtClean="0">
-                          <a:solidFill>
-                            <a:schemeClr val="dk1"/>
-                          </a:solidFill>
-                          <a:latin typeface="+mn-lt"/>
-                          <a:ea typeface="+mn-ea"/>
-                          <a:cs typeface="+mn-cs"/>
-                        </a:rPr>
-                        <a:t>API</a:t>
-                      </a:r>
-                      <a:r>
-                        <a:rPr lang="zh-CN" altLang="en-US" sz="1800" kern="1200" dirty="0" smtClean="0">
-                          <a:solidFill>
-                            <a:schemeClr val="dk1"/>
-                          </a:solidFill>
-                          <a:latin typeface="+mn-lt"/>
-                          <a:ea typeface="+mn-ea"/>
-                          <a:cs typeface="+mn-cs"/>
-                        </a:rPr>
-                        <a:t>，简单上手</a:t>
-                      </a:r>
-                      <a:endParaRPr lang="zh-CN" altLang="en-US" sz="1800" kern="1200" dirty="0">
-                        <a:solidFill>
-                          <a:schemeClr val="dk1"/>
-                        </a:solidFill>
-                        <a:latin typeface="+mn-lt"/>
-                        <a:ea typeface="+mn-ea"/>
-                        <a:cs typeface="+mn-cs"/>
-                      </a:endParaRPr>
-                    </a:p>
-                  </a:txBody>
-                  <a:tcPr anchor="ctr"/>
-                </a:tc>
-                <a:tc>
-                  <a:txBody>
-                    <a:bodyPr/>
-                    <a:lstStyle/>
-                    <a:p>
-                      <a:pPr marL="0" algn="l" defTabSz="914400" rtl="0" eaLnBrk="1" latinLnBrk="0" hangingPunct="1"/>
-                      <a:r>
-                        <a:rPr lang="zh-CN" altLang="en-US" sz="1800" kern="1200" dirty="0">
-                          <a:solidFill>
-                            <a:schemeClr val="dk1"/>
-                          </a:solidFill>
-                          <a:latin typeface="+mn-lt"/>
-                          <a:ea typeface="+mn-ea"/>
-                          <a:cs typeface="+mn-cs"/>
-                        </a:rPr>
-                        <a:t>开发者需要熟悉</a:t>
-                      </a:r>
-                      <a:r>
-                        <a:rPr lang="en-US" altLang="zh-CN" sz="1800" kern="1200" dirty="0">
-                          <a:solidFill>
-                            <a:schemeClr val="dk1"/>
-                          </a:solidFill>
-                          <a:latin typeface="+mn-lt"/>
-                          <a:ea typeface="+mn-ea"/>
-                          <a:cs typeface="+mn-cs"/>
-                        </a:rPr>
-                        <a:t>OS</a:t>
-                      </a:r>
-                      <a:r>
-                        <a:rPr lang="zh-CN" altLang="en-US" sz="1800" kern="1200" dirty="0">
-                          <a:solidFill>
-                            <a:schemeClr val="dk1"/>
-                          </a:solidFill>
-                          <a:latin typeface="+mn-lt"/>
-                          <a:ea typeface="+mn-ea"/>
-                          <a:cs typeface="+mn-cs"/>
-                        </a:rPr>
-                        <a:t>的基本</a:t>
-                      </a:r>
-                      <a:r>
-                        <a:rPr lang="zh-CN" altLang="en-US" sz="1800" kern="1200" dirty="0" smtClean="0">
-                          <a:solidFill>
-                            <a:schemeClr val="dk1"/>
-                          </a:solidFill>
-                          <a:latin typeface="+mn-lt"/>
-                          <a:ea typeface="+mn-ea"/>
-                          <a:cs typeface="+mn-cs"/>
-                        </a:rPr>
-                        <a:t>操作</a:t>
-                      </a:r>
-                      <a:r>
-                        <a:rPr lang="en-US" altLang="zh-CN" sz="1800" kern="1200" dirty="0" smtClean="0">
-                          <a:solidFill>
-                            <a:schemeClr val="dk1"/>
-                          </a:solidFill>
-                          <a:latin typeface="+mn-lt"/>
-                          <a:ea typeface="+mn-ea"/>
-                          <a:cs typeface="+mn-cs"/>
-                        </a:rPr>
-                        <a:t>(</a:t>
-                      </a:r>
-                      <a:r>
-                        <a:rPr lang="zh-CN" altLang="en-US" sz="1800" kern="1200" dirty="0">
-                          <a:solidFill>
-                            <a:schemeClr val="dk1"/>
-                          </a:solidFill>
-                          <a:latin typeface="+mn-lt"/>
-                          <a:ea typeface="+mn-ea"/>
-                          <a:cs typeface="+mn-cs"/>
-                        </a:rPr>
-                        <a:t>任务建立</a:t>
-                      </a:r>
-                      <a:r>
-                        <a:rPr lang="en-US" altLang="zh-CN" sz="1800" kern="1200" dirty="0">
-                          <a:solidFill>
-                            <a:schemeClr val="dk1"/>
-                          </a:solidFill>
-                          <a:latin typeface="+mn-lt"/>
-                          <a:ea typeface="+mn-ea"/>
-                          <a:cs typeface="+mn-cs"/>
-                        </a:rPr>
-                        <a:t>/</a:t>
-                      </a:r>
-                      <a:r>
-                        <a:rPr lang="zh-CN" altLang="en-US" sz="1800" kern="1200" dirty="0">
-                          <a:solidFill>
-                            <a:schemeClr val="dk1"/>
-                          </a:solidFill>
-                          <a:latin typeface="+mn-lt"/>
-                          <a:ea typeface="+mn-ea"/>
-                          <a:cs typeface="+mn-cs"/>
-                        </a:rPr>
-                        <a:t>删除、任务间</a:t>
-                      </a:r>
-                      <a:r>
-                        <a:rPr lang="zh-CN" altLang="en-US" sz="1800" kern="1200" dirty="0" smtClean="0">
-                          <a:solidFill>
-                            <a:schemeClr val="dk1"/>
-                          </a:solidFill>
-                          <a:latin typeface="+mn-lt"/>
-                          <a:ea typeface="+mn-ea"/>
-                          <a:cs typeface="+mn-cs"/>
-                        </a:rPr>
-                        <a:t>通讯、优先级</a:t>
-                      </a:r>
-                      <a:r>
-                        <a:rPr lang="zh-CN" altLang="en-US" sz="1800" kern="1200" dirty="0">
-                          <a:solidFill>
-                            <a:schemeClr val="dk1"/>
-                          </a:solidFill>
-                          <a:latin typeface="+mn-lt"/>
-                          <a:ea typeface="+mn-ea"/>
-                          <a:cs typeface="+mn-cs"/>
-                        </a:rPr>
-                        <a:t>处理、</a:t>
-                      </a:r>
-                      <a:r>
-                        <a:rPr lang="zh-CN" altLang="en-US" sz="1800" kern="1200" dirty="0" smtClean="0">
-                          <a:solidFill>
-                            <a:schemeClr val="dk1"/>
-                          </a:solidFill>
-                          <a:latin typeface="+mn-lt"/>
-                          <a:ea typeface="+mn-ea"/>
-                          <a:cs typeface="+mn-cs"/>
-                        </a:rPr>
-                        <a:t>中断处理</a:t>
-                      </a:r>
-                      <a:r>
-                        <a:rPr lang="en-US" altLang="zh-CN" sz="1800" kern="1200" dirty="0" smtClean="0">
-                          <a:solidFill>
-                            <a:schemeClr val="dk1"/>
-                          </a:solidFill>
-                          <a:latin typeface="+mn-lt"/>
-                          <a:ea typeface="+mn-ea"/>
-                          <a:cs typeface="+mn-cs"/>
-                        </a:rPr>
-                        <a:t>…)</a:t>
-                      </a:r>
-                      <a:endParaRPr lang="zh-CN" altLang="en-US" sz="1800" kern="1200" dirty="0">
-                        <a:solidFill>
-                          <a:schemeClr val="dk1"/>
-                        </a:solidFill>
-                        <a:latin typeface="+mn-lt"/>
-                        <a:ea typeface="+mn-ea"/>
-                        <a:cs typeface="+mn-cs"/>
-                      </a:endParaRPr>
-                    </a:p>
-                  </a:txBody>
-                  <a:tcPr anchor="ctr"/>
-                </a:tc>
-              </a:tr>
-              <a:tr h="370840">
-                <a:tc>
-                  <a:txBody>
-                    <a:bodyPr/>
-                    <a:lstStyle/>
-                    <a:p>
-                      <a:pPr marL="0" algn="l" defTabSz="914400" rtl="0" eaLnBrk="1" latinLnBrk="0" hangingPunct="1"/>
-                      <a:r>
-                        <a:rPr lang="zh-CN" altLang="en-US" sz="1800" kern="1200" dirty="0" smtClean="0">
-                          <a:solidFill>
-                            <a:schemeClr val="dk1"/>
-                          </a:solidFill>
-                          <a:latin typeface="+mn-lt"/>
-                          <a:ea typeface="+mn-ea"/>
-                          <a:cs typeface="+mn-cs"/>
-                        </a:rPr>
-                        <a:t>实时性</a:t>
-                      </a:r>
-                      <a:endParaRPr lang="zh-CN" altLang="en-US" sz="1800" kern="1200" dirty="0">
-                        <a:solidFill>
-                          <a:schemeClr val="dk1"/>
-                        </a:solidFill>
-                        <a:latin typeface="+mn-lt"/>
-                        <a:ea typeface="+mn-ea"/>
-                        <a:cs typeface="+mn-cs"/>
-                      </a:endParaRPr>
-                    </a:p>
-                  </a:txBody>
-                  <a:tcPr/>
-                </a:tc>
-                <a:tc>
-                  <a:txBody>
-                    <a:bodyPr/>
-                    <a:lstStyle/>
-                    <a:p>
-                      <a:pPr marL="0" algn="l" defTabSz="914400" rtl="0" eaLnBrk="1" latinLnBrk="0" hangingPunct="1"/>
-                      <a:r>
-                        <a:rPr lang="zh-CN" altLang="en-US" sz="1800" kern="1200" dirty="0">
-                          <a:solidFill>
-                            <a:schemeClr val="dk1"/>
-                          </a:solidFill>
-                          <a:latin typeface="+mn-lt"/>
-                          <a:ea typeface="+mn-ea"/>
-                          <a:cs typeface="+mn-cs"/>
-                        </a:rPr>
-                        <a:t>难以确保每个操作</a:t>
-                      </a:r>
-                      <a:r>
-                        <a:rPr lang="zh-CN" altLang="en-US" sz="1800" kern="1200" dirty="0" smtClean="0">
-                          <a:solidFill>
-                            <a:schemeClr val="dk1"/>
-                          </a:solidFill>
-                          <a:latin typeface="+mn-lt"/>
-                          <a:ea typeface="+mn-ea"/>
-                          <a:cs typeface="+mn-cs"/>
-                        </a:rPr>
-                        <a:t>能够实时响应，</a:t>
-                      </a:r>
-                      <a:r>
-                        <a:rPr lang="zh-CN" altLang="en-US" sz="1800" kern="1200" dirty="0">
-                          <a:solidFill>
-                            <a:schemeClr val="dk1"/>
-                          </a:solidFill>
-                          <a:latin typeface="+mn-lt"/>
-                          <a:ea typeface="+mn-ea"/>
-                          <a:cs typeface="+mn-cs"/>
-                        </a:rPr>
-                        <a:t>如果一个</a:t>
-                      </a:r>
-                      <a:r>
-                        <a:rPr lang="zh-CN" altLang="en-US" sz="1800" kern="1200" dirty="0" smtClean="0">
-                          <a:solidFill>
-                            <a:schemeClr val="dk1"/>
-                          </a:solidFill>
-                          <a:latin typeface="+mn-lt"/>
-                          <a:ea typeface="+mn-ea"/>
-                          <a:cs typeface="+mn-cs"/>
-                        </a:rPr>
-                        <a:t>函数</a:t>
-                      </a:r>
-                      <a:r>
-                        <a:rPr lang="zh-CN" altLang="en-US" sz="1800" kern="1200" dirty="0">
-                          <a:solidFill>
-                            <a:schemeClr val="dk1"/>
-                          </a:solidFill>
-                          <a:latin typeface="+mn-lt"/>
-                          <a:ea typeface="+mn-ea"/>
-                          <a:cs typeface="+mn-cs"/>
-                        </a:rPr>
-                        <a:t>花费过长时间，将</a:t>
-                      </a:r>
-                      <a:r>
-                        <a:rPr lang="zh-CN" altLang="en-US" sz="1800" kern="1200" dirty="0" smtClean="0">
-                          <a:solidFill>
-                            <a:schemeClr val="dk1"/>
-                          </a:solidFill>
-                          <a:latin typeface="+mn-lt"/>
-                          <a:ea typeface="+mn-ea"/>
-                          <a:cs typeface="+mn-cs"/>
-                        </a:rPr>
-                        <a:t>使整个</a:t>
-                      </a:r>
-                      <a:r>
-                        <a:rPr lang="zh-CN" altLang="en-US" sz="1800" kern="1200" dirty="0">
-                          <a:solidFill>
-                            <a:schemeClr val="dk1"/>
-                          </a:solidFill>
-                          <a:latin typeface="+mn-lt"/>
-                          <a:ea typeface="+mn-ea"/>
-                          <a:cs typeface="+mn-cs"/>
-                        </a:rPr>
-                        <a:t>系统的实时性</a:t>
-                      </a:r>
-                      <a:r>
-                        <a:rPr lang="zh-CN" altLang="en-US" sz="1800" kern="1200" dirty="0" smtClean="0">
-                          <a:solidFill>
-                            <a:schemeClr val="dk1"/>
-                          </a:solidFill>
-                          <a:latin typeface="+mn-lt"/>
-                          <a:ea typeface="+mn-ea"/>
-                          <a:cs typeface="+mn-cs"/>
-                        </a:rPr>
-                        <a:t>下降</a:t>
-                      </a:r>
-                      <a:endParaRPr lang="en-US" altLang="zh-CN" sz="1800" kern="1200" dirty="0" smtClean="0">
-                        <a:solidFill>
-                          <a:schemeClr val="dk1"/>
-                        </a:solidFill>
-                        <a:latin typeface="+mn-lt"/>
-                        <a:ea typeface="+mn-ea"/>
-                        <a:cs typeface="+mn-cs"/>
-                      </a:endParaRPr>
-                    </a:p>
-                    <a:p>
-                      <a:pPr marL="0" algn="l" defTabSz="914400" rtl="0" eaLnBrk="1" latinLnBrk="0" hangingPunct="1"/>
-                      <a:r>
-                        <a:rPr lang="zh-CN" altLang="en-US" sz="1800" kern="1200" dirty="0" smtClean="0">
-                          <a:solidFill>
-                            <a:srgbClr val="FF0000"/>
-                          </a:solidFill>
-                          <a:latin typeface="+mn-lt"/>
-                          <a:ea typeface="+mn-ea"/>
-                          <a:cs typeface="+mn-cs"/>
-                        </a:rPr>
-                        <a:t>实时响应，轮询处理</a:t>
-                      </a:r>
-                      <a:endParaRPr lang="zh-CN" altLang="en-US" sz="1800" kern="1200" dirty="0">
-                        <a:solidFill>
-                          <a:srgbClr val="FF0000"/>
-                        </a:solidFill>
-                        <a:latin typeface="+mn-lt"/>
-                        <a:ea typeface="+mn-ea"/>
-                        <a:cs typeface="+mn-cs"/>
-                      </a:endParaRPr>
-                    </a:p>
-                  </a:txBody>
-                  <a:tcPr anchor="ctr"/>
-                </a:tc>
-                <a:tc>
-                  <a:txBody>
-                    <a:bodyPr/>
-                    <a:lstStyle/>
-                    <a:p>
-                      <a:pPr marL="0" algn="l" defTabSz="914400" rtl="0" eaLnBrk="1" latinLnBrk="0" hangingPunct="1"/>
-                      <a:r>
-                        <a:rPr lang="zh-CN" altLang="en-US" sz="1800" kern="1200" dirty="0">
-                          <a:solidFill>
-                            <a:schemeClr val="dk1"/>
-                          </a:solidFill>
-                          <a:latin typeface="+mn-lt"/>
-                          <a:ea typeface="+mn-ea"/>
-                          <a:cs typeface="+mn-cs"/>
-                        </a:rPr>
-                        <a:t>实时嵌入式</a:t>
-                      </a:r>
-                      <a:r>
-                        <a:rPr lang="en-US" altLang="zh-CN" sz="1800" kern="1200" dirty="0">
-                          <a:solidFill>
-                            <a:schemeClr val="dk1"/>
-                          </a:solidFill>
-                          <a:latin typeface="+mn-lt"/>
-                          <a:ea typeface="+mn-ea"/>
-                          <a:cs typeface="+mn-cs"/>
-                        </a:rPr>
-                        <a:t>OS</a:t>
-                      </a:r>
-                      <a:r>
-                        <a:rPr lang="zh-CN" altLang="en-US" sz="1800" kern="1200" dirty="0">
-                          <a:solidFill>
-                            <a:schemeClr val="dk1"/>
-                          </a:solidFill>
-                          <a:latin typeface="+mn-lt"/>
-                          <a:ea typeface="+mn-ea"/>
-                          <a:cs typeface="+mn-cs"/>
-                        </a:rPr>
-                        <a:t>的调度算法可以</a:t>
-                      </a:r>
-                      <a:br>
-                        <a:rPr lang="zh-CN" altLang="en-US" sz="1800" kern="1200" dirty="0">
-                          <a:solidFill>
-                            <a:schemeClr val="dk1"/>
-                          </a:solidFill>
-                          <a:latin typeface="+mn-lt"/>
-                          <a:ea typeface="+mn-ea"/>
-                          <a:cs typeface="+mn-cs"/>
-                        </a:rPr>
-                      </a:br>
-                      <a:r>
-                        <a:rPr lang="zh-CN" altLang="en-US" sz="1800" kern="1200" dirty="0">
-                          <a:solidFill>
-                            <a:schemeClr val="dk1"/>
-                          </a:solidFill>
-                          <a:latin typeface="+mn-lt"/>
-                          <a:ea typeface="+mn-ea"/>
-                          <a:cs typeface="+mn-cs"/>
-                        </a:rPr>
-                        <a:t>最大程度保证系统的实时</a:t>
-                      </a:r>
-                      <a:r>
-                        <a:rPr lang="zh-CN" altLang="en-US" sz="1800" kern="1200" dirty="0" smtClean="0">
-                          <a:solidFill>
-                            <a:schemeClr val="dk1"/>
-                          </a:solidFill>
-                          <a:latin typeface="+mn-lt"/>
-                          <a:ea typeface="+mn-ea"/>
-                          <a:cs typeface="+mn-cs"/>
-                        </a:rPr>
-                        <a:t>性</a:t>
-                      </a:r>
-                      <a:endParaRPr lang="en-US" altLang="zh-CN" sz="1800" kern="1200" dirty="0" smtClean="0">
-                        <a:solidFill>
-                          <a:schemeClr val="dk1"/>
-                        </a:solidFill>
-                        <a:latin typeface="+mn-lt"/>
-                        <a:ea typeface="+mn-ea"/>
-                        <a:cs typeface="+mn-cs"/>
-                      </a:endParaRPr>
-                    </a:p>
-                    <a:p>
-                      <a:pPr marL="0" marR="0" indent="0" algn="l" defTabSz="914400" rtl="0" eaLnBrk="1" fontAlgn="auto" latinLnBrk="0" hangingPunct="1">
-                        <a:lnSpc>
-                          <a:spcPct val="100000"/>
-                        </a:lnSpc>
-                        <a:spcBef>
-                          <a:spcPts val="0"/>
-                        </a:spcBef>
-                        <a:spcAft>
-                          <a:spcPts val="0"/>
-                        </a:spcAft>
-                        <a:buClrTx/>
-                        <a:buSzTx/>
-                        <a:buFontTx/>
-                        <a:buNone/>
-                        <a:tabLst/>
-                        <a:defRPr/>
-                      </a:pPr>
-                      <a:r>
-                        <a:rPr lang="zh-CN" altLang="en-US" sz="1800" kern="1200" dirty="0" smtClean="0">
-                          <a:solidFill>
-                            <a:srgbClr val="FF0000"/>
-                          </a:solidFill>
-                          <a:latin typeface="+mn-lt"/>
-                          <a:ea typeface="+mn-ea"/>
-                          <a:cs typeface="+mn-cs"/>
-                        </a:rPr>
-                        <a:t>实时响应，实时处理</a:t>
-                      </a:r>
-                    </a:p>
-                    <a:p>
-                      <a:pPr marL="0" algn="l" defTabSz="914400" rtl="0" eaLnBrk="1" latinLnBrk="0" hangingPunct="1"/>
-                      <a:endParaRPr lang="zh-CN" altLang="en-US" sz="1800" kern="1200" dirty="0">
-                        <a:solidFill>
-                          <a:schemeClr val="dk1"/>
-                        </a:solidFill>
-                        <a:latin typeface="+mn-lt"/>
-                        <a:ea typeface="+mn-ea"/>
-                        <a:cs typeface="+mn-cs"/>
-                      </a:endParaRPr>
-                    </a:p>
-                  </a:txBody>
-                  <a:tcPr anchor="ctr"/>
-                </a:tc>
-              </a:tr>
-              <a:tr h="370840">
-                <a:tc>
-                  <a:txBody>
-                    <a:bodyPr/>
-                    <a:lstStyle/>
-                    <a:p>
-                      <a:pPr marL="0" algn="l" defTabSz="914400" rtl="0" eaLnBrk="1" latinLnBrk="0" hangingPunct="1"/>
-                      <a:r>
-                        <a:rPr lang="zh-CN" altLang="en-US" sz="1800" kern="1200" dirty="0" smtClean="0">
-                          <a:solidFill>
-                            <a:schemeClr val="dk1"/>
-                          </a:solidFill>
-                          <a:latin typeface="+mn-lt"/>
-                          <a:ea typeface="+mn-ea"/>
-                          <a:cs typeface="+mn-cs"/>
-                        </a:rPr>
-                        <a:t>可扩展性、可维护性</a:t>
-                      </a:r>
-                      <a:endParaRPr lang="zh-CN" altLang="en-US" sz="1800" kern="1200" dirty="0">
-                        <a:solidFill>
-                          <a:schemeClr val="dk1"/>
-                        </a:solidFill>
-                        <a:latin typeface="+mn-lt"/>
-                        <a:ea typeface="+mn-ea"/>
-                        <a:cs typeface="+mn-cs"/>
-                      </a:endParaRPr>
-                    </a:p>
-                  </a:txBody>
-                  <a:tcPr/>
-                </a:tc>
-                <a:tc>
-                  <a:txBody>
-                    <a:bodyPr/>
-                    <a:lstStyle/>
-                    <a:p>
-                      <a:pPr marL="0" algn="l" defTabSz="914400" rtl="0" eaLnBrk="1" latinLnBrk="0" hangingPunct="1"/>
-                      <a:r>
-                        <a:rPr lang="zh-CN" altLang="en-US" sz="1800" kern="1200" dirty="0" smtClean="0">
-                          <a:solidFill>
-                            <a:schemeClr val="dk1"/>
-                          </a:solidFill>
-                          <a:latin typeface="+mn-lt"/>
-                          <a:ea typeface="+mn-ea"/>
-                          <a:cs typeface="+mn-cs"/>
-                        </a:rPr>
-                        <a:t>可拓展性差、可维护性差</a:t>
-                      </a:r>
-                      <a:endParaRPr lang="zh-CN" altLang="en-US" sz="1800" kern="1200" dirty="0">
-                        <a:solidFill>
-                          <a:schemeClr val="dk1"/>
-                        </a:solidFill>
-                        <a:latin typeface="+mn-lt"/>
-                        <a:ea typeface="+mn-ea"/>
-                        <a:cs typeface="+mn-cs"/>
-                      </a:endParaRPr>
-                    </a:p>
-                  </a:txBody>
-                  <a:tcPr/>
-                </a:tc>
-                <a:tc>
-                  <a:txBody>
-                    <a:bodyPr/>
-                    <a:lstStyle/>
-                    <a:p>
-                      <a:pPr marL="0" algn="l" defTabSz="914400" rtl="0" eaLnBrk="1" latinLnBrk="0" hangingPunct="1"/>
-                      <a:r>
-                        <a:rPr lang="zh-CN" altLang="en-US" sz="1800" kern="1200" dirty="0">
-                          <a:solidFill>
-                            <a:schemeClr val="dk1"/>
-                          </a:solidFill>
-                          <a:latin typeface="+mn-lt"/>
-                          <a:ea typeface="+mn-ea"/>
-                          <a:cs typeface="+mn-cs"/>
-                        </a:rPr>
-                        <a:t>模块化、结构</a:t>
-                      </a:r>
-                      <a:r>
-                        <a:rPr lang="zh-CN" altLang="en-US" sz="1800" kern="1200" dirty="0" smtClean="0">
-                          <a:solidFill>
-                            <a:schemeClr val="dk1"/>
-                          </a:solidFill>
-                          <a:latin typeface="+mn-lt"/>
-                          <a:ea typeface="+mn-ea"/>
-                          <a:cs typeface="+mn-cs"/>
-                        </a:rPr>
-                        <a:t>清晰</a:t>
-                      </a:r>
-                      <a:endParaRPr lang="en-US" altLang="zh-CN" sz="1800" kern="1200" dirty="0" smtClean="0">
-                        <a:solidFill>
-                          <a:schemeClr val="dk1"/>
-                        </a:solidFill>
-                        <a:latin typeface="+mn-lt"/>
-                        <a:ea typeface="+mn-ea"/>
-                        <a:cs typeface="+mn-cs"/>
-                      </a:endParaRPr>
-                    </a:p>
-                  </a:txBody>
-                  <a:tcPr anchor="ctr"/>
-                </a:tc>
-              </a:tr>
-            </a:tbl>
-          </a:graphicData>
-        </a:graphic>
-      </p:graphicFrame>
-    </p:spTree>
-    <p:extLst>
-      <p:ext uri="{BB962C8B-B14F-4D97-AF65-F5344CB8AC3E}">
-        <p14:creationId xmlns:p14="http://schemas.microsoft.com/office/powerpoint/2010/main" val="20692077"/>
-      </p:ext>
-    </p:extLst>
-  </p:cSld>
-  <p:clrMapOvr>
-    <a:masterClrMapping/>
-  </p:clrMapOvr>
-  <p:timing>
-    <p:tnLst>
-      <p:par>
-        <p:cTn id="1" dur="indefinite" restart="never" nodeType="tmRoot"/>
-      </p:par>
-    </p:tnLst>
-  </p:timing>
-</p:sld>
-</file>
-
-<file path=ppt/slides/slide27.xml><?xml version="1.0" encoding="utf-8"?>
-<p:sld xmlns:a="http://schemas.openxmlformats.org/drawingml/2006/main" xmlns:r="http://schemas.openxmlformats.org/officeDocument/2006/relationships" xmlns:p="http://schemas.openxmlformats.org/presentationml/2006/main">
-  <p:cSld>
-    <p:spTree>
-      <p:nvGrpSpPr>
-        <p:cNvPr id="1" name=""/>
-        <p:cNvGrpSpPr/>
-        <p:nvPr/>
-      </p:nvGrpSpPr>
-      <p:grpSpPr>
-        <a:xfrm>
-          <a:off x="0" y="0"/>
-          <a:ext cx="0" cy="0"/>
-          <a:chOff x="0" y="0"/>
-          <a:chExt cx="0" cy="0"/>
-        </a:xfrm>
-      </p:grpSpPr>
-      <p:sp>
-        <p:nvSpPr>
-          <p:cNvPr id="3" name="页脚占位符 2"/>
-          <p:cNvSpPr>
-            <a:spLocks noGrp="1"/>
-          </p:cNvSpPr>
-          <p:nvPr>
-            <p:ph type="ftr" sz="quarter" idx="11"/>
-          </p:nvPr>
-        </p:nvSpPr>
-        <p:spPr>
-          <a:xfrm>
-            <a:off x="0" y="6381328"/>
-            <a:ext cx="9144000" cy="365125"/>
-          </a:xfrm>
-        </p:spPr>
-        <p:txBody>
-          <a:bodyPr/>
-          <a:lstStyle/>
-          <a:p>
-            <a:r>
-              <a:rPr lang="en-US" altLang="zh-CN" b="1" dirty="0"/>
-              <a:t>RT-Thread </a:t>
-            </a:r>
-            <a:r>
-              <a:rPr lang="zh-CN" altLang="en-US" b="1" dirty="0"/>
-              <a:t>物联网操作系统</a:t>
-            </a:r>
-            <a:r>
-              <a:rPr lang="en-US" altLang="zh-CN" b="1" dirty="0"/>
-              <a:t>							</a:t>
-            </a:r>
-            <a:r>
-              <a:rPr lang="zh-CN" altLang="en-US" sz="1100" b="1" dirty="0"/>
-              <a:t>学习交流群：</a:t>
-            </a:r>
-            <a:r>
-              <a:rPr lang="en-US" altLang="zh-CN" sz="1100" b="1" dirty="0">
-                <a:solidFill>
-                  <a:srgbClr val="FF0000"/>
-                </a:solidFill>
-                <a:latin typeface="Malgun Gothic" pitchFamily="34" charset="-127"/>
-                <a:ea typeface="Malgun Gothic" pitchFamily="34" charset="-127"/>
-              </a:rPr>
-              <a:t>783234154</a:t>
-            </a:r>
-            <a:endParaRPr lang="zh-CN" altLang="en-US" b="1" dirty="0">
-              <a:solidFill>
-                <a:srgbClr val="FF0000"/>
-              </a:solidFill>
-              <a:latin typeface="Malgun Gothic" pitchFamily="34" charset="-127"/>
-              <a:ea typeface="Malgun Gothic" pitchFamily="34" charset="-127"/>
-            </a:endParaRPr>
-          </a:p>
-        </p:txBody>
-      </p:sp>
-      <p:sp>
-        <p:nvSpPr>
-          <p:cNvPr id="4" name="灯片编号占位符 3"/>
-          <p:cNvSpPr>
-            <a:spLocks noGrp="1"/>
-          </p:cNvSpPr>
-          <p:nvPr>
-            <p:ph type="sldNum" sz="quarter" idx="12"/>
-          </p:nvPr>
-        </p:nvSpPr>
-        <p:spPr>
-          <a:xfrm>
-            <a:off x="3995936" y="6381328"/>
-            <a:ext cx="1161826" cy="365125"/>
-          </a:xfrm>
-        </p:spPr>
-        <p:txBody>
-          <a:bodyPr/>
-          <a:lstStyle/>
-          <a:p>
-            <a:fld id="{0C913308-F349-4B6D-A68A-DD1791B4A57B}" type="slidenum">
-              <a:rPr lang="zh-CN" altLang="en-US" smtClean="0"/>
-              <a:t>27</a:t>
-            </a:fld>
-            <a:endParaRPr lang="zh-CN" altLang="en-US" dirty="0"/>
-          </a:p>
-        </p:txBody>
-      </p:sp>
-      <p:sp>
-        <p:nvSpPr>
-          <p:cNvPr id="5" name="标题 4"/>
-          <p:cNvSpPr>
-            <a:spLocks noGrp="1"/>
-          </p:cNvSpPr>
-          <p:nvPr>
-            <p:ph type="title"/>
-          </p:nvPr>
-        </p:nvSpPr>
-        <p:spPr/>
-        <p:txBody>
-          <a:bodyPr>
-            <a:normAutofit/>
-          </a:bodyPr>
-          <a:lstStyle/>
-          <a:p>
-            <a:r>
-              <a:rPr lang="zh-CN" altLang="en-US" dirty="0" smtClean="0"/>
-              <a:t>目前常用的实时操作系统</a:t>
-            </a:r>
-            <a:endParaRPr lang="zh-CN" altLang="en-US" dirty="0"/>
-          </a:p>
-        </p:txBody>
-      </p:sp>
-      <p:sp>
-        <p:nvSpPr>
-          <p:cNvPr id="2" name="内容占位符 1"/>
-          <p:cNvSpPr>
-            <a:spLocks noGrp="1"/>
-          </p:cNvSpPr>
-          <p:nvPr>
-            <p:ph idx="1"/>
-          </p:nvPr>
-        </p:nvSpPr>
-        <p:spPr/>
-        <p:txBody>
-          <a:bodyPr/>
-          <a:lstStyle/>
-          <a:p>
-            <a:r>
-              <a:rPr lang="zh-CN" altLang="en-US" dirty="0"/>
-              <a:t>常用的 </a:t>
-            </a:r>
-            <a:r>
-              <a:rPr lang="en-US" altLang="zh-CN" dirty="0"/>
-              <a:t>RTOS </a:t>
-            </a:r>
-            <a:r>
-              <a:rPr lang="zh-CN" altLang="en-US" dirty="0"/>
-              <a:t>有国外的 </a:t>
-            </a:r>
-            <a:r>
-              <a:rPr lang="en-US" altLang="zh-CN" dirty="0" err="1"/>
-              <a:t>FreeRTOS</a:t>
-            </a:r>
-            <a:r>
-              <a:rPr lang="zh-CN" altLang="en-US" dirty="0" smtClean="0"/>
-              <a:t>、</a:t>
-            </a:r>
-            <a:r>
-              <a:rPr lang="el-GR" altLang="zh-CN" dirty="0" smtClean="0"/>
-              <a:t>μ</a:t>
-            </a:r>
-            <a:r>
-              <a:rPr lang="en-US" altLang="zh-CN" dirty="0"/>
-              <a:t>C/OS</a:t>
-            </a:r>
-            <a:r>
-              <a:rPr lang="zh-CN" altLang="en-US" dirty="0"/>
-              <a:t>、 </a:t>
-            </a:r>
-            <a:r>
-              <a:rPr lang="en-US" altLang="zh-CN" dirty="0"/>
-              <a:t>RTX </a:t>
-            </a:r>
-            <a:r>
-              <a:rPr lang="zh-CN" altLang="en-US" dirty="0"/>
-              <a:t>和国内的 </a:t>
-            </a:r>
-            <a:r>
-              <a:rPr lang="en-US" altLang="zh-CN" dirty="0"/>
-              <a:t>RT-Thread</a:t>
-            </a:r>
-            <a:r>
-              <a:rPr lang="zh-CN" altLang="en-US" dirty="0"/>
-              <a:t>、 </a:t>
-            </a:r>
-            <a:r>
-              <a:rPr lang="en-US" altLang="zh-CN" dirty="0"/>
-              <a:t>Huawei </a:t>
-            </a:r>
-            <a:r>
-              <a:rPr lang="en-US" altLang="zh-CN" dirty="0" err="1"/>
-              <a:t>LiteOS</a:t>
-            </a:r>
-            <a:r>
-              <a:rPr lang="en-US" altLang="zh-CN" dirty="0"/>
-              <a:t> </a:t>
-            </a:r>
-            <a:r>
-              <a:rPr lang="zh-CN" altLang="en-US" dirty="0"/>
-              <a:t>和 </a:t>
-            </a:r>
-            <a:r>
-              <a:rPr lang="en-US" altLang="zh-CN" dirty="0" err="1"/>
-              <a:t>AliOS</a:t>
-            </a:r>
-            <a:r>
-              <a:rPr lang="en-US" altLang="zh-CN" dirty="0"/>
-              <a:t>-Things </a:t>
-            </a:r>
-            <a:r>
-              <a:rPr lang="zh-CN" altLang="en-US" dirty="0"/>
-              <a:t>等， 其中尤以国外开</a:t>
-            </a:r>
-            <a:r>
-              <a:rPr lang="zh-CN" altLang="en-US" dirty="0" smtClean="0"/>
-              <a:t>源且</a:t>
-            </a:r>
-            <a:r>
-              <a:rPr lang="zh-CN" altLang="en-US" dirty="0"/>
-              <a:t>免费的 </a:t>
-            </a:r>
-            <a:r>
-              <a:rPr lang="en-US" altLang="zh-CN" dirty="0" err="1"/>
-              <a:t>FreeRTOS</a:t>
-            </a:r>
-            <a:r>
-              <a:rPr lang="en-US" altLang="zh-CN" dirty="0"/>
-              <a:t> </a:t>
-            </a:r>
-            <a:r>
-              <a:rPr lang="zh-CN" altLang="en-US" dirty="0"/>
-              <a:t>的市场占有率最高。如今国产的 </a:t>
-            </a:r>
-            <a:r>
-              <a:rPr lang="en-US" altLang="zh-CN" dirty="0"/>
-              <a:t>RT-Thread </a:t>
-            </a:r>
-            <a:r>
-              <a:rPr lang="zh-CN" altLang="en-US" dirty="0"/>
-              <a:t>经过 </a:t>
-            </a:r>
-            <a:r>
-              <a:rPr lang="en-US" altLang="zh-CN" dirty="0"/>
-              <a:t>10 </a:t>
-            </a:r>
-            <a:r>
-              <a:rPr lang="zh-CN" altLang="en-US" dirty="0"/>
-              <a:t>来年的发展，</a:t>
-            </a:r>
-            <a:r>
-              <a:rPr lang="zh-CN" altLang="en-US" dirty="0" smtClean="0"/>
-              <a:t>声势迅猛</a:t>
-            </a:r>
-            <a:r>
-              <a:rPr lang="zh-CN" altLang="en-US" dirty="0"/>
-              <a:t>，在国产 </a:t>
-            </a:r>
-            <a:r>
-              <a:rPr lang="en-US" altLang="zh-CN" dirty="0"/>
-              <a:t>RTOS </a:t>
-            </a:r>
-            <a:r>
-              <a:rPr lang="zh-CN" altLang="en-US" dirty="0"/>
-              <a:t>中占据鳌头。 </a:t>
-            </a:r>
-            <a:br>
-              <a:rPr lang="zh-CN" altLang="en-US" dirty="0"/>
-            </a:br>
-            <a:endParaRPr lang="zh-CN" altLang="en-US" dirty="0"/>
-          </a:p>
-        </p:txBody>
-      </p:sp>
-    </p:spTree>
-    <p:extLst>
-      <p:ext uri="{BB962C8B-B14F-4D97-AF65-F5344CB8AC3E}">
-        <p14:creationId xmlns:p14="http://schemas.microsoft.com/office/powerpoint/2010/main" val="3028038668"/>
-      </p:ext>
-    </p:extLst>
-  </p:cSld>
-  <p:clrMapOvr>
-    <a:masterClrMapping/>
-  </p:clrMapOvr>
-  <p:timing>
-    <p:tnLst>
-      <p:par>
-        <p:cTn id="1" dur="indefinite" restart="never" nodeType="tmRoot"/>
-      </p:par>
-    </p:tnLst>
-  </p:timing>
-</p:sld>
-</file>
-
-<file path=ppt/slides/slide28.xml><?xml version="1.0" encoding="utf-8"?>
-<p:sld xmlns:a="http://schemas.openxmlformats.org/drawingml/2006/main" xmlns:r="http://schemas.openxmlformats.org/officeDocument/2006/relationships" xmlns:p="http://schemas.openxmlformats.org/presentationml/2006/main">
-  <p:cSld>
-    <p:spTree>
-      <p:nvGrpSpPr>
-        <p:cNvPr id="1" name=""/>
-        <p:cNvGrpSpPr/>
-        <p:nvPr/>
-      </p:nvGrpSpPr>
-      <p:grpSpPr>
-        <a:xfrm>
-          <a:off x="0" y="0"/>
-          <a:ext cx="0" cy="0"/>
-          <a:chOff x="0" y="0"/>
-          <a:chExt cx="0" cy="0"/>
-        </a:xfrm>
-      </p:grpSpPr>
-      <p:sp>
-        <p:nvSpPr>
-          <p:cNvPr id="3" name="页脚占位符 2"/>
-          <p:cNvSpPr>
-            <a:spLocks noGrp="1"/>
-          </p:cNvSpPr>
-          <p:nvPr>
-            <p:ph type="ftr" sz="quarter" idx="11"/>
-          </p:nvPr>
-        </p:nvSpPr>
-        <p:spPr>
-          <a:xfrm>
-            <a:off x="0" y="6381328"/>
-            <a:ext cx="9144000" cy="365125"/>
-          </a:xfrm>
-        </p:spPr>
-        <p:txBody>
-          <a:bodyPr/>
-          <a:lstStyle/>
-          <a:p>
-            <a:r>
-              <a:rPr lang="en-US" altLang="zh-CN" b="1" dirty="0"/>
-              <a:t>RT-Thread </a:t>
-            </a:r>
-            <a:r>
-              <a:rPr lang="zh-CN" altLang="en-US" b="1" dirty="0"/>
-              <a:t>物联网操作系统</a:t>
-            </a:r>
-            <a:r>
-              <a:rPr lang="en-US" altLang="zh-CN" b="1" dirty="0"/>
-              <a:t>							</a:t>
-            </a:r>
-            <a:r>
-              <a:rPr lang="zh-CN" altLang="en-US" sz="1100" b="1" dirty="0"/>
-              <a:t>学习交流群：</a:t>
-            </a:r>
-            <a:r>
-              <a:rPr lang="en-US" altLang="zh-CN" sz="1100" b="1" dirty="0">
-                <a:solidFill>
-                  <a:srgbClr val="FF0000"/>
-                </a:solidFill>
-                <a:latin typeface="Malgun Gothic" pitchFamily="34" charset="-127"/>
-                <a:ea typeface="Malgun Gothic" pitchFamily="34" charset="-127"/>
-              </a:rPr>
-              <a:t>783234154</a:t>
-            </a:r>
-            <a:endParaRPr lang="zh-CN" altLang="en-US" b="1" dirty="0">
-              <a:solidFill>
-                <a:srgbClr val="FF0000"/>
-              </a:solidFill>
-              <a:latin typeface="Malgun Gothic" pitchFamily="34" charset="-127"/>
-              <a:ea typeface="Malgun Gothic" pitchFamily="34" charset="-127"/>
-            </a:endParaRPr>
-          </a:p>
-        </p:txBody>
-      </p:sp>
-      <p:sp>
-        <p:nvSpPr>
-          <p:cNvPr id="4" name="灯片编号占位符 3"/>
-          <p:cNvSpPr>
-            <a:spLocks noGrp="1"/>
-          </p:cNvSpPr>
-          <p:nvPr>
-            <p:ph type="sldNum" sz="quarter" idx="12"/>
-          </p:nvPr>
-        </p:nvSpPr>
-        <p:spPr>
-          <a:xfrm>
-            <a:off x="3995936" y="6381328"/>
-            <a:ext cx="1161826" cy="365125"/>
-          </a:xfrm>
-        </p:spPr>
-        <p:txBody>
-          <a:bodyPr/>
-          <a:lstStyle/>
-          <a:p>
-            <a:fld id="{0C913308-F349-4B6D-A68A-DD1791B4A57B}" type="slidenum">
-              <a:rPr lang="zh-CN" altLang="en-US" smtClean="0"/>
-              <a:t>28</a:t>
-            </a:fld>
-            <a:endParaRPr lang="zh-CN" altLang="en-US" dirty="0"/>
-          </a:p>
-        </p:txBody>
-      </p:sp>
-      <p:sp>
-        <p:nvSpPr>
-          <p:cNvPr id="5" name="标题 4"/>
-          <p:cNvSpPr>
-            <a:spLocks noGrp="1"/>
-          </p:cNvSpPr>
-          <p:nvPr>
-            <p:ph type="title"/>
-          </p:nvPr>
-        </p:nvSpPr>
-        <p:spPr/>
-        <p:txBody>
-          <a:bodyPr>
-            <a:normAutofit/>
-          </a:bodyPr>
-          <a:lstStyle/>
-          <a:p>
-            <a:r>
-              <a:rPr lang="zh-CN" altLang="en-US" dirty="0" smtClean="0"/>
-              <a:t>简单了解</a:t>
-            </a:r>
-            <a:r>
-              <a:rPr lang="en-US" altLang="zh-CN" dirty="0"/>
-              <a:t>RT-Thread </a:t>
-            </a:r>
-            <a:endParaRPr lang="zh-CN" altLang="en-US" dirty="0"/>
-          </a:p>
-        </p:txBody>
-      </p:sp>
-      <p:sp>
-        <p:nvSpPr>
-          <p:cNvPr id="2" name="内容占位符 1"/>
-          <p:cNvSpPr>
-            <a:spLocks noGrp="1"/>
-          </p:cNvSpPr>
-          <p:nvPr>
-            <p:ph idx="1"/>
-          </p:nvPr>
-        </p:nvSpPr>
-        <p:spPr/>
-        <p:txBody>
-          <a:bodyPr/>
-          <a:lstStyle/>
-          <a:p>
-            <a:r>
-              <a:rPr lang="zh-CN" altLang="en-US" dirty="0" smtClean="0"/>
-              <a:t>官网：</a:t>
-            </a:r>
-            <a:r>
-              <a:rPr lang="en-US" altLang="zh-CN" dirty="0" smtClean="0">
-                <a:hlinkClick r:id="rId2"/>
-              </a:rPr>
-              <a:t>https://www.rt-thread.org/</a:t>
-            </a:r>
-            <a:endParaRPr lang="zh-CN" altLang="en-US" dirty="0"/>
-          </a:p>
-        </p:txBody>
-      </p:sp>
-    </p:spTree>
-    <p:extLst>
-      <p:ext uri="{BB962C8B-B14F-4D97-AF65-F5344CB8AC3E}">
-        <p14:creationId xmlns:p14="http://schemas.microsoft.com/office/powerpoint/2010/main" val="2431188215"/>
-      </p:ext>
-    </p:extLst>
-  </p:cSld>
-  <p:clrMapOvr>
-    <a:masterClrMapping/>
-  </p:clrMapOvr>
-  <p:timing>
-    <p:tnLst>
-      <p:par>
-        <p:cTn id="1" dur="indefinite" restart="never" nodeType="tmRoot"/>
-      </p:par>
-    </p:tnLst>
   </p:timing>
 </p:sld>
 </file>
@@ -25570,11 +23025,7 @@
             </a:r>
             <a:r>
               <a:rPr lang="zh-CN" altLang="en-US" sz="1800" dirty="0"/>
-              <a:t>的成员，这些成员共同描述了线程的全部信息</a:t>
-            </a:r>
-            <a:r>
-              <a:rPr lang="zh-CN" altLang="en-US" sz="1800" dirty="0"/>
-              <a:t> </a:t>
+              <a:t>的成员，这些成员共同描述了线程的全部信息 </a:t>
             </a:r>
             <a:r>
               <a:rPr lang="zh-CN" altLang="en-US" sz="1800" dirty="0" smtClean="0"/>
@@ -25630,7 +23081,6 @@
               <a:rPr lang="zh-CN" altLang="en-US" sz="1800" dirty="0"/>
               <a:t>它会存放线程的一些信息，例如优先级、线程名称、线程状态等，也包含线程与线程之间连接用的链表结构，线程等待事件集合等，详细定义如下：</a:t>
             </a:r>
-            <a:endParaRPr lang="zh-CN" altLang="en-US" sz="1800" dirty="0"/>
           </a:p>
         </p:txBody>
       </p:sp>
@@ -26682,17 +24132,7 @@
                 <a:latin typeface="等线" pitchFamily="2" charset="-122"/>
                 <a:ea typeface="等线" pitchFamily="2" charset="-122"/>
               </a:rPr>
-              <a:t>，再存入新的数值</a:t>
-            </a:r>
-            <a:r>
-              <a:rPr lang="zh-CN" altLang="en-US" sz="1600" dirty="0">
-                <a:solidFill>
-                  <a:schemeClr val="tx1"/>
-                </a:solidFill>
-                <a:latin typeface="等线" pitchFamily="2" charset="-122"/>
-                <a:ea typeface="等线" pitchFamily="2" charset="-122"/>
-              </a:rPr>
-              <a:t> </a:t>
+              <a:t>，再存入新的数值 </a:t>
             </a:r>
           </a:p>
         </p:txBody>

--- a/PPT/rt-thread 02.pptx
+++ b/PPT/rt-thread 02.pptx
@@ -11,7 +11,7 @@
     <p:handoutMasterId r:id="rId25"/>
   </p:handoutMasterIdLst>
   <p:sldIdLst>
-    <p:sldId id="256" r:id="rId2"/>
+    <p:sldId id="335" r:id="rId2"/>
     <p:sldId id="295" r:id="rId3"/>
     <p:sldId id="305" r:id="rId4"/>
     <p:sldId id="306" r:id="rId5"/>
@@ -216,7 +216,7 @@
           <a:p>
             <a:fld id="{8B6B50D4-DC46-4FA5-9704-2840A656EC7A}" type="datetimeFigureOut">
               <a:rPr lang="zh-CN" altLang="en-US" smtClean="0"/>
-              <a:t>2019/2/19</a:t>
+              <a:t>2019/2/28</a:t>
             </a:fld>
             <a:endParaRPr lang="zh-CN" altLang="en-US"/>
           </a:p>
@@ -382,7 +382,7 @@
           <a:p>
             <a:fld id="{FB19586E-944B-48E1-81D9-06C4EFA15864}" type="datetimeFigureOut">
               <a:rPr lang="zh-CN" altLang="en-US" smtClean="0"/>
-              <a:t>2019/2/19</a:t>
+              <a:t>2019/2/28</a:t>
             </a:fld>
             <a:endParaRPr lang="zh-CN" altLang="en-US"/>
           </a:p>
@@ -2585,7 +2585,7 @@
           <a:p>
             <a:fld id="{F8CA1488-D7B7-42B6-8503-8A90F8AD1DF0}" type="datetime1">
               <a:rPr lang="zh-CN" altLang="en-US" smtClean="0"/>
-              <a:t>2019/2/19</a:t>
+              <a:t>2019/2/28</a:t>
             </a:fld>
             <a:endParaRPr lang="zh-CN" altLang="en-US"/>
           </a:p>
@@ -2774,7 +2774,7 @@
           <a:p>
             <a:fld id="{5F7243A5-32FB-4A51-AC80-21698845C31E}" type="datetime1">
               <a:rPr lang="zh-CN" altLang="en-US" smtClean="0"/>
-              <a:t>2019/2/19</a:t>
+              <a:t>2019/2/28</a:t>
             </a:fld>
             <a:endParaRPr lang="zh-CN" altLang="en-US"/>
           </a:p>
@@ -2933,7 +2933,7 @@
           <a:p>
             <a:fld id="{C5E7343D-3CFE-434C-9C7A-936DF2B0A8BE}" type="datetime1">
               <a:rPr lang="zh-CN" altLang="en-US" smtClean="0"/>
-              <a:t>2019/2/19</a:t>
+              <a:t>2019/2/28</a:t>
             </a:fld>
             <a:endParaRPr lang="zh-CN" altLang="en-US"/>
           </a:p>
@@ -4767,7 +4767,7 @@
           <a:p>
             <a:fld id="{3C8F402B-BC23-4035-88EA-F4FDA627CB55}" type="datetime1">
               <a:rPr lang="zh-CN" altLang="en-US" smtClean="0"/>
-              <a:t>2019/2/19</a:t>
+              <a:t>2019/2/28</a:t>
             </a:fld>
             <a:endParaRPr lang="zh-CN" altLang="en-US"/>
           </a:p>
@@ -6645,7 +6645,7 @@
           <a:p>
             <a:fld id="{C1F82A06-2548-44D3-A19E-982ED1AAA96F}" type="datetime1">
               <a:rPr lang="zh-CN" altLang="en-US" smtClean="0"/>
-              <a:t>2019/2/19</a:t>
+              <a:t>2019/2/28</a:t>
             </a:fld>
             <a:endParaRPr lang="zh-CN" altLang="en-US"/>
           </a:p>
@@ -6766,7 +6766,7 @@
           <a:p>
             <a:fld id="{3523644A-2FAA-4AAE-A514-C40039FFB6DD}" type="datetime1">
               <a:rPr lang="zh-CN" altLang="en-US" smtClean="0"/>
-              <a:t>2019/2/19</a:t>
+              <a:t>2019/2/28</a:t>
             </a:fld>
             <a:endParaRPr lang="zh-CN" altLang="en-US"/>
           </a:p>
@@ -7315,7 +7315,7 @@
           <a:p>
             <a:fld id="{9CEEB67C-6140-43E7-8AF1-6844C2E187B5}" type="datetime1">
               <a:rPr lang="zh-CN" altLang="en-US" smtClean="0"/>
-              <a:t>2019/2/19</a:t>
+              <a:t>2019/2/28</a:t>
             </a:fld>
             <a:endParaRPr lang="zh-CN" altLang="en-US"/>
           </a:p>
@@ -7436,7 +7436,7 @@
           <a:p>
             <a:fld id="{2E4DECCF-2FD0-4F0C-99DD-4FC96FDBAB00}" type="datetime1">
               <a:rPr lang="zh-CN" altLang="en-US" smtClean="0"/>
-              <a:t>2019/2/19</a:t>
+              <a:t>2019/2/28</a:t>
             </a:fld>
             <a:endParaRPr lang="zh-CN" altLang="en-US"/>
           </a:p>
@@ -9155,7 +9155,7 @@
           <a:p>
             <a:fld id="{3186CEFE-9785-4F55-9473-FF42FB85EF1C}" type="datetime1">
               <a:rPr lang="zh-CN" altLang="en-US" smtClean="0"/>
-              <a:t>2019/2/19</a:t>
+              <a:t>2019/2/28</a:t>
             </a:fld>
             <a:endParaRPr lang="zh-CN" altLang="en-US"/>
           </a:p>
@@ -9314,7 +9314,7 @@
           <a:p>
             <a:fld id="{2268FE20-1511-4A02-8C5B-67D3988ECE5D}" type="datetime1">
               <a:rPr lang="zh-CN" altLang="en-US" smtClean="0"/>
-              <a:t>2019/2/19</a:t>
+              <a:t>2019/2/28</a:t>
             </a:fld>
             <a:endParaRPr lang="zh-CN" altLang="en-US"/>
           </a:p>
@@ -12937,7 +12937,7 @@
           <a:p>
             <a:fld id="{163CA4D3-F700-49F6-9B85-C4F1E684FD0B}" type="datetime1">
               <a:rPr lang="zh-CN" altLang="en-US" smtClean="0"/>
-              <a:t>2019/2/19</a:t>
+              <a:t>2019/2/28</a:t>
             </a:fld>
             <a:endParaRPr lang="zh-CN" altLang="en-US"/>
           </a:p>
@@ -14804,7 +14804,7 @@
           <a:p>
             <a:fld id="{CE3EC6D9-9C2B-421A-9204-0F3984D7E0B6}" type="datetime1">
               <a:rPr lang="zh-CN" altLang="en-US" smtClean="0"/>
-              <a:t>2019/2/19</a:t>
+              <a:t>2019/2/28</a:t>
             </a:fld>
             <a:endParaRPr lang="zh-CN" altLang="en-US"/>
           </a:p>
@@ -15581,8 +15581,8 @@
         </p:nvSpPr>
         <p:spPr>
           <a:xfrm>
-            <a:off x="4355976" y="2780928"/>
-            <a:ext cx="3839513" cy="2031325"/>
+            <a:off x="4355976" y="2564904"/>
+            <a:ext cx="3993401" cy="2585323"/>
           </a:xfrm>
           <a:prstGeom prst="rect">
             <a:avLst/>
@@ -15596,28 +15596,12 @@
           <a:lstStyle/>
           <a:p>
             <a:r>
-              <a:rPr lang="zh-CN" altLang="en-US" dirty="0">
-                <a:latin typeface="Arial Unicode MS" pitchFamily="34" charset="-122"/>
-                <a:ea typeface="Arial Unicode MS" pitchFamily="34" charset="-122"/>
-                <a:cs typeface="Arial Unicode MS" pitchFamily="34" charset="-122"/>
-              </a:rPr>
-              <a:t>博</a:t>
-            </a:r>
-            <a:r>
-              <a:rPr lang="zh-CN" altLang="en-US" dirty="0" smtClean="0">
-                <a:latin typeface="Arial Unicode MS" pitchFamily="34" charset="-122"/>
-                <a:ea typeface="Arial Unicode MS" pitchFamily="34" charset="-122"/>
-                <a:cs typeface="Arial Unicode MS" pitchFamily="34" charset="-122"/>
-              </a:rPr>
-              <a:t>客 </a:t>
-            </a:r>
-            <a:r>
               <a:rPr lang="en-US" altLang="zh-CN" dirty="0" smtClean="0">
                 <a:latin typeface="Arial Unicode MS" pitchFamily="34" charset="-122"/>
                 <a:ea typeface="Arial Unicode MS" pitchFamily="34" charset="-122"/>
                 <a:cs typeface="Arial Unicode MS" pitchFamily="34" charset="-122"/>
               </a:rPr>
-              <a:t>: </a:t>
+              <a:t>CSDN: </a:t>
             </a:r>
             <a:r>
               <a:rPr lang="en-US" altLang="zh-CN" dirty="0" smtClean="0">
@@ -15643,6 +15627,46 @@
           </a:p>
           <a:p>
             <a:r>
+              <a:rPr lang="zh-CN" altLang="en-US" dirty="0" smtClean="0">
+                <a:latin typeface="Arial Unicode MS" pitchFamily="34" charset="-122"/>
+                <a:ea typeface="Arial Unicode MS" pitchFamily="34" charset="-122"/>
+                <a:cs typeface="Arial Unicode MS" pitchFamily="34" charset="-122"/>
+              </a:rPr>
+              <a:t>博客：</a:t>
+            </a:r>
+            <a:r>
+              <a:rPr lang="en-US" altLang="zh-CN" dirty="0">
+                <a:latin typeface="Arial Unicode MS" pitchFamily="34" charset="-122"/>
+                <a:ea typeface="Arial Unicode MS" pitchFamily="34" charset="-122"/>
+                <a:cs typeface="Arial Unicode MS" pitchFamily="34" charset="-122"/>
+                <a:hlinkClick r:id="rId5"/>
+              </a:rPr>
+              <a:t>https://</a:t>
+            </a:r>
+            <a:r>
+              <a:rPr lang="en-US" altLang="zh-CN" dirty="0" smtClean="0">
+                <a:latin typeface="Arial Unicode MS" pitchFamily="34" charset="-122"/>
+                <a:ea typeface="Arial Unicode MS" pitchFamily="34" charset="-122"/>
+                <a:cs typeface="Arial Unicode MS" pitchFamily="34" charset="-122"/>
+                <a:hlinkClick r:id="rId5"/>
+              </a:rPr>
+              <a:t>jiejietop.cn</a:t>
+            </a:r>
+            <a:endParaRPr lang="en-US" altLang="zh-CN" dirty="0" smtClean="0">
+              <a:latin typeface="Arial Unicode MS" pitchFamily="34" charset="-122"/>
+              <a:ea typeface="Arial Unicode MS" pitchFamily="34" charset="-122"/>
+              <a:cs typeface="Arial Unicode MS" pitchFamily="34" charset="-122"/>
+            </a:endParaRPr>
+          </a:p>
+          <a:p>
+            <a:endParaRPr lang="en-US" altLang="zh-CN" dirty="0" smtClean="0">
+              <a:latin typeface="Arial Unicode MS" pitchFamily="34" charset="-122"/>
+              <a:ea typeface="Arial Unicode MS" pitchFamily="34" charset="-122"/>
+              <a:cs typeface="Arial Unicode MS" pitchFamily="34" charset="-122"/>
+            </a:endParaRPr>
+          </a:p>
+          <a:p>
+            <a:r>
               <a:rPr lang="en-US" altLang="zh-CN" dirty="0" err="1" smtClean="0">
                 <a:latin typeface="Arial Unicode MS" pitchFamily="34" charset="-122"/>
                 <a:ea typeface="Arial Unicode MS" pitchFamily="34" charset="-122"/>
@@ -15663,7 +15687,7 @@
                 <a:latin typeface="Arial Unicode MS" pitchFamily="34" charset="-122"/>
                 <a:ea typeface="Arial Unicode MS" pitchFamily="34" charset="-122"/>
                 <a:cs typeface="Arial Unicode MS" pitchFamily="34" charset="-122"/>
-                <a:hlinkClick r:id="rId5"/>
+                <a:hlinkClick r:id="rId6"/>
               </a:rPr>
               <a:t>https://github.com/jiejieTop</a:t>
             </a:r>
@@ -15694,7 +15718,7 @@
                 <a:latin typeface="Arial Unicode MS" pitchFamily="34" charset="-122"/>
                 <a:ea typeface="Arial Unicode MS" pitchFamily="34" charset="-122"/>
                 <a:cs typeface="Arial Unicode MS" pitchFamily="34" charset="-122"/>
-                <a:hlinkClick r:id="rId6"/>
+                <a:hlinkClick r:id="rId7"/>
               </a:rPr>
               <a:t>jiejietop@gmail.com</a:t>
             </a:r>
@@ -15741,7 +15765,7 @@
                 <a:latin typeface="Arial Unicode MS" pitchFamily="34" charset="-122"/>
                 <a:ea typeface="Arial Unicode MS" pitchFamily="34" charset="-122"/>
                 <a:cs typeface="Arial Unicode MS" pitchFamily="34" charset="-122"/>
-                <a:hlinkClick r:id="rId7" action="ppaction://hlinkfile"/>
+                <a:hlinkClick r:id="rId8" action="ppaction://hlinkfile"/>
               </a:rPr>
               <a:t>1161959934</a:t>
             </a:r>
@@ -15793,7 +15817,7 @@
     </p:spTree>
     <p:extLst>
       <p:ext uri="{BB962C8B-B14F-4D97-AF65-F5344CB8AC3E}">
-        <p14:creationId xmlns:p14="http://schemas.microsoft.com/office/powerpoint/2010/main" val="2333691722"/>
+        <p14:creationId xmlns:p14="http://schemas.microsoft.com/office/powerpoint/2010/main" val="3337812278"/>
       </p:ext>
     </p:extLst>
   </p:cSld>
@@ -18553,11 +18577,7 @@
             </a:r>
             <a:r>
               <a:rPr lang="zh-CN" altLang="en-US" sz="1800" dirty="0"/>
-              <a:t>函数之前把这些工作都做好了。</a:t>
-            </a:r>
-            <a:r>
-              <a:rPr lang="zh-CN" altLang="en-US" sz="1800" dirty="0"/>
-              <a:t> </a:t>
+              <a:t>函数之前把这些工作都做好了。 </a:t>
             </a:r>
             <a:r>
               <a:rPr lang="zh-CN" altLang="en-US" dirty="0"/>
@@ -18977,11 +18997,7 @@
             </a:r>
             <a:r>
               <a:rPr lang="zh-CN" altLang="en-US" dirty="0"/>
-              <a:t>来实现。</a:t>
-            </a:r>
-            <a:r>
-              <a:rPr lang="zh-CN" altLang="en-US" dirty="0"/>
-              <a:t> </a:t>
+              <a:t>来实现。 </a:t>
             </a:r>
             <a:br>
               <a:rPr lang="zh-CN" altLang="en-US" dirty="0"/>
@@ -20316,11 +20332,7 @@
             </a:br>
             <a:r>
               <a:rPr lang="zh-CN" altLang="en-US" sz="1400" dirty="0"/>
-              <a:t> 不应该陷入死循环，需要留出部分时间用于系统处理系统资源回收。</a:t>
-            </a:r>
-            <a:r>
-              <a:rPr lang="zh-CN" altLang="en-US" sz="1400" dirty="0"/>
-              <a:t> </a:t>
+              <a:t> 不应该陷入死循环，需要留出部分时间用于系统处理系统资源回收。 </a:t>
             </a:r>
             <a:r>
               <a:rPr lang="zh-CN" altLang="en-US" sz="1050" dirty="0"/>
@@ -20414,7 +20426,23 @@
                   <a:schemeClr val="tx1"/>
                 </a:solidFill>
               </a:rPr>
-              <a:t>的线程调度器是抢占式的，主要的工作就是从就绪线程列表中查找最高优先级线程，保证最高优先级的线程能够被运行，最高优先级的任务一旦就绪，总能得到 </a:t>
+              <a:t>的线程调度器是抢占式的，主要的工作就是从就绪线程列表中查找最高优先级线程，保证最高优先级的线程能够被运行，最高优先级</a:t>
+            </a:r>
+            <a:r>
+              <a:rPr lang="zh-CN" altLang="en-US" sz="2000" dirty="0" smtClean="0">
+                <a:solidFill>
+                  <a:schemeClr val="tx1"/>
+                </a:solidFill>
+              </a:rPr>
+              <a:t>的线程一旦</a:t>
+            </a:r>
+            <a:r>
+              <a:rPr lang="zh-CN" altLang="en-US" sz="2000" dirty="0">
+                <a:solidFill>
+                  <a:schemeClr val="tx1"/>
+                </a:solidFill>
+              </a:rPr>
+              <a:t>就绪，总能得到 </a:t>
             </a:r>
             <a:r>
               <a:rPr lang="en-US" altLang="zh-CN" sz="2000" dirty="0">
@@ -20569,11 +20597,7 @@
           <a:p>
             <a:r>
               <a:rPr lang="zh-CN" altLang="en-US" dirty="0" smtClean="0"/>
-              <a:t>启动线程</a:t>
-            </a:r>
-            <a:r>
-              <a:rPr lang="zh-CN" altLang="en-US" dirty="0" smtClean="0"/>
-              <a:t>调度</a:t>
+              <a:t>启动线程调度</a:t>
             </a:r>
             <a:r>
               <a:rPr lang="zh-CN" altLang="en-US" dirty="0"/>
@@ -21298,7 +21322,15 @@
             </a:r>
             <a:r>
               <a:rPr lang="zh-CN" altLang="en-US" dirty="0"/>
-              <a:t>日常生活中，我们要完成一个大任务，一般会将它分解成多个简单、容易解决的小问题，小问题逐个被解决，大问题也就随之解决了</a:t>
+              <a:t>日常生活中，我们</a:t>
+            </a:r>
+            <a:r>
+              <a:rPr lang="zh-CN" altLang="en-US" dirty="0" smtClean="0"/>
+              <a:t>要解决一个大问题，</a:t>
+            </a:r>
+            <a:r>
+              <a:rPr lang="zh-CN" altLang="en-US" dirty="0"/>
+              <a:t>一般会将它分解成多个简单、容易解决的小问题，小问题逐个被解决，大问题也就随之解决了</a:t>
             </a:r>
             <a:r>
               <a:rPr lang="zh-CN" altLang="en-US" dirty="0" smtClean="0"/>
@@ -21316,15 +21348,55 @@
             </a:r>
             <a:r>
               <a:rPr lang="zh-CN" altLang="en-US" dirty="0"/>
-              <a:t>多线程操作系统中，也同样需要开发人员把一个复杂的应用分解成多个小的、可调度的、序列化的程序单元，当合理地划分任务并正确地执行时，这种设计能够让系统满足实时系统的性能及时间的要求，例如让嵌入式系统执行这样的任务，系统通过传感器采集数据，并通过显示屏将数据显示出来，在多线程实时系统中，可以将这个任务分解成两个子任务</a:t>
+              <a:t>多线程操作系统中，也同样需要开发人员把一个复杂的应用分解成多个小的、可调度的、序列化的程序单元，当合理地</a:t>
             </a:r>
             <a:r>
               <a:rPr lang="zh-CN" altLang="en-US" dirty="0" smtClean="0"/>
-              <a:t>，一</a:t>
+              <a:t>划分线程并</a:t>
             </a:r>
             <a:r>
               <a:rPr lang="zh-CN" altLang="en-US" dirty="0"/>
-              <a:t>个子任务不间断地读取传感器数据，并将数据写到共享内存中，另外一个子任务周期性的从共享内存中读取数据，并将传感器数据输出到显示屏上。</a:t>
+              <a:t>正确地执行时，这种设计能够让系统满足实时系统的性能及时间的要求，例如让嵌入式系统执行这样</a:t>
+            </a:r>
+            <a:r>
+              <a:rPr lang="zh-CN" altLang="en-US" dirty="0" smtClean="0"/>
+              <a:t>的线程，</a:t>
+            </a:r>
+            <a:r>
+              <a:rPr lang="zh-CN" altLang="en-US" dirty="0"/>
+              <a:t>系统通过传感器采集数据，并通过显示屏将数据显示出来，在多线程实时系统中，可以将</a:t>
+            </a:r>
+            <a:r>
+              <a:rPr lang="zh-CN" altLang="en-US" dirty="0" smtClean="0"/>
+              <a:t>这个线程分解</a:t>
+            </a:r>
+            <a:r>
+              <a:rPr lang="zh-CN" altLang="en-US" dirty="0"/>
+              <a:t>成两</a:t>
+            </a:r>
+            <a:r>
+              <a:rPr lang="zh-CN" altLang="en-US" dirty="0" smtClean="0"/>
+              <a:t>个子线程，</a:t>
+            </a:r>
+            <a:r>
+              <a:rPr lang="zh-CN" altLang="en-US" dirty="0" smtClean="0"/>
+              <a:t>一</a:t>
+            </a:r>
+            <a:r>
+              <a:rPr lang="zh-CN" altLang="en-US" dirty="0" smtClean="0"/>
+              <a:t>个子线程不</a:t>
+            </a:r>
+            <a:r>
+              <a:rPr lang="zh-CN" altLang="en-US" dirty="0"/>
+              <a:t>间断地读取传感器数据，并将数据写到共享内存中，另外一</a:t>
+            </a:r>
+            <a:r>
+              <a:rPr lang="zh-CN" altLang="en-US" dirty="0" smtClean="0"/>
+              <a:t>个子线程周期性</a:t>
+            </a:r>
+            <a:r>
+              <a:rPr lang="zh-CN" altLang="en-US" dirty="0"/>
+              <a:t>的从共享内存中读取数据，并将传感器数据输出到显示屏上。</a:t>
             </a:r>
           </a:p>
         </p:txBody>
@@ -21470,7 +21542,7 @@
         </p:blipFill>
         <p:spPr bwMode="auto">
           <a:xfrm>
-            <a:off x="2222398" y="1844824"/>
+            <a:off x="2123727" y="764704"/>
             <a:ext cx="4695825" cy="1133475"/>
           </a:xfrm>
           <a:prstGeom prst="rect">
@@ -21649,8 +21721,28 @@
             <a:pPr marL="0" indent="0">
               <a:buNone/>
             </a:pPr>
-            <a:r>
-              <a:rPr lang="zh-CN" altLang="en-US" sz="2000" dirty="0">
+            <a:endParaRPr lang="en-US" altLang="zh-CN" sz="2000" dirty="0" smtClean="0">
+              <a:solidFill>
+                <a:schemeClr val="tx1"/>
+              </a:solidFill>
+            </a:endParaRPr>
+          </a:p>
+          <a:p>
+            <a:pPr marL="0" indent="0">
+              <a:buNone/>
+            </a:pPr>
+            <a:endParaRPr lang="en-US" altLang="zh-CN" sz="2000" dirty="0">
+              <a:solidFill>
+                <a:schemeClr val="tx1"/>
+              </a:solidFill>
+            </a:endParaRPr>
+          </a:p>
+          <a:p>
+            <a:pPr marL="0" indent="0">
+              <a:buNone/>
+            </a:pPr>
+            <a:r>
+              <a:rPr lang="zh-CN" altLang="en-US" sz="2000" dirty="0" smtClean="0">
                 <a:solidFill>
                   <a:schemeClr val="tx1"/>
                 </a:solidFill>
@@ -21679,15 +21771,15 @@
                   <a:schemeClr val="tx1"/>
                 </a:solidFill>
               </a:rPr>
-              <a:t>，线程</a:t>
-            </a:r>
-            <a:r>
-              <a:rPr lang="zh-CN" altLang="en-US" sz="2000" dirty="0">
+              <a:t>，</a:t>
+            </a:r>
+            <a:r>
+              <a:rPr lang="zh-CN" altLang="en-US" sz="2000" dirty="0" smtClean="0">
                 <a:solidFill>
                   <a:schemeClr val="tx1"/>
                 </a:solidFill>
               </a:rPr>
-              <a:t>是实现任务的载体，它是 </a:t>
+              <a:t>线程是 </a:t>
             </a:r>
             <a:r>
               <a:rPr lang="en-US" altLang="zh-CN" sz="2000" dirty="0">
@@ -21703,7 +21795,87 @@
                   <a:schemeClr val="tx1"/>
                 </a:solidFill>
               </a:rPr>
-              <a:t>中最基本的调度单位，它描述了一个任务执行的运行环境，也描述了这个任务所处的优先等级，重要的任务可设置相对较高的优先级，非重要的任务可以设置较低的优先级，不同的任务还可以设置相同的优先级，轮流运行</a:t>
+              <a:t>中最基本的调度单位，它描述了一</a:t>
+            </a:r>
+            <a:r>
+              <a:rPr lang="zh-CN" altLang="en-US" sz="2000" dirty="0" smtClean="0">
+                <a:solidFill>
+                  <a:schemeClr val="tx1"/>
+                </a:solidFill>
+              </a:rPr>
+              <a:t>个线程执行</a:t>
+            </a:r>
+            <a:r>
+              <a:rPr lang="zh-CN" altLang="en-US" sz="2000" dirty="0">
+                <a:solidFill>
+                  <a:schemeClr val="tx1"/>
+                </a:solidFill>
+              </a:rPr>
+              <a:t>的运行环境，也描述了</a:t>
+            </a:r>
+            <a:r>
+              <a:rPr lang="zh-CN" altLang="en-US" sz="2000" dirty="0" smtClean="0">
+                <a:solidFill>
+                  <a:schemeClr val="tx1"/>
+                </a:solidFill>
+              </a:rPr>
+              <a:t>这个线程所</a:t>
+            </a:r>
+            <a:r>
+              <a:rPr lang="zh-CN" altLang="en-US" sz="2000" dirty="0">
+                <a:solidFill>
+                  <a:schemeClr val="tx1"/>
+                </a:solidFill>
+              </a:rPr>
+              <a:t>处的优先等级，重要</a:t>
+            </a:r>
+            <a:r>
+              <a:rPr lang="zh-CN" altLang="en-US" sz="2000" dirty="0" smtClean="0">
+                <a:solidFill>
+                  <a:schemeClr val="tx1"/>
+                </a:solidFill>
+              </a:rPr>
+              <a:t>的线程可</a:t>
+            </a:r>
+            <a:r>
+              <a:rPr lang="zh-CN" altLang="en-US" sz="2000" dirty="0">
+                <a:solidFill>
+                  <a:schemeClr val="tx1"/>
+                </a:solidFill>
+              </a:rPr>
+              <a:t>设置相对较高的优先级，非重要</a:t>
+            </a:r>
+            <a:r>
+              <a:rPr lang="zh-CN" altLang="en-US" sz="2000" dirty="0" smtClean="0">
+                <a:solidFill>
+                  <a:schemeClr val="tx1"/>
+                </a:solidFill>
+              </a:rPr>
+              <a:t>的线程可以</a:t>
+            </a:r>
+            <a:r>
+              <a:rPr lang="zh-CN" altLang="en-US" sz="2000" dirty="0">
+                <a:solidFill>
+                  <a:schemeClr val="tx1"/>
+                </a:solidFill>
+              </a:rPr>
+              <a:t>设置较低的优先级，不同</a:t>
+            </a:r>
+            <a:r>
+              <a:rPr lang="zh-CN" altLang="en-US" sz="2000" dirty="0" smtClean="0">
+                <a:solidFill>
+                  <a:schemeClr val="tx1"/>
+                </a:solidFill>
+              </a:rPr>
+              <a:t>的线程还</a:t>
+            </a:r>
+            <a:r>
+              <a:rPr lang="zh-CN" altLang="en-US" sz="2000" dirty="0">
+                <a:solidFill>
+                  <a:schemeClr val="tx1"/>
+                </a:solidFill>
+              </a:rPr>
+              <a:t>可以设置相同的优先级，轮流运行</a:t>
             </a:r>
             <a:r>
               <a:rPr lang="zh-CN" altLang="en-US" sz="2000" dirty="0" smtClean="0">
@@ -24022,17 +24194,17 @@
                 <a:latin typeface="等线" pitchFamily="2" charset="-122"/>
                 <a:ea typeface="等线" pitchFamily="2" charset="-122"/>
               </a:rPr>
-              <a:t>模型。堆栈</a:t>
-            </a:r>
-            <a:r>
-              <a:rPr lang="zh-CN" altLang="en-US" sz="1600" dirty="0">
+              <a:t>模型</a:t>
+            </a:r>
+            <a:r>
+              <a:rPr lang="zh-CN" altLang="en-US" sz="1600" dirty="0" smtClean="0">
                 <a:solidFill>
                   <a:schemeClr val="tx1"/>
                 </a:solidFill>
                 <a:latin typeface="等线" pitchFamily="2" charset="-122"/>
                 <a:ea typeface="等线" pitchFamily="2" charset="-122"/>
               </a:rPr>
-              <a:t>指针 </a:t>
+              <a:t>。栈指针 </a:t>
             </a:r>
             <a:r>
               <a:rPr lang="en-US" altLang="zh-CN" sz="1600" dirty="0">
@@ -24052,7 +24224,27 @@
                 <a:latin typeface="等线" pitchFamily="2" charset="-122"/>
                 <a:ea typeface="等线" pitchFamily="2" charset="-122"/>
               </a:rPr>
-              <a:t>指向最后一个被压入堆栈的 </a:t>
+              <a:t>指向最后一个被</a:t>
+            </a:r>
+            <a:r>
+              <a:rPr lang="zh-CN" altLang="en-US" sz="1600" dirty="0" smtClean="0">
+                <a:solidFill>
+                  <a:schemeClr val="tx1"/>
+                </a:solidFill>
+                <a:latin typeface="等线" pitchFamily="2" charset="-122"/>
+                <a:ea typeface="等线" pitchFamily="2" charset="-122"/>
+              </a:rPr>
+              <a:t>压入栈</a:t>
+            </a:r>
+            <a:r>
+              <a:rPr lang="zh-CN" altLang="en-US" sz="1600" dirty="0">
+                <a:solidFill>
+                  <a:schemeClr val="tx1"/>
+                </a:solidFill>
+                <a:latin typeface="等线" pitchFamily="2" charset="-122"/>
+                <a:ea typeface="等线" pitchFamily="2" charset="-122"/>
+              </a:rPr>
+              <a:t>的 </a:t>
             </a:r>
             <a:r>
               <a:rPr lang="en-US" altLang="zh-CN" sz="1600" dirty="0">
